--- a/literature & presentation/clustering_presentation.pptx
+++ b/literature & presentation/clustering_presentation.pptx
@@ -214,7 +214,7 @@
           <a:p>
             <a:fld id="{5191E409-3F0E-F149-AA52-0AF25D227FF4}" type="datetimeFigureOut">
               <a:rPr lang="de-DE" smtClean="0"/>
-              <a:t>22.06.20</a:t>
+              <a:t>23.06.20</a:t>
             </a:fld>
             <a:endParaRPr lang="de-DE"/>
           </a:p>
@@ -1515,7 +1515,7 @@
           <a:p>
             <a:fld id="{02AC24A9-CCB6-4F8D-B8DB-C2F3692CFA5A}" type="datetimeFigureOut">
               <a:rPr lang="en-US" smtClean="0"/>
-              <a:t>6/22/20</a:t>
+              <a:t>6/23/20</a:t>
             </a:fld>
             <a:endParaRPr lang="en-US" dirty="0"/>
           </a:p>
@@ -1885,7 +1885,7 @@
           <a:p>
             <a:fld id="{02AC24A9-CCB6-4F8D-B8DB-C2F3692CFA5A}" type="datetimeFigureOut">
               <a:rPr lang="en-US" smtClean="0"/>
-              <a:t>6/22/20</a:t>
+              <a:t>6/23/20</a:t>
             </a:fld>
             <a:endParaRPr lang="en-US"/>
           </a:p>
@@ -2094,7 +2094,7 @@
           <a:p>
             <a:fld id="{02AC24A9-CCB6-4F8D-B8DB-C2F3692CFA5A}" type="datetimeFigureOut">
               <a:rPr lang="en-US" smtClean="0"/>
-              <a:t>6/22/20</a:t>
+              <a:t>6/23/20</a:t>
             </a:fld>
             <a:endParaRPr lang="en-US"/>
           </a:p>
@@ -2564,7 +2564,7 @@
           <a:p>
             <a:fld id="{02AC24A9-CCB6-4F8D-B8DB-C2F3692CFA5A}" type="datetimeFigureOut">
               <a:rPr lang="en-US" smtClean="0"/>
-              <a:t>6/22/20</a:t>
+              <a:t>6/23/20</a:t>
             </a:fld>
             <a:endParaRPr lang="en-US"/>
           </a:p>
@@ -3018,7 +3018,7 @@
           <a:p>
             <a:fld id="{02AC24A9-CCB6-4F8D-B8DB-C2F3692CFA5A}" type="datetimeFigureOut">
               <a:rPr lang="en-US" smtClean="0"/>
-              <a:t>6/22/20</a:t>
+              <a:t>6/23/20</a:t>
             </a:fld>
             <a:endParaRPr lang="en-US"/>
           </a:p>
@@ -3550,7 +3550,7 @@
           <a:p>
             <a:fld id="{02AC24A9-CCB6-4F8D-B8DB-C2F3692CFA5A}" type="datetimeFigureOut">
               <a:rPr lang="en-US" smtClean="0"/>
-              <a:t>6/22/20</a:t>
+              <a:t>6/23/20</a:t>
             </a:fld>
             <a:endParaRPr lang="en-US"/>
           </a:p>
@@ -4249,7 +4249,7 @@
           <a:p>
             <a:fld id="{02AC24A9-CCB6-4F8D-B8DB-C2F3692CFA5A}" type="datetimeFigureOut">
               <a:rPr lang="en-US" smtClean="0"/>
-              <a:t>6/22/20</a:t>
+              <a:t>6/23/20</a:t>
             </a:fld>
             <a:endParaRPr lang="en-US"/>
           </a:p>
@@ -4578,7 +4578,7 @@
           <a:p>
             <a:fld id="{02AC24A9-CCB6-4F8D-B8DB-C2F3692CFA5A}" type="datetimeFigureOut">
               <a:rPr lang="en-US" smtClean="0"/>
-              <a:t>6/22/20</a:t>
+              <a:t>6/23/20</a:t>
             </a:fld>
             <a:endParaRPr lang="en-US"/>
           </a:p>
@@ -4691,7 +4691,7 @@
           <a:p>
             <a:fld id="{02AC24A9-CCB6-4F8D-B8DB-C2F3692CFA5A}" type="datetimeFigureOut">
               <a:rPr lang="en-US" smtClean="0"/>
-              <a:t>6/22/20</a:t>
+              <a:t>6/23/20</a:t>
             </a:fld>
             <a:endParaRPr lang="en-US"/>
           </a:p>
@@ -5186,7 +5186,7 @@
           <a:p>
             <a:fld id="{02AC24A9-CCB6-4F8D-B8DB-C2F3692CFA5A}" type="datetimeFigureOut">
               <a:rPr lang="en-US" smtClean="0"/>
-              <a:t>6/22/20</a:t>
+              <a:t>6/23/20</a:t>
             </a:fld>
             <a:endParaRPr lang="en-US" dirty="0"/>
           </a:p>
@@ -5663,7 +5663,7 @@
           <a:p>
             <a:fld id="{02AC24A9-CCB6-4F8D-B8DB-C2F3692CFA5A}" type="datetimeFigureOut">
               <a:rPr lang="en-US" smtClean="0"/>
-              <a:t>6/22/20</a:t>
+              <a:t>6/23/20</a:t>
             </a:fld>
             <a:endParaRPr lang="en-US"/>
           </a:p>
@@ -5906,7 +5906,7 @@
           <a:p>
             <a:fld id="{02AC24A9-CCB6-4F8D-B8DB-C2F3692CFA5A}" type="datetimeFigureOut">
               <a:rPr lang="en-US" smtClean="0"/>
-              <a:t>6/22/20</a:t>
+              <a:t>6/23/20</a:t>
             </a:fld>
             <a:endParaRPr lang="en-US"/>
           </a:p>
@@ -7098,7 +7098,7 @@
             </a:r>
             <a:r>
               <a:rPr lang="de-DE" sz="4000" dirty="0"/>
-              <a:t>: Funktioniert ein Clustering der literarischen Epochen?</a:t>
+              <a:t>: Funktioniert ein Clustering der Gedichte nach literarischen Epochen?</a:t>
             </a:r>
           </a:p>
           <a:p>
@@ -7108,7 +7108,7 @@
             </a:pPr>
             <a:r>
               <a:rPr lang="de-DE" sz="4000" dirty="0"/>
-              <a:t>Welche Epochen eignen sich gut zum Clustern?</a:t>
+              <a:t>Welche Epochen eignen sich gut fürs Clustering?</a:t>
             </a:r>
           </a:p>
           <a:p>
@@ -7121,7 +7121,7 @@
               <a:t>Kann durch ein Clustering eine Epocheneinteilung eines Literaturwissenschaftlers </a:t>
             </a:r>
             <a:r>
-              <a:rPr lang="de-DE" sz="4000" i="1" dirty="0"/>
+              <a:rPr lang="de-DE" sz="4000" b="1" i="1" dirty="0"/>
               <a:t>verifiziert</a:t>
             </a:r>
             <a:r>

--- a/literature & presentation/clustering_presentation.pptx
+++ b/literature & presentation/clustering_presentation.pptx
@@ -5,7 +5,7 @@
     <p:sldMasterId id="2147483732" r:id="rId1"/>
   </p:sldMasterIdLst>
   <p:notesMasterIdLst>
-    <p:notesMasterId r:id="rId20"/>
+    <p:notesMasterId r:id="rId22"/>
   </p:notesMasterIdLst>
   <p:sldIdLst>
     <p:sldId id="256" r:id="rId2"/>
@@ -23,9 +23,11 @@
     <p:sldId id="291" r:id="rId14"/>
     <p:sldId id="292" r:id="rId15"/>
     <p:sldId id="294" r:id="rId16"/>
-    <p:sldId id="279" r:id="rId17"/>
-    <p:sldId id="290" r:id="rId18"/>
-    <p:sldId id="293" r:id="rId19"/>
+    <p:sldId id="296" r:id="rId17"/>
+    <p:sldId id="295" r:id="rId18"/>
+    <p:sldId id="279" r:id="rId19"/>
+    <p:sldId id="290" r:id="rId20"/>
+    <p:sldId id="293" r:id="rId21"/>
   </p:sldIdLst>
   <p:sldSz cx="12192000" cy="6858000"/>
   <p:notesSz cx="6858000" cy="9144000"/>
@@ -1340,7 +1342,7 @@
           <a:p>
             <a:fld id="{49FFD0F6-1B54-1D42-B676-41E105B9815E}" type="slidenum">
               <a:rPr lang="de-DE" smtClean="0"/>
-              <a:t>18</a:t>
+              <a:t>20</a:t>
             </a:fld>
             <a:endParaRPr lang="de-DE"/>
           </a:p>
@@ -7075,7 +7077,7 @@
         <p:spPr>
           <a:xfrm>
             <a:off x="413657" y="870857"/>
-            <a:ext cx="11364686" cy="4401205"/>
+            <a:ext cx="11364686" cy="4984763"/>
           </a:xfrm>
           <a:prstGeom prst="rect">
             <a:avLst/>
@@ -7088,44 +7090,57 @@
           </a:bodyPr>
           <a:lstStyle/>
           <a:p>
+            <a:pPr marL="857250" indent="-857250">
+              <a:lnSpc>
+                <a:spcPct val="150000"/>
+              </a:lnSpc>
+              <a:buFont typeface="+mj-lt"/>
+              <a:buAutoNum type="arabicParenR"/>
+            </a:pPr>
+            <a:r>
+              <a:rPr lang="de-DE" sz="3600" dirty="0"/>
+              <a:t> </a:t>
+            </a:r>
+            <a:r>
+              <a:rPr lang="de-DE" sz="3600" b="1" dirty="0"/>
+              <a:t>Grundfrage</a:t>
+            </a:r>
+            <a:r>
+              <a:rPr lang="de-DE" sz="3600" dirty="0"/>
+              <a:t>: Funktioniert ein Clustering der   		Gedichte nach literarischen Epochen?</a:t>
+            </a:r>
+          </a:p>
+          <a:p>
             <a:pPr marL="514350" indent="-514350">
+              <a:lnSpc>
+                <a:spcPct val="150000"/>
+              </a:lnSpc>
               <a:buFont typeface="+mj-lt"/>
-              <a:buAutoNum type="arabicPeriod"/>
+              <a:buAutoNum type="arabicParenR"/>
             </a:pPr>
             <a:r>
-              <a:rPr lang="de-DE" sz="4000" u="sng" dirty="0"/>
-              <a:t>Grundfrage</a:t>
-            </a:r>
-            <a:r>
-              <a:rPr lang="de-DE" sz="4000" dirty="0"/>
-              <a:t>: Funktioniert ein Clustering der Gedichte nach literarischen Epochen?</a:t>
+              <a:rPr lang="de-DE" sz="3600" dirty="0"/>
+              <a:t> 	Welche Epochen eignen sich gut fürs Clustering?</a:t>
             </a:r>
           </a:p>
           <a:p>
             <a:pPr marL="514350" indent="-514350">
+              <a:lnSpc>
+                <a:spcPct val="150000"/>
+              </a:lnSpc>
               <a:buFont typeface="+mj-lt"/>
-              <a:buAutoNum type="arabicPeriod"/>
+              <a:buAutoNum type="arabicParenR"/>
             </a:pPr>
             <a:r>
-              <a:rPr lang="de-DE" sz="4000" dirty="0"/>
-              <a:t>Welche Epochen eignen sich gut fürs Clustering?</a:t>
-            </a:r>
-          </a:p>
-          <a:p>
-            <a:pPr marL="514350" indent="-514350">
-              <a:buFont typeface="+mj-lt"/>
-              <a:buAutoNum type="arabicPeriod"/>
-            </a:pPr>
-            <a:r>
-              <a:rPr lang="de-DE" sz="4000" dirty="0"/>
-              <a:t>Kann durch ein Clustering eine Epocheneinteilung eines Literaturwissenschaftlers </a:t>
-            </a:r>
-            <a:r>
-              <a:rPr lang="de-DE" sz="4000" b="1" i="1" dirty="0"/>
+              <a:rPr lang="de-DE" sz="3600" dirty="0"/>
+              <a:t> 	Kann durch ein Clustering eine 	Epocheneinteilung eines 	Literaturwissenschaftlers </a:t>
+            </a:r>
+            <a:r>
+              <a:rPr lang="de-DE" sz="3600" b="1" i="1" dirty="0"/>
               <a:t>verifiziert</a:t>
             </a:r>
             <a:r>
-              <a:rPr lang="de-DE" sz="4000" dirty="0"/>
+              <a:rPr lang="de-DE" sz="3600" dirty="0"/>
               <a:t> werden?</a:t>
             </a:r>
           </a:p>
@@ -7392,8 +7407,8 @@
         </p:nvSpPr>
         <p:spPr>
           <a:xfrm>
-            <a:off x="353782" y="2723906"/>
-            <a:ext cx="4064002" cy="707886"/>
+            <a:off x="183694" y="2723906"/>
+            <a:ext cx="4624615" cy="707886"/>
           </a:xfrm>
           <a:prstGeom prst="rect">
             <a:avLst/>
@@ -7412,8 +7427,8 @@
           <a:lstStyle/>
           <a:p>
             <a:r>
-              <a:rPr lang="de-DE" sz="4000" dirty="0" err="1"/>
-              <a:t>Epocheinteilung</a:t>
+              <a:rPr lang="de-DE" sz="4000" dirty="0"/>
+              <a:t>Epocheneinteilung</a:t>
             </a:r>
             <a:endParaRPr lang="de-DE" sz="2400" dirty="0"/>
           </a:p>
@@ -7729,6 +7744,98 @@
           </a:fontRef>
         </p:style>
       </p:cxnSp>
+      <p:sp>
+        <p:nvSpPr>
+          <p:cNvPr id="2" name="Right Brace 1">
+            <a:extLst>
+              <a:ext uri="{FF2B5EF4-FFF2-40B4-BE49-F238E27FC236}">
+                <a16:creationId xmlns:a16="http://schemas.microsoft.com/office/drawing/2014/main" id="{33C8E1EC-BA2A-DF47-AD2F-2341E7BD06DC}"/>
+              </a:ext>
+            </a:extLst>
+          </p:cNvPr>
+          <p:cNvSpPr/>
+          <p:nvPr/>
+        </p:nvSpPr>
+        <p:spPr>
+          <a:xfrm rot="16200000">
+            <a:off x="7536540" y="-441360"/>
+            <a:ext cx="696686" cy="4745527"/>
+          </a:xfrm>
+          <a:prstGeom prst="rightBrace">
+            <a:avLst>
+              <a:gd name="adj1" fmla="val 37924"/>
+              <a:gd name="adj2" fmla="val 50000"/>
+            </a:avLst>
+          </a:prstGeom>
+          <a:ln w="38100">
+            <a:solidFill>
+              <a:srgbClr val="C00000"/>
+            </a:solidFill>
+          </a:ln>
+        </p:spPr>
+        <p:style>
+          <a:lnRef idx="1">
+            <a:schemeClr val="accent1"/>
+          </a:lnRef>
+          <a:fillRef idx="0">
+            <a:schemeClr val="accent1"/>
+          </a:fillRef>
+          <a:effectRef idx="0">
+            <a:schemeClr val="accent1"/>
+          </a:effectRef>
+          <a:fontRef idx="minor">
+            <a:schemeClr val="tx1"/>
+          </a:fontRef>
+        </p:style>
+        <p:txBody>
+          <a:bodyPr rtlCol="0" anchor="ctr"/>
+          <a:lstStyle/>
+          <a:p>
+            <a:pPr algn="ctr"/>
+            <a:endParaRPr lang="de-DE"/>
+          </a:p>
+        </p:txBody>
+      </p:sp>
+      <p:sp>
+        <p:nvSpPr>
+          <p:cNvPr id="3" name="TextBox 2">
+            <a:extLst>
+              <a:ext uri="{FF2B5EF4-FFF2-40B4-BE49-F238E27FC236}">
+                <a16:creationId xmlns:a16="http://schemas.microsoft.com/office/drawing/2014/main" id="{BE1DEA25-E499-EA43-9128-34BE34119B6C}"/>
+              </a:ext>
+            </a:extLst>
+          </p:cNvPr>
+          <p:cNvSpPr txBox="1"/>
+          <p:nvPr/>
+        </p:nvSpPr>
+        <p:spPr>
+          <a:xfrm>
+            <a:off x="5250315" y="814822"/>
+            <a:ext cx="5269135" cy="584775"/>
+          </a:xfrm>
+          <a:prstGeom prst="rect">
+            <a:avLst/>
+          </a:prstGeom>
+          <a:noFill/>
+          <a:ln w="38100">
+            <a:solidFill>
+              <a:srgbClr val="C00000"/>
+            </a:solidFill>
+          </a:ln>
+        </p:spPr>
+        <p:txBody>
+          <a:bodyPr wrap="none" rtlCol="0">
+            <a:spAutoFit/>
+          </a:bodyPr>
+          <a:lstStyle/>
+          <a:p>
+            <a:r>
+              <a:rPr lang="de-DE" sz="3200" dirty="0"/>
+              <a:t>Kombination aller Epochen</a:t>
+            </a:r>
+          </a:p>
+        </p:txBody>
+      </p:sp>
     </p:spTree>
     <p:extLst>
       <p:ext uri="{BB962C8B-B14F-4D97-AF65-F5344CB8AC3E}">
@@ -7739,6 +7846,112 @@
   <p:clrMapOvr>
     <a:masterClrMapping/>
   </p:clrMapOvr>
+  <p:timing>
+    <p:tnLst>
+      <p:par>
+        <p:cTn id="1" dur="indefinite" restart="never" nodeType="tmRoot">
+          <p:childTnLst>
+            <p:seq concurrent="1" nextAc="seek">
+              <p:cTn id="2" dur="indefinite" nodeType="mainSeq">
+                <p:childTnLst>
+                  <p:par>
+                    <p:cTn id="3" fill="hold">
+                      <p:stCondLst>
+                        <p:cond delay="indefinite"/>
+                      </p:stCondLst>
+                      <p:childTnLst>
+                        <p:par>
+                          <p:cTn id="4" fill="hold">
+                            <p:stCondLst>
+                              <p:cond delay="0"/>
+                            </p:stCondLst>
+                            <p:childTnLst>
+                              <p:par>
+                                <p:cTn id="5" presetID="1" presetClass="entr" presetSubtype="0" fill="hold" grpId="0" nodeType="clickEffect">
+                                  <p:stCondLst>
+                                    <p:cond delay="0"/>
+                                  </p:stCondLst>
+                                  <p:childTnLst>
+                                    <p:set>
+                                      <p:cBhvr>
+                                        <p:cTn id="6" dur="1" fill="hold">
+                                          <p:stCondLst>
+                                            <p:cond delay="0"/>
+                                          </p:stCondLst>
+                                        </p:cTn>
+                                        <p:tgtEl>
+                                          <p:spTgt spid="2"/>
+                                        </p:tgtEl>
+                                        <p:attrNameLst>
+                                          <p:attrName>style.visibility</p:attrName>
+                                        </p:attrNameLst>
+                                      </p:cBhvr>
+                                      <p:to>
+                                        <p:strVal val="visible"/>
+                                      </p:to>
+                                    </p:set>
+                                  </p:childTnLst>
+                                </p:cTn>
+                              </p:par>
+                              <p:par>
+                                <p:cTn id="7" presetID="1" presetClass="entr" presetSubtype="0" fill="hold" grpId="0" nodeType="withEffect">
+                                  <p:stCondLst>
+                                    <p:cond delay="0"/>
+                                  </p:stCondLst>
+                                  <p:childTnLst>
+                                    <p:set>
+                                      <p:cBhvr>
+                                        <p:cTn id="8" dur="1" fill="hold">
+                                          <p:stCondLst>
+                                            <p:cond delay="0"/>
+                                          </p:stCondLst>
+                                        </p:cTn>
+                                        <p:tgtEl>
+                                          <p:spTgt spid="3"/>
+                                        </p:tgtEl>
+                                        <p:attrNameLst>
+                                          <p:attrName>style.visibility</p:attrName>
+                                        </p:attrNameLst>
+                                      </p:cBhvr>
+                                      <p:to>
+                                        <p:strVal val="visible"/>
+                                      </p:to>
+                                    </p:set>
+                                  </p:childTnLst>
+                                </p:cTn>
+                              </p:par>
+                            </p:childTnLst>
+                          </p:cTn>
+                        </p:par>
+                      </p:childTnLst>
+                    </p:cTn>
+                  </p:par>
+                </p:childTnLst>
+              </p:cTn>
+              <p:prevCondLst>
+                <p:cond evt="onPrev" delay="0">
+                  <p:tgtEl>
+                    <p:sldTgt/>
+                  </p:tgtEl>
+                </p:cond>
+              </p:prevCondLst>
+              <p:nextCondLst>
+                <p:cond evt="onNext" delay="0">
+                  <p:tgtEl>
+                    <p:sldTgt/>
+                  </p:tgtEl>
+                </p:cond>
+              </p:nextCondLst>
+            </p:seq>
+          </p:childTnLst>
+        </p:cTn>
+      </p:par>
+    </p:tnLst>
+    <p:bldLst>
+      <p:bldP spid="2" grpId="0" animBg="1"/>
+      <p:bldP spid="3" grpId="0" animBg="1"/>
+    </p:bldLst>
+  </p:timing>
 </p:sld>
 </file>
 
@@ -7764,6 +7977,897 @@
           <p:cNvPr id="2" name="Title 1">
             <a:extLst>
               <a:ext uri="{FF2B5EF4-FFF2-40B4-BE49-F238E27FC236}">
+                <a16:creationId xmlns:a16="http://schemas.microsoft.com/office/drawing/2014/main" id="{78F2E4E8-04EB-0142-91AE-BC0C88F0C119}"/>
+              </a:ext>
+            </a:extLst>
+          </p:cNvPr>
+          <p:cNvSpPr>
+            <a:spLocks noGrp="1"/>
+          </p:cNvSpPr>
+          <p:nvPr>
+            <p:ph type="title"/>
+          </p:nvPr>
+        </p:nvSpPr>
+        <p:spPr/>
+        <p:txBody>
+          <a:bodyPr/>
+          <a:lstStyle/>
+          <a:p>
+            <a:r>
+              <a:rPr lang="de-DE" b="1" dirty="0"/>
+              <a:t>K-</a:t>
+            </a:r>
+            <a:r>
+              <a:rPr lang="de-DE" b="1" dirty="0" err="1"/>
+              <a:t>Means</a:t>
+            </a:r>
+            <a:r>
+              <a:rPr lang="de-DE" b="1" dirty="0"/>
+              <a:t> Experimente</a:t>
+            </a:r>
+          </a:p>
+        </p:txBody>
+      </p:sp>
+    </p:spTree>
+    <p:extLst>
+      <p:ext uri="{BB962C8B-B14F-4D97-AF65-F5344CB8AC3E}">
+        <p14:creationId xmlns:p14="http://schemas.microsoft.com/office/powerpoint/2010/main" val="3778911843"/>
+      </p:ext>
+    </p:extLst>
+  </p:cSld>
+  <p:clrMapOvr>
+    <a:masterClrMapping/>
+  </p:clrMapOvr>
+</p:sld>
+</file>
+
+<file path=ppt/slides/slide17.xml><?xml version="1.0" encoding="utf-8"?>
+<p:sld xmlns:a="http://schemas.openxmlformats.org/drawingml/2006/main" xmlns:r="http://schemas.openxmlformats.org/officeDocument/2006/relationships" xmlns:p="http://schemas.openxmlformats.org/presentationml/2006/main">
+  <p:cSld>
+    <p:bg>
+      <p:bgPr>
+        <a:solidFill>
+          <a:schemeClr val="bg1"/>
+        </a:solidFill>
+        <a:effectLst/>
+      </p:bgPr>
+    </p:bg>
+    <p:spTree>
+      <p:nvGrpSpPr>
+        <p:cNvPr id="1" name=""/>
+        <p:cNvGrpSpPr/>
+        <p:nvPr/>
+      </p:nvGrpSpPr>
+      <p:grpSpPr>
+        <a:xfrm>
+          <a:off x="0" y="0"/>
+          <a:ext cx="0" cy="0"/>
+          <a:chOff x="0" y="0"/>
+          <a:chExt cx="0" cy="0"/>
+        </a:xfrm>
+      </p:grpSpPr>
+      <p:sp useBgFill="1">
+        <p:nvSpPr>
+          <p:cNvPr id="19" name="Rectangle 10">
+            <a:extLst>
+              <a:ext uri="{FF2B5EF4-FFF2-40B4-BE49-F238E27FC236}">
+                <a16:creationId xmlns:a16="http://schemas.microsoft.com/office/drawing/2014/main" id="{2550BE34-C2B8-49B8-8519-67A8CAD51AE9}"/>
+              </a:ext>
+              <a:ext uri="{C183D7F6-B498-43B3-948B-1728B52AA6E4}">
+                <adec:decorative xmlns:adec="http://schemas.microsoft.com/office/drawing/2017/decorative" val="1"/>
+              </a:ext>
+            </a:extLst>
+          </p:cNvPr>
+          <p:cNvSpPr>
+            <a:spLocks noGrp="1" noRot="1" noChangeAspect="1" noMove="1" noResize="1" noEditPoints="1" noAdjustHandles="1" noChangeArrowheads="1" noChangeShapeType="1" noTextEdit="1"/>
+          </p:cNvSpPr>
+          <p:nvPr>
+            <p:extLst>
+              <p:ext uri="{386F3935-93C4-4BCD-93E2-E3B085C9AB24}">
+                <p16:designElem xmlns:p16="http://schemas.microsoft.com/office/powerpoint/2015/main" val="1"/>
+              </p:ext>
+            </p:extLst>
+          </p:nvPr>
+        </p:nvSpPr>
+        <p:spPr>
+          <a:xfrm>
+            <a:off x="0" y="0"/>
+            <a:ext cx="12192000" cy="6858000"/>
+          </a:xfrm>
+          <a:prstGeom prst="rect">
+            <a:avLst/>
+          </a:prstGeom>
+          <a:ln>
+            <a:noFill/>
+          </a:ln>
+        </p:spPr>
+        <p:style>
+          <a:lnRef idx="2">
+            <a:schemeClr val="accent1">
+              <a:shade val="50000"/>
+            </a:schemeClr>
+          </a:lnRef>
+          <a:fillRef idx="1">
+            <a:schemeClr val="accent1"/>
+          </a:fillRef>
+          <a:effectRef idx="0">
+            <a:schemeClr val="accent1"/>
+          </a:effectRef>
+          <a:fontRef idx="minor">
+            <a:schemeClr val="lt1"/>
+          </a:fontRef>
+        </p:style>
+        <p:txBody>
+          <a:bodyPr rtlCol="0" anchor="ctr"/>
+          <a:lstStyle/>
+          <a:p>
+            <a:pPr algn="ctr"/>
+            <a:endParaRPr lang="en-US"/>
+          </a:p>
+        </p:txBody>
+      </p:sp>
+      <p:sp useBgFill="1">
+        <p:nvSpPr>
+          <p:cNvPr id="20" name="Rectangle 12">
+            <a:extLst>
+              <a:ext uri="{FF2B5EF4-FFF2-40B4-BE49-F238E27FC236}">
+                <a16:creationId xmlns:a16="http://schemas.microsoft.com/office/drawing/2014/main" id="{A7457DD9-5A45-400A-AB4B-4B4EDECA25F1}"/>
+              </a:ext>
+              <a:ext uri="{C183D7F6-B498-43B3-948B-1728B52AA6E4}">
+                <adec:decorative xmlns:adec="http://schemas.microsoft.com/office/drawing/2017/decorative" val="1"/>
+              </a:ext>
+            </a:extLst>
+          </p:cNvPr>
+          <p:cNvSpPr>
+            <a:spLocks noGrp="1" noRot="1" noChangeAspect="1" noMove="1" noResize="1" noEditPoints="1" noAdjustHandles="1" noChangeArrowheads="1" noChangeShapeType="1" noTextEdit="1"/>
+          </p:cNvSpPr>
+          <p:nvPr>
+            <p:extLst>
+              <p:ext uri="{386F3935-93C4-4BCD-93E2-E3B085C9AB24}">
+                <p16:designElem xmlns:p16="http://schemas.microsoft.com/office/powerpoint/2015/main" val="1"/>
+              </p:ext>
+            </p:extLst>
+          </p:nvPr>
+        </p:nvSpPr>
+        <p:spPr>
+          <a:xfrm>
+            <a:off x="554416" y="365125"/>
+            <a:ext cx="11167447" cy="2089317"/>
+          </a:xfrm>
+          <a:prstGeom prst="rect">
+            <a:avLst/>
+          </a:prstGeom>
+          <a:ln w="12700">
+            <a:solidFill>
+              <a:schemeClr val="tx2">
+                <a:lumMod val="10000"/>
+                <a:lumOff val="90000"/>
+              </a:schemeClr>
+            </a:solidFill>
+          </a:ln>
+          <a:effectLst>
+            <a:outerShdw blurRad="50800" dist="38100" dir="2700000" algn="tl" rotWithShape="0">
+              <a:schemeClr val="bg2">
+                <a:lumMod val="85000"/>
+                <a:alpha val="30000"/>
+              </a:schemeClr>
+            </a:outerShdw>
+          </a:effectLst>
+        </p:spPr>
+        <p:style>
+          <a:lnRef idx="2">
+            <a:schemeClr val="accent1">
+              <a:shade val="50000"/>
+            </a:schemeClr>
+          </a:lnRef>
+          <a:fillRef idx="1">
+            <a:schemeClr val="accent1"/>
+          </a:fillRef>
+          <a:effectRef idx="0">
+            <a:schemeClr val="accent1"/>
+          </a:effectRef>
+          <a:fontRef idx="minor">
+            <a:schemeClr val="lt1"/>
+          </a:fontRef>
+        </p:style>
+        <p:txBody>
+          <a:bodyPr rtlCol="0" anchor="ctr"/>
+          <a:lstStyle/>
+          <a:p>
+            <a:pPr marL="0" marR="0" lvl="0" indent="0" algn="ctr" defTabSz="914400" rtl="0" eaLnBrk="1" fontAlgn="auto" latinLnBrk="0" hangingPunct="1">
+              <a:lnSpc>
+                <a:spcPct val="100000"/>
+              </a:lnSpc>
+              <a:spcBef>
+                <a:spcPts val="0"/>
+              </a:spcBef>
+              <a:spcAft>
+                <a:spcPts val="0"/>
+              </a:spcAft>
+              <a:buClrTx/>
+              <a:buSzTx/>
+              <a:buFontTx/>
+              <a:buNone/>
+              <a:tabLst/>
+              <a:defRPr/>
+            </a:pPr>
+            <a:endParaRPr kumimoji="0" lang="en-US" sz="1800" b="0" i="0" u="none" strike="noStrike" kern="1200" cap="none" spc="0" normalizeH="0" baseline="0" noProof="0">
+              <a:ln>
+                <a:noFill/>
+              </a:ln>
+              <a:solidFill>
+                <a:prstClr val="white"/>
+              </a:solidFill>
+              <a:effectLst/>
+              <a:uLnTx/>
+              <a:uFillTx/>
+              <a:latin typeface="Calibri" panose="020F0502020204030204"/>
+              <a:ea typeface="+mn-ea"/>
+              <a:cs typeface="+mn-cs"/>
+            </a:endParaRPr>
+          </a:p>
+        </p:txBody>
+      </p:sp>
+      <p:sp>
+        <p:nvSpPr>
+          <p:cNvPr id="3" name="Title 2">
+            <a:extLst>
+              <a:ext uri="{FF2B5EF4-FFF2-40B4-BE49-F238E27FC236}">
+                <a16:creationId xmlns:a16="http://schemas.microsoft.com/office/drawing/2014/main" id="{2B0244FE-E892-4648-B9A2-7F22D047434E}"/>
+              </a:ext>
+            </a:extLst>
+          </p:cNvPr>
+          <p:cNvSpPr>
+            <a:spLocks noGrp="1"/>
+          </p:cNvSpPr>
+          <p:nvPr>
+            <p:ph type="title"/>
+          </p:nvPr>
+        </p:nvSpPr>
+        <p:spPr>
+          <a:xfrm>
+            <a:off x="1046746" y="586822"/>
+            <a:ext cx="3537285" cy="1645920"/>
+          </a:xfrm>
+        </p:spPr>
+        <p:txBody>
+          <a:bodyPr vert="horz" lIns="91440" tIns="45720" rIns="91440" bIns="45720" rtlCol="0" anchor="ctr">
+            <a:normAutofit/>
+          </a:bodyPr>
+          <a:lstStyle/>
+          <a:p>
+            <a:r>
+              <a:rPr lang="en-US" sz="3200" b="1" dirty="0"/>
+              <a:t>K-Means (I)</a:t>
+            </a:r>
+          </a:p>
+        </p:txBody>
+      </p:sp>
+      <p:sp>
+        <p:nvSpPr>
+          <p:cNvPr id="21" name="Rectangle 14">
+            <a:extLst>
+              <a:ext uri="{FF2B5EF4-FFF2-40B4-BE49-F238E27FC236}">
+                <a16:creationId xmlns:a16="http://schemas.microsoft.com/office/drawing/2014/main" id="{441CF7D6-A660-431A-B0BB-140A0D5556B6}"/>
+              </a:ext>
+              <a:ext uri="{C183D7F6-B498-43B3-948B-1728B52AA6E4}">
+                <adec:decorative xmlns:adec="http://schemas.microsoft.com/office/drawing/2017/decorative" val="1"/>
+              </a:ext>
+            </a:extLst>
+          </p:cNvPr>
+          <p:cNvSpPr>
+            <a:spLocks noGrp="1" noRot="1" noChangeAspect="1" noMove="1" noResize="1" noEditPoints="1" noAdjustHandles="1" noChangeArrowheads="1" noChangeShapeType="1" noTextEdit="1"/>
+          </p:cNvSpPr>
+          <p:nvPr>
+            <p:extLst>
+              <p:ext uri="{386F3935-93C4-4BCD-93E2-E3B085C9AB24}">
+                <p16:designElem xmlns:p16="http://schemas.microsoft.com/office/powerpoint/2015/main" val="1"/>
+              </p:ext>
+            </p:extLst>
+          </p:nvPr>
+        </p:nvSpPr>
+        <p:spPr>
+          <a:xfrm>
+            <a:off x="490408" y="1057739"/>
+            <a:ext cx="128016" cy="704088"/>
+          </a:xfrm>
+          <a:prstGeom prst="rect">
+            <a:avLst/>
+          </a:prstGeom>
+          <a:solidFill>
+            <a:schemeClr val="accent1"/>
+          </a:solidFill>
+          <a:ln>
+            <a:noFill/>
+          </a:ln>
+        </p:spPr>
+        <p:style>
+          <a:lnRef idx="2">
+            <a:schemeClr val="accent1">
+              <a:shade val="50000"/>
+            </a:schemeClr>
+          </a:lnRef>
+          <a:fillRef idx="1">
+            <a:schemeClr val="accent1"/>
+          </a:fillRef>
+          <a:effectRef idx="0">
+            <a:schemeClr val="accent1"/>
+          </a:effectRef>
+          <a:fontRef idx="minor">
+            <a:schemeClr val="lt1"/>
+          </a:fontRef>
+        </p:style>
+        <p:txBody>
+          <a:bodyPr rtlCol="0" anchor="ctr"/>
+          <a:lstStyle/>
+          <a:p>
+            <a:pPr marL="0" marR="0" lvl="0" indent="0" algn="ctr" defTabSz="914400" rtl="0" eaLnBrk="1" fontAlgn="auto" latinLnBrk="0" hangingPunct="1">
+              <a:lnSpc>
+                <a:spcPct val="100000"/>
+              </a:lnSpc>
+              <a:spcBef>
+                <a:spcPts val="0"/>
+              </a:spcBef>
+              <a:spcAft>
+                <a:spcPts val="0"/>
+              </a:spcAft>
+              <a:buClrTx/>
+              <a:buSzTx/>
+              <a:buFontTx/>
+              <a:buNone/>
+              <a:tabLst/>
+              <a:defRPr/>
+            </a:pPr>
+            <a:endParaRPr kumimoji="0" lang="en-US" sz="1800" b="0" i="0" u="none" strike="noStrike" kern="1200" cap="none" spc="0" normalizeH="0" baseline="0" noProof="0" dirty="0">
+              <a:ln>
+                <a:noFill/>
+              </a:ln>
+              <a:solidFill>
+                <a:prstClr val="white"/>
+              </a:solidFill>
+              <a:effectLst/>
+              <a:uLnTx/>
+              <a:uFillTx/>
+              <a:latin typeface="Calibri" panose="020F0502020204030204"/>
+              <a:ea typeface="+mn-ea"/>
+              <a:cs typeface="+mn-cs"/>
+            </a:endParaRPr>
+          </a:p>
+        </p:txBody>
+      </p:sp>
+      <p:sp>
+        <p:nvSpPr>
+          <p:cNvPr id="22" name="Rectangle 16">
+            <a:extLst>
+              <a:ext uri="{FF2B5EF4-FFF2-40B4-BE49-F238E27FC236}">
+                <a16:creationId xmlns:a16="http://schemas.microsoft.com/office/drawing/2014/main" id="{0570A85B-3810-4F95-97B0-CBF4CCDB381C}"/>
+              </a:ext>
+              <a:ext uri="{C183D7F6-B498-43B3-948B-1728B52AA6E4}">
+                <adec:decorative xmlns:adec="http://schemas.microsoft.com/office/drawing/2017/decorative" val="1"/>
+              </a:ext>
+            </a:extLst>
+          </p:cNvPr>
+          <p:cNvSpPr>
+            <a:spLocks noGrp="1" noRot="1" noChangeAspect="1" noMove="1" noResize="1" noEditPoints="1" noAdjustHandles="1" noChangeArrowheads="1" noChangeShapeType="1" noTextEdit="1"/>
+          </p:cNvSpPr>
+          <p:nvPr>
+            <p:extLst>
+              <p:ext uri="{386F3935-93C4-4BCD-93E2-E3B085C9AB24}">
+                <p16:designElem xmlns:p16="http://schemas.microsoft.com/office/powerpoint/2015/main" val="1"/>
+              </p:ext>
+            </p:extLst>
+          </p:nvPr>
+        </p:nvSpPr>
+        <p:spPr>
+          <a:xfrm rot="5400000">
+            <a:off x="4248113" y="1405210"/>
+            <a:ext cx="1463040" cy="9144"/>
+          </a:xfrm>
+          <a:prstGeom prst="rect">
+            <a:avLst/>
+          </a:prstGeom>
+          <a:solidFill>
+            <a:schemeClr val="tx2">
+              <a:lumMod val="25000"/>
+              <a:lumOff val="75000"/>
+            </a:schemeClr>
+          </a:solidFill>
+          <a:ln w="3175">
+            <a:noFill/>
+          </a:ln>
+          <a:effectLst/>
+        </p:spPr>
+        <p:style>
+          <a:lnRef idx="2">
+            <a:schemeClr val="accent1">
+              <a:shade val="50000"/>
+            </a:schemeClr>
+          </a:lnRef>
+          <a:fillRef idx="1">
+            <a:schemeClr val="accent1"/>
+          </a:fillRef>
+          <a:effectRef idx="0">
+            <a:schemeClr val="accent1"/>
+          </a:effectRef>
+          <a:fontRef idx="minor">
+            <a:schemeClr val="lt1"/>
+          </a:fontRef>
+        </p:style>
+        <p:txBody>
+          <a:bodyPr rtlCol="0" anchor="ctr"/>
+          <a:lstStyle/>
+          <a:p>
+            <a:pPr marL="0" marR="0" lvl="0" indent="0" algn="ctr" defTabSz="914400" rtl="0" eaLnBrk="1" fontAlgn="auto" latinLnBrk="0" hangingPunct="1">
+              <a:lnSpc>
+                <a:spcPct val="100000"/>
+              </a:lnSpc>
+              <a:spcBef>
+                <a:spcPts val="0"/>
+              </a:spcBef>
+              <a:spcAft>
+                <a:spcPts val="0"/>
+              </a:spcAft>
+              <a:buClrTx/>
+              <a:buSzTx/>
+              <a:buFontTx/>
+              <a:buNone/>
+              <a:tabLst/>
+              <a:defRPr/>
+            </a:pPr>
+            <a:endParaRPr kumimoji="0" lang="en-US" sz="1800" b="0" i="0" u="none" strike="noStrike" kern="1200" cap="none" spc="0" normalizeH="0" baseline="0" noProof="0">
+              <a:ln>
+                <a:noFill/>
+              </a:ln>
+              <a:solidFill>
+                <a:prstClr val="white"/>
+              </a:solidFill>
+              <a:effectLst/>
+              <a:uLnTx/>
+              <a:uFillTx/>
+              <a:latin typeface="Calibri" panose="020F0502020204030204"/>
+              <a:ea typeface="+mn-ea"/>
+              <a:cs typeface="+mn-cs"/>
+            </a:endParaRPr>
+          </a:p>
+        </p:txBody>
+      </p:sp>
+      <p:sp>
+        <p:nvSpPr>
+          <p:cNvPr id="6" name="TextBox 5">
+            <a:extLst>
+              <a:ext uri="{FF2B5EF4-FFF2-40B4-BE49-F238E27FC236}">
+                <a16:creationId xmlns:a16="http://schemas.microsoft.com/office/drawing/2014/main" id="{68E267DE-B0A6-1F4B-BCC7-2FAF9305A326}"/>
+              </a:ext>
+            </a:extLst>
+          </p:cNvPr>
+          <p:cNvSpPr txBox="1"/>
+          <p:nvPr/>
+        </p:nvSpPr>
+        <p:spPr>
+          <a:xfrm>
+            <a:off x="5214396" y="606344"/>
+            <a:ext cx="6277276" cy="1645920"/>
+          </a:xfrm>
+          <a:prstGeom prst="rect">
+            <a:avLst/>
+          </a:prstGeom>
+        </p:spPr>
+        <p:txBody>
+          <a:bodyPr vert="horz" lIns="91440" tIns="45720" rIns="91440" bIns="45720" rtlCol="0" anchor="ctr">
+            <a:normAutofit fontScale="92500"/>
+          </a:bodyPr>
+          <a:lstStyle/>
+          <a:p>
+            <a:pPr marL="457200" indent="-228600">
+              <a:lnSpc>
+                <a:spcPct val="110000"/>
+              </a:lnSpc>
+              <a:spcAft>
+                <a:spcPts val="600"/>
+              </a:spcAft>
+              <a:buFont typeface="Arial" panose="020B0604020202020204" pitchFamily="34" charset="0"/>
+              <a:buChar char="•"/>
+            </a:pPr>
+            <a:r>
+              <a:rPr lang="de-DE" sz="2400" dirty="0"/>
+              <a:t>Einteilung nach </a:t>
+            </a:r>
+            <a:r>
+              <a:rPr lang="de-DE" sz="2400" i="1" dirty="0"/>
+              <a:t>Brenner</a:t>
+            </a:r>
+            <a:endParaRPr lang="de-DE" sz="2400" b="1" i="1" dirty="0"/>
+          </a:p>
+          <a:p>
+            <a:pPr marL="457200" indent="-228600">
+              <a:lnSpc>
+                <a:spcPct val="110000"/>
+              </a:lnSpc>
+              <a:spcAft>
+                <a:spcPts val="600"/>
+              </a:spcAft>
+              <a:buFont typeface="Arial" panose="020B0604020202020204" pitchFamily="34" charset="0"/>
+              <a:buChar char="•"/>
+            </a:pPr>
+            <a:r>
+              <a:rPr lang="de-DE" sz="2400" dirty="0"/>
+              <a:t>keine Dimensionsreduktion</a:t>
+            </a:r>
+          </a:p>
+          <a:p>
+            <a:pPr marL="457200" indent="-228600">
+              <a:lnSpc>
+                <a:spcPct val="110000"/>
+              </a:lnSpc>
+              <a:spcAft>
+                <a:spcPts val="600"/>
+              </a:spcAft>
+              <a:buFont typeface="Arial" panose="020B0604020202020204" pitchFamily="34" charset="0"/>
+              <a:buChar char="•"/>
+            </a:pPr>
+            <a:r>
+              <a:rPr lang="de-DE" sz="2400" dirty="0"/>
+              <a:t>Epoche „Klassik/Romantik“ ausgeschlossen</a:t>
+            </a:r>
+          </a:p>
+        </p:txBody>
+      </p:sp>
+      <p:graphicFrame>
+        <p:nvGraphicFramePr>
+          <p:cNvPr id="5" name="Content Placeholder 4">
+            <a:extLst>
+              <a:ext uri="{FF2B5EF4-FFF2-40B4-BE49-F238E27FC236}">
+                <a16:creationId xmlns:a16="http://schemas.microsoft.com/office/drawing/2014/main" id="{157B1F6A-E952-A142-9D62-37FE0DFA357A}"/>
+              </a:ext>
+            </a:extLst>
+          </p:cNvPr>
+          <p:cNvGraphicFramePr>
+            <a:graphicFrameLocks noGrp="1"/>
+          </p:cNvGraphicFramePr>
+          <p:nvPr>
+            <p:ph idx="1"/>
+            <p:extLst>
+              <p:ext uri="{D42A27DB-BD31-4B8C-83A1-F6EECF244321}">
+                <p14:modId xmlns:p14="http://schemas.microsoft.com/office/powerpoint/2010/main" val="3447703682"/>
+              </p:ext>
+            </p:extLst>
+          </p:nvPr>
+        </p:nvGraphicFramePr>
+        <p:xfrm>
+          <a:off x="2293257" y="3168396"/>
+          <a:ext cx="7507330" cy="2615184"/>
+        </p:xfrm>
+        <a:graphic>
+          <a:graphicData uri="http://schemas.openxmlformats.org/drawingml/2006/table">
+            <a:tbl>
+              <a:tblPr firstRow="1" bandRow="1">
+                <a:tableStyleId>{5C22544A-7EE6-4342-B048-85BDC9FD1C3A}</a:tableStyleId>
+              </a:tblPr>
+              <a:tblGrid>
+                <a:gridCol w="5142774">
+                  <a:extLst>
+                    <a:ext uri="{9D8B030D-6E8A-4147-A177-3AD203B41FA5}">
+                      <a16:colId xmlns:a16="http://schemas.microsoft.com/office/drawing/2014/main" val="1574047577"/>
+                    </a:ext>
+                  </a:extLst>
+                </a:gridCol>
+                <a:gridCol w="2364556">
+                  <a:extLst>
+                    <a:ext uri="{9D8B030D-6E8A-4147-A177-3AD203B41FA5}">
+                      <a16:colId xmlns:a16="http://schemas.microsoft.com/office/drawing/2014/main" val="1385094806"/>
+                    </a:ext>
+                  </a:extLst>
+                </a:gridCol>
+              </a:tblGrid>
+              <a:tr h="653796">
+                <a:tc>
+                  <a:txBody>
+                    <a:bodyPr/>
+                    <a:lstStyle/>
+                    <a:p>
+                      <a:pPr algn="r" fontAlgn="ctr"/>
+                      <a:endParaRPr lang="en-GB" sz="3300" b="1">
+                        <a:effectLst/>
+                      </a:endParaRPr>
+                    </a:p>
+                  </a:txBody>
+                  <a:tcPr marL="107769" marR="107769" marT="53884" marB="53884" anchor="ctr">
+                    <a:lnL w="57150" cap="flat" cmpd="sng" algn="ctr">
+                      <a:solidFill>
+                        <a:schemeClr val="tx1"/>
+                      </a:solidFill>
+                      <a:prstDash val="solid"/>
+                      <a:round/>
+                      <a:headEnd type="none" w="med" len="med"/>
+                      <a:tailEnd type="none" w="med" len="med"/>
+                    </a:lnL>
+                    <a:lnT w="57150" cap="flat" cmpd="sng" algn="ctr">
+                      <a:solidFill>
+                        <a:schemeClr val="tx1"/>
+                      </a:solidFill>
+                      <a:prstDash val="solid"/>
+                      <a:round/>
+                      <a:headEnd type="none" w="med" len="med"/>
+                      <a:tailEnd type="none" w="med" len="med"/>
+                    </a:lnT>
+                  </a:tcPr>
+                </a:tc>
+                <a:tc>
+                  <a:txBody>
+                    <a:bodyPr/>
+                    <a:lstStyle/>
+                    <a:p>
+                      <a:pPr algn="r"/>
+                      <a:r>
+                        <a:rPr lang="en-GB" sz="3300" b="1">
+                          <a:effectLst/>
+                        </a:rPr>
+                        <a:t>ARS</a:t>
+                      </a:r>
+                      <a:endParaRPr lang="de-DE" sz="3300" b="1"/>
+                    </a:p>
+                  </a:txBody>
+                  <a:tcPr marL="107769" marR="107769" marT="53884" marB="53884">
+                    <a:lnR w="57150" cap="flat" cmpd="sng" algn="ctr">
+                      <a:solidFill>
+                        <a:schemeClr val="tx1"/>
+                      </a:solidFill>
+                      <a:prstDash val="solid"/>
+                      <a:round/>
+                      <a:headEnd type="none" w="med" len="med"/>
+                      <a:tailEnd type="none" w="med" len="med"/>
+                    </a:lnR>
+                    <a:lnT w="57150" cap="flat" cmpd="sng" algn="ctr">
+                      <a:solidFill>
+                        <a:schemeClr val="tx1"/>
+                      </a:solidFill>
+                      <a:prstDash val="solid"/>
+                      <a:round/>
+                      <a:headEnd type="none" w="med" len="med"/>
+                      <a:tailEnd type="none" w="med" len="med"/>
+                    </a:lnT>
+                  </a:tcPr>
+                </a:tc>
+                <a:extLst>
+                  <a:ext uri="{0D108BD9-81ED-4DB2-BD59-A6C34878D82A}">
+                    <a16:rowId xmlns:a16="http://schemas.microsoft.com/office/drawing/2014/main" val="2600963263"/>
+                  </a:ext>
+                </a:extLst>
+              </a:tr>
+              <a:tr h="653796">
+                <a:tc>
+                  <a:txBody>
+                    <a:bodyPr/>
+                    <a:lstStyle/>
+                    <a:p>
+                      <a:pPr algn="r" fontAlgn="ctr"/>
+                      <a:r>
+                        <a:rPr lang="en-GB" sz="3300" b="0">
+                          <a:effectLst/>
+                        </a:rPr>
+                        <a:t>Barock/Frühaufklärung</a:t>
+                      </a:r>
+                    </a:p>
+                  </a:txBody>
+                  <a:tcPr marL="107769" marR="107769" marT="53884" marB="53884" anchor="ctr">
+                    <a:lnL w="57150" cap="flat" cmpd="sng" algn="ctr">
+                      <a:solidFill>
+                        <a:schemeClr val="tx1"/>
+                      </a:solidFill>
+                      <a:prstDash val="solid"/>
+                      <a:round/>
+                      <a:headEnd type="none" w="med" len="med"/>
+                      <a:tailEnd type="none" w="med" len="med"/>
+                    </a:lnL>
+                  </a:tcPr>
+                </a:tc>
+                <a:tc>
+                  <a:txBody>
+                    <a:bodyPr/>
+                    <a:lstStyle/>
+                    <a:p>
+                      <a:pPr algn="r" fontAlgn="ctr"/>
+                      <a:r>
+                        <a:rPr lang="en-DE" sz="3300">
+                          <a:effectLst/>
+                        </a:rPr>
+                        <a:t>0.159195</a:t>
+                      </a:r>
+                    </a:p>
+                  </a:txBody>
+                  <a:tcPr marL="107769" marR="107769" marT="53884" marB="53884" anchor="ctr">
+                    <a:lnR w="57150" cap="flat" cmpd="sng" algn="ctr">
+                      <a:solidFill>
+                        <a:schemeClr val="tx1"/>
+                      </a:solidFill>
+                      <a:prstDash val="solid"/>
+                      <a:round/>
+                      <a:headEnd type="none" w="med" len="med"/>
+                      <a:tailEnd type="none" w="med" len="med"/>
+                    </a:lnR>
+                  </a:tcPr>
+                </a:tc>
+                <a:extLst>
+                  <a:ext uri="{0D108BD9-81ED-4DB2-BD59-A6C34878D82A}">
+                    <a16:rowId xmlns:a16="http://schemas.microsoft.com/office/drawing/2014/main" val="1256177090"/>
+                  </a:ext>
+                </a:extLst>
+              </a:tr>
+              <a:tr h="653796">
+                <a:tc>
+                  <a:txBody>
+                    <a:bodyPr/>
+                    <a:lstStyle/>
+                    <a:p>
+                      <a:pPr algn="r" fontAlgn="ctr"/>
+                      <a:r>
+                        <a:rPr lang="en-GB" sz="3300" b="0" dirty="0">
+                          <a:effectLst/>
+                        </a:rPr>
+                        <a:t>…</a:t>
+                      </a:r>
+                    </a:p>
+                  </a:txBody>
+                  <a:tcPr marL="107769" marR="107769" marT="53884" marB="53884" anchor="ctr">
+                    <a:lnL w="57150" cap="flat" cmpd="sng" algn="ctr">
+                      <a:solidFill>
+                        <a:schemeClr val="tx1"/>
+                      </a:solidFill>
+                      <a:prstDash val="solid"/>
+                      <a:round/>
+                      <a:headEnd type="none" w="med" len="med"/>
+                      <a:tailEnd type="none" w="med" len="med"/>
+                    </a:lnL>
+                  </a:tcPr>
+                </a:tc>
+                <a:tc>
+                  <a:txBody>
+                    <a:bodyPr/>
+                    <a:lstStyle/>
+                    <a:p>
+                      <a:pPr algn="r" fontAlgn="ctr"/>
+                      <a:r>
+                        <a:rPr lang="en-DE" sz="3300">
+                          <a:effectLst/>
+                        </a:rPr>
+                        <a:t>…</a:t>
+                      </a:r>
+                    </a:p>
+                  </a:txBody>
+                  <a:tcPr marL="107769" marR="107769" marT="53884" marB="53884" anchor="ctr">
+                    <a:lnR w="57150" cap="flat" cmpd="sng" algn="ctr">
+                      <a:solidFill>
+                        <a:schemeClr val="tx1"/>
+                      </a:solidFill>
+                      <a:prstDash val="solid"/>
+                      <a:round/>
+                      <a:headEnd type="none" w="med" len="med"/>
+                      <a:tailEnd type="none" w="med" len="med"/>
+                    </a:lnR>
+                  </a:tcPr>
+                </a:tc>
+                <a:extLst>
+                  <a:ext uri="{0D108BD9-81ED-4DB2-BD59-A6C34878D82A}">
+                    <a16:rowId xmlns:a16="http://schemas.microsoft.com/office/drawing/2014/main" val="3811029111"/>
+                  </a:ext>
+                </a:extLst>
+              </a:tr>
+              <a:tr h="653796">
+                <a:tc>
+                  <a:txBody>
+                    <a:bodyPr/>
+                    <a:lstStyle/>
+                    <a:p>
+                      <a:pPr algn="r" fontAlgn="ctr"/>
+                      <a:r>
+                        <a:rPr lang="en-GB" sz="3300" b="0">
+                          <a:effectLst/>
+                        </a:rPr>
+                        <a:t>Frühaufklärung/Moderne</a:t>
+                      </a:r>
+                    </a:p>
+                  </a:txBody>
+                  <a:tcPr marL="107769" marR="107769" marT="53884" marB="53884" anchor="ctr">
+                    <a:lnL w="57150" cap="flat" cmpd="sng" algn="ctr">
+                      <a:solidFill>
+                        <a:schemeClr val="tx1"/>
+                      </a:solidFill>
+                      <a:prstDash val="solid"/>
+                      <a:round/>
+                      <a:headEnd type="none" w="med" len="med"/>
+                      <a:tailEnd type="none" w="med" len="med"/>
+                    </a:lnL>
+                    <a:lnB w="57150" cap="flat" cmpd="sng" algn="ctr">
+                      <a:solidFill>
+                        <a:schemeClr val="tx1"/>
+                      </a:solidFill>
+                      <a:prstDash val="solid"/>
+                      <a:round/>
+                      <a:headEnd type="none" w="med" len="med"/>
+                      <a:tailEnd type="none" w="med" len="med"/>
+                    </a:lnB>
+                  </a:tcPr>
+                </a:tc>
+                <a:tc>
+                  <a:txBody>
+                    <a:bodyPr/>
+                    <a:lstStyle/>
+                    <a:p>
+                      <a:pPr algn="r" fontAlgn="ctr"/>
+                      <a:r>
+                        <a:rPr lang="en-DE" sz="3300" dirty="0">
+                          <a:effectLst/>
+                        </a:rPr>
+                        <a:t>-0.028700</a:t>
+                      </a:r>
+                    </a:p>
+                  </a:txBody>
+                  <a:tcPr marL="107769" marR="107769" marT="53884" marB="53884" anchor="ctr">
+                    <a:lnR w="57150" cap="flat" cmpd="sng" algn="ctr">
+                      <a:solidFill>
+                        <a:schemeClr val="tx1"/>
+                      </a:solidFill>
+                      <a:prstDash val="solid"/>
+                      <a:round/>
+                      <a:headEnd type="none" w="med" len="med"/>
+                      <a:tailEnd type="none" w="med" len="med"/>
+                    </a:lnR>
+                    <a:lnB w="57150" cap="flat" cmpd="sng" algn="ctr">
+                      <a:solidFill>
+                        <a:schemeClr val="tx1"/>
+                      </a:solidFill>
+                      <a:prstDash val="solid"/>
+                      <a:round/>
+                      <a:headEnd type="none" w="med" len="med"/>
+                      <a:tailEnd type="none" w="med" len="med"/>
+                    </a:lnB>
+                  </a:tcPr>
+                </a:tc>
+                <a:extLst>
+                  <a:ext uri="{0D108BD9-81ED-4DB2-BD59-A6C34878D82A}">
+                    <a16:rowId xmlns:a16="http://schemas.microsoft.com/office/drawing/2014/main" val="3528546575"/>
+                  </a:ext>
+                </a:extLst>
+              </a:tr>
+            </a:tbl>
+          </a:graphicData>
+        </a:graphic>
+      </p:graphicFrame>
+    </p:spTree>
+    <p:extLst>
+      <p:ext uri="{BB962C8B-B14F-4D97-AF65-F5344CB8AC3E}">
+        <p14:creationId xmlns:p14="http://schemas.microsoft.com/office/powerpoint/2010/main" val="570995145"/>
+      </p:ext>
+    </p:extLst>
+  </p:cSld>
+  <p:clrMapOvr>
+    <a:masterClrMapping/>
+  </p:clrMapOvr>
+</p:sld>
+</file>
+
+<file path=ppt/slides/slide18.xml><?xml version="1.0" encoding="utf-8"?>
+<p:sld xmlns:a="http://schemas.openxmlformats.org/drawingml/2006/main" xmlns:r="http://schemas.openxmlformats.org/officeDocument/2006/relationships" xmlns:p="http://schemas.openxmlformats.org/presentationml/2006/main">
+  <p:cSld>
+    <p:spTree>
+      <p:nvGrpSpPr>
+        <p:cNvPr id="1" name=""/>
+        <p:cNvGrpSpPr/>
+        <p:nvPr/>
+      </p:nvGrpSpPr>
+      <p:grpSpPr>
+        <a:xfrm>
+          <a:off x="0" y="0"/>
+          <a:ext cx="0" cy="0"/>
+          <a:chOff x="0" y="0"/>
+          <a:chExt cx="0" cy="0"/>
+        </a:xfrm>
+      </p:grpSpPr>
+      <p:sp>
+        <p:nvSpPr>
+          <p:cNvPr id="2" name="Title 1">
+            <a:extLst>
+              <a:ext uri="{FF2B5EF4-FFF2-40B4-BE49-F238E27FC236}">
                 <a16:creationId xmlns:a16="http://schemas.microsoft.com/office/drawing/2014/main" id="{063AA53C-864D-6646-B7F5-E5F30B0CB046}"/>
               </a:ext>
             </a:extLst>
@@ -7867,7 +8971,7 @@
 </p:sld>
 </file>
 
-<file path=ppt/slides/slide17.xml><?xml version="1.0" encoding="utf-8"?>
+<file path=ppt/slides/slide19.xml><?xml version="1.0" encoding="utf-8"?>
 <p:sld xmlns:a="http://schemas.openxmlformats.org/drawingml/2006/main" xmlns:r="http://schemas.openxmlformats.org/officeDocument/2006/relationships" xmlns:p="http://schemas.openxmlformats.org/presentationml/2006/main">
   <p:cSld>
     <p:spTree>
@@ -7927,7 +9031,124 @@
 </p:sld>
 </file>
 
-<file path=ppt/slides/slide18.xml><?xml version="1.0" encoding="utf-8"?>
+<file path=ppt/slides/slide2.xml><?xml version="1.0" encoding="utf-8"?>
+<p:sld xmlns:a="http://schemas.openxmlformats.org/drawingml/2006/main" xmlns:r="http://schemas.openxmlformats.org/officeDocument/2006/relationships" xmlns:p="http://schemas.openxmlformats.org/presentationml/2006/main">
+  <p:cSld>
+    <p:spTree>
+      <p:nvGrpSpPr>
+        <p:cNvPr id="1" name=""/>
+        <p:cNvGrpSpPr/>
+        <p:nvPr/>
+      </p:nvGrpSpPr>
+      <p:grpSpPr>
+        <a:xfrm>
+          <a:off x="0" y="0"/>
+          <a:ext cx="0" cy="0"/>
+          <a:chOff x="0" y="0"/>
+          <a:chExt cx="0" cy="0"/>
+        </a:xfrm>
+      </p:grpSpPr>
+      <p:sp>
+        <p:nvSpPr>
+          <p:cNvPr id="2" name="Title 1">
+            <a:extLst>
+              <a:ext uri="{FF2B5EF4-FFF2-40B4-BE49-F238E27FC236}">
+                <a16:creationId xmlns:a16="http://schemas.microsoft.com/office/drawing/2014/main" id="{ABBD1032-7C21-EB45-88CD-39E1CDFCEED7}"/>
+              </a:ext>
+            </a:extLst>
+          </p:cNvPr>
+          <p:cNvSpPr>
+            <a:spLocks noGrp="1"/>
+          </p:cNvSpPr>
+          <p:nvPr>
+            <p:ph type="title"/>
+          </p:nvPr>
+        </p:nvSpPr>
+        <p:spPr/>
+        <p:txBody>
+          <a:bodyPr/>
+          <a:lstStyle/>
+          <a:p>
+            <a:r>
+              <a:rPr lang="en-DE" dirty="0"/>
+              <a:t>Übersicht</a:t>
+            </a:r>
+          </a:p>
+        </p:txBody>
+      </p:sp>
+      <p:sp>
+        <p:nvSpPr>
+          <p:cNvPr id="3" name="Content Placeholder 2">
+            <a:extLst>
+              <a:ext uri="{FF2B5EF4-FFF2-40B4-BE49-F238E27FC236}">
+                <a16:creationId xmlns:a16="http://schemas.microsoft.com/office/drawing/2014/main" id="{80899769-BBF7-274C-B579-0AE87166EDED}"/>
+              </a:ext>
+            </a:extLst>
+          </p:cNvPr>
+          <p:cNvSpPr>
+            <a:spLocks noGrp="1"/>
+          </p:cNvSpPr>
+          <p:nvPr>
+            <p:ph idx="1"/>
+          </p:nvPr>
+        </p:nvSpPr>
+        <p:spPr/>
+        <p:txBody>
+          <a:bodyPr/>
+          <a:lstStyle/>
+          <a:p>
+            <a:pPr marL="514350" indent="-514350">
+              <a:buAutoNum type="arabicPeriod"/>
+            </a:pPr>
+            <a:r>
+              <a:rPr lang="en-DE" dirty="0"/>
+              <a:t>Kurzer Überblick zum Epochenbegriff und –einteilung</a:t>
+            </a:r>
+          </a:p>
+          <a:p>
+            <a:pPr marL="514350" indent="-514350">
+              <a:buAutoNum type="arabicPeriod"/>
+            </a:pPr>
+            <a:r>
+              <a:rPr lang="en-DE" dirty="0"/>
+              <a:t>Das Korpus</a:t>
+            </a:r>
+          </a:p>
+          <a:p>
+            <a:pPr marL="514350" indent="-514350">
+              <a:buAutoNum type="arabicPeriod"/>
+            </a:pPr>
+            <a:r>
+              <a:rPr lang="en-GB"/>
+              <a:t>Fragestellungen</a:t>
+            </a:r>
+            <a:endParaRPr lang="en-DE" dirty="0"/>
+          </a:p>
+          <a:p>
+            <a:pPr marL="514350" indent="-514350">
+              <a:buAutoNum type="arabicPeriod"/>
+            </a:pPr>
+            <a:r>
+              <a:rPr lang="en-DE" dirty="0"/>
+              <a:t>… (TODO)</a:t>
+            </a:r>
+          </a:p>
+        </p:txBody>
+      </p:sp>
+    </p:spTree>
+    <p:extLst>
+      <p:ext uri="{BB962C8B-B14F-4D97-AF65-F5344CB8AC3E}">
+        <p14:creationId xmlns:p14="http://schemas.microsoft.com/office/powerpoint/2010/main" val="2653683036"/>
+      </p:ext>
+    </p:extLst>
+  </p:cSld>
+  <p:clrMapOvr>
+    <a:masterClrMapping/>
+  </p:clrMapOvr>
+</p:sld>
+</file>
+
+<file path=ppt/slides/slide20.xml><?xml version="1.0" encoding="utf-8"?>
 <p:sld xmlns:a="http://schemas.openxmlformats.org/drawingml/2006/main" xmlns:r="http://schemas.openxmlformats.org/officeDocument/2006/relationships" xmlns:p="http://schemas.openxmlformats.org/presentationml/2006/main">
   <p:cSld>
     <p:spTree>
@@ -7978,123 +9199,6 @@
     <p:extLst>
       <p:ext uri="{BB962C8B-B14F-4D97-AF65-F5344CB8AC3E}">
         <p14:creationId xmlns:p14="http://schemas.microsoft.com/office/powerpoint/2010/main" val="2453484216"/>
-      </p:ext>
-    </p:extLst>
-  </p:cSld>
-  <p:clrMapOvr>
-    <a:masterClrMapping/>
-  </p:clrMapOvr>
-</p:sld>
-</file>
-
-<file path=ppt/slides/slide2.xml><?xml version="1.0" encoding="utf-8"?>
-<p:sld xmlns:a="http://schemas.openxmlformats.org/drawingml/2006/main" xmlns:r="http://schemas.openxmlformats.org/officeDocument/2006/relationships" xmlns:p="http://schemas.openxmlformats.org/presentationml/2006/main">
-  <p:cSld>
-    <p:spTree>
-      <p:nvGrpSpPr>
-        <p:cNvPr id="1" name=""/>
-        <p:cNvGrpSpPr/>
-        <p:nvPr/>
-      </p:nvGrpSpPr>
-      <p:grpSpPr>
-        <a:xfrm>
-          <a:off x="0" y="0"/>
-          <a:ext cx="0" cy="0"/>
-          <a:chOff x="0" y="0"/>
-          <a:chExt cx="0" cy="0"/>
-        </a:xfrm>
-      </p:grpSpPr>
-      <p:sp>
-        <p:nvSpPr>
-          <p:cNvPr id="2" name="Title 1">
-            <a:extLst>
-              <a:ext uri="{FF2B5EF4-FFF2-40B4-BE49-F238E27FC236}">
-                <a16:creationId xmlns:a16="http://schemas.microsoft.com/office/drawing/2014/main" id="{ABBD1032-7C21-EB45-88CD-39E1CDFCEED7}"/>
-              </a:ext>
-            </a:extLst>
-          </p:cNvPr>
-          <p:cNvSpPr>
-            <a:spLocks noGrp="1"/>
-          </p:cNvSpPr>
-          <p:nvPr>
-            <p:ph type="title"/>
-          </p:nvPr>
-        </p:nvSpPr>
-        <p:spPr/>
-        <p:txBody>
-          <a:bodyPr/>
-          <a:lstStyle/>
-          <a:p>
-            <a:r>
-              <a:rPr lang="en-DE" dirty="0"/>
-              <a:t>Übersicht</a:t>
-            </a:r>
-          </a:p>
-        </p:txBody>
-      </p:sp>
-      <p:sp>
-        <p:nvSpPr>
-          <p:cNvPr id="3" name="Content Placeholder 2">
-            <a:extLst>
-              <a:ext uri="{FF2B5EF4-FFF2-40B4-BE49-F238E27FC236}">
-                <a16:creationId xmlns:a16="http://schemas.microsoft.com/office/drawing/2014/main" id="{80899769-BBF7-274C-B579-0AE87166EDED}"/>
-              </a:ext>
-            </a:extLst>
-          </p:cNvPr>
-          <p:cNvSpPr>
-            <a:spLocks noGrp="1"/>
-          </p:cNvSpPr>
-          <p:nvPr>
-            <p:ph idx="1"/>
-          </p:nvPr>
-        </p:nvSpPr>
-        <p:spPr/>
-        <p:txBody>
-          <a:bodyPr/>
-          <a:lstStyle/>
-          <a:p>
-            <a:pPr marL="514350" indent="-514350">
-              <a:buAutoNum type="arabicPeriod"/>
-            </a:pPr>
-            <a:r>
-              <a:rPr lang="en-DE" dirty="0"/>
-              <a:t>Kurzer Überblick zum Epochenbegriff und –einteilung</a:t>
-            </a:r>
-          </a:p>
-          <a:p>
-            <a:pPr marL="514350" indent="-514350">
-              <a:buAutoNum type="arabicPeriod"/>
-            </a:pPr>
-            <a:r>
-              <a:rPr lang="en-DE" dirty="0"/>
-              <a:t>Das Korpus</a:t>
-            </a:r>
-          </a:p>
-          <a:p>
-            <a:pPr marL="514350" indent="-514350">
-              <a:buAutoNum type="arabicPeriod"/>
-            </a:pPr>
-            <a:r>
-              <a:rPr lang="en-GB"/>
-              <a:t>Fragestellungen</a:t>
-            </a:r>
-            <a:endParaRPr lang="en-DE" dirty="0"/>
-          </a:p>
-          <a:p>
-            <a:pPr marL="514350" indent="-514350">
-              <a:buAutoNum type="arabicPeriod"/>
-            </a:pPr>
-            <a:r>
-              <a:rPr lang="en-DE" dirty="0"/>
-              <a:t>… (TODO)</a:t>
-            </a:r>
-          </a:p>
-        </p:txBody>
-      </p:sp>
-    </p:spTree>
-    <p:extLst>
-      <p:ext uri="{BB962C8B-B14F-4D97-AF65-F5344CB8AC3E}">
-        <p14:creationId xmlns:p14="http://schemas.microsoft.com/office/powerpoint/2010/main" val="2653683036"/>
       </p:ext>
     </p:extLst>
   </p:cSld>

--- a/literature & presentation/clustering_presentation.pptx
+++ b/literature & presentation/clustering_presentation.pptx
@@ -5,7 +5,7 @@
     <p:sldMasterId id="2147483732" r:id="rId1"/>
   </p:sldMasterIdLst>
   <p:notesMasterIdLst>
-    <p:notesMasterId r:id="rId22"/>
+    <p:notesMasterId r:id="rId26"/>
   </p:notesMasterIdLst>
   <p:sldIdLst>
     <p:sldId id="256" r:id="rId2"/>
@@ -25,9 +25,13 @@
     <p:sldId id="294" r:id="rId16"/>
     <p:sldId id="296" r:id="rId17"/>
     <p:sldId id="295" r:id="rId18"/>
-    <p:sldId id="279" r:id="rId19"/>
-    <p:sldId id="290" r:id="rId20"/>
-    <p:sldId id="293" r:id="rId21"/>
+    <p:sldId id="300" r:id="rId19"/>
+    <p:sldId id="297" r:id="rId20"/>
+    <p:sldId id="301" r:id="rId21"/>
+    <p:sldId id="299" r:id="rId22"/>
+    <p:sldId id="279" r:id="rId23"/>
+    <p:sldId id="290" r:id="rId24"/>
+    <p:sldId id="293" r:id="rId25"/>
   </p:sldIdLst>
   <p:sldSz cx="12192000" cy="6858000"/>
   <p:notesSz cx="6858000" cy="9144000"/>
@@ -1318,10 +1322,7 @@
           <a:bodyPr/>
           <a:lstStyle/>
           <a:p>
-            <a:r>
-              <a:rPr lang="de-DE" dirty="0"/>
-              <a:t>Alle Gedichte eines Autors in einem Jahr wurden zusammengefasst.</a:t>
-            </a:r>
+            <a:endParaRPr lang="de-DE" dirty="0"/>
           </a:p>
         </p:txBody>
       </p:sp>
@@ -1342,7 +1343,178 @@
           <a:p>
             <a:fld id="{49FFD0F6-1B54-1D42-B676-41E105B9815E}" type="slidenum">
               <a:rPr lang="de-DE" smtClean="0"/>
-              <a:t>20</a:t>
+              <a:t>17</a:t>
+            </a:fld>
+            <a:endParaRPr lang="de-DE"/>
+          </a:p>
+        </p:txBody>
+      </p:sp>
+    </p:spTree>
+    <p:extLst>
+      <p:ext uri="{BB962C8B-B14F-4D97-AF65-F5344CB8AC3E}">
+        <p14:creationId xmlns:p14="http://schemas.microsoft.com/office/powerpoint/2010/main" val="348265153"/>
+      </p:ext>
+    </p:extLst>
+  </p:cSld>
+  <p:clrMapOvr>
+    <a:masterClrMapping/>
+  </p:clrMapOvr>
+</p:notes>
+</file>
+
+<file path=ppt/notesSlides/notesSlide4.xml><?xml version="1.0" encoding="utf-8"?>
+<p:notes xmlns:a="http://schemas.openxmlformats.org/drawingml/2006/main" xmlns:r="http://schemas.openxmlformats.org/officeDocument/2006/relationships" xmlns:p="http://schemas.openxmlformats.org/presentationml/2006/main">
+  <p:cSld>
+    <p:spTree>
+      <p:nvGrpSpPr>
+        <p:cNvPr id="1" name=""/>
+        <p:cNvGrpSpPr/>
+        <p:nvPr/>
+      </p:nvGrpSpPr>
+      <p:grpSpPr>
+        <a:xfrm>
+          <a:off x="0" y="0"/>
+          <a:ext cx="0" cy="0"/>
+          <a:chOff x="0" y="0"/>
+          <a:chExt cx="0" cy="0"/>
+        </a:xfrm>
+      </p:grpSpPr>
+      <p:sp>
+        <p:nvSpPr>
+          <p:cNvPr id="2" name="Slide Image Placeholder 1"/>
+          <p:cNvSpPr>
+            <a:spLocks noGrp="1" noRot="1" noChangeAspect="1"/>
+          </p:cNvSpPr>
+          <p:nvPr>
+            <p:ph type="sldImg"/>
+          </p:nvPr>
+        </p:nvSpPr>
+        <p:spPr/>
+      </p:sp>
+      <p:sp>
+        <p:nvSpPr>
+          <p:cNvPr id="3" name="Notes Placeholder 2"/>
+          <p:cNvSpPr>
+            <a:spLocks noGrp="1"/>
+          </p:cNvSpPr>
+          <p:nvPr>
+            <p:ph type="body" idx="1"/>
+          </p:nvPr>
+        </p:nvSpPr>
+        <p:spPr/>
+        <p:txBody>
+          <a:bodyPr/>
+          <a:lstStyle/>
+          <a:p>
+            <a:endParaRPr lang="de-DE" dirty="0"/>
+          </a:p>
+        </p:txBody>
+      </p:sp>
+      <p:sp>
+        <p:nvSpPr>
+          <p:cNvPr id="4" name="Slide Number Placeholder 3"/>
+          <p:cNvSpPr>
+            <a:spLocks noGrp="1"/>
+          </p:cNvSpPr>
+          <p:nvPr>
+            <p:ph type="sldNum" sz="quarter" idx="5"/>
+          </p:nvPr>
+        </p:nvSpPr>
+        <p:spPr/>
+        <p:txBody>
+          <a:bodyPr/>
+          <a:lstStyle/>
+          <a:p>
+            <a:fld id="{49FFD0F6-1B54-1D42-B676-41E105B9815E}" type="slidenum">
+              <a:rPr lang="de-DE" smtClean="0"/>
+              <a:t>19</a:t>
+            </a:fld>
+            <a:endParaRPr lang="de-DE"/>
+          </a:p>
+        </p:txBody>
+      </p:sp>
+    </p:spTree>
+    <p:extLst>
+      <p:ext uri="{BB962C8B-B14F-4D97-AF65-F5344CB8AC3E}">
+        <p14:creationId xmlns:p14="http://schemas.microsoft.com/office/powerpoint/2010/main" val="618638825"/>
+      </p:ext>
+    </p:extLst>
+  </p:cSld>
+  <p:clrMapOvr>
+    <a:masterClrMapping/>
+  </p:clrMapOvr>
+</p:notes>
+</file>
+
+<file path=ppt/notesSlides/notesSlide5.xml><?xml version="1.0" encoding="utf-8"?>
+<p:notes xmlns:a="http://schemas.openxmlformats.org/drawingml/2006/main" xmlns:r="http://schemas.openxmlformats.org/officeDocument/2006/relationships" xmlns:p="http://schemas.openxmlformats.org/presentationml/2006/main">
+  <p:cSld>
+    <p:spTree>
+      <p:nvGrpSpPr>
+        <p:cNvPr id="1" name=""/>
+        <p:cNvGrpSpPr/>
+        <p:nvPr/>
+      </p:nvGrpSpPr>
+      <p:grpSpPr>
+        <a:xfrm>
+          <a:off x="0" y="0"/>
+          <a:ext cx="0" cy="0"/>
+          <a:chOff x="0" y="0"/>
+          <a:chExt cx="0" cy="0"/>
+        </a:xfrm>
+      </p:grpSpPr>
+      <p:sp>
+        <p:nvSpPr>
+          <p:cNvPr id="2" name="Slide Image Placeholder 1"/>
+          <p:cNvSpPr>
+            <a:spLocks noGrp="1" noRot="1" noChangeAspect="1"/>
+          </p:cNvSpPr>
+          <p:nvPr>
+            <p:ph type="sldImg"/>
+          </p:nvPr>
+        </p:nvSpPr>
+        <p:spPr/>
+      </p:sp>
+      <p:sp>
+        <p:nvSpPr>
+          <p:cNvPr id="3" name="Notes Placeholder 2"/>
+          <p:cNvSpPr>
+            <a:spLocks noGrp="1"/>
+          </p:cNvSpPr>
+          <p:nvPr>
+            <p:ph type="body" idx="1"/>
+          </p:nvPr>
+        </p:nvSpPr>
+        <p:spPr/>
+        <p:txBody>
+          <a:bodyPr/>
+          <a:lstStyle/>
+          <a:p>
+            <a:r>
+              <a:rPr lang="de-DE" dirty="0"/>
+              <a:t>Alle Gedichte eines Autors in einem Jahr wurden zusammengefasst.</a:t>
+            </a:r>
+          </a:p>
+        </p:txBody>
+      </p:sp>
+      <p:sp>
+        <p:nvSpPr>
+          <p:cNvPr id="4" name="Slide Number Placeholder 3"/>
+          <p:cNvSpPr>
+            <a:spLocks noGrp="1"/>
+          </p:cNvSpPr>
+          <p:nvPr>
+            <p:ph type="sldNum" sz="quarter" idx="5"/>
+          </p:nvPr>
+        </p:nvSpPr>
+        <p:spPr/>
+        <p:txBody>
+          <a:bodyPr/>
+          <a:lstStyle/>
+          <a:p>
+            <a:fld id="{49FFD0F6-1B54-1D42-B676-41E105B9815E}" type="slidenum">
+              <a:rPr lang="de-DE" smtClean="0"/>
+              <a:t>24</a:t>
             </a:fld>
             <a:endParaRPr lang="de-DE"/>
           </a:p>
@@ -7622,8 +7794,8 @@
         </p:nvSpPr>
         <p:spPr>
           <a:xfrm>
-            <a:off x="6437084" y="4626113"/>
-            <a:ext cx="2866569" cy="1323439"/>
+            <a:off x="6556825" y="4713197"/>
+            <a:ext cx="2935496" cy="1329979"/>
           </a:xfrm>
           <a:prstGeom prst="rect">
             <a:avLst/>
@@ -8048,7 +8220,7 @@
       </p:grpSpPr>
       <p:sp useBgFill="1">
         <p:nvSpPr>
-          <p:cNvPr id="19" name="Rectangle 10">
+          <p:cNvPr id="62" name="Rectangle 61">
             <a:extLst>
               <a:ext uri="{FF2B5EF4-FFF2-40B4-BE49-F238E27FC236}">
                 <a16:creationId xmlns:a16="http://schemas.microsoft.com/office/drawing/2014/main" id="{2550BE34-C2B8-49B8-8519-67A8CAD51AE9}"/>
@@ -8108,7 +8280,7 @@
       </p:sp>
       <p:sp useBgFill="1">
         <p:nvSpPr>
-          <p:cNvPr id="20" name="Rectangle 12">
+          <p:cNvPr id="64" name="Rectangle 63">
             <a:extLst>
               <a:ext uri="{FF2B5EF4-FFF2-40B4-BE49-F238E27FC236}">
                 <a16:creationId xmlns:a16="http://schemas.microsoft.com/office/drawing/2014/main" id="{A7457DD9-5A45-400A-AB4B-4B4EDECA25F1}"/>
@@ -8245,7 +8417,7 @@
       </p:sp>
       <p:sp>
         <p:nvSpPr>
-          <p:cNvPr id="21" name="Rectangle 14">
+          <p:cNvPr id="66" name="Rectangle 65">
             <a:extLst>
               <a:ext uri="{FF2B5EF4-FFF2-40B4-BE49-F238E27FC236}">
                 <a16:creationId xmlns:a16="http://schemas.microsoft.com/office/drawing/2014/main" id="{441CF7D6-A660-431A-B0BB-140A0D5556B6}"/>
@@ -8337,7 +8509,7 @@
       </p:sp>
       <p:sp>
         <p:nvSpPr>
-          <p:cNvPr id="22" name="Rectangle 16">
+          <p:cNvPr id="68" name="Rectangle 67">
             <a:extLst>
               <a:ext uri="{FF2B5EF4-FFF2-40B4-BE49-F238E27FC236}">
                 <a16:creationId xmlns:a16="http://schemas.microsoft.com/office/drawing/2014/main" id="{0570A85B-3810-4F95-97B0-CBF4CCDB381C}"/>
@@ -8445,23 +8617,20 @@
         </p:nvSpPr>
         <p:spPr>
           <a:xfrm>
-            <a:off x="5214396" y="606344"/>
-            <a:ext cx="6277276" cy="1645920"/>
+            <a:off x="4814889" y="586822"/>
+            <a:ext cx="6538912" cy="1645920"/>
           </a:xfrm>
           <a:prstGeom prst="rect">
             <a:avLst/>
           </a:prstGeom>
         </p:spPr>
         <p:txBody>
-          <a:bodyPr vert="horz" lIns="91440" tIns="45720" rIns="91440" bIns="45720" rtlCol="0" anchor="ctr">
-            <a:normAutofit fontScale="92500"/>
+          <a:bodyPr vert="horz" lIns="91440" tIns="45720" rIns="91440" bIns="45720" numCol="2" rtlCol="0" anchor="ctr">
+            <a:normAutofit/>
           </a:bodyPr>
           <a:lstStyle/>
           <a:p>
             <a:pPr marL="457200" indent="-228600">
-              <a:lnSpc>
-                <a:spcPct val="110000"/>
-              </a:lnSpc>
               <a:spcAft>
                 <a:spcPts val="600"/>
               </a:spcAft>
@@ -8469,20 +8638,29 @@
               <a:buChar char="•"/>
             </a:pPr>
             <a:r>
-              <a:rPr lang="de-DE" sz="2400" dirty="0"/>
-              <a:t>Einteilung nach </a:t>
-            </a:r>
-            <a:r>
-              <a:rPr lang="de-DE" sz="2400" i="1" dirty="0"/>
+              <a:rPr lang="en-US" dirty="0" err="1"/>
+              <a:t>Einteilung</a:t>
+            </a:r>
+            <a:r>
+              <a:rPr lang="en-US" dirty="0"/>
+              <a:t> </a:t>
+            </a:r>
+            <a:r>
+              <a:rPr lang="en-US" dirty="0" err="1"/>
+              <a:t>nach</a:t>
+            </a:r>
+            <a:r>
+              <a:rPr lang="en-US" dirty="0"/>
+              <a:t> </a:t>
+            </a:r>
+            <a:r>
+              <a:rPr lang="en-US" i="1" dirty="0"/>
               <a:t>Brenner</a:t>
             </a:r>
-            <a:endParaRPr lang="de-DE" sz="2400" b="1" i="1" dirty="0"/>
+            <a:endParaRPr lang="en-US" b="1" i="1" dirty="0"/>
           </a:p>
           <a:p>
             <a:pPr marL="457200" indent="-228600">
-              <a:lnSpc>
-                <a:spcPct val="110000"/>
-              </a:lnSpc>
               <a:spcAft>
                 <a:spcPts val="600"/>
               </a:spcAft>
@@ -8490,15 +8668,21 @@
               <a:buChar char="•"/>
             </a:pPr>
             <a:r>
-              <a:rPr lang="de-DE" sz="2400" dirty="0"/>
-              <a:t>keine Dimensionsreduktion</a:t>
-            </a:r>
+              <a:rPr lang="en-US" dirty="0" err="1"/>
+              <a:t>keine</a:t>
+            </a:r>
+            <a:r>
+              <a:rPr lang="en-US" dirty="0"/>
+              <a:t> </a:t>
+            </a:r>
+            <a:r>
+              <a:rPr lang="en-US" dirty="0" err="1"/>
+              <a:t>Dimensionsreduktion</a:t>
+            </a:r>
+            <a:endParaRPr lang="en-US" dirty="0"/>
           </a:p>
           <a:p>
             <a:pPr marL="457200" indent="-228600">
-              <a:lnSpc>
-                <a:spcPct val="110000"/>
-              </a:lnSpc>
               <a:spcAft>
                 <a:spcPts val="600"/>
               </a:spcAft>
@@ -8506,18 +8690,94 @@
               <a:buChar char="•"/>
             </a:pPr>
             <a:r>
-              <a:rPr lang="de-DE" sz="2400" dirty="0"/>
-              <a:t>Epoche „Klassik/Romantik“ ausgeschlossen</a:t>
+              <a:rPr lang="en-US" dirty="0" err="1"/>
+              <a:t>Ohne</a:t>
+            </a:r>
+            <a:r>
+              <a:rPr lang="en-US" dirty="0"/>
+              <a:t> </a:t>
+            </a:r>
+            <a:r>
+              <a:rPr lang="en-US" dirty="0" err="1"/>
+              <a:t>Epoche</a:t>
+            </a:r>
+            <a:r>
+              <a:rPr lang="en-US" dirty="0"/>
+              <a:t> „</a:t>
+            </a:r>
+            <a:r>
+              <a:rPr lang="en-US" dirty="0" err="1"/>
+              <a:t>Klassik</a:t>
+            </a:r>
+            <a:r>
+              <a:rPr lang="en-US" dirty="0"/>
+              <a:t>/</a:t>
+            </a:r>
+            <a:r>
+              <a:rPr lang="en-US" dirty="0" err="1"/>
+              <a:t>Romantik</a:t>
+            </a:r>
+            <a:r>
+              <a:rPr lang="en-US" dirty="0"/>
+              <a:t>“</a:t>
+            </a:r>
+          </a:p>
+          <a:p>
+            <a:pPr marL="457200" indent="-228600">
+              <a:spcAft>
+                <a:spcPts val="600"/>
+              </a:spcAft>
+              <a:buFont typeface="Arial" panose="020B0604020202020204" pitchFamily="34" charset="0"/>
+              <a:buChar char="•"/>
+            </a:pPr>
+            <a:r>
+              <a:rPr lang="en-US" dirty="0"/>
+              <a:t>Lowercase</a:t>
+            </a:r>
+          </a:p>
+          <a:p>
+            <a:pPr marL="457200" indent="-228600">
+              <a:spcAft>
+                <a:spcPts val="600"/>
+              </a:spcAft>
+              <a:buFont typeface="Arial" panose="020B0604020202020204" pitchFamily="34" charset="0"/>
+              <a:buChar char="•"/>
+            </a:pPr>
+            <a:r>
+              <a:rPr lang="en-US" u="sng" dirty="0" err="1"/>
+              <a:t>Keine</a:t>
+            </a:r>
+            <a:r>
+              <a:rPr lang="en-US" dirty="0"/>
+              <a:t> </a:t>
+            </a:r>
+            <a:r>
+              <a:rPr lang="en-US" dirty="0" err="1"/>
+              <a:t>Stoppwörter</a:t>
+            </a:r>
+            <a:endParaRPr lang="en-US" dirty="0"/>
+          </a:p>
+          <a:p>
+            <a:pPr marL="457200" indent="-228600">
+              <a:spcAft>
+                <a:spcPts val="600"/>
+              </a:spcAft>
+              <a:buFont typeface="Arial" panose="020B0604020202020204" pitchFamily="34" charset="0"/>
+              <a:buChar char="•"/>
+            </a:pPr>
+            <a:r>
+              <a:rPr lang="en-US" dirty="0"/>
+              <a:t>10000 mf</a:t>
             </a:r>
           </a:p>
         </p:txBody>
       </p:sp>
       <p:graphicFrame>
         <p:nvGraphicFramePr>
-          <p:cNvPr id="5" name="Content Placeholder 4">
-            <a:extLst>
-              <a:ext uri="{FF2B5EF4-FFF2-40B4-BE49-F238E27FC236}">
-                <a16:creationId xmlns:a16="http://schemas.microsoft.com/office/drawing/2014/main" id="{157B1F6A-E952-A142-9D62-37FE0DFA357A}"/>
+          <p:cNvPr id="12" name="Table 11">
+            <a:extLst>
+              <a:ext uri="{FF2B5EF4-FFF2-40B4-BE49-F238E27FC236}">
+                <a16:creationId xmlns:a16="http://schemas.microsoft.com/office/drawing/2014/main" id="{FE8BFA67-ADB1-AE47-98AA-9EA5447ACE50}"/>
               </a:ext>
             </a:extLst>
           </p:cNvPr>
@@ -8525,72 +8785,75 @@
             <a:graphicFrameLocks noGrp="1"/>
           </p:cNvGraphicFramePr>
           <p:nvPr>
-            <p:ph idx="1"/>
             <p:extLst>
               <p:ext uri="{D42A27DB-BD31-4B8C-83A1-F6EECF244321}">
-                <p14:modId xmlns:p14="http://schemas.microsoft.com/office/powerpoint/2010/main" val="3447703682"/>
+                <p14:modId xmlns:p14="http://schemas.microsoft.com/office/powerpoint/2010/main" val="1924731390"/>
               </p:ext>
             </p:extLst>
           </p:nvPr>
         </p:nvGraphicFramePr>
         <p:xfrm>
-          <a:off x="2293257" y="3168396"/>
-          <a:ext cx="7507330" cy="2615184"/>
+          <a:off x="1473573" y="2734056"/>
+          <a:ext cx="9333248" cy="3483864"/>
         </p:xfrm>
         <a:graphic>
           <a:graphicData uri="http://schemas.openxmlformats.org/drawingml/2006/table">
             <a:tbl>
               <a:tblPr firstRow="1" bandRow="1">
-                <a:tableStyleId>{5C22544A-7EE6-4342-B048-85BDC9FD1C3A}</a:tableStyleId>
+                <a:tableStyleId>{69012ECD-51FC-41F1-AA8D-1B2483CD663E}</a:tableStyleId>
               </a:tblPr>
               <a:tblGrid>
-                <a:gridCol w="5142774">
+                <a:gridCol w="5324803">
                   <a:extLst>
                     <a:ext uri="{9D8B030D-6E8A-4147-A177-3AD203B41FA5}">
-                      <a16:colId xmlns:a16="http://schemas.microsoft.com/office/drawing/2014/main" val="1574047577"/>
+                      <a16:colId xmlns:a16="http://schemas.microsoft.com/office/drawing/2014/main" val="3738905305"/>
                     </a:ext>
                   </a:extLst>
                 </a:gridCol>
-                <a:gridCol w="2364556">
+                <a:gridCol w="2060788">
                   <a:extLst>
                     <a:ext uri="{9D8B030D-6E8A-4147-A177-3AD203B41FA5}">
-                      <a16:colId xmlns:a16="http://schemas.microsoft.com/office/drawing/2014/main" val="1385094806"/>
+                      <a16:colId xmlns:a16="http://schemas.microsoft.com/office/drawing/2014/main" val="4078394901"/>
+                    </a:ext>
+                  </a:extLst>
+                </a:gridCol>
+                <a:gridCol w="1947657">
+                  <a:extLst>
+                    <a:ext uri="{9D8B030D-6E8A-4147-A177-3AD203B41FA5}">
+                      <a16:colId xmlns:a16="http://schemas.microsoft.com/office/drawing/2014/main" val="1891394321"/>
                     </a:ext>
                   </a:extLst>
                 </a:gridCol>
               </a:tblGrid>
-              <a:tr h="653796">
-                <a:tc>
-                  <a:txBody>
-                    <a:bodyPr/>
-                    <a:lstStyle/>
-                    <a:p>
-                      <a:pPr algn="r" fontAlgn="ctr"/>
-                      <a:endParaRPr lang="en-GB" sz="3300" b="1">
+              <a:tr h="580644">
+                <a:tc>
+                  <a:txBody>
+                    <a:bodyPr/>
+                    <a:lstStyle/>
+                    <a:p>
+                      <a:pPr algn="r" fontAlgn="ctr"/>
+                      <a:endParaRPr lang="en-GB" sz="2700" b="1" dirty="0">
                         <a:effectLst/>
                       </a:endParaRPr>
                     </a:p>
                   </a:txBody>
-                  <a:tcPr marL="107769" marR="107769" marT="53884" marB="53884" anchor="ctr">
-                    <a:lnL w="57150" cap="flat" cmpd="sng" algn="ctr">
-                      <a:solidFill>
-                        <a:schemeClr val="tx1"/>
-                      </a:solidFill>
-                      <a:prstDash val="solid"/>
-                      <a:round/>
-                      <a:headEnd type="none" w="med" len="med"/>
-                      <a:tailEnd type="none" w="med" len="med"/>
-                    </a:lnL>
-                    <a:lnT w="57150" cap="flat" cmpd="sng" algn="ctr">
-                      <a:solidFill>
-                        <a:schemeClr val="tx1"/>
-                      </a:solidFill>
-                      <a:prstDash val="solid"/>
-                      <a:round/>
-                      <a:headEnd type="none" w="med" len="med"/>
-                      <a:tailEnd type="none" w="med" len="med"/>
-                    </a:lnT>
-                  </a:tcPr>
+                  <a:tcPr marL="127214" marR="127214" marT="63606" marB="63606" anchor="ctr"/>
+                </a:tc>
+                <a:tc>
+                  <a:txBody>
+                    <a:bodyPr/>
+                    <a:lstStyle/>
+                    <a:p>
+                      <a:pPr algn="r" fontAlgn="ctr"/>
+                      <a:r>
+                        <a:rPr lang="en-GB" sz="2700" b="1">
+                          <a:effectLst/>
+                        </a:rPr>
+                        <a:t>ars</a:t>
+                      </a:r>
+                    </a:p>
+                  </a:txBody>
+                  <a:tcPr marL="127214" marR="127214" marT="63606" marB="63606" anchor="ctr"/>
                 </a:tc>
                 <a:tc>
                   <a:txBody>
@@ -8599,233 +8862,328 @@
                     <a:p>
                       <a:pPr algn="r"/>
                       <a:r>
-                        <a:rPr lang="en-GB" sz="3300" b="1">
-                          <a:effectLst/>
-                        </a:rPr>
-                        <a:t>ARS</a:t>
-                      </a:r>
-                      <a:endParaRPr lang="de-DE" sz="3300" b="1"/>
-                    </a:p>
-                  </a:txBody>
-                  <a:tcPr marL="107769" marR="107769" marT="53884" marB="53884">
-                    <a:lnR w="57150" cap="flat" cmpd="sng" algn="ctr">
-                      <a:solidFill>
-                        <a:schemeClr val="tx1"/>
-                      </a:solidFill>
-                      <a:prstDash val="solid"/>
-                      <a:round/>
-                      <a:headEnd type="none" w="med" len="med"/>
-                      <a:tailEnd type="none" w="med" len="med"/>
-                    </a:lnR>
-                    <a:lnT w="57150" cap="flat" cmpd="sng" algn="ctr">
-                      <a:solidFill>
-                        <a:schemeClr val="tx1"/>
-                      </a:solidFill>
-                      <a:prstDash val="solid"/>
-                      <a:round/>
-                      <a:headEnd type="none" w="med" len="med"/>
-                      <a:tailEnd type="none" w="med" len="med"/>
-                    </a:lnT>
-                  </a:tcPr>
+                        <a:rPr lang="de-DE" sz="2700" dirty="0" err="1"/>
+                        <a:t>vm</a:t>
+                      </a:r>
+                      <a:endParaRPr lang="de-DE" sz="2700" dirty="0"/>
+                    </a:p>
+                  </a:txBody>
+                  <a:tcPr marL="127214" marR="127214" marT="63606" marB="63606"/>
                 </a:tc>
                 <a:extLst>
                   <a:ext uri="{0D108BD9-81ED-4DB2-BD59-A6C34878D82A}">
-                    <a16:rowId xmlns:a16="http://schemas.microsoft.com/office/drawing/2014/main" val="2600963263"/>
+                    <a16:rowId xmlns:a16="http://schemas.microsoft.com/office/drawing/2014/main" val="1843206374"/>
                   </a:ext>
                 </a:extLst>
               </a:tr>
-              <a:tr h="653796">
-                <a:tc>
-                  <a:txBody>
-                    <a:bodyPr/>
-                    <a:lstStyle/>
-                    <a:p>
-                      <a:pPr algn="r" fontAlgn="ctr"/>
-                      <a:r>
-                        <a:rPr lang="en-GB" sz="3300" b="0">
-                          <a:effectLst/>
-                        </a:rPr>
-                        <a:t>Barock/Frühaufklärung</a:t>
-                      </a:r>
-                    </a:p>
-                  </a:txBody>
-                  <a:tcPr marL="107769" marR="107769" marT="53884" marB="53884" anchor="ctr">
-                    <a:lnL w="57150" cap="flat" cmpd="sng" algn="ctr">
-                      <a:solidFill>
-                        <a:schemeClr val="tx1"/>
-                      </a:solidFill>
-                      <a:prstDash val="solid"/>
-                      <a:round/>
-                      <a:headEnd type="none" w="med" len="med"/>
-                      <a:tailEnd type="none" w="med" len="med"/>
-                    </a:lnL>
-                  </a:tcPr>
-                </a:tc>
-                <a:tc>
-                  <a:txBody>
-                    <a:bodyPr/>
-                    <a:lstStyle/>
-                    <a:p>
-                      <a:pPr algn="r" fontAlgn="ctr"/>
-                      <a:r>
-                        <a:rPr lang="en-DE" sz="3300">
-                          <a:effectLst/>
-                        </a:rPr>
-                        <a:t>0.159195</a:t>
-                      </a:r>
-                    </a:p>
-                  </a:txBody>
-                  <a:tcPr marL="107769" marR="107769" marT="53884" marB="53884" anchor="ctr">
-                    <a:lnR w="57150" cap="flat" cmpd="sng" algn="ctr">
-                      <a:solidFill>
-                        <a:schemeClr val="tx1"/>
-                      </a:solidFill>
-                      <a:prstDash val="solid"/>
-                      <a:round/>
-                      <a:headEnd type="none" w="med" len="med"/>
-                      <a:tailEnd type="none" w="med" len="med"/>
-                    </a:lnR>
-                  </a:tcPr>
+              <a:tr h="580644">
+                <a:tc>
+                  <a:txBody>
+                    <a:bodyPr/>
+                    <a:lstStyle/>
+                    <a:p>
+                      <a:pPr algn="r" fontAlgn="ctr"/>
+                      <a:r>
+                        <a:rPr lang="en-GB" sz="2700" b="1" dirty="0" err="1">
+                          <a:effectLst/>
+                        </a:rPr>
+                        <a:t>Frühaufklärung</a:t>
+                      </a:r>
+                      <a:r>
+                        <a:rPr lang="en-GB" sz="2700" b="1" dirty="0">
+                          <a:effectLst/>
+                        </a:rPr>
+                        <a:t>/Biedermeier</a:t>
+                      </a:r>
+                    </a:p>
+                  </a:txBody>
+                  <a:tcPr marL="127214" marR="127214" marT="63606" marB="63606" anchor="ctr"/>
+                </a:tc>
+                <a:tc>
+                  <a:txBody>
+                    <a:bodyPr/>
+                    <a:lstStyle/>
+                    <a:p>
+                      <a:pPr algn="r" fontAlgn="ctr"/>
+                      <a:r>
+                        <a:rPr lang="en-DE" sz="2700">
+                          <a:effectLst/>
+                        </a:rPr>
+                        <a:t>0.427786</a:t>
+                      </a:r>
+                    </a:p>
+                  </a:txBody>
+                  <a:tcPr marL="127214" marR="127214" marT="63606" marB="63606" anchor="ctr"/>
+                </a:tc>
+                <a:tc>
+                  <a:txBody>
+                    <a:bodyPr/>
+                    <a:lstStyle/>
+                    <a:p>
+                      <a:pPr algn="r" fontAlgn="ctr"/>
+                      <a:r>
+                        <a:rPr lang="en-DE" sz="2700">
+                          <a:effectLst/>
+                        </a:rPr>
+                        <a:t>0.353732</a:t>
+                      </a:r>
+                    </a:p>
+                  </a:txBody>
+                  <a:tcPr marL="127214" marR="127214" marT="63606" marB="63606" anchor="ctr"/>
                 </a:tc>
                 <a:extLst>
                   <a:ext uri="{0D108BD9-81ED-4DB2-BD59-A6C34878D82A}">
-                    <a16:rowId xmlns:a16="http://schemas.microsoft.com/office/drawing/2014/main" val="1256177090"/>
+                    <a16:rowId xmlns:a16="http://schemas.microsoft.com/office/drawing/2014/main" val="3707013511"/>
                   </a:ext>
                 </a:extLst>
               </a:tr>
-              <a:tr h="653796">
-                <a:tc>
-                  <a:txBody>
-                    <a:bodyPr/>
-                    <a:lstStyle/>
-                    <a:p>
-                      <a:pPr algn="r" fontAlgn="ctr"/>
-                      <a:r>
-                        <a:rPr lang="en-GB" sz="3300" b="0" dirty="0">
-                          <a:effectLst/>
-                        </a:rPr>
-                        <a:t>…</a:t>
-                      </a:r>
-                    </a:p>
-                  </a:txBody>
-                  <a:tcPr marL="107769" marR="107769" marT="53884" marB="53884" anchor="ctr">
-                    <a:lnL w="57150" cap="flat" cmpd="sng" algn="ctr">
-                      <a:solidFill>
-                        <a:schemeClr val="tx1"/>
-                      </a:solidFill>
-                      <a:prstDash val="solid"/>
-                      <a:round/>
-                      <a:headEnd type="none" w="med" len="med"/>
-                      <a:tailEnd type="none" w="med" len="med"/>
-                    </a:lnL>
-                  </a:tcPr>
-                </a:tc>
-                <a:tc>
-                  <a:txBody>
-                    <a:bodyPr/>
-                    <a:lstStyle/>
-                    <a:p>
-                      <a:pPr algn="r" fontAlgn="ctr"/>
-                      <a:r>
-                        <a:rPr lang="en-DE" sz="3300">
-                          <a:effectLst/>
-                        </a:rPr>
-                        <a:t>…</a:t>
-                      </a:r>
-                    </a:p>
-                  </a:txBody>
-                  <a:tcPr marL="107769" marR="107769" marT="53884" marB="53884" anchor="ctr">
-                    <a:lnR w="57150" cap="flat" cmpd="sng" algn="ctr">
-                      <a:solidFill>
-                        <a:schemeClr val="tx1"/>
-                      </a:solidFill>
-                      <a:prstDash val="solid"/>
-                      <a:round/>
-                      <a:headEnd type="none" w="med" len="med"/>
-                      <a:tailEnd type="none" w="med" len="med"/>
-                    </a:lnR>
-                  </a:tcPr>
+              <a:tr h="580644">
+                <a:tc>
+                  <a:txBody>
+                    <a:bodyPr/>
+                    <a:lstStyle/>
+                    <a:p>
+                      <a:pPr algn="r" fontAlgn="ctr"/>
+                      <a:r>
+                        <a:rPr lang="en-GB" sz="2700" b="1" dirty="0" err="1">
+                          <a:effectLst/>
+                        </a:rPr>
+                        <a:t>Frühaufklärung</a:t>
+                      </a:r>
+                      <a:r>
+                        <a:rPr lang="en-GB" sz="2700" b="1" dirty="0">
+                          <a:effectLst/>
+                        </a:rPr>
+                        <a:t>/</a:t>
+                      </a:r>
+                      <a:r>
+                        <a:rPr lang="en-GB" sz="2700" b="1" dirty="0" err="1">
+                          <a:effectLst/>
+                        </a:rPr>
+                        <a:t>Realismus</a:t>
+                      </a:r>
+                      <a:endParaRPr lang="en-GB" sz="2700" b="1" dirty="0">
+                        <a:effectLst/>
+                      </a:endParaRPr>
+                    </a:p>
+                  </a:txBody>
+                  <a:tcPr marL="127214" marR="127214" marT="63606" marB="63606" anchor="ctr"/>
+                </a:tc>
+                <a:tc>
+                  <a:txBody>
+                    <a:bodyPr/>
+                    <a:lstStyle/>
+                    <a:p>
+                      <a:pPr algn="r" fontAlgn="ctr"/>
+                      <a:r>
+                        <a:rPr lang="en-DE" sz="2700">
+                          <a:effectLst/>
+                        </a:rPr>
+                        <a:t>0.397801</a:t>
+                      </a:r>
+                    </a:p>
+                  </a:txBody>
+                  <a:tcPr marL="127214" marR="127214" marT="63606" marB="63606" anchor="ctr"/>
+                </a:tc>
+                <a:tc>
+                  <a:txBody>
+                    <a:bodyPr/>
+                    <a:lstStyle/>
+                    <a:p>
+                      <a:pPr algn="r" fontAlgn="ctr"/>
+                      <a:r>
+                        <a:rPr lang="en-DE" sz="2700">
+                          <a:effectLst/>
+                        </a:rPr>
+                        <a:t>0.354273</a:t>
+                      </a:r>
+                    </a:p>
+                  </a:txBody>
+                  <a:tcPr marL="127214" marR="127214" marT="63606" marB="63606" anchor="ctr"/>
                 </a:tc>
                 <a:extLst>
                   <a:ext uri="{0D108BD9-81ED-4DB2-BD59-A6C34878D82A}">
-                    <a16:rowId xmlns:a16="http://schemas.microsoft.com/office/drawing/2014/main" val="3811029111"/>
+                    <a16:rowId xmlns:a16="http://schemas.microsoft.com/office/drawing/2014/main" val="3710466259"/>
                   </a:ext>
                 </a:extLst>
               </a:tr>
-              <a:tr h="653796">
-                <a:tc>
-                  <a:txBody>
-                    <a:bodyPr/>
-                    <a:lstStyle/>
-                    <a:p>
-                      <a:pPr algn="r" fontAlgn="ctr"/>
-                      <a:r>
-                        <a:rPr lang="en-GB" sz="3300" b="0">
-                          <a:effectLst/>
-                        </a:rPr>
-                        <a:t>Frühaufklärung/Moderne</a:t>
-                      </a:r>
-                    </a:p>
-                  </a:txBody>
-                  <a:tcPr marL="107769" marR="107769" marT="53884" marB="53884" anchor="ctr">
-                    <a:lnL w="57150" cap="flat" cmpd="sng" algn="ctr">
-                      <a:solidFill>
-                        <a:schemeClr val="tx1"/>
-                      </a:solidFill>
-                      <a:prstDash val="solid"/>
-                      <a:round/>
-                      <a:headEnd type="none" w="med" len="med"/>
-                      <a:tailEnd type="none" w="med" len="med"/>
-                    </a:lnL>
-                    <a:lnB w="57150" cap="flat" cmpd="sng" algn="ctr">
-                      <a:solidFill>
-                        <a:schemeClr val="tx1"/>
-                      </a:solidFill>
-                      <a:prstDash val="solid"/>
-                      <a:round/>
-                      <a:headEnd type="none" w="med" len="med"/>
-                      <a:tailEnd type="none" w="med" len="med"/>
-                    </a:lnB>
-                  </a:tcPr>
-                </a:tc>
-                <a:tc>
-                  <a:txBody>
-                    <a:bodyPr/>
-                    <a:lstStyle/>
-                    <a:p>
-                      <a:pPr algn="r" fontAlgn="ctr"/>
-                      <a:r>
-                        <a:rPr lang="en-DE" sz="3300" dirty="0">
-                          <a:effectLst/>
-                        </a:rPr>
-                        <a:t>-0.028700</a:t>
-                      </a:r>
-                    </a:p>
-                  </a:txBody>
-                  <a:tcPr marL="107769" marR="107769" marT="53884" marB="53884" anchor="ctr">
-                    <a:lnR w="57150" cap="flat" cmpd="sng" algn="ctr">
-                      <a:solidFill>
-                        <a:schemeClr val="tx1"/>
-                      </a:solidFill>
-                      <a:prstDash val="solid"/>
-                      <a:round/>
-                      <a:headEnd type="none" w="med" len="med"/>
-                      <a:tailEnd type="none" w="med" len="med"/>
-                    </a:lnR>
-                    <a:lnB w="57150" cap="flat" cmpd="sng" algn="ctr">
-                      <a:solidFill>
-                        <a:schemeClr val="tx1"/>
-                      </a:solidFill>
-                      <a:prstDash val="solid"/>
-                      <a:round/>
-                      <a:headEnd type="none" w="med" len="med"/>
-                      <a:tailEnd type="none" w="med" len="med"/>
-                    </a:lnB>
-                  </a:tcPr>
+              <a:tr h="580644">
+                <a:tc>
+                  <a:txBody>
+                    <a:bodyPr/>
+                    <a:lstStyle/>
+                    <a:p>
+                      <a:pPr algn="r" fontAlgn="ctr"/>
+                      <a:r>
+                        <a:rPr lang="en-GB" sz="2700" b="0" dirty="0">
+                          <a:effectLst/>
+                        </a:rPr>
+                        <a:t>…</a:t>
+                      </a:r>
+                    </a:p>
+                  </a:txBody>
+                  <a:tcPr marL="127214" marR="127214" marT="63606" marB="63606" anchor="ctr"/>
+                </a:tc>
+                <a:tc>
+                  <a:txBody>
+                    <a:bodyPr/>
+                    <a:lstStyle/>
+                    <a:p>
+                      <a:pPr algn="r" fontAlgn="ctr"/>
+                      <a:r>
+                        <a:rPr lang="en-DE" sz="2700">
+                          <a:effectLst/>
+                        </a:rPr>
+                        <a:t>…</a:t>
+                      </a:r>
+                    </a:p>
+                  </a:txBody>
+                  <a:tcPr marL="127214" marR="127214" marT="63606" marB="63606" anchor="ctr"/>
+                </a:tc>
+                <a:tc>
+                  <a:txBody>
+                    <a:bodyPr/>
+                    <a:lstStyle/>
+                    <a:p>
+                      <a:pPr algn="r" fontAlgn="ctr"/>
+                      <a:r>
+                        <a:rPr lang="en-DE" sz="2700" dirty="0">
+                          <a:effectLst/>
+                        </a:rPr>
+                        <a:t>…</a:t>
+                      </a:r>
+                    </a:p>
+                  </a:txBody>
+                  <a:tcPr marL="127214" marR="127214" marT="63606" marB="63606" anchor="ctr"/>
                 </a:tc>
                 <a:extLst>
                   <a:ext uri="{0D108BD9-81ED-4DB2-BD59-A6C34878D82A}">
-                    <a16:rowId xmlns:a16="http://schemas.microsoft.com/office/drawing/2014/main" val="3528546575"/>
+                    <a16:rowId xmlns:a16="http://schemas.microsoft.com/office/drawing/2014/main" val="1192203619"/>
+                  </a:ext>
+                </a:extLst>
+              </a:tr>
+              <a:tr h="580644">
+                <a:tc>
+                  <a:txBody>
+                    <a:bodyPr/>
+                    <a:lstStyle/>
+                    <a:p>
+                      <a:pPr algn="r" fontAlgn="ctr"/>
+                      <a:r>
+                        <a:rPr lang="en-GB" sz="2700" b="1" dirty="0" err="1">
+                          <a:effectLst/>
+                        </a:rPr>
+                        <a:t>Aufklärung</a:t>
+                      </a:r>
+                      <a:r>
+                        <a:rPr lang="en-GB" sz="2700" b="1" dirty="0">
+                          <a:effectLst/>
+                        </a:rPr>
+                        <a:t>/</a:t>
+                      </a:r>
+                      <a:r>
+                        <a:rPr lang="en-GB" sz="2700" b="1" dirty="0" err="1">
+                          <a:effectLst/>
+                        </a:rPr>
+                        <a:t>Moderne</a:t>
+                      </a:r>
+                      <a:endParaRPr lang="en-GB" sz="2700" b="1" dirty="0">
+                        <a:effectLst/>
+                      </a:endParaRPr>
+                    </a:p>
+                  </a:txBody>
+                  <a:tcPr marL="127214" marR="127214" marT="63606" marB="63606" anchor="ctr"/>
+                </a:tc>
+                <a:tc>
+                  <a:txBody>
+                    <a:bodyPr/>
+                    <a:lstStyle/>
+                    <a:p>
+                      <a:pPr algn="r" fontAlgn="ctr"/>
+                      <a:r>
+                        <a:rPr lang="en-DE" sz="2700">
+                          <a:effectLst/>
+                        </a:rPr>
+                        <a:t>-0.060318</a:t>
+                      </a:r>
+                    </a:p>
+                  </a:txBody>
+                  <a:tcPr marL="127214" marR="127214" marT="63606" marB="63606" anchor="ctr"/>
+                </a:tc>
+                <a:tc>
+                  <a:txBody>
+                    <a:bodyPr/>
+                    <a:lstStyle/>
+                    <a:p>
+                      <a:pPr algn="r" fontAlgn="ctr"/>
+                      <a:r>
+                        <a:rPr lang="en-DE" sz="2700" dirty="0">
+                          <a:effectLst/>
+                        </a:rPr>
+                        <a:t>0.059248</a:t>
+                      </a:r>
+                    </a:p>
+                  </a:txBody>
+                  <a:tcPr marL="127214" marR="127214" marT="63606" marB="63606" anchor="ctr"/>
+                </a:tc>
+                <a:extLst>
+                  <a:ext uri="{0D108BD9-81ED-4DB2-BD59-A6C34878D82A}">
+                    <a16:rowId xmlns:a16="http://schemas.microsoft.com/office/drawing/2014/main" val="3003024306"/>
+                  </a:ext>
+                </a:extLst>
+              </a:tr>
+              <a:tr h="580644">
+                <a:tc>
+                  <a:txBody>
+                    <a:bodyPr/>
+                    <a:lstStyle/>
+                    <a:p>
+                      <a:pPr algn="r" fontAlgn="ctr"/>
+                      <a:r>
+                        <a:rPr lang="en-GB" sz="2700" b="1">
+                          <a:effectLst/>
+                        </a:rPr>
+                        <a:t>Barock/Moderne</a:t>
+                      </a:r>
+                    </a:p>
+                  </a:txBody>
+                  <a:tcPr anchor="ctr"/>
+                </a:tc>
+                <a:tc>
+                  <a:txBody>
+                    <a:bodyPr/>
+                    <a:lstStyle/>
+                    <a:p>
+                      <a:pPr algn="r" fontAlgn="ctr"/>
+                      <a:r>
+                        <a:rPr lang="en-DE" sz="2700">
+                          <a:effectLst/>
+                        </a:rPr>
+                        <a:t>-0.068474</a:t>
+                      </a:r>
+                    </a:p>
+                  </a:txBody>
+                  <a:tcPr anchor="ctr"/>
+                </a:tc>
+                <a:tc>
+                  <a:txBody>
+                    <a:bodyPr/>
+                    <a:lstStyle/>
+                    <a:p>
+                      <a:pPr algn="r" fontAlgn="ctr"/>
+                      <a:r>
+                        <a:rPr lang="en-DE" sz="2700" dirty="0">
+                          <a:effectLst/>
+                        </a:rPr>
+                        <a:t>0.028013</a:t>
+                      </a:r>
+                    </a:p>
+                  </a:txBody>
+                  <a:tcPr anchor="ctr"/>
+                </a:tc>
+                <a:extLst>
+                  <a:ext uri="{0D108BD9-81ED-4DB2-BD59-A6C34878D82A}">
+                    <a16:rowId xmlns:a16="http://schemas.microsoft.com/office/drawing/2014/main" val="1140749754"/>
                   </a:ext>
                 </a:extLst>
               </a:tr>
@@ -8865,6 +9223,4727 @@
       </p:grpSpPr>
       <p:sp>
         <p:nvSpPr>
+          <p:cNvPr id="5" name="Title 4">
+            <a:extLst>
+              <a:ext uri="{FF2B5EF4-FFF2-40B4-BE49-F238E27FC236}">
+                <a16:creationId xmlns:a16="http://schemas.microsoft.com/office/drawing/2014/main" id="{9E70DB90-324C-D04B-8F51-5DB32ADB443C}"/>
+              </a:ext>
+            </a:extLst>
+          </p:cNvPr>
+          <p:cNvSpPr>
+            <a:spLocks noGrp="1"/>
+          </p:cNvSpPr>
+          <p:nvPr>
+            <p:ph type="title"/>
+          </p:nvPr>
+        </p:nvSpPr>
+        <p:spPr/>
+        <p:txBody>
+          <a:bodyPr>
+            <a:normAutofit fontScale="90000"/>
+          </a:bodyPr>
+          <a:lstStyle/>
+          <a:p>
+            <a:r>
+              <a:rPr lang="de-DE" b="1" dirty="0"/>
+              <a:t>K-</a:t>
+            </a:r>
+            <a:r>
+              <a:rPr lang="de-DE" b="1" dirty="0" err="1"/>
+              <a:t>Means</a:t>
+            </a:r>
+            <a:r>
+              <a:rPr lang="de-DE" b="1" dirty="0"/>
+              <a:t> (I) </a:t>
+            </a:r>
+            <a:br>
+              <a:rPr lang="de-DE" b="1" dirty="0"/>
+            </a:br>
+            <a:r>
+              <a:rPr lang="de-DE" dirty="0"/>
+              <a:t>Häufigsten 10 Worte des besten </a:t>
+            </a:r>
+            <a:r>
+              <a:rPr lang="de-DE" dirty="0" err="1"/>
+              <a:t>Clusterings</a:t>
+            </a:r>
+            <a:endParaRPr lang="de-DE" dirty="0"/>
+          </a:p>
+        </p:txBody>
+      </p:sp>
+      <p:graphicFrame>
+        <p:nvGraphicFramePr>
+          <p:cNvPr id="4" name="Content Placeholder 3">
+            <a:extLst>
+              <a:ext uri="{FF2B5EF4-FFF2-40B4-BE49-F238E27FC236}">
+                <a16:creationId xmlns:a16="http://schemas.microsoft.com/office/drawing/2014/main" id="{AF660BFF-771B-1C49-87CA-2E80B36FD37A}"/>
+              </a:ext>
+            </a:extLst>
+          </p:cNvPr>
+          <p:cNvGraphicFramePr>
+            <a:graphicFrameLocks noGrp="1"/>
+          </p:cNvGraphicFramePr>
+          <p:nvPr>
+            <p:ph sz="half" idx="1"/>
+            <p:extLst>
+              <p:ext uri="{D42A27DB-BD31-4B8C-83A1-F6EECF244321}">
+                <p14:modId xmlns:p14="http://schemas.microsoft.com/office/powerpoint/2010/main" val="1724844451"/>
+              </p:ext>
+            </p:extLst>
+          </p:nvPr>
+        </p:nvGraphicFramePr>
+        <p:xfrm>
+          <a:off x="3688867" y="2181282"/>
+          <a:ext cx="1925036" cy="4453891"/>
+        </p:xfrm>
+        <a:graphic>
+          <a:graphicData uri="http://schemas.openxmlformats.org/drawingml/2006/table">
+            <a:tbl>
+              <a:tblPr firstRow="1" bandRow="1">
+                <a:tableStyleId>{5C22544A-7EE6-4342-B048-85BDC9FD1C3A}</a:tableStyleId>
+              </a:tblPr>
+              <a:tblGrid>
+                <a:gridCol w="482080">
+                  <a:extLst>
+                    <a:ext uri="{9D8B030D-6E8A-4147-A177-3AD203B41FA5}">
+                      <a16:colId xmlns:a16="http://schemas.microsoft.com/office/drawing/2014/main" val="2599860606"/>
+                    </a:ext>
+                  </a:extLst>
+                </a:gridCol>
+                <a:gridCol w="1442956">
+                  <a:extLst>
+                    <a:ext uri="{9D8B030D-6E8A-4147-A177-3AD203B41FA5}">
+                      <a16:colId xmlns:a16="http://schemas.microsoft.com/office/drawing/2014/main" val="828020163"/>
+                    </a:ext>
+                  </a:extLst>
+                </a:gridCol>
+              </a:tblGrid>
+              <a:tr h="491491">
+                <a:tc>
+                  <a:txBody>
+                    <a:bodyPr/>
+                    <a:lstStyle/>
+                    <a:p>
+                      <a:pPr algn="r" fontAlgn="ctr"/>
+                      <a:endParaRPr lang="en-GB" b="1" dirty="0">
+                        <a:effectLst/>
+                      </a:endParaRPr>
+                    </a:p>
+                  </a:txBody>
+                  <a:tcPr anchor="ctr"/>
+                </a:tc>
+                <a:tc>
+                  <a:txBody>
+                    <a:bodyPr/>
+                    <a:lstStyle/>
+                    <a:p>
+                      <a:pPr algn="r" fontAlgn="ctr"/>
+                      <a:endParaRPr lang="en-GB" b="1" dirty="0">
+                        <a:effectLst/>
+                      </a:endParaRPr>
+                    </a:p>
+                  </a:txBody>
+                  <a:tcPr anchor="ctr"/>
+                </a:tc>
+                <a:extLst>
+                  <a:ext uri="{0D108BD9-81ED-4DB2-BD59-A6C34878D82A}">
+                    <a16:rowId xmlns:a16="http://schemas.microsoft.com/office/drawing/2014/main" val="3481616388"/>
+                  </a:ext>
+                </a:extLst>
+              </a:tr>
+              <a:tr h="0">
+                <a:tc>
+                  <a:txBody>
+                    <a:bodyPr/>
+                    <a:lstStyle/>
+                    <a:p>
+                      <a:pPr algn="r" fontAlgn="ctr"/>
+                      <a:r>
+                        <a:rPr lang="en-GB" sz="2000" dirty="0">
+                          <a:effectLst/>
+                        </a:rPr>
+                        <a:t>1</a:t>
+                      </a:r>
+                    </a:p>
+                  </a:txBody>
+                  <a:tcPr anchor="ctr"/>
+                </a:tc>
+                <a:tc>
+                  <a:txBody>
+                    <a:bodyPr/>
+                    <a:lstStyle/>
+                    <a:p>
+                      <a:pPr algn="r" fontAlgn="ctr"/>
+                      <a:r>
+                        <a:rPr lang="en-GB" sz="2000" b="1" dirty="0" err="1">
+                          <a:effectLst/>
+                        </a:rPr>
+                        <a:t>gott</a:t>
+                      </a:r>
+                      <a:endParaRPr lang="en-GB" sz="2000" b="1" dirty="0">
+                        <a:effectLst/>
+                      </a:endParaRPr>
+                    </a:p>
+                  </a:txBody>
+                  <a:tcPr anchor="ctr"/>
+                </a:tc>
+                <a:extLst>
+                  <a:ext uri="{0D108BD9-81ED-4DB2-BD59-A6C34878D82A}">
+                    <a16:rowId xmlns:a16="http://schemas.microsoft.com/office/drawing/2014/main" val="2792915004"/>
+                  </a:ext>
+                </a:extLst>
+              </a:tr>
+              <a:tr h="370840">
+                <a:tc>
+                  <a:txBody>
+                    <a:bodyPr/>
+                    <a:lstStyle/>
+                    <a:p>
+                      <a:pPr algn="r" fontAlgn="ctr"/>
+                      <a:r>
+                        <a:rPr lang="en-GB" sz="2000" dirty="0">
+                          <a:effectLst/>
+                        </a:rPr>
+                        <a:t>2</a:t>
+                      </a:r>
+                    </a:p>
+                  </a:txBody>
+                  <a:tcPr anchor="ctr"/>
+                </a:tc>
+                <a:tc>
+                  <a:txBody>
+                    <a:bodyPr/>
+                    <a:lstStyle/>
+                    <a:p>
+                      <a:pPr algn="r" fontAlgn="ctr"/>
+                      <a:r>
+                        <a:rPr lang="en-GB" sz="2000" b="1" dirty="0" err="1">
+                          <a:effectLst/>
+                        </a:rPr>
+                        <a:t>herz</a:t>
+                      </a:r>
+                      <a:endParaRPr lang="en-GB" sz="2000" b="1" dirty="0">
+                        <a:effectLst/>
+                      </a:endParaRPr>
+                    </a:p>
+                  </a:txBody>
+                  <a:tcPr anchor="ctr"/>
+                </a:tc>
+                <a:extLst>
+                  <a:ext uri="{0D108BD9-81ED-4DB2-BD59-A6C34878D82A}">
+                    <a16:rowId xmlns:a16="http://schemas.microsoft.com/office/drawing/2014/main" val="2852790106"/>
+                  </a:ext>
+                </a:extLst>
+              </a:tr>
+              <a:tr h="370840">
+                <a:tc>
+                  <a:txBody>
+                    <a:bodyPr/>
+                    <a:lstStyle/>
+                    <a:p>
+                      <a:pPr algn="r" fontAlgn="ctr"/>
+                      <a:r>
+                        <a:rPr lang="en-GB" sz="2000" dirty="0">
+                          <a:effectLst/>
+                        </a:rPr>
+                        <a:t>3</a:t>
+                      </a:r>
+                    </a:p>
+                  </a:txBody>
+                  <a:tcPr anchor="ctr"/>
+                </a:tc>
+                <a:tc>
+                  <a:txBody>
+                    <a:bodyPr/>
+                    <a:lstStyle/>
+                    <a:p>
+                      <a:pPr algn="r" fontAlgn="ctr"/>
+                      <a:r>
+                        <a:rPr lang="en-GB" sz="2000" b="1" dirty="0" err="1">
+                          <a:effectLst/>
+                        </a:rPr>
+                        <a:t>wer</a:t>
+                      </a:r>
+                      <a:endParaRPr lang="en-GB" sz="2000" b="1" dirty="0">
+                        <a:effectLst/>
+                      </a:endParaRPr>
+                    </a:p>
+                  </a:txBody>
+                  <a:tcPr anchor="ctr"/>
+                </a:tc>
+                <a:extLst>
+                  <a:ext uri="{0D108BD9-81ED-4DB2-BD59-A6C34878D82A}">
+                    <a16:rowId xmlns:a16="http://schemas.microsoft.com/office/drawing/2014/main" val="1175727658"/>
+                  </a:ext>
+                </a:extLst>
+              </a:tr>
+              <a:tr h="370840">
+                <a:tc>
+                  <a:txBody>
+                    <a:bodyPr/>
+                    <a:lstStyle/>
+                    <a:p>
+                      <a:pPr algn="r" fontAlgn="ctr"/>
+                      <a:r>
+                        <a:rPr lang="en-GB" sz="2000" dirty="0">
+                          <a:effectLst/>
+                        </a:rPr>
+                        <a:t>4</a:t>
+                      </a:r>
+                    </a:p>
+                  </a:txBody>
+                  <a:tcPr anchor="ctr"/>
+                </a:tc>
+                <a:tc>
+                  <a:txBody>
+                    <a:bodyPr/>
+                    <a:lstStyle/>
+                    <a:p>
+                      <a:pPr algn="r" fontAlgn="ctr"/>
+                      <a:r>
+                        <a:rPr lang="en-GB" sz="2000" b="1" dirty="0">
+                          <a:effectLst/>
+                        </a:rPr>
+                        <a:t>welt</a:t>
+                      </a:r>
+                    </a:p>
+                  </a:txBody>
+                  <a:tcPr anchor="ctr"/>
+                </a:tc>
+                <a:extLst>
+                  <a:ext uri="{0D108BD9-81ED-4DB2-BD59-A6C34878D82A}">
+                    <a16:rowId xmlns:a16="http://schemas.microsoft.com/office/drawing/2014/main" val="1889070841"/>
+                  </a:ext>
+                </a:extLst>
+              </a:tr>
+              <a:tr h="370840">
+                <a:tc>
+                  <a:txBody>
+                    <a:bodyPr/>
+                    <a:lstStyle/>
+                    <a:p>
+                      <a:pPr algn="r" fontAlgn="ctr"/>
+                      <a:r>
+                        <a:rPr lang="en-GB" sz="2000" dirty="0">
+                          <a:effectLst/>
+                        </a:rPr>
+                        <a:t>5</a:t>
+                      </a:r>
+                    </a:p>
+                  </a:txBody>
+                  <a:tcPr anchor="ctr"/>
+                </a:tc>
+                <a:tc>
+                  <a:txBody>
+                    <a:bodyPr/>
+                    <a:lstStyle/>
+                    <a:p>
+                      <a:pPr algn="r" fontAlgn="ctr"/>
+                      <a:r>
+                        <a:rPr lang="en-GB" sz="2000" b="1" dirty="0">
+                          <a:effectLst/>
+                        </a:rPr>
+                        <a:t>sei</a:t>
+                      </a:r>
+                    </a:p>
+                  </a:txBody>
+                  <a:tcPr anchor="ctr"/>
+                </a:tc>
+                <a:extLst>
+                  <a:ext uri="{0D108BD9-81ED-4DB2-BD59-A6C34878D82A}">
+                    <a16:rowId xmlns:a16="http://schemas.microsoft.com/office/drawing/2014/main" val="2476718903"/>
+                  </a:ext>
+                </a:extLst>
+              </a:tr>
+              <a:tr h="370840">
+                <a:tc>
+                  <a:txBody>
+                    <a:bodyPr/>
+                    <a:lstStyle/>
+                    <a:p>
+                      <a:pPr algn="r" fontAlgn="ctr"/>
+                      <a:r>
+                        <a:rPr lang="en-GB" sz="2000" dirty="0">
+                          <a:effectLst/>
+                        </a:rPr>
+                        <a:t>6</a:t>
+                      </a:r>
+                    </a:p>
+                  </a:txBody>
+                  <a:tcPr anchor="ctr"/>
+                </a:tc>
+                <a:tc>
+                  <a:txBody>
+                    <a:bodyPr/>
+                    <a:lstStyle/>
+                    <a:p>
+                      <a:pPr algn="r" fontAlgn="ctr"/>
+                      <a:r>
+                        <a:rPr lang="en-GB" sz="2000" b="1" dirty="0" err="1">
+                          <a:effectLst/>
+                        </a:rPr>
+                        <a:t>liebe</a:t>
+                      </a:r>
+                      <a:endParaRPr lang="en-GB" sz="2000" b="1" dirty="0">
+                        <a:effectLst/>
+                      </a:endParaRPr>
+                    </a:p>
+                  </a:txBody>
+                  <a:tcPr anchor="ctr"/>
+                </a:tc>
+                <a:extLst>
+                  <a:ext uri="{0D108BD9-81ED-4DB2-BD59-A6C34878D82A}">
+                    <a16:rowId xmlns:a16="http://schemas.microsoft.com/office/drawing/2014/main" val="3357551232"/>
+                  </a:ext>
+                </a:extLst>
+              </a:tr>
+              <a:tr h="370840">
+                <a:tc>
+                  <a:txBody>
+                    <a:bodyPr/>
+                    <a:lstStyle/>
+                    <a:p>
+                      <a:pPr algn="r" fontAlgn="ctr"/>
+                      <a:r>
+                        <a:rPr lang="en-GB" sz="2000" dirty="0">
+                          <a:effectLst/>
+                        </a:rPr>
+                        <a:t>7</a:t>
+                      </a:r>
+                    </a:p>
+                  </a:txBody>
+                  <a:tcPr anchor="ctr"/>
+                </a:tc>
+                <a:tc>
+                  <a:txBody>
+                    <a:bodyPr/>
+                    <a:lstStyle/>
+                    <a:p>
+                      <a:pPr algn="r" fontAlgn="ctr"/>
+                      <a:r>
+                        <a:rPr lang="en-GB" sz="2000" b="1" dirty="0" err="1">
+                          <a:effectLst/>
+                        </a:rPr>
+                        <a:t>wohl</a:t>
+                      </a:r>
+                      <a:endParaRPr lang="en-GB" sz="2000" b="1" dirty="0">
+                        <a:effectLst/>
+                      </a:endParaRPr>
+                    </a:p>
+                  </a:txBody>
+                  <a:tcPr anchor="ctr"/>
+                </a:tc>
+                <a:extLst>
+                  <a:ext uri="{0D108BD9-81ED-4DB2-BD59-A6C34878D82A}">
+                    <a16:rowId xmlns:a16="http://schemas.microsoft.com/office/drawing/2014/main" val="29535288"/>
+                  </a:ext>
+                </a:extLst>
+              </a:tr>
+              <a:tr h="370840">
+                <a:tc>
+                  <a:txBody>
+                    <a:bodyPr/>
+                    <a:lstStyle/>
+                    <a:p>
+                      <a:pPr algn="r" fontAlgn="ctr"/>
+                      <a:r>
+                        <a:rPr lang="en-GB" sz="2000" dirty="0">
+                          <a:effectLst/>
+                        </a:rPr>
+                        <a:t>8</a:t>
+                      </a:r>
+                    </a:p>
+                  </a:txBody>
+                  <a:tcPr anchor="ctr"/>
+                </a:tc>
+                <a:tc>
+                  <a:txBody>
+                    <a:bodyPr/>
+                    <a:lstStyle/>
+                    <a:p>
+                      <a:pPr algn="r" fontAlgn="ctr"/>
+                      <a:r>
+                        <a:rPr lang="en-GB" sz="2000" b="1" dirty="0">
+                          <a:effectLst/>
+                        </a:rPr>
+                        <a:t>leben</a:t>
+                      </a:r>
+                    </a:p>
+                  </a:txBody>
+                  <a:tcPr anchor="ctr"/>
+                </a:tc>
+                <a:extLst>
+                  <a:ext uri="{0D108BD9-81ED-4DB2-BD59-A6C34878D82A}">
+                    <a16:rowId xmlns:a16="http://schemas.microsoft.com/office/drawing/2014/main" val="1684373794"/>
+                  </a:ext>
+                </a:extLst>
+              </a:tr>
+              <a:tr h="370840">
+                <a:tc>
+                  <a:txBody>
+                    <a:bodyPr/>
+                    <a:lstStyle/>
+                    <a:p>
+                      <a:pPr algn="r" fontAlgn="ctr"/>
+                      <a:r>
+                        <a:rPr lang="en-GB" sz="2000" dirty="0">
+                          <a:effectLst/>
+                        </a:rPr>
+                        <a:t>9</a:t>
+                      </a:r>
+                    </a:p>
+                  </a:txBody>
+                  <a:tcPr anchor="ctr"/>
+                </a:tc>
+                <a:tc>
+                  <a:txBody>
+                    <a:bodyPr/>
+                    <a:lstStyle/>
+                    <a:p>
+                      <a:pPr algn="r" fontAlgn="ctr"/>
+                      <a:r>
+                        <a:rPr lang="en-GB" sz="2000" b="1" dirty="0" err="1">
+                          <a:effectLst/>
+                        </a:rPr>
+                        <a:t>schon</a:t>
+                      </a:r>
+                      <a:endParaRPr lang="en-GB" sz="2000" b="1" dirty="0">
+                        <a:effectLst/>
+                      </a:endParaRPr>
+                    </a:p>
+                  </a:txBody>
+                  <a:tcPr anchor="ctr"/>
+                </a:tc>
+                <a:extLst>
+                  <a:ext uri="{0D108BD9-81ED-4DB2-BD59-A6C34878D82A}">
+                    <a16:rowId xmlns:a16="http://schemas.microsoft.com/office/drawing/2014/main" val="2838643809"/>
+                  </a:ext>
+                </a:extLst>
+              </a:tr>
+              <a:tr h="370840">
+                <a:tc>
+                  <a:txBody>
+                    <a:bodyPr/>
+                    <a:lstStyle/>
+                    <a:p>
+                      <a:pPr algn="r" fontAlgn="ctr"/>
+                      <a:r>
+                        <a:rPr lang="en-GB" sz="2000" dirty="0">
+                          <a:effectLst/>
+                        </a:rPr>
+                        <a:t>10</a:t>
+                      </a:r>
+                    </a:p>
+                  </a:txBody>
+                  <a:tcPr anchor="ctr"/>
+                </a:tc>
+                <a:tc>
+                  <a:txBody>
+                    <a:bodyPr/>
+                    <a:lstStyle/>
+                    <a:p>
+                      <a:pPr algn="r" fontAlgn="ctr"/>
+                      <a:r>
+                        <a:rPr lang="en-GB" sz="2000" b="1" dirty="0" err="1">
+                          <a:effectLst/>
+                        </a:rPr>
+                        <a:t>mehr</a:t>
+                      </a:r>
+                      <a:endParaRPr lang="en-GB" sz="2000" b="1" dirty="0">
+                        <a:effectLst/>
+                      </a:endParaRPr>
+                    </a:p>
+                  </a:txBody>
+                  <a:tcPr anchor="ctr"/>
+                </a:tc>
+                <a:extLst>
+                  <a:ext uri="{0D108BD9-81ED-4DB2-BD59-A6C34878D82A}">
+                    <a16:rowId xmlns:a16="http://schemas.microsoft.com/office/drawing/2014/main" val="2117342910"/>
+                  </a:ext>
+                </a:extLst>
+              </a:tr>
+            </a:tbl>
+          </a:graphicData>
+        </a:graphic>
+      </p:graphicFrame>
+      <p:graphicFrame>
+        <p:nvGraphicFramePr>
+          <p:cNvPr id="9" name="Content Placeholder 8">
+            <a:extLst>
+              <a:ext uri="{FF2B5EF4-FFF2-40B4-BE49-F238E27FC236}">
+                <a16:creationId xmlns:a16="http://schemas.microsoft.com/office/drawing/2014/main" id="{5ED111C9-A792-2C46-9D1C-87BF36A15CB0}"/>
+              </a:ext>
+            </a:extLst>
+          </p:cNvPr>
+          <p:cNvGraphicFramePr>
+            <a:graphicFrameLocks noGrp="1"/>
+          </p:cNvGraphicFramePr>
+          <p:nvPr>
+            <p:ph sz="half" idx="2"/>
+            <p:extLst>
+              <p:ext uri="{D42A27DB-BD31-4B8C-83A1-F6EECF244321}">
+                <p14:modId xmlns:p14="http://schemas.microsoft.com/office/powerpoint/2010/main" val="3047877118"/>
+              </p:ext>
+            </p:extLst>
+          </p:nvPr>
+        </p:nvGraphicFramePr>
+        <p:xfrm>
+          <a:off x="6568573" y="2181282"/>
+          <a:ext cx="1925032" cy="4431806"/>
+        </p:xfrm>
+        <a:graphic>
+          <a:graphicData uri="http://schemas.openxmlformats.org/drawingml/2006/table">
+            <a:tbl>
+              <a:tblPr firstRow="1" bandRow="1">
+                <a:tableStyleId>{5C22544A-7EE6-4342-B048-85BDC9FD1C3A}</a:tableStyleId>
+              </a:tblPr>
+              <a:tblGrid>
+                <a:gridCol w="586206">
+                  <a:extLst>
+                    <a:ext uri="{9D8B030D-6E8A-4147-A177-3AD203B41FA5}">
+                      <a16:colId xmlns:a16="http://schemas.microsoft.com/office/drawing/2014/main" val="3618807907"/>
+                    </a:ext>
+                  </a:extLst>
+                </a:gridCol>
+                <a:gridCol w="1338826">
+                  <a:extLst>
+                    <a:ext uri="{9D8B030D-6E8A-4147-A177-3AD203B41FA5}">
+                      <a16:colId xmlns:a16="http://schemas.microsoft.com/office/drawing/2014/main" val="3407045452"/>
+                    </a:ext>
+                  </a:extLst>
+                </a:gridCol>
+              </a:tblGrid>
+              <a:tr h="469406">
+                <a:tc>
+                  <a:txBody>
+                    <a:bodyPr/>
+                    <a:lstStyle/>
+                    <a:p>
+                      <a:pPr algn="r" fontAlgn="ctr"/>
+                      <a:endParaRPr lang="en-GB" b="1" dirty="0">
+                        <a:effectLst/>
+                      </a:endParaRPr>
+                    </a:p>
+                  </a:txBody>
+                  <a:tcPr anchor="ctr"/>
+                </a:tc>
+                <a:tc>
+                  <a:txBody>
+                    <a:bodyPr/>
+                    <a:lstStyle/>
+                    <a:p>
+                      <a:pPr algn="r" fontAlgn="ctr"/>
+                      <a:endParaRPr lang="en-GB" b="1" dirty="0">
+                        <a:effectLst/>
+                      </a:endParaRPr>
+                    </a:p>
+                  </a:txBody>
+                  <a:tcPr anchor="ctr"/>
+                </a:tc>
+                <a:extLst>
+                  <a:ext uri="{0D108BD9-81ED-4DB2-BD59-A6C34878D82A}">
+                    <a16:rowId xmlns:a16="http://schemas.microsoft.com/office/drawing/2014/main" val="3259271182"/>
+                  </a:ext>
+                </a:extLst>
+              </a:tr>
+              <a:tr h="372541">
+                <a:tc>
+                  <a:txBody>
+                    <a:bodyPr/>
+                    <a:lstStyle/>
+                    <a:p>
+                      <a:pPr algn="r" fontAlgn="ctr"/>
+                      <a:r>
+                        <a:rPr lang="en-GB" sz="2000" dirty="0">
+                          <a:effectLst/>
+                        </a:rPr>
+                        <a:t>1</a:t>
+                      </a:r>
+                    </a:p>
+                  </a:txBody>
+                  <a:tcPr anchor="ctr"/>
+                </a:tc>
+                <a:tc>
+                  <a:txBody>
+                    <a:bodyPr/>
+                    <a:lstStyle/>
+                    <a:p>
+                      <a:pPr algn="r" fontAlgn="ctr"/>
+                      <a:r>
+                        <a:rPr lang="en-GB" sz="2000" b="1" dirty="0">
+                          <a:effectLst/>
+                        </a:rPr>
+                        <a:t>bey</a:t>
+                      </a:r>
+                    </a:p>
+                  </a:txBody>
+                  <a:tcPr anchor="ctr"/>
+                </a:tc>
+                <a:extLst>
+                  <a:ext uri="{0D108BD9-81ED-4DB2-BD59-A6C34878D82A}">
+                    <a16:rowId xmlns:a16="http://schemas.microsoft.com/office/drawing/2014/main" val="169262451"/>
+                  </a:ext>
+                </a:extLst>
+              </a:tr>
+              <a:tr h="372541">
+                <a:tc>
+                  <a:txBody>
+                    <a:bodyPr/>
+                    <a:lstStyle/>
+                    <a:p>
+                      <a:pPr algn="r" fontAlgn="ctr"/>
+                      <a:r>
+                        <a:rPr lang="en-GB" sz="2000" dirty="0">
+                          <a:effectLst/>
+                        </a:rPr>
+                        <a:t>2</a:t>
+                      </a:r>
+                    </a:p>
+                  </a:txBody>
+                  <a:tcPr anchor="ctr"/>
+                </a:tc>
+                <a:tc>
+                  <a:txBody>
+                    <a:bodyPr/>
+                    <a:lstStyle/>
+                    <a:p>
+                      <a:pPr algn="r" fontAlgn="ctr"/>
+                      <a:r>
+                        <a:rPr lang="en-GB" sz="2000" b="1" dirty="0" err="1">
+                          <a:effectLst/>
+                        </a:rPr>
+                        <a:t>kan</a:t>
+                      </a:r>
+                      <a:endParaRPr lang="en-GB" sz="2000" b="1" dirty="0">
+                        <a:effectLst/>
+                      </a:endParaRPr>
+                    </a:p>
+                  </a:txBody>
+                  <a:tcPr anchor="ctr"/>
+                </a:tc>
+                <a:extLst>
+                  <a:ext uri="{0D108BD9-81ED-4DB2-BD59-A6C34878D82A}">
+                    <a16:rowId xmlns:a16="http://schemas.microsoft.com/office/drawing/2014/main" val="284791471"/>
+                  </a:ext>
+                </a:extLst>
+              </a:tr>
+              <a:tr h="372541">
+                <a:tc>
+                  <a:txBody>
+                    <a:bodyPr/>
+                    <a:lstStyle/>
+                    <a:p>
+                      <a:pPr algn="r" fontAlgn="ctr"/>
+                      <a:r>
+                        <a:rPr lang="en-GB" sz="2000" dirty="0">
+                          <a:effectLst/>
+                        </a:rPr>
+                        <a:t>3</a:t>
+                      </a:r>
+                    </a:p>
+                  </a:txBody>
+                  <a:tcPr anchor="ctr"/>
+                </a:tc>
+                <a:tc>
+                  <a:txBody>
+                    <a:bodyPr/>
+                    <a:lstStyle/>
+                    <a:p>
+                      <a:pPr algn="r" fontAlgn="ctr"/>
+                      <a:r>
+                        <a:rPr lang="en-GB" sz="2000" b="1" dirty="0" err="1">
+                          <a:effectLst/>
+                        </a:rPr>
+                        <a:t>seyn</a:t>
+                      </a:r>
+                      <a:endParaRPr lang="en-GB" sz="2000" b="1" dirty="0">
+                        <a:effectLst/>
+                      </a:endParaRPr>
+                    </a:p>
+                  </a:txBody>
+                  <a:tcPr anchor="ctr"/>
+                </a:tc>
+                <a:extLst>
+                  <a:ext uri="{0D108BD9-81ED-4DB2-BD59-A6C34878D82A}">
+                    <a16:rowId xmlns:a16="http://schemas.microsoft.com/office/drawing/2014/main" val="4273658704"/>
+                  </a:ext>
+                </a:extLst>
+              </a:tr>
+              <a:tr h="372541">
+                <a:tc>
+                  <a:txBody>
+                    <a:bodyPr/>
+                    <a:lstStyle/>
+                    <a:p>
+                      <a:pPr algn="r" fontAlgn="ctr"/>
+                      <a:r>
+                        <a:rPr lang="en-GB" sz="2000" dirty="0">
+                          <a:effectLst/>
+                        </a:rPr>
+                        <a:t>4</a:t>
+                      </a:r>
+                    </a:p>
+                  </a:txBody>
+                  <a:tcPr anchor="ctr"/>
+                </a:tc>
+                <a:tc>
+                  <a:txBody>
+                    <a:bodyPr/>
+                    <a:lstStyle/>
+                    <a:p>
+                      <a:pPr algn="r" fontAlgn="ctr"/>
+                      <a:r>
+                        <a:rPr lang="en-GB" sz="2000" b="1" dirty="0" err="1">
+                          <a:effectLst/>
+                        </a:rPr>
+                        <a:t>jch</a:t>
+                      </a:r>
+                      <a:endParaRPr lang="en-GB" sz="2000" b="1" dirty="0">
+                        <a:effectLst/>
+                      </a:endParaRPr>
+                    </a:p>
+                  </a:txBody>
+                  <a:tcPr anchor="ctr"/>
+                </a:tc>
+                <a:extLst>
+                  <a:ext uri="{0D108BD9-81ED-4DB2-BD59-A6C34878D82A}">
+                    <a16:rowId xmlns:a16="http://schemas.microsoft.com/office/drawing/2014/main" val="2181116311"/>
+                  </a:ext>
+                </a:extLst>
+              </a:tr>
+              <a:tr h="372541">
+                <a:tc>
+                  <a:txBody>
+                    <a:bodyPr/>
+                    <a:lstStyle/>
+                    <a:p>
+                      <a:pPr algn="r" fontAlgn="ctr"/>
+                      <a:r>
+                        <a:rPr lang="en-GB" sz="2000" dirty="0">
+                          <a:effectLst/>
+                        </a:rPr>
+                        <a:t>5</a:t>
+                      </a:r>
+                    </a:p>
+                  </a:txBody>
+                  <a:tcPr anchor="ctr"/>
+                </a:tc>
+                <a:tc>
+                  <a:txBody>
+                    <a:bodyPr/>
+                    <a:lstStyle/>
+                    <a:p>
+                      <a:pPr algn="r" fontAlgn="ctr"/>
+                      <a:r>
+                        <a:rPr lang="en-GB" sz="2000" b="1" dirty="0" err="1">
+                          <a:effectLst/>
+                        </a:rPr>
+                        <a:t>muß</a:t>
+                      </a:r>
+                      <a:endParaRPr lang="en-GB" sz="2000" b="1" dirty="0">
+                        <a:effectLst/>
+                      </a:endParaRPr>
+                    </a:p>
+                  </a:txBody>
+                  <a:tcPr anchor="ctr"/>
+                </a:tc>
+                <a:extLst>
+                  <a:ext uri="{0D108BD9-81ED-4DB2-BD59-A6C34878D82A}">
+                    <a16:rowId xmlns:a16="http://schemas.microsoft.com/office/drawing/2014/main" val="3915005305"/>
+                  </a:ext>
+                </a:extLst>
+              </a:tr>
+              <a:tr h="372541">
+                <a:tc>
+                  <a:txBody>
+                    <a:bodyPr/>
+                    <a:lstStyle/>
+                    <a:p>
+                      <a:pPr algn="r" fontAlgn="ctr"/>
+                      <a:r>
+                        <a:rPr lang="en-GB" sz="2000" dirty="0">
+                          <a:effectLst/>
+                        </a:rPr>
+                        <a:t>6</a:t>
+                      </a:r>
+                    </a:p>
+                  </a:txBody>
+                  <a:tcPr anchor="ctr"/>
+                </a:tc>
+                <a:tc>
+                  <a:txBody>
+                    <a:bodyPr/>
+                    <a:lstStyle/>
+                    <a:p>
+                      <a:pPr algn="r" fontAlgn="ctr"/>
+                      <a:r>
+                        <a:rPr lang="en-GB" sz="2000" b="1" dirty="0" err="1">
+                          <a:effectLst/>
+                        </a:rPr>
+                        <a:t>jn</a:t>
+                      </a:r>
+                      <a:endParaRPr lang="en-GB" sz="2000" b="1" dirty="0">
+                        <a:effectLst/>
+                      </a:endParaRPr>
+                    </a:p>
+                  </a:txBody>
+                  <a:tcPr anchor="ctr"/>
+                </a:tc>
+                <a:extLst>
+                  <a:ext uri="{0D108BD9-81ED-4DB2-BD59-A6C34878D82A}">
+                    <a16:rowId xmlns:a16="http://schemas.microsoft.com/office/drawing/2014/main" val="4110381566"/>
+                  </a:ext>
+                </a:extLst>
+              </a:tr>
+              <a:tr h="372541">
+                <a:tc>
+                  <a:txBody>
+                    <a:bodyPr/>
+                    <a:lstStyle/>
+                    <a:p>
+                      <a:pPr algn="r" fontAlgn="ctr"/>
+                      <a:r>
+                        <a:rPr lang="en-GB" sz="2000" dirty="0">
+                          <a:effectLst/>
+                        </a:rPr>
+                        <a:t>7</a:t>
+                      </a:r>
+                    </a:p>
+                  </a:txBody>
+                  <a:tcPr anchor="ctr"/>
+                </a:tc>
+                <a:tc>
+                  <a:txBody>
+                    <a:bodyPr/>
+                    <a:lstStyle/>
+                    <a:p>
+                      <a:pPr algn="r" fontAlgn="ctr"/>
+                      <a:r>
+                        <a:rPr lang="en-GB" sz="2000" b="1" dirty="0">
+                          <a:effectLst/>
+                        </a:rPr>
+                        <a:t>lust</a:t>
+                      </a:r>
+                    </a:p>
+                  </a:txBody>
+                  <a:tcPr anchor="ctr"/>
+                </a:tc>
+                <a:extLst>
+                  <a:ext uri="{0D108BD9-81ED-4DB2-BD59-A6C34878D82A}">
+                    <a16:rowId xmlns:a16="http://schemas.microsoft.com/office/drawing/2014/main" val="1994907878"/>
+                  </a:ext>
+                </a:extLst>
+              </a:tr>
+              <a:tr h="372541">
+                <a:tc>
+                  <a:txBody>
+                    <a:bodyPr/>
+                    <a:lstStyle/>
+                    <a:p>
+                      <a:pPr algn="r" fontAlgn="ctr"/>
+                      <a:r>
+                        <a:rPr lang="en-GB" sz="2000" dirty="0">
+                          <a:effectLst/>
+                        </a:rPr>
+                        <a:t>8</a:t>
+                      </a:r>
+                    </a:p>
+                  </a:txBody>
+                  <a:tcPr anchor="ctr"/>
+                </a:tc>
+                <a:tc>
+                  <a:txBody>
+                    <a:bodyPr/>
+                    <a:lstStyle/>
+                    <a:p>
+                      <a:pPr algn="r" fontAlgn="ctr"/>
+                      <a:r>
+                        <a:rPr lang="en-GB" sz="2000" b="1" dirty="0" err="1">
+                          <a:effectLst/>
+                        </a:rPr>
+                        <a:t>mehr</a:t>
+                      </a:r>
+                      <a:endParaRPr lang="en-GB" sz="2000" b="1" dirty="0">
+                        <a:effectLst/>
+                      </a:endParaRPr>
+                    </a:p>
+                  </a:txBody>
+                  <a:tcPr anchor="ctr"/>
+                </a:tc>
+                <a:extLst>
+                  <a:ext uri="{0D108BD9-81ED-4DB2-BD59-A6C34878D82A}">
+                    <a16:rowId xmlns:a16="http://schemas.microsoft.com/office/drawing/2014/main" val="4066972660"/>
+                  </a:ext>
+                </a:extLst>
+              </a:tr>
+              <a:tr h="372541">
+                <a:tc>
+                  <a:txBody>
+                    <a:bodyPr/>
+                    <a:lstStyle/>
+                    <a:p>
+                      <a:pPr algn="r" fontAlgn="ctr"/>
+                      <a:r>
+                        <a:rPr lang="en-GB" sz="2000" dirty="0">
+                          <a:effectLst/>
+                        </a:rPr>
+                        <a:t>9</a:t>
+                      </a:r>
+                    </a:p>
+                  </a:txBody>
+                  <a:tcPr anchor="ctr"/>
+                </a:tc>
+                <a:tc>
+                  <a:txBody>
+                    <a:bodyPr/>
+                    <a:lstStyle/>
+                    <a:p>
+                      <a:pPr algn="r" fontAlgn="ctr"/>
+                      <a:r>
+                        <a:rPr lang="en-GB" sz="2000" b="1" dirty="0">
+                          <a:effectLst/>
+                        </a:rPr>
+                        <a:t>ach</a:t>
+                      </a:r>
+                    </a:p>
+                  </a:txBody>
+                  <a:tcPr anchor="ctr"/>
+                </a:tc>
+                <a:extLst>
+                  <a:ext uri="{0D108BD9-81ED-4DB2-BD59-A6C34878D82A}">
+                    <a16:rowId xmlns:a16="http://schemas.microsoft.com/office/drawing/2014/main" val="3735258852"/>
+                  </a:ext>
+                </a:extLst>
+              </a:tr>
+              <a:tr h="372541">
+                <a:tc>
+                  <a:txBody>
+                    <a:bodyPr/>
+                    <a:lstStyle/>
+                    <a:p>
+                      <a:pPr algn="r" fontAlgn="ctr"/>
+                      <a:r>
+                        <a:rPr lang="en-GB" sz="2000" dirty="0">
+                          <a:effectLst/>
+                        </a:rPr>
+                        <a:t>10</a:t>
+                      </a:r>
+                    </a:p>
+                  </a:txBody>
+                  <a:tcPr anchor="ctr"/>
+                </a:tc>
+                <a:tc>
+                  <a:txBody>
+                    <a:bodyPr/>
+                    <a:lstStyle/>
+                    <a:p>
+                      <a:pPr algn="r" fontAlgn="ctr"/>
+                      <a:r>
+                        <a:rPr lang="en-GB" sz="2000" b="1" dirty="0">
+                          <a:effectLst/>
+                        </a:rPr>
+                        <a:t>welt</a:t>
+                      </a:r>
+                    </a:p>
+                  </a:txBody>
+                  <a:tcPr anchor="ctr"/>
+                </a:tc>
+                <a:extLst>
+                  <a:ext uri="{0D108BD9-81ED-4DB2-BD59-A6C34878D82A}">
+                    <a16:rowId xmlns:a16="http://schemas.microsoft.com/office/drawing/2014/main" val="4150905211"/>
+                  </a:ext>
+                </a:extLst>
+              </a:tr>
+            </a:tbl>
+          </a:graphicData>
+        </a:graphic>
+      </p:graphicFrame>
+      <p:sp>
+        <p:nvSpPr>
+          <p:cNvPr id="10" name="TextBox 9">
+            <a:extLst>
+              <a:ext uri="{FF2B5EF4-FFF2-40B4-BE49-F238E27FC236}">
+                <a16:creationId xmlns:a16="http://schemas.microsoft.com/office/drawing/2014/main" id="{9AEB8D37-2976-0D40-AA0E-017D0523F329}"/>
+              </a:ext>
+            </a:extLst>
+          </p:cNvPr>
+          <p:cNvSpPr txBox="1"/>
+          <p:nvPr/>
+        </p:nvSpPr>
+        <p:spPr>
+          <a:xfrm>
+            <a:off x="1263357" y="3885008"/>
+            <a:ext cx="2274982" cy="523220"/>
+          </a:xfrm>
+          <a:prstGeom prst="rect">
+            <a:avLst/>
+          </a:prstGeom>
+          <a:noFill/>
+        </p:spPr>
+        <p:txBody>
+          <a:bodyPr wrap="square" rtlCol="0">
+            <a:spAutoFit/>
+          </a:bodyPr>
+          <a:lstStyle/>
+          <a:p>
+            <a:r>
+              <a:rPr lang="de-DE" sz="2800" b="1" dirty="0"/>
+              <a:t>Cluster 1 </a:t>
+            </a:r>
+            <a:r>
+              <a:rPr lang="de-DE" sz="2800" b="1" dirty="0">
+                <a:sym typeface="Wingdings" pitchFamily="2" charset="2"/>
+              </a:rPr>
+              <a:t></a:t>
+            </a:r>
+            <a:r>
+              <a:rPr lang="de-DE" sz="2800" dirty="0">
+                <a:sym typeface="Wingdings" pitchFamily="2" charset="2"/>
+              </a:rPr>
+              <a:t> </a:t>
+            </a:r>
+            <a:endParaRPr lang="de-DE" sz="2800" dirty="0"/>
+          </a:p>
+        </p:txBody>
+      </p:sp>
+      <p:sp>
+        <p:nvSpPr>
+          <p:cNvPr id="11" name="TextBox 10">
+            <a:extLst>
+              <a:ext uri="{FF2B5EF4-FFF2-40B4-BE49-F238E27FC236}">
+                <a16:creationId xmlns:a16="http://schemas.microsoft.com/office/drawing/2014/main" id="{F18EA185-559F-9449-B2AC-904F7E8A6406}"/>
+              </a:ext>
+            </a:extLst>
+          </p:cNvPr>
+          <p:cNvSpPr txBox="1"/>
+          <p:nvPr/>
+        </p:nvSpPr>
+        <p:spPr>
+          <a:xfrm>
+            <a:off x="8685576" y="3885008"/>
+            <a:ext cx="2276585" cy="523220"/>
+          </a:xfrm>
+          <a:prstGeom prst="rect">
+            <a:avLst/>
+          </a:prstGeom>
+          <a:noFill/>
+        </p:spPr>
+        <p:txBody>
+          <a:bodyPr wrap="none" rtlCol="0">
+            <a:spAutoFit/>
+          </a:bodyPr>
+          <a:lstStyle/>
+          <a:p>
+            <a:r>
+              <a:rPr lang="de-DE" sz="2800" b="1" dirty="0">
+                <a:sym typeface="Wingdings" pitchFamily="2" charset="2"/>
+              </a:rPr>
+              <a:t> </a:t>
+            </a:r>
+            <a:r>
+              <a:rPr lang="de-DE" sz="2800" b="1" dirty="0"/>
+              <a:t>Cluster 2</a:t>
+            </a:r>
+            <a:r>
+              <a:rPr lang="de-DE" sz="2800" dirty="0">
+                <a:sym typeface="Wingdings" pitchFamily="2" charset="2"/>
+              </a:rPr>
+              <a:t> </a:t>
+            </a:r>
+            <a:endParaRPr lang="de-DE" sz="2800" dirty="0"/>
+          </a:p>
+        </p:txBody>
+      </p:sp>
+      <p:cxnSp>
+        <p:nvCxnSpPr>
+          <p:cNvPr id="13" name="Straight Connector 12">
+            <a:extLst>
+              <a:ext uri="{FF2B5EF4-FFF2-40B4-BE49-F238E27FC236}">
+                <a16:creationId xmlns:a16="http://schemas.microsoft.com/office/drawing/2014/main" id="{83957141-3784-B844-8FB9-7E0E6A2BD133}"/>
+              </a:ext>
+            </a:extLst>
+          </p:cNvPr>
+          <p:cNvCxnSpPr>
+            <a:cxnSpLocks/>
+          </p:cNvCxnSpPr>
+          <p:nvPr/>
+        </p:nvCxnSpPr>
+        <p:spPr>
+          <a:xfrm>
+            <a:off x="6091237" y="2122228"/>
+            <a:ext cx="0" cy="4572000"/>
+          </a:xfrm>
+          <a:prstGeom prst="line">
+            <a:avLst/>
+          </a:prstGeom>
+          <a:ln w="19050"/>
+        </p:spPr>
+        <p:style>
+          <a:lnRef idx="1">
+            <a:schemeClr val="dk1"/>
+          </a:lnRef>
+          <a:fillRef idx="0">
+            <a:schemeClr val="dk1"/>
+          </a:fillRef>
+          <a:effectRef idx="0">
+            <a:schemeClr val="dk1"/>
+          </a:effectRef>
+          <a:fontRef idx="minor">
+            <a:schemeClr val="tx1"/>
+          </a:fontRef>
+        </p:style>
+      </p:cxnSp>
+    </p:spTree>
+    <p:extLst>
+      <p:ext uri="{BB962C8B-B14F-4D97-AF65-F5344CB8AC3E}">
+        <p14:creationId xmlns:p14="http://schemas.microsoft.com/office/powerpoint/2010/main" val="3921353706"/>
+      </p:ext>
+    </p:extLst>
+  </p:cSld>
+  <p:clrMapOvr>
+    <a:masterClrMapping/>
+  </p:clrMapOvr>
+</p:sld>
+</file>
+
+<file path=ppt/slides/slide19.xml><?xml version="1.0" encoding="utf-8"?>
+<p:sld xmlns:a="http://schemas.openxmlformats.org/drawingml/2006/main" xmlns:r="http://schemas.openxmlformats.org/officeDocument/2006/relationships" xmlns:p="http://schemas.openxmlformats.org/presentationml/2006/main">
+  <p:cSld>
+    <p:bg>
+      <p:bgPr>
+        <a:solidFill>
+          <a:schemeClr val="bg1"/>
+        </a:solidFill>
+        <a:effectLst/>
+      </p:bgPr>
+    </p:bg>
+    <p:spTree>
+      <p:nvGrpSpPr>
+        <p:cNvPr id="1" name=""/>
+        <p:cNvGrpSpPr/>
+        <p:nvPr/>
+      </p:nvGrpSpPr>
+      <p:grpSpPr>
+        <a:xfrm>
+          <a:off x="0" y="0"/>
+          <a:ext cx="0" cy="0"/>
+          <a:chOff x="0" y="0"/>
+          <a:chExt cx="0" cy="0"/>
+        </a:xfrm>
+      </p:grpSpPr>
+      <p:sp useBgFill="1">
+        <p:nvSpPr>
+          <p:cNvPr id="51" name="Rectangle 50">
+            <a:extLst>
+              <a:ext uri="{FF2B5EF4-FFF2-40B4-BE49-F238E27FC236}">
+                <a16:creationId xmlns:a16="http://schemas.microsoft.com/office/drawing/2014/main" id="{2550BE34-C2B8-49B8-8519-67A8CAD51AE9}"/>
+              </a:ext>
+              <a:ext uri="{C183D7F6-B498-43B3-948B-1728B52AA6E4}">
+                <adec:decorative xmlns:adec="http://schemas.microsoft.com/office/drawing/2017/decorative" val="1"/>
+              </a:ext>
+            </a:extLst>
+          </p:cNvPr>
+          <p:cNvSpPr>
+            <a:spLocks noGrp="1" noRot="1" noChangeAspect="1" noMove="1" noResize="1" noEditPoints="1" noAdjustHandles="1" noChangeArrowheads="1" noChangeShapeType="1" noTextEdit="1"/>
+          </p:cNvSpPr>
+          <p:nvPr>
+            <p:extLst>
+              <p:ext uri="{386F3935-93C4-4BCD-93E2-E3B085C9AB24}">
+                <p16:designElem xmlns:p16="http://schemas.microsoft.com/office/powerpoint/2015/main" val="1"/>
+              </p:ext>
+            </p:extLst>
+          </p:nvPr>
+        </p:nvSpPr>
+        <p:spPr>
+          <a:xfrm>
+            <a:off x="0" y="0"/>
+            <a:ext cx="12192000" cy="6858000"/>
+          </a:xfrm>
+          <a:prstGeom prst="rect">
+            <a:avLst/>
+          </a:prstGeom>
+          <a:ln>
+            <a:noFill/>
+          </a:ln>
+        </p:spPr>
+        <p:style>
+          <a:lnRef idx="2">
+            <a:schemeClr val="accent1">
+              <a:shade val="50000"/>
+            </a:schemeClr>
+          </a:lnRef>
+          <a:fillRef idx="1">
+            <a:schemeClr val="accent1"/>
+          </a:fillRef>
+          <a:effectRef idx="0">
+            <a:schemeClr val="accent1"/>
+          </a:effectRef>
+          <a:fontRef idx="minor">
+            <a:schemeClr val="lt1"/>
+          </a:fontRef>
+        </p:style>
+        <p:txBody>
+          <a:bodyPr rtlCol="0" anchor="ctr"/>
+          <a:lstStyle/>
+          <a:p>
+            <a:pPr algn="ctr"/>
+            <a:endParaRPr lang="en-US"/>
+          </a:p>
+        </p:txBody>
+      </p:sp>
+      <p:sp useBgFill="1">
+        <p:nvSpPr>
+          <p:cNvPr id="53" name="Rectangle 52">
+            <a:extLst>
+              <a:ext uri="{FF2B5EF4-FFF2-40B4-BE49-F238E27FC236}">
+                <a16:creationId xmlns:a16="http://schemas.microsoft.com/office/drawing/2014/main" id="{A7457DD9-5A45-400A-AB4B-4B4EDECA25F1}"/>
+              </a:ext>
+              <a:ext uri="{C183D7F6-B498-43B3-948B-1728B52AA6E4}">
+                <adec:decorative xmlns:adec="http://schemas.microsoft.com/office/drawing/2017/decorative" val="1"/>
+              </a:ext>
+            </a:extLst>
+          </p:cNvPr>
+          <p:cNvSpPr>
+            <a:spLocks noGrp="1" noRot="1" noChangeAspect="1" noMove="1" noResize="1" noEditPoints="1" noAdjustHandles="1" noChangeArrowheads="1" noChangeShapeType="1" noTextEdit="1"/>
+          </p:cNvSpPr>
+          <p:nvPr>
+            <p:extLst>
+              <p:ext uri="{386F3935-93C4-4BCD-93E2-E3B085C9AB24}">
+                <p16:designElem xmlns:p16="http://schemas.microsoft.com/office/powerpoint/2015/main" val="1"/>
+              </p:ext>
+            </p:extLst>
+          </p:nvPr>
+        </p:nvSpPr>
+        <p:spPr>
+          <a:xfrm>
+            <a:off x="554416" y="365125"/>
+            <a:ext cx="11167447" cy="2089317"/>
+          </a:xfrm>
+          <a:prstGeom prst="rect">
+            <a:avLst/>
+          </a:prstGeom>
+          <a:ln w="12700">
+            <a:solidFill>
+              <a:schemeClr val="tx2">
+                <a:lumMod val="10000"/>
+                <a:lumOff val="90000"/>
+              </a:schemeClr>
+            </a:solidFill>
+          </a:ln>
+          <a:effectLst>
+            <a:outerShdw blurRad="50800" dist="38100" dir="2700000" algn="tl" rotWithShape="0">
+              <a:schemeClr val="bg2">
+                <a:lumMod val="85000"/>
+                <a:alpha val="30000"/>
+              </a:schemeClr>
+            </a:outerShdw>
+          </a:effectLst>
+        </p:spPr>
+        <p:style>
+          <a:lnRef idx="2">
+            <a:schemeClr val="accent1">
+              <a:shade val="50000"/>
+            </a:schemeClr>
+          </a:lnRef>
+          <a:fillRef idx="1">
+            <a:schemeClr val="accent1"/>
+          </a:fillRef>
+          <a:effectRef idx="0">
+            <a:schemeClr val="accent1"/>
+          </a:effectRef>
+          <a:fontRef idx="minor">
+            <a:schemeClr val="lt1"/>
+          </a:fontRef>
+        </p:style>
+        <p:txBody>
+          <a:bodyPr rtlCol="0" anchor="ctr"/>
+          <a:lstStyle/>
+          <a:p>
+            <a:pPr marL="0" marR="0" lvl="0" indent="0" algn="ctr" defTabSz="914400" rtl="0" eaLnBrk="1" fontAlgn="auto" latinLnBrk="0" hangingPunct="1">
+              <a:lnSpc>
+                <a:spcPct val="100000"/>
+              </a:lnSpc>
+              <a:spcBef>
+                <a:spcPts val="0"/>
+              </a:spcBef>
+              <a:spcAft>
+                <a:spcPts val="0"/>
+              </a:spcAft>
+              <a:buClrTx/>
+              <a:buSzTx/>
+              <a:buFontTx/>
+              <a:buNone/>
+              <a:tabLst/>
+              <a:defRPr/>
+            </a:pPr>
+            <a:endParaRPr kumimoji="0" lang="en-US" sz="1800" b="0" i="0" u="none" strike="noStrike" kern="1200" cap="none" spc="0" normalizeH="0" baseline="0" noProof="0">
+              <a:ln>
+                <a:noFill/>
+              </a:ln>
+              <a:solidFill>
+                <a:prstClr val="white"/>
+              </a:solidFill>
+              <a:effectLst/>
+              <a:uLnTx/>
+              <a:uFillTx/>
+              <a:latin typeface="Calibri" panose="020F0502020204030204"/>
+              <a:ea typeface="+mn-ea"/>
+              <a:cs typeface="+mn-cs"/>
+            </a:endParaRPr>
+          </a:p>
+        </p:txBody>
+      </p:sp>
+      <p:sp>
+        <p:nvSpPr>
+          <p:cNvPr id="3" name="Title 2">
+            <a:extLst>
+              <a:ext uri="{FF2B5EF4-FFF2-40B4-BE49-F238E27FC236}">
+                <a16:creationId xmlns:a16="http://schemas.microsoft.com/office/drawing/2014/main" id="{2B0244FE-E892-4648-B9A2-7F22D047434E}"/>
+              </a:ext>
+            </a:extLst>
+          </p:cNvPr>
+          <p:cNvSpPr>
+            <a:spLocks noGrp="1"/>
+          </p:cNvSpPr>
+          <p:nvPr>
+            <p:ph type="title"/>
+          </p:nvPr>
+        </p:nvSpPr>
+        <p:spPr>
+          <a:xfrm>
+            <a:off x="1046746" y="586822"/>
+            <a:ext cx="3537285" cy="1645920"/>
+          </a:xfrm>
+        </p:spPr>
+        <p:txBody>
+          <a:bodyPr vert="horz" lIns="91440" tIns="45720" rIns="91440" bIns="45720" rtlCol="0" anchor="ctr">
+            <a:normAutofit/>
+          </a:bodyPr>
+          <a:lstStyle/>
+          <a:p>
+            <a:r>
+              <a:rPr lang="en-US" sz="3200" b="1" dirty="0"/>
+              <a:t>K-Means (II)</a:t>
+            </a:r>
+          </a:p>
+        </p:txBody>
+      </p:sp>
+      <p:sp>
+        <p:nvSpPr>
+          <p:cNvPr id="55" name="Rectangle 54">
+            <a:extLst>
+              <a:ext uri="{FF2B5EF4-FFF2-40B4-BE49-F238E27FC236}">
+                <a16:creationId xmlns:a16="http://schemas.microsoft.com/office/drawing/2014/main" id="{441CF7D6-A660-431A-B0BB-140A0D5556B6}"/>
+              </a:ext>
+              <a:ext uri="{C183D7F6-B498-43B3-948B-1728B52AA6E4}">
+                <adec:decorative xmlns:adec="http://schemas.microsoft.com/office/drawing/2017/decorative" val="1"/>
+              </a:ext>
+            </a:extLst>
+          </p:cNvPr>
+          <p:cNvSpPr>
+            <a:spLocks noGrp="1" noRot="1" noChangeAspect="1" noMove="1" noResize="1" noEditPoints="1" noAdjustHandles="1" noChangeArrowheads="1" noChangeShapeType="1" noTextEdit="1"/>
+          </p:cNvSpPr>
+          <p:nvPr>
+            <p:extLst>
+              <p:ext uri="{386F3935-93C4-4BCD-93E2-E3B085C9AB24}">
+                <p16:designElem xmlns:p16="http://schemas.microsoft.com/office/powerpoint/2015/main" val="1"/>
+              </p:ext>
+            </p:extLst>
+          </p:nvPr>
+        </p:nvSpPr>
+        <p:spPr>
+          <a:xfrm>
+            <a:off x="490408" y="1057739"/>
+            <a:ext cx="128016" cy="704088"/>
+          </a:xfrm>
+          <a:prstGeom prst="rect">
+            <a:avLst/>
+          </a:prstGeom>
+          <a:solidFill>
+            <a:schemeClr val="accent1"/>
+          </a:solidFill>
+          <a:ln>
+            <a:noFill/>
+          </a:ln>
+        </p:spPr>
+        <p:style>
+          <a:lnRef idx="2">
+            <a:schemeClr val="accent1">
+              <a:shade val="50000"/>
+            </a:schemeClr>
+          </a:lnRef>
+          <a:fillRef idx="1">
+            <a:schemeClr val="accent1"/>
+          </a:fillRef>
+          <a:effectRef idx="0">
+            <a:schemeClr val="accent1"/>
+          </a:effectRef>
+          <a:fontRef idx="minor">
+            <a:schemeClr val="lt1"/>
+          </a:fontRef>
+        </p:style>
+        <p:txBody>
+          <a:bodyPr rtlCol="0" anchor="ctr"/>
+          <a:lstStyle/>
+          <a:p>
+            <a:pPr marL="0" marR="0" lvl="0" indent="0" algn="ctr" defTabSz="914400" rtl="0" eaLnBrk="1" fontAlgn="auto" latinLnBrk="0" hangingPunct="1">
+              <a:lnSpc>
+                <a:spcPct val="100000"/>
+              </a:lnSpc>
+              <a:spcBef>
+                <a:spcPts val="0"/>
+              </a:spcBef>
+              <a:spcAft>
+                <a:spcPts val="0"/>
+              </a:spcAft>
+              <a:buClrTx/>
+              <a:buSzTx/>
+              <a:buFontTx/>
+              <a:buNone/>
+              <a:tabLst/>
+              <a:defRPr/>
+            </a:pPr>
+            <a:endParaRPr kumimoji="0" lang="en-US" sz="1800" b="0" i="0" u="none" strike="noStrike" kern="1200" cap="none" spc="0" normalizeH="0" baseline="0" noProof="0" dirty="0">
+              <a:ln>
+                <a:noFill/>
+              </a:ln>
+              <a:solidFill>
+                <a:prstClr val="white"/>
+              </a:solidFill>
+              <a:effectLst/>
+              <a:uLnTx/>
+              <a:uFillTx/>
+              <a:latin typeface="Calibri" panose="020F0502020204030204"/>
+              <a:ea typeface="+mn-ea"/>
+              <a:cs typeface="+mn-cs"/>
+            </a:endParaRPr>
+          </a:p>
+        </p:txBody>
+      </p:sp>
+      <p:sp>
+        <p:nvSpPr>
+          <p:cNvPr id="57" name="Rectangle 56">
+            <a:extLst>
+              <a:ext uri="{FF2B5EF4-FFF2-40B4-BE49-F238E27FC236}">
+                <a16:creationId xmlns:a16="http://schemas.microsoft.com/office/drawing/2014/main" id="{0570A85B-3810-4F95-97B0-CBF4CCDB381C}"/>
+              </a:ext>
+              <a:ext uri="{C183D7F6-B498-43B3-948B-1728B52AA6E4}">
+                <adec:decorative xmlns:adec="http://schemas.microsoft.com/office/drawing/2017/decorative" val="1"/>
+              </a:ext>
+            </a:extLst>
+          </p:cNvPr>
+          <p:cNvSpPr>
+            <a:spLocks noGrp="1" noRot="1" noChangeAspect="1" noMove="1" noResize="1" noEditPoints="1" noAdjustHandles="1" noChangeArrowheads="1" noChangeShapeType="1" noTextEdit="1"/>
+          </p:cNvSpPr>
+          <p:nvPr>
+            <p:extLst>
+              <p:ext uri="{386F3935-93C4-4BCD-93E2-E3B085C9AB24}">
+                <p16:designElem xmlns:p16="http://schemas.microsoft.com/office/powerpoint/2015/main" val="1"/>
+              </p:ext>
+            </p:extLst>
+          </p:nvPr>
+        </p:nvSpPr>
+        <p:spPr>
+          <a:xfrm rot="5400000">
+            <a:off x="4248113" y="1405210"/>
+            <a:ext cx="1463040" cy="9144"/>
+          </a:xfrm>
+          <a:prstGeom prst="rect">
+            <a:avLst/>
+          </a:prstGeom>
+          <a:solidFill>
+            <a:schemeClr val="tx2">
+              <a:lumMod val="25000"/>
+              <a:lumOff val="75000"/>
+            </a:schemeClr>
+          </a:solidFill>
+          <a:ln w="3175">
+            <a:noFill/>
+          </a:ln>
+          <a:effectLst/>
+        </p:spPr>
+        <p:style>
+          <a:lnRef idx="2">
+            <a:schemeClr val="accent1">
+              <a:shade val="50000"/>
+            </a:schemeClr>
+          </a:lnRef>
+          <a:fillRef idx="1">
+            <a:schemeClr val="accent1"/>
+          </a:fillRef>
+          <a:effectRef idx="0">
+            <a:schemeClr val="accent1"/>
+          </a:effectRef>
+          <a:fontRef idx="minor">
+            <a:schemeClr val="lt1"/>
+          </a:fontRef>
+        </p:style>
+        <p:txBody>
+          <a:bodyPr rtlCol="0" anchor="ctr"/>
+          <a:lstStyle/>
+          <a:p>
+            <a:pPr marL="0" marR="0" lvl="0" indent="0" algn="ctr" defTabSz="914400" rtl="0" eaLnBrk="1" fontAlgn="auto" latinLnBrk="0" hangingPunct="1">
+              <a:lnSpc>
+                <a:spcPct val="100000"/>
+              </a:lnSpc>
+              <a:spcBef>
+                <a:spcPts val="0"/>
+              </a:spcBef>
+              <a:spcAft>
+                <a:spcPts val="0"/>
+              </a:spcAft>
+              <a:buClrTx/>
+              <a:buSzTx/>
+              <a:buFontTx/>
+              <a:buNone/>
+              <a:tabLst/>
+              <a:defRPr/>
+            </a:pPr>
+            <a:endParaRPr kumimoji="0" lang="en-US" sz="1800" b="0" i="0" u="none" strike="noStrike" kern="1200" cap="none" spc="0" normalizeH="0" baseline="0" noProof="0">
+              <a:ln>
+                <a:noFill/>
+              </a:ln>
+              <a:solidFill>
+                <a:prstClr val="white"/>
+              </a:solidFill>
+              <a:effectLst/>
+              <a:uLnTx/>
+              <a:uFillTx/>
+              <a:latin typeface="Calibri" panose="020F0502020204030204"/>
+              <a:ea typeface="+mn-ea"/>
+              <a:cs typeface="+mn-cs"/>
+            </a:endParaRPr>
+          </a:p>
+        </p:txBody>
+      </p:sp>
+      <p:sp>
+        <p:nvSpPr>
+          <p:cNvPr id="6" name="TextBox 5">
+            <a:extLst>
+              <a:ext uri="{FF2B5EF4-FFF2-40B4-BE49-F238E27FC236}">
+                <a16:creationId xmlns:a16="http://schemas.microsoft.com/office/drawing/2014/main" id="{68E267DE-B0A6-1F4B-BCC7-2FAF9305A326}"/>
+              </a:ext>
+            </a:extLst>
+          </p:cNvPr>
+          <p:cNvSpPr txBox="1"/>
+          <p:nvPr/>
+        </p:nvSpPr>
+        <p:spPr>
+          <a:xfrm>
+            <a:off x="4804229" y="586822"/>
+            <a:ext cx="6720114" cy="1645920"/>
+          </a:xfrm>
+          <a:prstGeom prst="rect">
+            <a:avLst/>
+          </a:prstGeom>
+        </p:spPr>
+        <p:txBody>
+          <a:bodyPr vert="horz" lIns="91440" tIns="45720" rIns="91440" bIns="45720" numCol="2" rtlCol="0" anchor="ctr">
+            <a:normAutofit/>
+          </a:bodyPr>
+          <a:lstStyle/>
+          <a:p>
+            <a:pPr marL="457200" indent="-228600">
+              <a:spcAft>
+                <a:spcPts val="600"/>
+              </a:spcAft>
+              <a:buFont typeface="Arial" panose="020B0604020202020204" pitchFamily="34" charset="0"/>
+              <a:buChar char="•"/>
+            </a:pPr>
+            <a:r>
+              <a:rPr lang="en-US" dirty="0" err="1"/>
+              <a:t>Einteilung</a:t>
+            </a:r>
+            <a:r>
+              <a:rPr lang="en-US" dirty="0"/>
+              <a:t> </a:t>
+            </a:r>
+            <a:r>
+              <a:rPr lang="en-US" dirty="0" err="1"/>
+              <a:t>nach</a:t>
+            </a:r>
+            <a:r>
+              <a:rPr lang="en-US" dirty="0"/>
+              <a:t> </a:t>
+            </a:r>
+            <a:r>
+              <a:rPr lang="en-US" i="1" dirty="0"/>
+              <a:t>Brenner</a:t>
+            </a:r>
+            <a:endParaRPr lang="en-US" b="1" i="1" dirty="0"/>
+          </a:p>
+          <a:p>
+            <a:pPr marL="457200" indent="-228600">
+              <a:spcAft>
+                <a:spcPts val="600"/>
+              </a:spcAft>
+              <a:buFont typeface="Arial" panose="020B0604020202020204" pitchFamily="34" charset="0"/>
+              <a:buChar char="•"/>
+            </a:pPr>
+            <a:r>
+              <a:rPr lang="en-US" b="1" dirty="0" err="1"/>
+              <a:t>Dimensionsreduktion</a:t>
+            </a:r>
+            <a:endParaRPr lang="en-US" b="1" dirty="0"/>
+          </a:p>
+          <a:p>
+            <a:pPr marL="457200" indent="-228600">
+              <a:spcAft>
+                <a:spcPts val="600"/>
+              </a:spcAft>
+              <a:buFont typeface="Arial" panose="020B0604020202020204" pitchFamily="34" charset="0"/>
+              <a:buChar char="•"/>
+            </a:pPr>
+            <a:r>
+              <a:rPr lang="en-US" dirty="0" err="1"/>
+              <a:t>Ohne</a:t>
+            </a:r>
+            <a:r>
+              <a:rPr lang="en-US" dirty="0"/>
+              <a:t> </a:t>
+            </a:r>
+            <a:r>
+              <a:rPr lang="en-US" dirty="0" err="1"/>
+              <a:t>Epoche</a:t>
+            </a:r>
+            <a:r>
+              <a:rPr lang="en-US" dirty="0"/>
+              <a:t> „</a:t>
+            </a:r>
+            <a:r>
+              <a:rPr lang="en-US" dirty="0" err="1"/>
+              <a:t>Klassik</a:t>
+            </a:r>
+            <a:r>
+              <a:rPr lang="en-US" dirty="0"/>
+              <a:t>/</a:t>
+            </a:r>
+            <a:r>
+              <a:rPr lang="en-US" dirty="0" err="1"/>
+              <a:t>Romantik</a:t>
+            </a:r>
+            <a:r>
+              <a:rPr lang="en-US" dirty="0"/>
+              <a:t>“</a:t>
+            </a:r>
+          </a:p>
+          <a:p>
+            <a:pPr marL="457200" indent="-228600">
+              <a:spcAft>
+                <a:spcPts val="600"/>
+              </a:spcAft>
+              <a:buFont typeface="Arial" panose="020B0604020202020204" pitchFamily="34" charset="0"/>
+              <a:buChar char="•"/>
+            </a:pPr>
+            <a:r>
+              <a:rPr lang="en-US" dirty="0"/>
+              <a:t>Lowercase</a:t>
+            </a:r>
+          </a:p>
+          <a:p>
+            <a:pPr marL="457200" indent="-228600">
+              <a:spcAft>
+                <a:spcPts val="600"/>
+              </a:spcAft>
+              <a:buFont typeface="Arial" panose="020B0604020202020204" pitchFamily="34" charset="0"/>
+              <a:buChar char="•"/>
+            </a:pPr>
+            <a:r>
+              <a:rPr lang="en-US" u="sng" dirty="0" err="1"/>
+              <a:t>Keine</a:t>
+            </a:r>
+            <a:r>
+              <a:rPr lang="en-US" dirty="0"/>
+              <a:t> </a:t>
+            </a:r>
+            <a:r>
+              <a:rPr lang="en-US" dirty="0" err="1"/>
+              <a:t>Stoppwörter</a:t>
+            </a:r>
+            <a:endParaRPr lang="en-US" dirty="0"/>
+          </a:p>
+          <a:p>
+            <a:pPr marL="457200" indent="-228600">
+              <a:spcAft>
+                <a:spcPts val="600"/>
+              </a:spcAft>
+              <a:buFont typeface="Arial" panose="020B0604020202020204" pitchFamily="34" charset="0"/>
+              <a:buChar char="•"/>
+            </a:pPr>
+            <a:r>
+              <a:rPr lang="en-US" dirty="0"/>
+              <a:t>10000 mf</a:t>
+            </a:r>
+          </a:p>
+        </p:txBody>
+      </p:sp>
+      <p:graphicFrame>
+        <p:nvGraphicFramePr>
+          <p:cNvPr id="12" name="Table 11">
+            <a:extLst>
+              <a:ext uri="{FF2B5EF4-FFF2-40B4-BE49-F238E27FC236}">
+                <a16:creationId xmlns:a16="http://schemas.microsoft.com/office/drawing/2014/main" id="{FE8BFA67-ADB1-AE47-98AA-9EA5447ACE50}"/>
+              </a:ext>
+            </a:extLst>
+          </p:cNvPr>
+          <p:cNvGraphicFramePr>
+            <a:graphicFrameLocks noGrp="1"/>
+          </p:cNvGraphicFramePr>
+          <p:nvPr>
+            <p:extLst>
+              <p:ext uri="{D42A27DB-BD31-4B8C-83A1-F6EECF244321}">
+                <p14:modId xmlns:p14="http://schemas.microsoft.com/office/powerpoint/2010/main" val="3218033789"/>
+              </p:ext>
+            </p:extLst>
+          </p:nvPr>
+        </p:nvGraphicFramePr>
+        <p:xfrm>
+          <a:off x="1528900" y="2734056"/>
+          <a:ext cx="9222593" cy="3483864"/>
+        </p:xfrm>
+        <a:graphic>
+          <a:graphicData uri="http://schemas.openxmlformats.org/drawingml/2006/table">
+            <a:tbl>
+              <a:tblPr firstRow="1" bandRow="1">
+                <a:tableStyleId>{69012ECD-51FC-41F1-AA8D-1B2483CD663E}</a:tableStyleId>
+              </a:tblPr>
+              <a:tblGrid>
+                <a:gridCol w="5261673">
+                  <a:extLst>
+                    <a:ext uri="{9D8B030D-6E8A-4147-A177-3AD203B41FA5}">
+                      <a16:colId xmlns:a16="http://schemas.microsoft.com/office/drawing/2014/main" val="3738905305"/>
+                    </a:ext>
+                  </a:extLst>
+                </a:gridCol>
+                <a:gridCol w="2036355">
+                  <a:extLst>
+                    <a:ext uri="{9D8B030D-6E8A-4147-A177-3AD203B41FA5}">
+                      <a16:colId xmlns:a16="http://schemas.microsoft.com/office/drawing/2014/main" val="4078394901"/>
+                    </a:ext>
+                  </a:extLst>
+                </a:gridCol>
+                <a:gridCol w="1924565">
+                  <a:extLst>
+                    <a:ext uri="{9D8B030D-6E8A-4147-A177-3AD203B41FA5}">
+                      <a16:colId xmlns:a16="http://schemas.microsoft.com/office/drawing/2014/main" val="1891394321"/>
+                    </a:ext>
+                  </a:extLst>
+                </a:gridCol>
+              </a:tblGrid>
+              <a:tr h="580644">
+                <a:tc>
+                  <a:txBody>
+                    <a:bodyPr/>
+                    <a:lstStyle/>
+                    <a:p>
+                      <a:pPr algn="r" fontAlgn="ctr"/>
+                      <a:endParaRPr lang="en-GB" sz="2900" b="1" dirty="0">
+                        <a:effectLst/>
+                      </a:endParaRPr>
+                    </a:p>
+                  </a:txBody>
+                  <a:tcPr anchor="ctr"/>
+                </a:tc>
+                <a:tc>
+                  <a:txBody>
+                    <a:bodyPr/>
+                    <a:lstStyle/>
+                    <a:p>
+                      <a:pPr algn="r" fontAlgn="ctr"/>
+                      <a:r>
+                        <a:rPr lang="en-GB" sz="2700" b="1" dirty="0" err="1">
+                          <a:effectLst/>
+                        </a:rPr>
+                        <a:t>ars</a:t>
+                      </a:r>
+                      <a:endParaRPr lang="en-GB" sz="2700" b="1" dirty="0">
+                        <a:effectLst/>
+                      </a:endParaRPr>
+                    </a:p>
+                  </a:txBody>
+                  <a:tcPr anchor="ctr"/>
+                </a:tc>
+                <a:tc>
+                  <a:txBody>
+                    <a:bodyPr/>
+                    <a:lstStyle/>
+                    <a:p>
+                      <a:pPr algn="r"/>
+                      <a:r>
+                        <a:rPr lang="de-DE" sz="2700" dirty="0" err="1"/>
+                        <a:t>vm</a:t>
+                      </a:r>
+                      <a:endParaRPr lang="de-DE" sz="2700" dirty="0"/>
+                    </a:p>
+                  </a:txBody>
+                  <a:tcPr anchor="ctr"/>
+                </a:tc>
+                <a:extLst>
+                  <a:ext uri="{0D108BD9-81ED-4DB2-BD59-A6C34878D82A}">
+                    <a16:rowId xmlns:a16="http://schemas.microsoft.com/office/drawing/2014/main" val="1843206374"/>
+                  </a:ext>
+                </a:extLst>
+              </a:tr>
+              <a:tr h="580644">
+                <a:tc>
+                  <a:txBody>
+                    <a:bodyPr/>
+                    <a:lstStyle/>
+                    <a:p>
+                      <a:pPr algn="r" fontAlgn="ctr"/>
+                      <a:r>
+                        <a:rPr lang="en-GB" sz="2700" b="1" dirty="0" err="1">
+                          <a:effectLst/>
+                        </a:rPr>
+                        <a:t>Frühaufklärung</a:t>
+                      </a:r>
+                      <a:r>
+                        <a:rPr lang="en-GB" sz="2700" b="1" dirty="0">
+                          <a:effectLst/>
+                        </a:rPr>
+                        <a:t>/</a:t>
+                      </a:r>
+                      <a:r>
+                        <a:rPr lang="en-GB" sz="2700" b="1" dirty="0" err="1">
+                          <a:effectLst/>
+                        </a:rPr>
+                        <a:t>Realismus</a:t>
+                      </a:r>
+                      <a:endParaRPr lang="en-GB" sz="2700" b="1" dirty="0">
+                        <a:effectLst/>
+                      </a:endParaRPr>
+                    </a:p>
+                  </a:txBody>
+                  <a:tcPr anchor="ctr"/>
+                </a:tc>
+                <a:tc>
+                  <a:txBody>
+                    <a:bodyPr/>
+                    <a:lstStyle/>
+                    <a:p>
+                      <a:pPr algn="r" fontAlgn="ctr"/>
+                      <a:r>
+                        <a:rPr lang="en-DE" sz="2700" dirty="0">
+                          <a:effectLst/>
+                        </a:rPr>
+                        <a:t>0.584472</a:t>
+                      </a:r>
+                    </a:p>
+                  </a:txBody>
+                  <a:tcPr anchor="ctr"/>
+                </a:tc>
+                <a:tc>
+                  <a:txBody>
+                    <a:bodyPr/>
+                    <a:lstStyle/>
+                    <a:p>
+                      <a:pPr algn="r" fontAlgn="ctr"/>
+                      <a:r>
+                        <a:rPr lang="en-DE" sz="2700">
+                          <a:effectLst/>
+                        </a:rPr>
+                        <a:t>0.457452</a:t>
+                      </a:r>
+                    </a:p>
+                  </a:txBody>
+                  <a:tcPr anchor="ctr"/>
+                </a:tc>
+                <a:extLst>
+                  <a:ext uri="{0D108BD9-81ED-4DB2-BD59-A6C34878D82A}">
+                    <a16:rowId xmlns:a16="http://schemas.microsoft.com/office/drawing/2014/main" val="3707013511"/>
+                  </a:ext>
+                </a:extLst>
+              </a:tr>
+              <a:tr h="580644">
+                <a:tc>
+                  <a:txBody>
+                    <a:bodyPr/>
+                    <a:lstStyle/>
+                    <a:p>
+                      <a:pPr algn="r" fontAlgn="ctr"/>
+                      <a:r>
+                        <a:rPr lang="en-GB" sz="2700" b="1">
+                          <a:effectLst/>
+                        </a:rPr>
+                        <a:t>Barock/Realismus</a:t>
+                      </a:r>
+                    </a:p>
+                  </a:txBody>
+                  <a:tcPr anchor="ctr"/>
+                </a:tc>
+                <a:tc>
+                  <a:txBody>
+                    <a:bodyPr/>
+                    <a:lstStyle/>
+                    <a:p>
+                      <a:pPr algn="r" fontAlgn="ctr"/>
+                      <a:r>
+                        <a:rPr lang="en-DE" sz="2700">
+                          <a:effectLst/>
+                        </a:rPr>
+                        <a:t>0.517758</a:t>
+                      </a:r>
+                    </a:p>
+                  </a:txBody>
+                  <a:tcPr anchor="ctr"/>
+                </a:tc>
+                <a:tc>
+                  <a:txBody>
+                    <a:bodyPr/>
+                    <a:lstStyle/>
+                    <a:p>
+                      <a:pPr algn="r" fontAlgn="ctr"/>
+                      <a:r>
+                        <a:rPr lang="en-DE" sz="2700">
+                          <a:effectLst/>
+                        </a:rPr>
+                        <a:t>0.439188</a:t>
+                      </a:r>
+                    </a:p>
+                  </a:txBody>
+                  <a:tcPr anchor="ctr"/>
+                </a:tc>
+                <a:extLst>
+                  <a:ext uri="{0D108BD9-81ED-4DB2-BD59-A6C34878D82A}">
+                    <a16:rowId xmlns:a16="http://schemas.microsoft.com/office/drawing/2014/main" val="3710466259"/>
+                  </a:ext>
+                </a:extLst>
+              </a:tr>
+              <a:tr h="580644">
+                <a:tc>
+                  <a:txBody>
+                    <a:bodyPr/>
+                    <a:lstStyle/>
+                    <a:p>
+                      <a:pPr algn="r" fontAlgn="ctr"/>
+                      <a:r>
+                        <a:rPr lang="en-GB" sz="2700" b="0" dirty="0">
+                          <a:effectLst/>
+                        </a:rPr>
+                        <a:t>…</a:t>
+                      </a:r>
+                    </a:p>
+                  </a:txBody>
+                  <a:tcPr anchor="ctr"/>
+                </a:tc>
+                <a:tc>
+                  <a:txBody>
+                    <a:bodyPr/>
+                    <a:lstStyle/>
+                    <a:p>
+                      <a:pPr algn="r" fontAlgn="ctr"/>
+                      <a:r>
+                        <a:rPr lang="en-DE" sz="2700" dirty="0">
+                          <a:effectLst/>
+                        </a:rPr>
+                        <a:t>…</a:t>
+                      </a:r>
+                    </a:p>
+                  </a:txBody>
+                  <a:tcPr anchor="ctr"/>
+                </a:tc>
+                <a:tc>
+                  <a:txBody>
+                    <a:bodyPr/>
+                    <a:lstStyle/>
+                    <a:p>
+                      <a:pPr algn="r" fontAlgn="ctr"/>
+                      <a:r>
+                        <a:rPr lang="en-DE" sz="2700" dirty="0">
+                          <a:effectLst/>
+                        </a:rPr>
+                        <a:t>…</a:t>
+                      </a:r>
+                    </a:p>
+                  </a:txBody>
+                  <a:tcPr anchor="ctr"/>
+                </a:tc>
+                <a:extLst>
+                  <a:ext uri="{0D108BD9-81ED-4DB2-BD59-A6C34878D82A}">
+                    <a16:rowId xmlns:a16="http://schemas.microsoft.com/office/drawing/2014/main" val="693584613"/>
+                  </a:ext>
+                </a:extLst>
+              </a:tr>
+              <a:tr h="580644">
+                <a:tc>
+                  <a:txBody>
+                    <a:bodyPr/>
+                    <a:lstStyle/>
+                    <a:p>
+                      <a:pPr algn="r" fontAlgn="ctr"/>
+                      <a:r>
+                        <a:rPr lang="en-GB" sz="2700" b="1" dirty="0" err="1">
+                          <a:effectLst/>
+                        </a:rPr>
+                        <a:t>Frühaufklärung</a:t>
+                      </a:r>
+                      <a:r>
+                        <a:rPr lang="en-GB" sz="2700" b="1" dirty="0">
+                          <a:effectLst/>
+                        </a:rPr>
+                        <a:t>/</a:t>
+                      </a:r>
+                      <a:r>
+                        <a:rPr lang="en-GB" sz="2700" b="1" dirty="0" err="1">
+                          <a:effectLst/>
+                        </a:rPr>
+                        <a:t>Moderne</a:t>
+                      </a:r>
+                      <a:endParaRPr lang="en-GB" sz="2700" b="1" dirty="0">
+                        <a:effectLst/>
+                      </a:endParaRPr>
+                    </a:p>
+                  </a:txBody>
+                  <a:tcPr anchor="ctr"/>
+                </a:tc>
+                <a:tc>
+                  <a:txBody>
+                    <a:bodyPr/>
+                    <a:lstStyle/>
+                    <a:p>
+                      <a:pPr algn="r" fontAlgn="ctr"/>
+                      <a:r>
+                        <a:rPr lang="en-DE" sz="2700">
+                          <a:effectLst/>
+                        </a:rPr>
+                        <a:t>-0.044559</a:t>
+                      </a:r>
+                    </a:p>
+                  </a:txBody>
+                  <a:tcPr anchor="ctr"/>
+                </a:tc>
+                <a:tc>
+                  <a:txBody>
+                    <a:bodyPr/>
+                    <a:lstStyle/>
+                    <a:p>
+                      <a:pPr algn="r" fontAlgn="ctr"/>
+                      <a:r>
+                        <a:rPr lang="en-DE" sz="2700">
+                          <a:effectLst/>
+                        </a:rPr>
+                        <a:t>0.014667</a:t>
+                      </a:r>
+                    </a:p>
+                  </a:txBody>
+                  <a:tcPr anchor="ctr"/>
+                </a:tc>
+                <a:extLst>
+                  <a:ext uri="{0D108BD9-81ED-4DB2-BD59-A6C34878D82A}">
+                    <a16:rowId xmlns:a16="http://schemas.microsoft.com/office/drawing/2014/main" val="3078737029"/>
+                  </a:ext>
+                </a:extLst>
+              </a:tr>
+              <a:tr h="580644">
+                <a:tc>
+                  <a:txBody>
+                    <a:bodyPr/>
+                    <a:lstStyle/>
+                    <a:p>
+                      <a:pPr algn="r" fontAlgn="ctr"/>
+                      <a:r>
+                        <a:rPr lang="en-GB" sz="2700" b="1" dirty="0" err="1">
+                          <a:effectLst/>
+                        </a:rPr>
+                        <a:t>Barock</a:t>
+                      </a:r>
+                      <a:r>
+                        <a:rPr lang="en-GB" sz="2700" b="1" dirty="0">
+                          <a:effectLst/>
+                        </a:rPr>
+                        <a:t>/</a:t>
+                      </a:r>
+                      <a:r>
+                        <a:rPr lang="en-GB" sz="2700" b="1" dirty="0" err="1">
+                          <a:effectLst/>
+                        </a:rPr>
+                        <a:t>Moderne</a:t>
+                      </a:r>
+                      <a:endParaRPr lang="en-GB" sz="2700" b="1" dirty="0">
+                        <a:effectLst/>
+                      </a:endParaRPr>
+                    </a:p>
+                  </a:txBody>
+                  <a:tcPr anchor="ctr"/>
+                </a:tc>
+                <a:tc>
+                  <a:txBody>
+                    <a:bodyPr/>
+                    <a:lstStyle/>
+                    <a:p>
+                      <a:pPr algn="r" fontAlgn="ctr"/>
+                      <a:r>
+                        <a:rPr lang="en-DE" sz="2700">
+                          <a:effectLst/>
+                        </a:rPr>
+                        <a:t>-0.065423</a:t>
+                      </a:r>
+                    </a:p>
+                  </a:txBody>
+                  <a:tcPr anchor="ctr"/>
+                </a:tc>
+                <a:tc>
+                  <a:txBody>
+                    <a:bodyPr/>
+                    <a:lstStyle/>
+                    <a:p>
+                      <a:pPr algn="r" fontAlgn="ctr"/>
+                      <a:r>
+                        <a:rPr lang="en-DE" sz="2700" dirty="0">
+                          <a:effectLst/>
+                        </a:rPr>
+                        <a:t>0.022024</a:t>
+                      </a:r>
+                    </a:p>
+                  </a:txBody>
+                  <a:tcPr anchor="ctr"/>
+                </a:tc>
+                <a:extLst>
+                  <a:ext uri="{0D108BD9-81ED-4DB2-BD59-A6C34878D82A}">
+                    <a16:rowId xmlns:a16="http://schemas.microsoft.com/office/drawing/2014/main" val="1192203619"/>
+                  </a:ext>
+                </a:extLst>
+              </a:tr>
+            </a:tbl>
+          </a:graphicData>
+        </a:graphic>
+      </p:graphicFrame>
+    </p:spTree>
+    <p:extLst>
+      <p:ext uri="{BB962C8B-B14F-4D97-AF65-F5344CB8AC3E}">
+        <p14:creationId xmlns:p14="http://schemas.microsoft.com/office/powerpoint/2010/main" val="1978532350"/>
+      </p:ext>
+    </p:extLst>
+  </p:cSld>
+  <p:clrMapOvr>
+    <a:masterClrMapping/>
+  </p:clrMapOvr>
+</p:sld>
+</file>
+
+<file path=ppt/slides/slide2.xml><?xml version="1.0" encoding="utf-8"?>
+<p:sld xmlns:a="http://schemas.openxmlformats.org/drawingml/2006/main" xmlns:r="http://schemas.openxmlformats.org/officeDocument/2006/relationships" xmlns:p="http://schemas.openxmlformats.org/presentationml/2006/main">
+  <p:cSld>
+    <p:spTree>
+      <p:nvGrpSpPr>
+        <p:cNvPr id="1" name=""/>
+        <p:cNvGrpSpPr/>
+        <p:nvPr/>
+      </p:nvGrpSpPr>
+      <p:grpSpPr>
+        <a:xfrm>
+          <a:off x="0" y="0"/>
+          <a:ext cx="0" cy="0"/>
+          <a:chOff x="0" y="0"/>
+          <a:chExt cx="0" cy="0"/>
+        </a:xfrm>
+      </p:grpSpPr>
+      <p:sp>
+        <p:nvSpPr>
+          <p:cNvPr id="2" name="Title 1">
+            <a:extLst>
+              <a:ext uri="{FF2B5EF4-FFF2-40B4-BE49-F238E27FC236}">
+                <a16:creationId xmlns:a16="http://schemas.microsoft.com/office/drawing/2014/main" id="{ABBD1032-7C21-EB45-88CD-39E1CDFCEED7}"/>
+              </a:ext>
+            </a:extLst>
+          </p:cNvPr>
+          <p:cNvSpPr>
+            <a:spLocks noGrp="1"/>
+          </p:cNvSpPr>
+          <p:nvPr>
+            <p:ph type="title"/>
+          </p:nvPr>
+        </p:nvSpPr>
+        <p:spPr/>
+        <p:txBody>
+          <a:bodyPr/>
+          <a:lstStyle/>
+          <a:p>
+            <a:r>
+              <a:rPr lang="en-DE" dirty="0"/>
+              <a:t>Übersicht</a:t>
+            </a:r>
+          </a:p>
+        </p:txBody>
+      </p:sp>
+      <p:sp>
+        <p:nvSpPr>
+          <p:cNvPr id="3" name="Content Placeholder 2">
+            <a:extLst>
+              <a:ext uri="{FF2B5EF4-FFF2-40B4-BE49-F238E27FC236}">
+                <a16:creationId xmlns:a16="http://schemas.microsoft.com/office/drawing/2014/main" id="{80899769-BBF7-274C-B579-0AE87166EDED}"/>
+              </a:ext>
+            </a:extLst>
+          </p:cNvPr>
+          <p:cNvSpPr>
+            <a:spLocks noGrp="1"/>
+          </p:cNvSpPr>
+          <p:nvPr>
+            <p:ph idx="1"/>
+          </p:nvPr>
+        </p:nvSpPr>
+        <p:spPr/>
+        <p:txBody>
+          <a:bodyPr/>
+          <a:lstStyle/>
+          <a:p>
+            <a:pPr marL="514350" indent="-514350">
+              <a:buAutoNum type="arabicPeriod"/>
+            </a:pPr>
+            <a:r>
+              <a:rPr lang="en-DE" dirty="0"/>
+              <a:t>Kurzer Überblick zum Epochenbegriff und –einteilung</a:t>
+            </a:r>
+          </a:p>
+          <a:p>
+            <a:pPr marL="514350" indent="-514350">
+              <a:buAutoNum type="arabicPeriod"/>
+            </a:pPr>
+            <a:r>
+              <a:rPr lang="en-DE" dirty="0"/>
+              <a:t>Das Korpus</a:t>
+            </a:r>
+          </a:p>
+          <a:p>
+            <a:pPr marL="514350" indent="-514350">
+              <a:buAutoNum type="arabicPeriod"/>
+            </a:pPr>
+            <a:r>
+              <a:rPr lang="en-GB"/>
+              <a:t>Fragestellungen</a:t>
+            </a:r>
+            <a:endParaRPr lang="en-DE" dirty="0"/>
+          </a:p>
+          <a:p>
+            <a:pPr marL="514350" indent="-514350">
+              <a:buAutoNum type="arabicPeriod"/>
+            </a:pPr>
+            <a:r>
+              <a:rPr lang="en-DE" dirty="0"/>
+              <a:t>… (TODO)</a:t>
+            </a:r>
+          </a:p>
+        </p:txBody>
+      </p:sp>
+    </p:spTree>
+    <p:extLst>
+      <p:ext uri="{BB962C8B-B14F-4D97-AF65-F5344CB8AC3E}">
+        <p14:creationId xmlns:p14="http://schemas.microsoft.com/office/powerpoint/2010/main" val="2653683036"/>
+      </p:ext>
+    </p:extLst>
+  </p:cSld>
+  <p:clrMapOvr>
+    <a:masterClrMapping/>
+  </p:clrMapOvr>
+</p:sld>
+</file>
+
+<file path=ppt/slides/slide20.xml><?xml version="1.0" encoding="utf-8"?>
+<p:sld xmlns:a="http://schemas.openxmlformats.org/drawingml/2006/main" xmlns:r="http://schemas.openxmlformats.org/officeDocument/2006/relationships" xmlns:p="http://schemas.openxmlformats.org/presentationml/2006/main">
+  <p:cSld>
+    <p:spTree>
+      <p:nvGrpSpPr>
+        <p:cNvPr id="1" name=""/>
+        <p:cNvGrpSpPr/>
+        <p:nvPr/>
+      </p:nvGrpSpPr>
+      <p:grpSpPr>
+        <a:xfrm>
+          <a:off x="0" y="0"/>
+          <a:ext cx="0" cy="0"/>
+          <a:chOff x="0" y="0"/>
+          <a:chExt cx="0" cy="0"/>
+        </a:xfrm>
+      </p:grpSpPr>
+      <p:sp>
+        <p:nvSpPr>
+          <p:cNvPr id="5" name="Title 4">
+            <a:extLst>
+              <a:ext uri="{FF2B5EF4-FFF2-40B4-BE49-F238E27FC236}">
+                <a16:creationId xmlns:a16="http://schemas.microsoft.com/office/drawing/2014/main" id="{9E70DB90-324C-D04B-8F51-5DB32ADB443C}"/>
+              </a:ext>
+            </a:extLst>
+          </p:cNvPr>
+          <p:cNvSpPr>
+            <a:spLocks noGrp="1"/>
+          </p:cNvSpPr>
+          <p:nvPr>
+            <p:ph type="title"/>
+          </p:nvPr>
+        </p:nvSpPr>
+        <p:spPr/>
+        <p:txBody>
+          <a:bodyPr>
+            <a:normAutofit fontScale="90000"/>
+          </a:bodyPr>
+          <a:lstStyle/>
+          <a:p>
+            <a:r>
+              <a:rPr lang="de-DE" b="1" dirty="0"/>
+              <a:t>K-</a:t>
+            </a:r>
+            <a:r>
+              <a:rPr lang="de-DE" b="1" dirty="0" err="1"/>
+              <a:t>Means</a:t>
+            </a:r>
+            <a:r>
+              <a:rPr lang="de-DE" b="1" dirty="0"/>
+              <a:t> (II) </a:t>
+            </a:r>
+            <a:br>
+              <a:rPr lang="de-DE" b="1" dirty="0"/>
+            </a:br>
+            <a:r>
+              <a:rPr lang="de-DE" dirty="0"/>
+              <a:t>Häufigsten 10 Worte des besten </a:t>
+            </a:r>
+            <a:r>
+              <a:rPr lang="de-DE" dirty="0" err="1"/>
+              <a:t>Clusterings</a:t>
+            </a:r>
+            <a:endParaRPr lang="de-DE" dirty="0"/>
+          </a:p>
+        </p:txBody>
+      </p:sp>
+      <p:graphicFrame>
+        <p:nvGraphicFramePr>
+          <p:cNvPr id="4" name="Content Placeholder 3">
+            <a:extLst>
+              <a:ext uri="{FF2B5EF4-FFF2-40B4-BE49-F238E27FC236}">
+                <a16:creationId xmlns:a16="http://schemas.microsoft.com/office/drawing/2014/main" id="{AF660BFF-771B-1C49-87CA-2E80B36FD37A}"/>
+              </a:ext>
+            </a:extLst>
+          </p:cNvPr>
+          <p:cNvGraphicFramePr>
+            <a:graphicFrameLocks noGrp="1"/>
+          </p:cNvGraphicFramePr>
+          <p:nvPr>
+            <p:ph sz="half" idx="1"/>
+            <p:extLst>
+              <p:ext uri="{D42A27DB-BD31-4B8C-83A1-F6EECF244321}">
+                <p14:modId xmlns:p14="http://schemas.microsoft.com/office/powerpoint/2010/main" val="3225170844"/>
+              </p:ext>
+            </p:extLst>
+          </p:nvPr>
+        </p:nvGraphicFramePr>
+        <p:xfrm>
+          <a:off x="3688867" y="2181282"/>
+          <a:ext cx="1925036" cy="4453891"/>
+        </p:xfrm>
+        <a:graphic>
+          <a:graphicData uri="http://schemas.openxmlformats.org/drawingml/2006/table">
+            <a:tbl>
+              <a:tblPr firstRow="1" bandRow="1">
+                <a:tableStyleId>{5C22544A-7EE6-4342-B048-85BDC9FD1C3A}</a:tableStyleId>
+              </a:tblPr>
+              <a:tblGrid>
+                <a:gridCol w="482080">
+                  <a:extLst>
+                    <a:ext uri="{9D8B030D-6E8A-4147-A177-3AD203B41FA5}">
+                      <a16:colId xmlns:a16="http://schemas.microsoft.com/office/drawing/2014/main" val="2599860606"/>
+                    </a:ext>
+                  </a:extLst>
+                </a:gridCol>
+                <a:gridCol w="1442956">
+                  <a:extLst>
+                    <a:ext uri="{9D8B030D-6E8A-4147-A177-3AD203B41FA5}">
+                      <a16:colId xmlns:a16="http://schemas.microsoft.com/office/drawing/2014/main" val="828020163"/>
+                    </a:ext>
+                  </a:extLst>
+                </a:gridCol>
+              </a:tblGrid>
+              <a:tr h="491491">
+                <a:tc>
+                  <a:txBody>
+                    <a:bodyPr/>
+                    <a:lstStyle/>
+                    <a:p>
+                      <a:pPr algn="r" fontAlgn="ctr"/>
+                      <a:endParaRPr lang="en-GB" b="1" dirty="0">
+                        <a:effectLst/>
+                      </a:endParaRPr>
+                    </a:p>
+                  </a:txBody>
+                  <a:tcPr anchor="ctr"/>
+                </a:tc>
+                <a:tc>
+                  <a:txBody>
+                    <a:bodyPr/>
+                    <a:lstStyle/>
+                    <a:p>
+                      <a:pPr algn="r" fontAlgn="ctr"/>
+                      <a:endParaRPr lang="en-GB" b="1" dirty="0">
+                        <a:effectLst/>
+                      </a:endParaRPr>
+                    </a:p>
+                  </a:txBody>
+                  <a:tcPr anchor="ctr"/>
+                </a:tc>
+                <a:extLst>
+                  <a:ext uri="{0D108BD9-81ED-4DB2-BD59-A6C34878D82A}">
+                    <a16:rowId xmlns:a16="http://schemas.microsoft.com/office/drawing/2014/main" val="3481616388"/>
+                  </a:ext>
+                </a:extLst>
+              </a:tr>
+              <a:tr h="0">
+                <a:tc>
+                  <a:txBody>
+                    <a:bodyPr/>
+                    <a:lstStyle/>
+                    <a:p>
+                      <a:pPr algn="r" fontAlgn="ctr"/>
+                      <a:r>
+                        <a:rPr lang="en-GB" sz="2000" dirty="0">
+                          <a:effectLst/>
+                        </a:rPr>
+                        <a:t>1</a:t>
+                      </a:r>
+                    </a:p>
+                  </a:txBody>
+                  <a:tcPr anchor="ctr"/>
+                </a:tc>
+                <a:tc>
+                  <a:txBody>
+                    <a:bodyPr/>
+                    <a:lstStyle/>
+                    <a:p>
+                      <a:pPr algn="r" fontAlgn="ctr"/>
+                      <a:r>
+                        <a:rPr lang="en-GB" sz="2000" b="1" dirty="0" err="1">
+                          <a:effectLst/>
+                        </a:rPr>
+                        <a:t>herz</a:t>
+                      </a:r>
+                      <a:endParaRPr lang="en-GB" sz="2000" b="1" dirty="0">
+                        <a:effectLst/>
+                      </a:endParaRPr>
+                    </a:p>
+                  </a:txBody>
+                  <a:tcPr anchor="ctr"/>
+                </a:tc>
+                <a:extLst>
+                  <a:ext uri="{0D108BD9-81ED-4DB2-BD59-A6C34878D82A}">
+                    <a16:rowId xmlns:a16="http://schemas.microsoft.com/office/drawing/2014/main" val="2792915004"/>
+                  </a:ext>
+                </a:extLst>
+              </a:tr>
+              <a:tr h="370840">
+                <a:tc>
+                  <a:txBody>
+                    <a:bodyPr/>
+                    <a:lstStyle/>
+                    <a:p>
+                      <a:pPr algn="r" fontAlgn="ctr"/>
+                      <a:r>
+                        <a:rPr lang="en-GB" sz="2000" dirty="0">
+                          <a:effectLst/>
+                        </a:rPr>
+                        <a:t>2</a:t>
+                      </a:r>
+                    </a:p>
+                  </a:txBody>
+                  <a:tcPr anchor="ctr"/>
+                </a:tc>
+                <a:tc>
+                  <a:txBody>
+                    <a:bodyPr/>
+                    <a:lstStyle/>
+                    <a:p>
+                      <a:pPr algn="r" fontAlgn="ctr"/>
+                      <a:r>
+                        <a:rPr lang="en-GB" sz="2000" b="1" dirty="0" err="1">
+                          <a:effectLst/>
+                        </a:rPr>
+                        <a:t>nacht</a:t>
+                      </a:r>
+                      <a:endParaRPr lang="en-GB" sz="2000" b="1" dirty="0">
+                        <a:effectLst/>
+                      </a:endParaRPr>
+                    </a:p>
+                  </a:txBody>
+                  <a:tcPr anchor="ctr"/>
+                </a:tc>
+                <a:extLst>
+                  <a:ext uri="{0D108BD9-81ED-4DB2-BD59-A6C34878D82A}">
+                    <a16:rowId xmlns:a16="http://schemas.microsoft.com/office/drawing/2014/main" val="2852790106"/>
+                  </a:ext>
+                </a:extLst>
+              </a:tr>
+              <a:tr h="370840">
+                <a:tc>
+                  <a:txBody>
+                    <a:bodyPr/>
+                    <a:lstStyle/>
+                    <a:p>
+                      <a:pPr algn="r" fontAlgn="ctr"/>
+                      <a:r>
+                        <a:rPr lang="en-GB" sz="2000" dirty="0">
+                          <a:effectLst/>
+                        </a:rPr>
+                        <a:t>3</a:t>
+                      </a:r>
+                    </a:p>
+                  </a:txBody>
+                  <a:tcPr anchor="ctr"/>
+                </a:tc>
+                <a:tc>
+                  <a:txBody>
+                    <a:bodyPr/>
+                    <a:lstStyle/>
+                    <a:p>
+                      <a:pPr algn="r" fontAlgn="ctr"/>
+                      <a:r>
+                        <a:rPr lang="en-GB" sz="2000" b="1" dirty="0" err="1">
+                          <a:effectLst/>
+                        </a:rPr>
+                        <a:t>schon</a:t>
+                      </a:r>
+                      <a:endParaRPr lang="en-GB" sz="2000" b="1" dirty="0">
+                        <a:effectLst/>
+                      </a:endParaRPr>
+                    </a:p>
+                  </a:txBody>
+                  <a:tcPr anchor="ctr"/>
+                </a:tc>
+                <a:extLst>
+                  <a:ext uri="{0D108BD9-81ED-4DB2-BD59-A6C34878D82A}">
+                    <a16:rowId xmlns:a16="http://schemas.microsoft.com/office/drawing/2014/main" val="1175727658"/>
+                  </a:ext>
+                </a:extLst>
+              </a:tr>
+              <a:tr h="370840">
+                <a:tc>
+                  <a:txBody>
+                    <a:bodyPr/>
+                    <a:lstStyle/>
+                    <a:p>
+                      <a:pPr algn="r" fontAlgn="ctr"/>
+                      <a:r>
+                        <a:rPr lang="en-GB" sz="2000" dirty="0">
+                          <a:effectLst/>
+                        </a:rPr>
+                        <a:t>4</a:t>
+                      </a:r>
+                    </a:p>
+                  </a:txBody>
+                  <a:tcPr anchor="ctr"/>
+                </a:tc>
+                <a:tc>
+                  <a:txBody>
+                    <a:bodyPr/>
+                    <a:lstStyle/>
+                    <a:p>
+                      <a:pPr algn="r" fontAlgn="ctr"/>
+                      <a:r>
+                        <a:rPr lang="en-GB" sz="2000" b="1" dirty="0">
+                          <a:effectLst/>
+                        </a:rPr>
+                        <a:t>leben</a:t>
+                      </a:r>
+                    </a:p>
+                  </a:txBody>
+                  <a:tcPr anchor="ctr"/>
+                </a:tc>
+                <a:extLst>
+                  <a:ext uri="{0D108BD9-81ED-4DB2-BD59-A6C34878D82A}">
+                    <a16:rowId xmlns:a16="http://schemas.microsoft.com/office/drawing/2014/main" val="1889070841"/>
+                  </a:ext>
+                </a:extLst>
+              </a:tr>
+              <a:tr h="370840">
+                <a:tc>
+                  <a:txBody>
+                    <a:bodyPr/>
+                    <a:lstStyle/>
+                    <a:p>
+                      <a:pPr algn="r" fontAlgn="ctr"/>
+                      <a:r>
+                        <a:rPr lang="en-GB" sz="2000" dirty="0">
+                          <a:effectLst/>
+                        </a:rPr>
+                        <a:t>5</a:t>
+                      </a:r>
+                    </a:p>
+                  </a:txBody>
+                  <a:tcPr anchor="ctr"/>
+                </a:tc>
+                <a:tc>
+                  <a:txBody>
+                    <a:bodyPr/>
+                    <a:lstStyle/>
+                    <a:p>
+                      <a:pPr algn="r" fontAlgn="ctr"/>
+                      <a:r>
+                        <a:rPr lang="en-GB" sz="2000" b="1" dirty="0" err="1">
+                          <a:effectLst/>
+                        </a:rPr>
+                        <a:t>liebe</a:t>
+                      </a:r>
+                      <a:endParaRPr lang="en-GB" sz="2000" b="1" dirty="0">
+                        <a:effectLst/>
+                      </a:endParaRPr>
+                    </a:p>
+                  </a:txBody>
+                  <a:tcPr anchor="ctr"/>
+                </a:tc>
+                <a:extLst>
+                  <a:ext uri="{0D108BD9-81ED-4DB2-BD59-A6C34878D82A}">
+                    <a16:rowId xmlns:a16="http://schemas.microsoft.com/office/drawing/2014/main" val="2476718903"/>
+                  </a:ext>
+                </a:extLst>
+              </a:tr>
+              <a:tr h="370840">
+                <a:tc>
+                  <a:txBody>
+                    <a:bodyPr/>
+                    <a:lstStyle/>
+                    <a:p>
+                      <a:pPr algn="r" fontAlgn="ctr"/>
+                      <a:r>
+                        <a:rPr lang="en-GB" sz="2000" dirty="0">
+                          <a:effectLst/>
+                        </a:rPr>
+                        <a:t>6</a:t>
+                      </a:r>
+                    </a:p>
+                  </a:txBody>
+                  <a:tcPr anchor="ctr"/>
+                </a:tc>
+                <a:tc>
+                  <a:txBody>
+                    <a:bodyPr/>
+                    <a:lstStyle/>
+                    <a:p>
+                      <a:pPr algn="r" fontAlgn="ctr"/>
+                      <a:r>
+                        <a:rPr lang="en-GB" sz="2000" b="1" dirty="0" err="1">
+                          <a:effectLst/>
+                        </a:rPr>
+                        <a:t>seele</a:t>
+                      </a:r>
+                      <a:endParaRPr lang="en-GB" sz="2000" b="1" dirty="0">
+                        <a:effectLst/>
+                      </a:endParaRPr>
+                    </a:p>
+                  </a:txBody>
+                  <a:tcPr anchor="ctr"/>
+                </a:tc>
+                <a:extLst>
+                  <a:ext uri="{0D108BD9-81ED-4DB2-BD59-A6C34878D82A}">
+                    <a16:rowId xmlns:a16="http://schemas.microsoft.com/office/drawing/2014/main" val="3357551232"/>
+                  </a:ext>
+                </a:extLst>
+              </a:tr>
+              <a:tr h="370840">
+                <a:tc>
+                  <a:txBody>
+                    <a:bodyPr/>
+                    <a:lstStyle/>
+                    <a:p>
+                      <a:pPr algn="r" fontAlgn="ctr"/>
+                      <a:r>
+                        <a:rPr lang="en-GB" sz="2000" dirty="0">
+                          <a:effectLst/>
+                        </a:rPr>
+                        <a:t>7</a:t>
+                      </a:r>
+                    </a:p>
+                  </a:txBody>
+                  <a:tcPr anchor="ctr"/>
+                </a:tc>
+                <a:tc>
+                  <a:txBody>
+                    <a:bodyPr/>
+                    <a:lstStyle/>
+                    <a:p>
+                      <a:pPr algn="r" fontAlgn="ctr"/>
+                      <a:r>
+                        <a:rPr lang="en-GB" sz="2000" b="1" dirty="0">
+                          <a:effectLst/>
+                        </a:rPr>
+                        <a:t>welt</a:t>
+                      </a:r>
+                    </a:p>
+                  </a:txBody>
+                  <a:tcPr anchor="ctr"/>
+                </a:tc>
+                <a:extLst>
+                  <a:ext uri="{0D108BD9-81ED-4DB2-BD59-A6C34878D82A}">
+                    <a16:rowId xmlns:a16="http://schemas.microsoft.com/office/drawing/2014/main" val="29535288"/>
+                  </a:ext>
+                </a:extLst>
+              </a:tr>
+              <a:tr h="370840">
+                <a:tc>
+                  <a:txBody>
+                    <a:bodyPr/>
+                    <a:lstStyle/>
+                    <a:p>
+                      <a:pPr algn="r" fontAlgn="ctr"/>
+                      <a:r>
+                        <a:rPr lang="en-GB" sz="2000" dirty="0">
+                          <a:effectLst/>
+                        </a:rPr>
+                        <a:t>8</a:t>
+                      </a:r>
+                    </a:p>
+                  </a:txBody>
+                  <a:tcPr anchor="ctr"/>
+                </a:tc>
+                <a:tc>
+                  <a:txBody>
+                    <a:bodyPr/>
+                    <a:lstStyle/>
+                    <a:p>
+                      <a:pPr algn="r" fontAlgn="ctr"/>
+                      <a:r>
+                        <a:rPr lang="en-GB" sz="2000" b="1" dirty="0" err="1">
+                          <a:effectLst/>
+                        </a:rPr>
+                        <a:t>mehr</a:t>
+                      </a:r>
+                      <a:endParaRPr lang="en-GB" sz="2000" b="1" dirty="0">
+                        <a:effectLst/>
+                      </a:endParaRPr>
+                    </a:p>
+                  </a:txBody>
+                  <a:tcPr anchor="ctr"/>
+                </a:tc>
+                <a:extLst>
+                  <a:ext uri="{0D108BD9-81ED-4DB2-BD59-A6C34878D82A}">
+                    <a16:rowId xmlns:a16="http://schemas.microsoft.com/office/drawing/2014/main" val="1684373794"/>
+                  </a:ext>
+                </a:extLst>
+              </a:tr>
+              <a:tr h="370840">
+                <a:tc>
+                  <a:txBody>
+                    <a:bodyPr/>
+                    <a:lstStyle/>
+                    <a:p>
+                      <a:pPr algn="r" fontAlgn="ctr"/>
+                      <a:r>
+                        <a:rPr lang="en-GB" sz="2000" dirty="0">
+                          <a:effectLst/>
+                        </a:rPr>
+                        <a:t>9</a:t>
+                      </a:r>
+                    </a:p>
+                  </a:txBody>
+                  <a:tcPr anchor="ctr"/>
+                </a:tc>
+                <a:tc>
+                  <a:txBody>
+                    <a:bodyPr/>
+                    <a:lstStyle/>
+                    <a:p>
+                      <a:pPr algn="r" fontAlgn="ctr"/>
+                      <a:r>
+                        <a:rPr lang="en-GB" sz="2000" b="1" dirty="0" err="1">
+                          <a:effectLst/>
+                        </a:rPr>
+                        <a:t>immer</a:t>
+                      </a:r>
+                      <a:endParaRPr lang="en-GB" sz="2000" b="1" dirty="0">
+                        <a:effectLst/>
+                      </a:endParaRPr>
+                    </a:p>
+                  </a:txBody>
+                  <a:tcPr anchor="ctr"/>
+                </a:tc>
+                <a:extLst>
+                  <a:ext uri="{0D108BD9-81ED-4DB2-BD59-A6C34878D82A}">
+                    <a16:rowId xmlns:a16="http://schemas.microsoft.com/office/drawing/2014/main" val="2838643809"/>
+                  </a:ext>
+                </a:extLst>
+              </a:tr>
+              <a:tr h="370840">
+                <a:tc>
+                  <a:txBody>
+                    <a:bodyPr/>
+                    <a:lstStyle/>
+                    <a:p>
+                      <a:pPr algn="r" fontAlgn="ctr"/>
+                      <a:r>
+                        <a:rPr lang="en-GB" sz="2000" dirty="0">
+                          <a:effectLst/>
+                        </a:rPr>
+                        <a:t>10</a:t>
+                      </a:r>
+                    </a:p>
+                  </a:txBody>
+                  <a:tcPr anchor="ctr"/>
+                </a:tc>
+                <a:tc>
+                  <a:txBody>
+                    <a:bodyPr/>
+                    <a:lstStyle/>
+                    <a:p>
+                      <a:pPr algn="r" fontAlgn="ctr"/>
+                      <a:r>
+                        <a:rPr lang="en-GB" sz="2000" b="1" dirty="0" err="1">
+                          <a:effectLst/>
+                        </a:rPr>
+                        <a:t>sah</a:t>
+                      </a:r>
+                      <a:endParaRPr lang="en-GB" sz="2000" b="1" dirty="0">
+                        <a:effectLst/>
+                      </a:endParaRPr>
+                    </a:p>
+                  </a:txBody>
+                  <a:tcPr anchor="ctr"/>
+                </a:tc>
+                <a:extLst>
+                  <a:ext uri="{0D108BD9-81ED-4DB2-BD59-A6C34878D82A}">
+                    <a16:rowId xmlns:a16="http://schemas.microsoft.com/office/drawing/2014/main" val="2117342910"/>
+                  </a:ext>
+                </a:extLst>
+              </a:tr>
+            </a:tbl>
+          </a:graphicData>
+        </a:graphic>
+      </p:graphicFrame>
+      <p:graphicFrame>
+        <p:nvGraphicFramePr>
+          <p:cNvPr id="9" name="Content Placeholder 8">
+            <a:extLst>
+              <a:ext uri="{FF2B5EF4-FFF2-40B4-BE49-F238E27FC236}">
+                <a16:creationId xmlns:a16="http://schemas.microsoft.com/office/drawing/2014/main" id="{5ED111C9-A792-2C46-9D1C-87BF36A15CB0}"/>
+              </a:ext>
+            </a:extLst>
+          </p:cNvPr>
+          <p:cNvGraphicFramePr>
+            <a:graphicFrameLocks noGrp="1"/>
+          </p:cNvGraphicFramePr>
+          <p:nvPr>
+            <p:ph sz="half" idx="2"/>
+            <p:extLst>
+              <p:ext uri="{D42A27DB-BD31-4B8C-83A1-F6EECF244321}">
+                <p14:modId xmlns:p14="http://schemas.microsoft.com/office/powerpoint/2010/main" val="2270592160"/>
+              </p:ext>
+            </p:extLst>
+          </p:nvPr>
+        </p:nvGraphicFramePr>
+        <p:xfrm>
+          <a:off x="6568573" y="2181282"/>
+          <a:ext cx="1925032" cy="4431806"/>
+        </p:xfrm>
+        <a:graphic>
+          <a:graphicData uri="http://schemas.openxmlformats.org/drawingml/2006/table">
+            <a:tbl>
+              <a:tblPr firstRow="1" bandRow="1">
+                <a:tableStyleId>{5C22544A-7EE6-4342-B048-85BDC9FD1C3A}</a:tableStyleId>
+              </a:tblPr>
+              <a:tblGrid>
+                <a:gridCol w="586206">
+                  <a:extLst>
+                    <a:ext uri="{9D8B030D-6E8A-4147-A177-3AD203B41FA5}">
+                      <a16:colId xmlns:a16="http://schemas.microsoft.com/office/drawing/2014/main" val="3618807907"/>
+                    </a:ext>
+                  </a:extLst>
+                </a:gridCol>
+                <a:gridCol w="1338826">
+                  <a:extLst>
+                    <a:ext uri="{9D8B030D-6E8A-4147-A177-3AD203B41FA5}">
+                      <a16:colId xmlns:a16="http://schemas.microsoft.com/office/drawing/2014/main" val="3407045452"/>
+                    </a:ext>
+                  </a:extLst>
+                </a:gridCol>
+              </a:tblGrid>
+              <a:tr h="469406">
+                <a:tc>
+                  <a:txBody>
+                    <a:bodyPr/>
+                    <a:lstStyle/>
+                    <a:p>
+                      <a:pPr algn="r" fontAlgn="ctr"/>
+                      <a:endParaRPr lang="en-GB" b="1" dirty="0">
+                        <a:effectLst/>
+                      </a:endParaRPr>
+                    </a:p>
+                  </a:txBody>
+                  <a:tcPr anchor="ctr"/>
+                </a:tc>
+                <a:tc>
+                  <a:txBody>
+                    <a:bodyPr/>
+                    <a:lstStyle/>
+                    <a:p>
+                      <a:pPr algn="r" fontAlgn="ctr"/>
+                      <a:endParaRPr lang="en-GB" b="1" dirty="0">
+                        <a:effectLst/>
+                      </a:endParaRPr>
+                    </a:p>
+                  </a:txBody>
+                  <a:tcPr anchor="ctr"/>
+                </a:tc>
+                <a:extLst>
+                  <a:ext uri="{0D108BD9-81ED-4DB2-BD59-A6C34878D82A}">
+                    <a16:rowId xmlns:a16="http://schemas.microsoft.com/office/drawing/2014/main" val="3259271182"/>
+                  </a:ext>
+                </a:extLst>
+              </a:tr>
+              <a:tr h="372541">
+                <a:tc>
+                  <a:txBody>
+                    <a:bodyPr/>
+                    <a:lstStyle/>
+                    <a:p>
+                      <a:pPr algn="r" fontAlgn="ctr"/>
+                      <a:r>
+                        <a:rPr lang="en-GB" sz="2000" dirty="0">
+                          <a:effectLst/>
+                        </a:rPr>
+                        <a:t>1</a:t>
+                      </a:r>
+                    </a:p>
+                  </a:txBody>
+                  <a:tcPr anchor="ctr"/>
+                </a:tc>
+                <a:tc>
+                  <a:txBody>
+                    <a:bodyPr/>
+                    <a:lstStyle/>
+                    <a:p>
+                      <a:pPr algn="r" fontAlgn="ctr"/>
+                      <a:r>
+                        <a:rPr lang="en-GB" sz="2000" b="1" dirty="0" err="1">
+                          <a:effectLst/>
+                        </a:rPr>
+                        <a:t>gott</a:t>
+                      </a:r>
+                      <a:endParaRPr lang="en-GB" sz="2000" b="1" dirty="0">
+                        <a:effectLst/>
+                      </a:endParaRPr>
+                    </a:p>
+                  </a:txBody>
+                  <a:tcPr anchor="ctr"/>
+                </a:tc>
+                <a:extLst>
+                  <a:ext uri="{0D108BD9-81ED-4DB2-BD59-A6C34878D82A}">
+                    <a16:rowId xmlns:a16="http://schemas.microsoft.com/office/drawing/2014/main" val="169262451"/>
+                  </a:ext>
+                </a:extLst>
+              </a:tr>
+              <a:tr h="372541">
+                <a:tc>
+                  <a:txBody>
+                    <a:bodyPr/>
+                    <a:lstStyle/>
+                    <a:p>
+                      <a:pPr algn="r" fontAlgn="ctr"/>
+                      <a:r>
+                        <a:rPr lang="en-GB" sz="2000" dirty="0">
+                          <a:effectLst/>
+                        </a:rPr>
+                        <a:t>2</a:t>
+                      </a:r>
+                    </a:p>
+                  </a:txBody>
+                  <a:tcPr anchor="ctr"/>
+                </a:tc>
+                <a:tc>
+                  <a:txBody>
+                    <a:bodyPr/>
+                    <a:lstStyle/>
+                    <a:p>
+                      <a:pPr algn="r" fontAlgn="ctr"/>
+                      <a:r>
+                        <a:rPr lang="en-GB" sz="2000" b="1" dirty="0">
+                          <a:effectLst/>
+                        </a:rPr>
+                        <a:t>bey</a:t>
+                      </a:r>
+                    </a:p>
+                  </a:txBody>
+                  <a:tcPr anchor="ctr"/>
+                </a:tc>
+                <a:extLst>
+                  <a:ext uri="{0D108BD9-81ED-4DB2-BD59-A6C34878D82A}">
+                    <a16:rowId xmlns:a16="http://schemas.microsoft.com/office/drawing/2014/main" val="284791471"/>
+                  </a:ext>
+                </a:extLst>
+              </a:tr>
+              <a:tr h="372541">
+                <a:tc>
+                  <a:txBody>
+                    <a:bodyPr/>
+                    <a:lstStyle/>
+                    <a:p>
+                      <a:pPr algn="r" fontAlgn="ctr"/>
+                      <a:r>
+                        <a:rPr lang="en-GB" sz="2000" dirty="0">
+                          <a:effectLst/>
+                        </a:rPr>
+                        <a:t>3</a:t>
+                      </a:r>
+                    </a:p>
+                  </a:txBody>
+                  <a:tcPr anchor="ctr"/>
+                </a:tc>
+                <a:tc>
+                  <a:txBody>
+                    <a:bodyPr/>
+                    <a:lstStyle/>
+                    <a:p>
+                      <a:pPr algn="r" fontAlgn="ctr"/>
+                      <a:r>
+                        <a:rPr lang="en-GB" sz="2000" b="1" dirty="0" err="1">
+                          <a:effectLst/>
+                        </a:rPr>
+                        <a:t>kan</a:t>
+                      </a:r>
+                      <a:endParaRPr lang="en-GB" sz="2000" b="1" dirty="0">
+                        <a:effectLst/>
+                      </a:endParaRPr>
+                    </a:p>
+                  </a:txBody>
+                  <a:tcPr anchor="ctr"/>
+                </a:tc>
+                <a:extLst>
+                  <a:ext uri="{0D108BD9-81ED-4DB2-BD59-A6C34878D82A}">
+                    <a16:rowId xmlns:a16="http://schemas.microsoft.com/office/drawing/2014/main" val="4273658704"/>
+                  </a:ext>
+                </a:extLst>
+              </a:tr>
+              <a:tr h="372541">
+                <a:tc>
+                  <a:txBody>
+                    <a:bodyPr/>
+                    <a:lstStyle/>
+                    <a:p>
+                      <a:pPr algn="r" fontAlgn="ctr"/>
+                      <a:r>
+                        <a:rPr lang="en-GB" sz="2000" dirty="0">
+                          <a:effectLst/>
+                        </a:rPr>
+                        <a:t>4</a:t>
+                      </a:r>
+                    </a:p>
+                  </a:txBody>
+                  <a:tcPr anchor="ctr"/>
+                </a:tc>
+                <a:tc>
+                  <a:txBody>
+                    <a:bodyPr/>
+                    <a:lstStyle/>
+                    <a:p>
+                      <a:pPr algn="r" fontAlgn="ctr"/>
+                      <a:r>
+                        <a:rPr lang="en-GB" sz="2000" b="1" dirty="0" err="1">
+                          <a:effectLst/>
+                        </a:rPr>
+                        <a:t>wer</a:t>
+                      </a:r>
+                      <a:endParaRPr lang="en-GB" sz="2000" b="1" dirty="0">
+                        <a:effectLst/>
+                      </a:endParaRPr>
+                    </a:p>
+                  </a:txBody>
+                  <a:tcPr anchor="ctr"/>
+                </a:tc>
+                <a:extLst>
+                  <a:ext uri="{0D108BD9-81ED-4DB2-BD59-A6C34878D82A}">
+                    <a16:rowId xmlns:a16="http://schemas.microsoft.com/office/drawing/2014/main" val="2181116311"/>
+                  </a:ext>
+                </a:extLst>
+              </a:tr>
+              <a:tr h="372541">
+                <a:tc>
+                  <a:txBody>
+                    <a:bodyPr/>
+                    <a:lstStyle/>
+                    <a:p>
+                      <a:pPr algn="r" fontAlgn="ctr"/>
+                      <a:r>
+                        <a:rPr lang="en-GB" sz="2000" dirty="0">
+                          <a:effectLst/>
+                        </a:rPr>
+                        <a:t>5</a:t>
+                      </a:r>
+                    </a:p>
+                  </a:txBody>
+                  <a:tcPr anchor="ctr"/>
+                </a:tc>
+                <a:tc>
+                  <a:txBody>
+                    <a:bodyPr/>
+                    <a:lstStyle/>
+                    <a:p>
+                      <a:pPr algn="r" fontAlgn="ctr"/>
+                      <a:r>
+                        <a:rPr lang="en-GB" sz="2000" b="1" dirty="0" err="1">
+                          <a:effectLst/>
+                        </a:rPr>
+                        <a:t>seyn</a:t>
+                      </a:r>
+                      <a:endParaRPr lang="en-GB" sz="2000" b="1" dirty="0">
+                        <a:effectLst/>
+                      </a:endParaRPr>
+                    </a:p>
+                  </a:txBody>
+                  <a:tcPr anchor="ctr"/>
+                </a:tc>
+                <a:extLst>
+                  <a:ext uri="{0D108BD9-81ED-4DB2-BD59-A6C34878D82A}">
+                    <a16:rowId xmlns:a16="http://schemas.microsoft.com/office/drawing/2014/main" val="3915005305"/>
+                  </a:ext>
+                </a:extLst>
+              </a:tr>
+              <a:tr h="372541">
+                <a:tc>
+                  <a:txBody>
+                    <a:bodyPr/>
+                    <a:lstStyle/>
+                    <a:p>
+                      <a:pPr algn="r" fontAlgn="ctr"/>
+                      <a:r>
+                        <a:rPr lang="en-GB" sz="2000" dirty="0">
+                          <a:effectLst/>
+                        </a:rPr>
+                        <a:t>6</a:t>
+                      </a:r>
+                    </a:p>
+                  </a:txBody>
+                  <a:tcPr anchor="ctr"/>
+                </a:tc>
+                <a:tc>
+                  <a:txBody>
+                    <a:bodyPr/>
+                    <a:lstStyle/>
+                    <a:p>
+                      <a:pPr algn="r" fontAlgn="ctr"/>
+                      <a:r>
+                        <a:rPr lang="en-GB" sz="2000" b="1" dirty="0" err="1">
+                          <a:effectLst/>
+                        </a:rPr>
+                        <a:t>muß</a:t>
+                      </a:r>
+                      <a:endParaRPr lang="en-GB" sz="2000" b="1" dirty="0">
+                        <a:effectLst/>
+                      </a:endParaRPr>
+                    </a:p>
+                  </a:txBody>
+                  <a:tcPr anchor="ctr"/>
+                </a:tc>
+                <a:extLst>
+                  <a:ext uri="{0D108BD9-81ED-4DB2-BD59-A6C34878D82A}">
+                    <a16:rowId xmlns:a16="http://schemas.microsoft.com/office/drawing/2014/main" val="4110381566"/>
+                  </a:ext>
+                </a:extLst>
+              </a:tr>
+              <a:tr h="372541">
+                <a:tc>
+                  <a:txBody>
+                    <a:bodyPr/>
+                    <a:lstStyle/>
+                    <a:p>
+                      <a:pPr algn="r" fontAlgn="ctr"/>
+                      <a:r>
+                        <a:rPr lang="en-GB" sz="2000" dirty="0">
+                          <a:effectLst/>
+                        </a:rPr>
+                        <a:t>7</a:t>
+                      </a:r>
+                    </a:p>
+                  </a:txBody>
+                  <a:tcPr anchor="ctr"/>
+                </a:tc>
+                <a:tc>
+                  <a:txBody>
+                    <a:bodyPr/>
+                    <a:lstStyle/>
+                    <a:p>
+                      <a:pPr algn="r" fontAlgn="ctr"/>
+                      <a:r>
+                        <a:rPr lang="en-GB" sz="2000" b="1" dirty="0">
+                          <a:effectLst/>
+                        </a:rPr>
+                        <a:t>welt</a:t>
+                      </a:r>
+                    </a:p>
+                  </a:txBody>
+                  <a:tcPr anchor="ctr"/>
+                </a:tc>
+                <a:extLst>
+                  <a:ext uri="{0D108BD9-81ED-4DB2-BD59-A6C34878D82A}">
+                    <a16:rowId xmlns:a16="http://schemas.microsoft.com/office/drawing/2014/main" val="1994907878"/>
+                  </a:ext>
+                </a:extLst>
+              </a:tr>
+              <a:tr h="372541">
+                <a:tc>
+                  <a:txBody>
+                    <a:bodyPr/>
+                    <a:lstStyle/>
+                    <a:p>
+                      <a:pPr algn="r" fontAlgn="ctr"/>
+                      <a:r>
+                        <a:rPr lang="en-GB" sz="2000" dirty="0">
+                          <a:effectLst/>
+                        </a:rPr>
+                        <a:t>8</a:t>
+                      </a:r>
+                    </a:p>
+                  </a:txBody>
+                  <a:tcPr anchor="ctr"/>
+                </a:tc>
+                <a:tc>
+                  <a:txBody>
+                    <a:bodyPr/>
+                    <a:lstStyle/>
+                    <a:p>
+                      <a:pPr algn="r" fontAlgn="ctr"/>
+                      <a:r>
+                        <a:rPr lang="en-GB" sz="2000" b="1" dirty="0" err="1">
+                          <a:effectLst/>
+                        </a:rPr>
+                        <a:t>mehr</a:t>
+                      </a:r>
+                      <a:endParaRPr lang="en-GB" sz="2000" b="1" dirty="0">
+                        <a:effectLst/>
+                      </a:endParaRPr>
+                    </a:p>
+                  </a:txBody>
+                  <a:tcPr anchor="ctr"/>
+                </a:tc>
+                <a:extLst>
+                  <a:ext uri="{0D108BD9-81ED-4DB2-BD59-A6C34878D82A}">
+                    <a16:rowId xmlns:a16="http://schemas.microsoft.com/office/drawing/2014/main" val="4066972660"/>
+                  </a:ext>
+                </a:extLst>
+              </a:tr>
+              <a:tr h="372541">
+                <a:tc>
+                  <a:txBody>
+                    <a:bodyPr/>
+                    <a:lstStyle/>
+                    <a:p>
+                      <a:pPr algn="r" fontAlgn="ctr"/>
+                      <a:r>
+                        <a:rPr lang="en-GB" sz="2000" dirty="0">
+                          <a:effectLst/>
+                        </a:rPr>
+                        <a:t>9</a:t>
+                      </a:r>
+                    </a:p>
+                  </a:txBody>
+                  <a:tcPr anchor="ctr"/>
+                </a:tc>
+                <a:tc>
+                  <a:txBody>
+                    <a:bodyPr/>
+                    <a:lstStyle/>
+                    <a:p>
+                      <a:pPr algn="r" fontAlgn="ctr"/>
+                      <a:r>
+                        <a:rPr lang="en-GB" sz="2000" b="1" dirty="0" err="1">
+                          <a:effectLst/>
+                        </a:rPr>
+                        <a:t>liebe</a:t>
+                      </a:r>
+                      <a:endParaRPr lang="en-GB" sz="2000" b="1" dirty="0">
+                        <a:effectLst/>
+                      </a:endParaRPr>
+                    </a:p>
+                  </a:txBody>
+                  <a:tcPr anchor="ctr"/>
+                </a:tc>
+                <a:extLst>
+                  <a:ext uri="{0D108BD9-81ED-4DB2-BD59-A6C34878D82A}">
+                    <a16:rowId xmlns:a16="http://schemas.microsoft.com/office/drawing/2014/main" val="3735258852"/>
+                  </a:ext>
+                </a:extLst>
+              </a:tr>
+              <a:tr h="372541">
+                <a:tc>
+                  <a:txBody>
+                    <a:bodyPr/>
+                    <a:lstStyle/>
+                    <a:p>
+                      <a:pPr algn="r" fontAlgn="ctr"/>
+                      <a:r>
+                        <a:rPr lang="en-GB" sz="2000" dirty="0">
+                          <a:effectLst/>
+                        </a:rPr>
+                        <a:t>10</a:t>
+                      </a:r>
+                    </a:p>
+                  </a:txBody>
+                  <a:tcPr anchor="ctr"/>
+                </a:tc>
+                <a:tc>
+                  <a:txBody>
+                    <a:bodyPr/>
+                    <a:lstStyle/>
+                    <a:p>
+                      <a:pPr algn="r" fontAlgn="ctr"/>
+                      <a:r>
+                        <a:rPr lang="en-GB" sz="2000" b="1" dirty="0" err="1">
+                          <a:effectLst/>
+                        </a:rPr>
+                        <a:t>geist</a:t>
+                      </a:r>
+                      <a:endParaRPr lang="en-GB" sz="2000" b="1" dirty="0">
+                        <a:effectLst/>
+                      </a:endParaRPr>
+                    </a:p>
+                  </a:txBody>
+                  <a:tcPr anchor="ctr"/>
+                </a:tc>
+                <a:extLst>
+                  <a:ext uri="{0D108BD9-81ED-4DB2-BD59-A6C34878D82A}">
+                    <a16:rowId xmlns:a16="http://schemas.microsoft.com/office/drawing/2014/main" val="4150905211"/>
+                  </a:ext>
+                </a:extLst>
+              </a:tr>
+            </a:tbl>
+          </a:graphicData>
+        </a:graphic>
+      </p:graphicFrame>
+      <p:sp>
+        <p:nvSpPr>
+          <p:cNvPr id="10" name="TextBox 9">
+            <a:extLst>
+              <a:ext uri="{FF2B5EF4-FFF2-40B4-BE49-F238E27FC236}">
+                <a16:creationId xmlns:a16="http://schemas.microsoft.com/office/drawing/2014/main" id="{9AEB8D37-2976-0D40-AA0E-017D0523F329}"/>
+              </a:ext>
+            </a:extLst>
+          </p:cNvPr>
+          <p:cNvSpPr txBox="1"/>
+          <p:nvPr/>
+        </p:nvSpPr>
+        <p:spPr>
+          <a:xfrm>
+            <a:off x="1263357" y="3885008"/>
+            <a:ext cx="2274982" cy="523220"/>
+          </a:xfrm>
+          <a:prstGeom prst="rect">
+            <a:avLst/>
+          </a:prstGeom>
+          <a:noFill/>
+        </p:spPr>
+        <p:txBody>
+          <a:bodyPr wrap="square" rtlCol="0">
+            <a:spAutoFit/>
+          </a:bodyPr>
+          <a:lstStyle/>
+          <a:p>
+            <a:r>
+              <a:rPr lang="de-DE" sz="2800" b="1" dirty="0"/>
+              <a:t>Cluster 1 </a:t>
+            </a:r>
+            <a:r>
+              <a:rPr lang="de-DE" sz="2800" b="1" dirty="0">
+                <a:sym typeface="Wingdings" pitchFamily="2" charset="2"/>
+              </a:rPr>
+              <a:t></a:t>
+            </a:r>
+            <a:r>
+              <a:rPr lang="de-DE" sz="2800" dirty="0">
+                <a:sym typeface="Wingdings" pitchFamily="2" charset="2"/>
+              </a:rPr>
+              <a:t> </a:t>
+            </a:r>
+            <a:endParaRPr lang="de-DE" sz="2800" dirty="0"/>
+          </a:p>
+        </p:txBody>
+      </p:sp>
+      <p:sp>
+        <p:nvSpPr>
+          <p:cNvPr id="11" name="TextBox 10">
+            <a:extLst>
+              <a:ext uri="{FF2B5EF4-FFF2-40B4-BE49-F238E27FC236}">
+                <a16:creationId xmlns:a16="http://schemas.microsoft.com/office/drawing/2014/main" id="{F18EA185-559F-9449-B2AC-904F7E8A6406}"/>
+              </a:ext>
+            </a:extLst>
+          </p:cNvPr>
+          <p:cNvSpPr txBox="1"/>
+          <p:nvPr/>
+        </p:nvSpPr>
+        <p:spPr>
+          <a:xfrm>
+            <a:off x="8685576" y="3885008"/>
+            <a:ext cx="3643305" cy="954107"/>
+          </a:xfrm>
+          <a:prstGeom prst="rect">
+            <a:avLst/>
+          </a:prstGeom>
+          <a:noFill/>
+        </p:spPr>
+        <p:txBody>
+          <a:bodyPr wrap="none" rtlCol="0">
+            <a:spAutoFit/>
+          </a:bodyPr>
+          <a:lstStyle/>
+          <a:p>
+            <a:pPr marL="457200" indent="-457200">
+              <a:buFont typeface="Wingdings" pitchFamily="2" charset="2"/>
+              <a:buChar char="ß"/>
+            </a:pPr>
+            <a:r>
+              <a:rPr lang="de-DE" sz="2800" b="1" dirty="0"/>
+              <a:t>Cluster 2</a:t>
+            </a:r>
+          </a:p>
+          <a:p>
+            <a:r>
+              <a:rPr lang="de-DE" sz="2800" i="1">
+                <a:sym typeface="Wingdings" pitchFamily="2" charset="2"/>
+              </a:rPr>
+              <a:t>	Frühaufklärung</a:t>
+            </a:r>
+            <a:r>
+              <a:rPr lang="de-DE" sz="2800">
+                <a:sym typeface="Wingdings" pitchFamily="2" charset="2"/>
+              </a:rPr>
+              <a:t> </a:t>
+            </a:r>
+            <a:endParaRPr lang="de-DE" sz="2800" dirty="0"/>
+          </a:p>
+        </p:txBody>
+      </p:sp>
+      <p:cxnSp>
+        <p:nvCxnSpPr>
+          <p:cNvPr id="13" name="Straight Connector 12">
+            <a:extLst>
+              <a:ext uri="{FF2B5EF4-FFF2-40B4-BE49-F238E27FC236}">
+                <a16:creationId xmlns:a16="http://schemas.microsoft.com/office/drawing/2014/main" id="{83957141-3784-B844-8FB9-7E0E6A2BD133}"/>
+              </a:ext>
+            </a:extLst>
+          </p:cNvPr>
+          <p:cNvCxnSpPr>
+            <a:cxnSpLocks/>
+          </p:cNvCxnSpPr>
+          <p:nvPr/>
+        </p:nvCxnSpPr>
+        <p:spPr>
+          <a:xfrm>
+            <a:off x="6091237" y="2122228"/>
+            <a:ext cx="0" cy="4572000"/>
+          </a:xfrm>
+          <a:prstGeom prst="line">
+            <a:avLst/>
+          </a:prstGeom>
+          <a:ln w="19050"/>
+        </p:spPr>
+        <p:style>
+          <a:lnRef idx="1">
+            <a:schemeClr val="dk1"/>
+          </a:lnRef>
+          <a:fillRef idx="0">
+            <a:schemeClr val="dk1"/>
+          </a:fillRef>
+          <a:effectRef idx="0">
+            <a:schemeClr val="dk1"/>
+          </a:effectRef>
+          <a:fontRef idx="minor">
+            <a:schemeClr val="tx1"/>
+          </a:fontRef>
+        </p:style>
+      </p:cxnSp>
+    </p:spTree>
+    <p:extLst>
+      <p:ext uri="{BB962C8B-B14F-4D97-AF65-F5344CB8AC3E}">
+        <p14:creationId xmlns:p14="http://schemas.microsoft.com/office/powerpoint/2010/main" val="3138857705"/>
+      </p:ext>
+    </p:extLst>
+  </p:cSld>
+  <p:clrMapOvr>
+    <a:masterClrMapping/>
+  </p:clrMapOvr>
+</p:sld>
+</file>
+
+<file path=ppt/slides/slide21.xml><?xml version="1.0" encoding="utf-8"?>
+<p:sld xmlns:a="http://schemas.openxmlformats.org/drawingml/2006/main" xmlns:r="http://schemas.openxmlformats.org/officeDocument/2006/relationships" xmlns:p="http://schemas.openxmlformats.org/presentationml/2006/main" show="0">
+  <p:cSld>
+    <p:spTree>
+      <p:nvGrpSpPr>
+        <p:cNvPr id="1" name=""/>
+        <p:cNvGrpSpPr/>
+        <p:nvPr/>
+      </p:nvGrpSpPr>
+      <p:grpSpPr>
+        <a:xfrm>
+          <a:off x="0" y="0"/>
+          <a:ext cx="0" cy="0"/>
+          <a:chOff x="0" y="0"/>
+          <a:chExt cx="0" cy="0"/>
+        </a:xfrm>
+      </p:grpSpPr>
+      <p:sp>
+        <p:nvSpPr>
+          <p:cNvPr id="5" name="Title 4">
+            <a:extLst>
+              <a:ext uri="{FF2B5EF4-FFF2-40B4-BE49-F238E27FC236}">
+                <a16:creationId xmlns:a16="http://schemas.microsoft.com/office/drawing/2014/main" id="{9E70DB90-324C-D04B-8F51-5DB32ADB443C}"/>
+              </a:ext>
+            </a:extLst>
+          </p:cNvPr>
+          <p:cNvSpPr>
+            <a:spLocks noGrp="1"/>
+          </p:cNvSpPr>
+          <p:nvPr>
+            <p:ph type="title"/>
+          </p:nvPr>
+        </p:nvSpPr>
+        <p:spPr/>
+        <p:txBody>
+          <a:bodyPr>
+            <a:normAutofit fontScale="90000"/>
+          </a:bodyPr>
+          <a:lstStyle/>
+          <a:p>
+            <a:r>
+              <a:rPr lang="de-DE" b="1" dirty="0"/>
+              <a:t>K-</a:t>
+            </a:r>
+            <a:r>
+              <a:rPr lang="de-DE" b="1" dirty="0" err="1"/>
+              <a:t>Means</a:t>
+            </a:r>
+            <a:r>
+              <a:rPr lang="de-DE" b="1" dirty="0"/>
+              <a:t> () </a:t>
+            </a:r>
+            <a:br>
+              <a:rPr lang="de-DE" b="1" dirty="0"/>
+            </a:br>
+            <a:r>
+              <a:rPr lang="de-DE" dirty="0"/>
+              <a:t>Top Worte der besten drei </a:t>
+            </a:r>
+            <a:r>
+              <a:rPr lang="de-DE" dirty="0" err="1"/>
+              <a:t>Clusterings</a:t>
+            </a:r>
+            <a:endParaRPr lang="de-DE" dirty="0"/>
+          </a:p>
+        </p:txBody>
+      </p:sp>
+      <p:graphicFrame>
+        <p:nvGraphicFramePr>
+          <p:cNvPr id="4" name="Content Placeholder 3">
+            <a:extLst>
+              <a:ext uri="{FF2B5EF4-FFF2-40B4-BE49-F238E27FC236}">
+                <a16:creationId xmlns:a16="http://schemas.microsoft.com/office/drawing/2014/main" id="{AF660BFF-771B-1C49-87CA-2E80B36FD37A}"/>
+              </a:ext>
+            </a:extLst>
+          </p:cNvPr>
+          <p:cNvGraphicFramePr>
+            <a:graphicFrameLocks noGrp="1"/>
+          </p:cNvGraphicFramePr>
+          <p:nvPr>
+            <p:ph sz="half" idx="1"/>
+          </p:nvPr>
+        </p:nvGraphicFramePr>
+        <p:xfrm>
+          <a:off x="2837117" y="2311421"/>
+          <a:ext cx="2674938" cy="4194811"/>
+        </p:xfrm>
+        <a:graphic>
+          <a:graphicData uri="http://schemas.openxmlformats.org/drawingml/2006/table">
+            <a:tbl>
+              <a:tblPr firstRow="1" bandRow="1">
+                <a:tableStyleId>{5C22544A-7EE6-4342-B048-85BDC9FD1C3A}</a:tableStyleId>
+              </a:tblPr>
+              <a:tblGrid>
+                <a:gridCol w="1214438">
+                  <a:extLst>
+                    <a:ext uri="{9D8B030D-6E8A-4147-A177-3AD203B41FA5}">
+                      <a16:colId xmlns:a16="http://schemas.microsoft.com/office/drawing/2014/main" val="828020163"/>
+                    </a:ext>
+                  </a:extLst>
+                </a:gridCol>
+                <a:gridCol w="1460500">
+                  <a:extLst>
+                    <a:ext uri="{9D8B030D-6E8A-4147-A177-3AD203B41FA5}">
+                      <a16:colId xmlns:a16="http://schemas.microsoft.com/office/drawing/2014/main" val="197724987"/>
+                    </a:ext>
+                  </a:extLst>
+                </a:gridCol>
+              </a:tblGrid>
+              <a:tr h="491491">
+                <a:tc>
+                  <a:txBody>
+                    <a:bodyPr/>
+                    <a:lstStyle/>
+                    <a:p>
+                      <a:pPr algn="r" fontAlgn="ctr"/>
+                      <a:r>
+                        <a:rPr lang="en-GB" b="1" dirty="0">
+                          <a:effectLst/>
+                        </a:rPr>
+                        <a:t>Wort</a:t>
+                      </a:r>
+                    </a:p>
+                  </a:txBody>
+                  <a:tcPr anchor="ctr"/>
+                </a:tc>
+                <a:tc>
+                  <a:txBody>
+                    <a:bodyPr/>
+                    <a:lstStyle/>
+                    <a:p>
+                      <a:pPr algn="r"/>
+                      <a:r>
+                        <a:rPr lang="en-GB" b="1" dirty="0" err="1">
+                          <a:effectLst/>
+                        </a:rPr>
+                        <a:t>Häufigkeit</a:t>
+                      </a:r>
+                      <a:endParaRPr lang="de-DE" dirty="0"/>
+                    </a:p>
+                  </a:txBody>
+                  <a:tcPr anchor="ctr"/>
+                </a:tc>
+                <a:extLst>
+                  <a:ext uri="{0D108BD9-81ED-4DB2-BD59-A6C34878D82A}">
+                    <a16:rowId xmlns:a16="http://schemas.microsoft.com/office/drawing/2014/main" val="3481616388"/>
+                  </a:ext>
+                </a:extLst>
+              </a:tr>
+              <a:tr h="0">
+                <a:tc>
+                  <a:txBody>
+                    <a:bodyPr/>
+                    <a:lstStyle/>
+                    <a:p>
+                      <a:pPr algn="r" fontAlgn="ctr"/>
+                      <a:r>
+                        <a:rPr lang="en-GB">
+                          <a:effectLst/>
+                        </a:rPr>
+                        <a:t>gott</a:t>
+                      </a:r>
+                    </a:p>
+                  </a:txBody>
+                  <a:tcPr anchor="ctr"/>
+                </a:tc>
+                <a:tc>
+                  <a:txBody>
+                    <a:bodyPr/>
+                    <a:lstStyle/>
+                    <a:p>
+                      <a:pPr algn="r" fontAlgn="ctr"/>
+                      <a:r>
+                        <a:rPr lang="en-DE">
+                          <a:effectLst/>
+                        </a:rPr>
+                        <a:t>3</a:t>
+                      </a:r>
+                    </a:p>
+                  </a:txBody>
+                  <a:tcPr anchor="ctr"/>
+                </a:tc>
+                <a:extLst>
+                  <a:ext uri="{0D108BD9-81ED-4DB2-BD59-A6C34878D82A}">
+                    <a16:rowId xmlns:a16="http://schemas.microsoft.com/office/drawing/2014/main" val="2792915004"/>
+                  </a:ext>
+                </a:extLst>
+              </a:tr>
+              <a:tr h="370840">
+                <a:tc>
+                  <a:txBody>
+                    <a:bodyPr/>
+                    <a:lstStyle/>
+                    <a:p>
+                      <a:pPr algn="r" fontAlgn="ctr"/>
+                      <a:r>
+                        <a:rPr lang="en-GB">
+                          <a:effectLst/>
+                        </a:rPr>
+                        <a:t>herz</a:t>
+                      </a:r>
+                    </a:p>
+                  </a:txBody>
+                  <a:tcPr anchor="ctr"/>
+                </a:tc>
+                <a:tc>
+                  <a:txBody>
+                    <a:bodyPr/>
+                    <a:lstStyle/>
+                    <a:p>
+                      <a:pPr algn="r" fontAlgn="ctr"/>
+                      <a:r>
+                        <a:rPr lang="en-DE">
+                          <a:effectLst/>
+                        </a:rPr>
+                        <a:t>3</a:t>
+                      </a:r>
+                    </a:p>
+                  </a:txBody>
+                  <a:tcPr anchor="ctr"/>
+                </a:tc>
+                <a:extLst>
+                  <a:ext uri="{0D108BD9-81ED-4DB2-BD59-A6C34878D82A}">
+                    <a16:rowId xmlns:a16="http://schemas.microsoft.com/office/drawing/2014/main" val="2852790106"/>
+                  </a:ext>
+                </a:extLst>
+              </a:tr>
+              <a:tr h="370840">
+                <a:tc>
+                  <a:txBody>
+                    <a:bodyPr/>
+                    <a:lstStyle/>
+                    <a:p>
+                      <a:pPr algn="r" fontAlgn="ctr"/>
+                      <a:r>
+                        <a:rPr lang="en-GB">
+                          <a:effectLst/>
+                        </a:rPr>
+                        <a:t>wer</a:t>
+                      </a:r>
+                    </a:p>
+                  </a:txBody>
+                  <a:tcPr anchor="ctr"/>
+                </a:tc>
+                <a:tc>
+                  <a:txBody>
+                    <a:bodyPr/>
+                    <a:lstStyle/>
+                    <a:p>
+                      <a:pPr algn="r" fontAlgn="ctr"/>
+                      <a:r>
+                        <a:rPr lang="en-DE">
+                          <a:effectLst/>
+                        </a:rPr>
+                        <a:t>3</a:t>
+                      </a:r>
+                    </a:p>
+                  </a:txBody>
+                  <a:tcPr anchor="ctr"/>
+                </a:tc>
+                <a:extLst>
+                  <a:ext uri="{0D108BD9-81ED-4DB2-BD59-A6C34878D82A}">
+                    <a16:rowId xmlns:a16="http://schemas.microsoft.com/office/drawing/2014/main" val="1175727658"/>
+                  </a:ext>
+                </a:extLst>
+              </a:tr>
+              <a:tr h="370840">
+                <a:tc>
+                  <a:txBody>
+                    <a:bodyPr/>
+                    <a:lstStyle/>
+                    <a:p>
+                      <a:pPr algn="r" fontAlgn="ctr"/>
+                      <a:r>
+                        <a:rPr lang="en-GB">
+                          <a:effectLst/>
+                        </a:rPr>
+                        <a:t>liebe</a:t>
+                      </a:r>
+                    </a:p>
+                  </a:txBody>
+                  <a:tcPr anchor="ctr"/>
+                </a:tc>
+                <a:tc>
+                  <a:txBody>
+                    <a:bodyPr/>
+                    <a:lstStyle/>
+                    <a:p>
+                      <a:pPr algn="r" fontAlgn="ctr"/>
+                      <a:r>
+                        <a:rPr lang="en-DE">
+                          <a:effectLst/>
+                        </a:rPr>
+                        <a:t>3</a:t>
+                      </a:r>
+                    </a:p>
+                  </a:txBody>
+                  <a:tcPr anchor="ctr"/>
+                </a:tc>
+                <a:extLst>
+                  <a:ext uri="{0D108BD9-81ED-4DB2-BD59-A6C34878D82A}">
+                    <a16:rowId xmlns:a16="http://schemas.microsoft.com/office/drawing/2014/main" val="1889070841"/>
+                  </a:ext>
+                </a:extLst>
+              </a:tr>
+              <a:tr h="370840">
+                <a:tc>
+                  <a:txBody>
+                    <a:bodyPr/>
+                    <a:lstStyle/>
+                    <a:p>
+                      <a:pPr algn="r" fontAlgn="ctr"/>
+                      <a:r>
+                        <a:rPr lang="en-GB">
+                          <a:effectLst/>
+                        </a:rPr>
+                        <a:t>leben</a:t>
+                      </a:r>
+                    </a:p>
+                  </a:txBody>
+                  <a:tcPr anchor="ctr"/>
+                </a:tc>
+                <a:tc>
+                  <a:txBody>
+                    <a:bodyPr/>
+                    <a:lstStyle/>
+                    <a:p>
+                      <a:pPr algn="r" fontAlgn="ctr"/>
+                      <a:r>
+                        <a:rPr lang="en-DE" dirty="0">
+                          <a:effectLst/>
+                        </a:rPr>
+                        <a:t>3</a:t>
+                      </a:r>
+                    </a:p>
+                  </a:txBody>
+                  <a:tcPr anchor="ctr"/>
+                </a:tc>
+                <a:extLst>
+                  <a:ext uri="{0D108BD9-81ED-4DB2-BD59-A6C34878D82A}">
+                    <a16:rowId xmlns:a16="http://schemas.microsoft.com/office/drawing/2014/main" val="2476718903"/>
+                  </a:ext>
+                </a:extLst>
+              </a:tr>
+              <a:tr h="370840">
+                <a:tc>
+                  <a:txBody>
+                    <a:bodyPr/>
+                    <a:lstStyle/>
+                    <a:p>
+                      <a:pPr algn="r" fontAlgn="ctr"/>
+                      <a:r>
+                        <a:rPr lang="en-GB" dirty="0" err="1">
+                          <a:effectLst/>
+                        </a:rPr>
+                        <a:t>schon</a:t>
+                      </a:r>
+                      <a:endParaRPr lang="en-GB" dirty="0">
+                        <a:effectLst/>
+                      </a:endParaRPr>
+                    </a:p>
+                  </a:txBody>
+                  <a:tcPr anchor="ctr"/>
+                </a:tc>
+                <a:tc>
+                  <a:txBody>
+                    <a:bodyPr/>
+                    <a:lstStyle/>
+                    <a:p>
+                      <a:pPr algn="r" fontAlgn="ctr"/>
+                      <a:r>
+                        <a:rPr lang="en-DE" dirty="0">
+                          <a:effectLst/>
+                        </a:rPr>
+                        <a:t>3</a:t>
+                      </a:r>
+                    </a:p>
+                  </a:txBody>
+                  <a:tcPr anchor="ctr"/>
+                </a:tc>
+                <a:extLst>
+                  <a:ext uri="{0D108BD9-81ED-4DB2-BD59-A6C34878D82A}">
+                    <a16:rowId xmlns:a16="http://schemas.microsoft.com/office/drawing/2014/main" val="3357551232"/>
+                  </a:ext>
+                </a:extLst>
+              </a:tr>
+              <a:tr h="370840">
+                <a:tc>
+                  <a:txBody>
+                    <a:bodyPr/>
+                    <a:lstStyle/>
+                    <a:p>
+                      <a:pPr algn="r" fontAlgn="ctr"/>
+                      <a:r>
+                        <a:rPr lang="en-GB">
+                          <a:effectLst/>
+                        </a:rPr>
+                        <a:t>mehr</a:t>
+                      </a:r>
+                    </a:p>
+                  </a:txBody>
+                  <a:tcPr anchor="ctr"/>
+                </a:tc>
+                <a:tc>
+                  <a:txBody>
+                    <a:bodyPr/>
+                    <a:lstStyle/>
+                    <a:p>
+                      <a:pPr algn="r" fontAlgn="ctr"/>
+                      <a:r>
+                        <a:rPr lang="en-DE">
+                          <a:effectLst/>
+                        </a:rPr>
+                        <a:t>3</a:t>
+                      </a:r>
+                    </a:p>
+                  </a:txBody>
+                  <a:tcPr anchor="ctr"/>
+                </a:tc>
+                <a:extLst>
+                  <a:ext uri="{0D108BD9-81ED-4DB2-BD59-A6C34878D82A}">
+                    <a16:rowId xmlns:a16="http://schemas.microsoft.com/office/drawing/2014/main" val="29535288"/>
+                  </a:ext>
+                </a:extLst>
+              </a:tr>
+              <a:tr h="370840">
+                <a:tc>
+                  <a:txBody>
+                    <a:bodyPr/>
+                    <a:lstStyle/>
+                    <a:p>
+                      <a:pPr algn="r" fontAlgn="ctr"/>
+                      <a:r>
+                        <a:rPr lang="en-GB">
+                          <a:effectLst/>
+                        </a:rPr>
+                        <a:t>welt</a:t>
+                      </a:r>
+                    </a:p>
+                  </a:txBody>
+                  <a:tcPr anchor="ctr"/>
+                </a:tc>
+                <a:tc>
+                  <a:txBody>
+                    <a:bodyPr/>
+                    <a:lstStyle/>
+                    <a:p>
+                      <a:pPr algn="r" fontAlgn="ctr"/>
+                      <a:r>
+                        <a:rPr lang="en-DE">
+                          <a:effectLst/>
+                        </a:rPr>
+                        <a:t>2</a:t>
+                      </a:r>
+                    </a:p>
+                  </a:txBody>
+                  <a:tcPr anchor="ctr"/>
+                </a:tc>
+                <a:extLst>
+                  <a:ext uri="{0D108BD9-81ED-4DB2-BD59-A6C34878D82A}">
+                    <a16:rowId xmlns:a16="http://schemas.microsoft.com/office/drawing/2014/main" val="1684373794"/>
+                  </a:ext>
+                </a:extLst>
+              </a:tr>
+              <a:tr h="370840">
+                <a:tc>
+                  <a:txBody>
+                    <a:bodyPr/>
+                    <a:lstStyle/>
+                    <a:p>
+                      <a:pPr algn="r" fontAlgn="ctr"/>
+                      <a:r>
+                        <a:rPr lang="en-GB">
+                          <a:effectLst/>
+                        </a:rPr>
+                        <a:t>wohl</a:t>
+                      </a:r>
+                    </a:p>
+                  </a:txBody>
+                  <a:tcPr anchor="ctr"/>
+                </a:tc>
+                <a:tc>
+                  <a:txBody>
+                    <a:bodyPr/>
+                    <a:lstStyle/>
+                    <a:p>
+                      <a:pPr algn="r" fontAlgn="ctr"/>
+                      <a:r>
+                        <a:rPr lang="en-DE">
+                          <a:effectLst/>
+                        </a:rPr>
+                        <a:t>2</a:t>
+                      </a:r>
+                    </a:p>
+                  </a:txBody>
+                  <a:tcPr anchor="ctr"/>
+                </a:tc>
+                <a:extLst>
+                  <a:ext uri="{0D108BD9-81ED-4DB2-BD59-A6C34878D82A}">
+                    <a16:rowId xmlns:a16="http://schemas.microsoft.com/office/drawing/2014/main" val="2838643809"/>
+                  </a:ext>
+                </a:extLst>
+              </a:tr>
+              <a:tr h="370840">
+                <a:tc>
+                  <a:txBody>
+                    <a:bodyPr/>
+                    <a:lstStyle/>
+                    <a:p>
+                      <a:pPr algn="r" fontAlgn="ctr"/>
+                      <a:r>
+                        <a:rPr lang="en-GB" dirty="0">
+                          <a:effectLst/>
+                        </a:rPr>
+                        <a:t>sei</a:t>
+                      </a:r>
+                    </a:p>
+                  </a:txBody>
+                  <a:tcPr anchor="ctr"/>
+                </a:tc>
+                <a:tc>
+                  <a:txBody>
+                    <a:bodyPr/>
+                    <a:lstStyle/>
+                    <a:p>
+                      <a:pPr algn="r" fontAlgn="ctr"/>
+                      <a:r>
+                        <a:rPr lang="en-DE" dirty="0">
+                          <a:effectLst/>
+                        </a:rPr>
+                        <a:t>1</a:t>
+                      </a:r>
+                    </a:p>
+                  </a:txBody>
+                  <a:tcPr anchor="ctr"/>
+                </a:tc>
+                <a:extLst>
+                  <a:ext uri="{0D108BD9-81ED-4DB2-BD59-A6C34878D82A}">
+                    <a16:rowId xmlns:a16="http://schemas.microsoft.com/office/drawing/2014/main" val="2117342910"/>
+                  </a:ext>
+                </a:extLst>
+              </a:tr>
+            </a:tbl>
+          </a:graphicData>
+        </a:graphic>
+      </p:graphicFrame>
+      <p:graphicFrame>
+        <p:nvGraphicFramePr>
+          <p:cNvPr id="9" name="Content Placeholder 8">
+            <a:extLst>
+              <a:ext uri="{FF2B5EF4-FFF2-40B4-BE49-F238E27FC236}">
+                <a16:creationId xmlns:a16="http://schemas.microsoft.com/office/drawing/2014/main" id="{5ED111C9-A792-2C46-9D1C-87BF36A15CB0}"/>
+              </a:ext>
+            </a:extLst>
+          </p:cNvPr>
+          <p:cNvGraphicFramePr>
+            <a:graphicFrameLocks noGrp="1"/>
+          </p:cNvGraphicFramePr>
+          <p:nvPr>
+            <p:ph sz="half" idx="2"/>
+          </p:nvPr>
+        </p:nvGraphicFramePr>
+        <p:xfrm>
+          <a:off x="6679945" y="2311421"/>
+          <a:ext cx="2674938" cy="4194806"/>
+        </p:xfrm>
+        <a:graphic>
+          <a:graphicData uri="http://schemas.openxmlformats.org/drawingml/2006/table">
+            <a:tbl>
+              <a:tblPr firstRow="1" bandRow="1">
+                <a:tableStyleId>{5C22544A-7EE6-4342-B048-85BDC9FD1C3A}</a:tableStyleId>
+              </a:tblPr>
+              <a:tblGrid>
+                <a:gridCol w="1141413">
+                  <a:extLst>
+                    <a:ext uri="{9D8B030D-6E8A-4147-A177-3AD203B41FA5}">
+                      <a16:colId xmlns:a16="http://schemas.microsoft.com/office/drawing/2014/main" val="3407045452"/>
+                    </a:ext>
+                  </a:extLst>
+                </a:gridCol>
+                <a:gridCol w="1533525">
+                  <a:extLst>
+                    <a:ext uri="{9D8B030D-6E8A-4147-A177-3AD203B41FA5}">
+                      <a16:colId xmlns:a16="http://schemas.microsoft.com/office/drawing/2014/main" val="394869490"/>
+                    </a:ext>
+                  </a:extLst>
+                </a:gridCol>
+              </a:tblGrid>
+              <a:tr h="381346">
+                <a:tc>
+                  <a:txBody>
+                    <a:bodyPr/>
+                    <a:lstStyle/>
+                    <a:p>
+                      <a:pPr algn="r" fontAlgn="ctr"/>
+                      <a:r>
+                        <a:rPr lang="en-GB" b="1" dirty="0">
+                          <a:effectLst/>
+                        </a:rPr>
+                        <a:t>Wort</a:t>
+                      </a:r>
+                    </a:p>
+                  </a:txBody>
+                  <a:tcPr anchor="ctr"/>
+                </a:tc>
+                <a:tc>
+                  <a:txBody>
+                    <a:bodyPr/>
+                    <a:lstStyle/>
+                    <a:p>
+                      <a:pPr algn="r"/>
+                      <a:r>
+                        <a:rPr lang="en-GB" b="1" dirty="0" err="1">
+                          <a:effectLst/>
+                        </a:rPr>
+                        <a:t>Häufigkeit</a:t>
+                      </a:r>
+                      <a:endParaRPr lang="de-DE" dirty="0"/>
+                    </a:p>
+                  </a:txBody>
+                  <a:tcPr anchor="ctr"/>
+                </a:tc>
+                <a:extLst>
+                  <a:ext uri="{0D108BD9-81ED-4DB2-BD59-A6C34878D82A}">
+                    <a16:rowId xmlns:a16="http://schemas.microsoft.com/office/drawing/2014/main" val="3259271182"/>
+                  </a:ext>
+                </a:extLst>
+              </a:tr>
+              <a:tr h="381346">
+                <a:tc>
+                  <a:txBody>
+                    <a:bodyPr/>
+                    <a:lstStyle/>
+                    <a:p>
+                      <a:pPr algn="r" fontAlgn="ctr"/>
+                      <a:r>
+                        <a:rPr lang="en-GB">
+                          <a:effectLst/>
+                        </a:rPr>
+                        <a:t>bey</a:t>
+                      </a:r>
+                    </a:p>
+                  </a:txBody>
+                  <a:tcPr anchor="ctr"/>
+                </a:tc>
+                <a:tc>
+                  <a:txBody>
+                    <a:bodyPr/>
+                    <a:lstStyle/>
+                    <a:p>
+                      <a:pPr algn="r" fontAlgn="ctr"/>
+                      <a:r>
+                        <a:rPr lang="en-DE" dirty="0">
+                          <a:effectLst/>
+                        </a:rPr>
+                        <a:t>3</a:t>
+                      </a:r>
+                    </a:p>
+                  </a:txBody>
+                  <a:tcPr anchor="ctr"/>
+                </a:tc>
+                <a:extLst>
+                  <a:ext uri="{0D108BD9-81ED-4DB2-BD59-A6C34878D82A}">
+                    <a16:rowId xmlns:a16="http://schemas.microsoft.com/office/drawing/2014/main" val="169262451"/>
+                  </a:ext>
+                </a:extLst>
+              </a:tr>
+              <a:tr h="381346">
+                <a:tc>
+                  <a:txBody>
+                    <a:bodyPr/>
+                    <a:lstStyle/>
+                    <a:p>
+                      <a:pPr algn="r" fontAlgn="ctr"/>
+                      <a:r>
+                        <a:rPr lang="en-GB">
+                          <a:effectLst/>
+                        </a:rPr>
+                        <a:t>kan</a:t>
+                      </a:r>
+                    </a:p>
+                  </a:txBody>
+                  <a:tcPr anchor="ctr"/>
+                </a:tc>
+                <a:tc>
+                  <a:txBody>
+                    <a:bodyPr/>
+                    <a:lstStyle/>
+                    <a:p>
+                      <a:pPr algn="r" fontAlgn="ctr"/>
+                      <a:r>
+                        <a:rPr lang="en-DE" dirty="0">
+                          <a:effectLst/>
+                        </a:rPr>
+                        <a:t>3</a:t>
+                      </a:r>
+                    </a:p>
+                  </a:txBody>
+                  <a:tcPr anchor="ctr"/>
+                </a:tc>
+                <a:extLst>
+                  <a:ext uri="{0D108BD9-81ED-4DB2-BD59-A6C34878D82A}">
+                    <a16:rowId xmlns:a16="http://schemas.microsoft.com/office/drawing/2014/main" val="284791471"/>
+                  </a:ext>
+                </a:extLst>
+              </a:tr>
+              <a:tr h="381346">
+                <a:tc>
+                  <a:txBody>
+                    <a:bodyPr/>
+                    <a:lstStyle/>
+                    <a:p>
+                      <a:pPr algn="r" fontAlgn="ctr"/>
+                      <a:r>
+                        <a:rPr lang="en-GB">
+                          <a:effectLst/>
+                        </a:rPr>
+                        <a:t>seyn</a:t>
+                      </a:r>
+                    </a:p>
+                  </a:txBody>
+                  <a:tcPr anchor="ctr"/>
+                </a:tc>
+                <a:tc>
+                  <a:txBody>
+                    <a:bodyPr/>
+                    <a:lstStyle/>
+                    <a:p>
+                      <a:pPr algn="r" fontAlgn="ctr"/>
+                      <a:r>
+                        <a:rPr lang="en-DE" dirty="0">
+                          <a:effectLst/>
+                        </a:rPr>
+                        <a:t>3</a:t>
+                      </a:r>
+                    </a:p>
+                  </a:txBody>
+                  <a:tcPr anchor="ctr"/>
+                </a:tc>
+                <a:extLst>
+                  <a:ext uri="{0D108BD9-81ED-4DB2-BD59-A6C34878D82A}">
+                    <a16:rowId xmlns:a16="http://schemas.microsoft.com/office/drawing/2014/main" val="4273658704"/>
+                  </a:ext>
+                </a:extLst>
+              </a:tr>
+              <a:tr h="381346">
+                <a:tc>
+                  <a:txBody>
+                    <a:bodyPr/>
+                    <a:lstStyle/>
+                    <a:p>
+                      <a:pPr algn="r" fontAlgn="ctr"/>
+                      <a:r>
+                        <a:rPr lang="en-GB">
+                          <a:effectLst/>
+                        </a:rPr>
+                        <a:t>muß</a:t>
+                      </a:r>
+                    </a:p>
+                  </a:txBody>
+                  <a:tcPr anchor="ctr"/>
+                </a:tc>
+                <a:tc>
+                  <a:txBody>
+                    <a:bodyPr/>
+                    <a:lstStyle/>
+                    <a:p>
+                      <a:pPr algn="r" fontAlgn="ctr"/>
+                      <a:r>
+                        <a:rPr lang="en-DE" dirty="0">
+                          <a:effectLst/>
+                        </a:rPr>
+                        <a:t>3</a:t>
+                      </a:r>
+                    </a:p>
+                  </a:txBody>
+                  <a:tcPr anchor="ctr"/>
+                </a:tc>
+                <a:extLst>
+                  <a:ext uri="{0D108BD9-81ED-4DB2-BD59-A6C34878D82A}">
+                    <a16:rowId xmlns:a16="http://schemas.microsoft.com/office/drawing/2014/main" val="2181116311"/>
+                  </a:ext>
+                </a:extLst>
+              </a:tr>
+              <a:tr h="381346">
+                <a:tc>
+                  <a:txBody>
+                    <a:bodyPr/>
+                    <a:lstStyle/>
+                    <a:p>
+                      <a:pPr algn="r" fontAlgn="ctr"/>
+                      <a:r>
+                        <a:rPr lang="en-GB">
+                          <a:effectLst/>
+                        </a:rPr>
+                        <a:t>ach</a:t>
+                      </a:r>
+                    </a:p>
+                  </a:txBody>
+                  <a:tcPr anchor="ctr"/>
+                </a:tc>
+                <a:tc>
+                  <a:txBody>
+                    <a:bodyPr/>
+                    <a:lstStyle/>
+                    <a:p>
+                      <a:pPr algn="r" fontAlgn="ctr"/>
+                      <a:r>
+                        <a:rPr lang="en-DE" dirty="0">
+                          <a:effectLst/>
+                        </a:rPr>
+                        <a:t>3</a:t>
+                      </a:r>
+                    </a:p>
+                  </a:txBody>
+                  <a:tcPr anchor="ctr"/>
+                </a:tc>
+                <a:extLst>
+                  <a:ext uri="{0D108BD9-81ED-4DB2-BD59-A6C34878D82A}">
+                    <a16:rowId xmlns:a16="http://schemas.microsoft.com/office/drawing/2014/main" val="3915005305"/>
+                  </a:ext>
+                </a:extLst>
+              </a:tr>
+              <a:tr h="381346">
+                <a:tc>
+                  <a:txBody>
+                    <a:bodyPr/>
+                    <a:lstStyle/>
+                    <a:p>
+                      <a:pPr algn="r" fontAlgn="ctr"/>
+                      <a:r>
+                        <a:rPr lang="en-GB">
+                          <a:effectLst/>
+                        </a:rPr>
+                        <a:t>welt</a:t>
+                      </a:r>
+                    </a:p>
+                  </a:txBody>
+                  <a:tcPr anchor="ctr"/>
+                </a:tc>
+                <a:tc>
+                  <a:txBody>
+                    <a:bodyPr/>
+                    <a:lstStyle/>
+                    <a:p>
+                      <a:pPr algn="r" fontAlgn="ctr"/>
+                      <a:r>
+                        <a:rPr lang="en-DE" dirty="0">
+                          <a:effectLst/>
+                        </a:rPr>
+                        <a:t>3</a:t>
+                      </a:r>
+                    </a:p>
+                  </a:txBody>
+                  <a:tcPr anchor="ctr"/>
+                </a:tc>
+                <a:extLst>
+                  <a:ext uri="{0D108BD9-81ED-4DB2-BD59-A6C34878D82A}">
+                    <a16:rowId xmlns:a16="http://schemas.microsoft.com/office/drawing/2014/main" val="4110381566"/>
+                  </a:ext>
+                </a:extLst>
+              </a:tr>
+              <a:tr h="381346">
+                <a:tc>
+                  <a:txBody>
+                    <a:bodyPr/>
+                    <a:lstStyle/>
+                    <a:p>
+                      <a:pPr algn="r" fontAlgn="ctr"/>
+                      <a:r>
+                        <a:rPr lang="en-GB">
+                          <a:effectLst/>
+                        </a:rPr>
+                        <a:t>jch</a:t>
+                      </a:r>
+                    </a:p>
+                  </a:txBody>
+                  <a:tcPr anchor="ctr"/>
+                </a:tc>
+                <a:tc>
+                  <a:txBody>
+                    <a:bodyPr/>
+                    <a:lstStyle/>
+                    <a:p>
+                      <a:pPr algn="r" fontAlgn="ctr"/>
+                      <a:r>
+                        <a:rPr lang="en-DE" dirty="0">
+                          <a:effectLst/>
+                        </a:rPr>
+                        <a:t>2</a:t>
+                      </a:r>
+                    </a:p>
+                  </a:txBody>
+                  <a:tcPr anchor="ctr"/>
+                </a:tc>
+                <a:extLst>
+                  <a:ext uri="{0D108BD9-81ED-4DB2-BD59-A6C34878D82A}">
+                    <a16:rowId xmlns:a16="http://schemas.microsoft.com/office/drawing/2014/main" val="1994907878"/>
+                  </a:ext>
+                </a:extLst>
+              </a:tr>
+              <a:tr h="381346">
+                <a:tc>
+                  <a:txBody>
+                    <a:bodyPr/>
+                    <a:lstStyle/>
+                    <a:p>
+                      <a:pPr algn="r" fontAlgn="ctr"/>
+                      <a:r>
+                        <a:rPr lang="en-GB">
+                          <a:effectLst/>
+                        </a:rPr>
+                        <a:t>jn</a:t>
+                      </a:r>
+                    </a:p>
+                  </a:txBody>
+                  <a:tcPr anchor="ctr"/>
+                </a:tc>
+                <a:tc>
+                  <a:txBody>
+                    <a:bodyPr/>
+                    <a:lstStyle/>
+                    <a:p>
+                      <a:pPr algn="r" fontAlgn="ctr"/>
+                      <a:r>
+                        <a:rPr lang="en-DE" dirty="0">
+                          <a:effectLst/>
+                        </a:rPr>
+                        <a:t>2</a:t>
+                      </a:r>
+                    </a:p>
+                  </a:txBody>
+                  <a:tcPr anchor="ctr"/>
+                </a:tc>
+                <a:extLst>
+                  <a:ext uri="{0D108BD9-81ED-4DB2-BD59-A6C34878D82A}">
+                    <a16:rowId xmlns:a16="http://schemas.microsoft.com/office/drawing/2014/main" val="4066972660"/>
+                  </a:ext>
+                </a:extLst>
+              </a:tr>
+              <a:tr h="381346">
+                <a:tc>
+                  <a:txBody>
+                    <a:bodyPr/>
+                    <a:lstStyle/>
+                    <a:p>
+                      <a:pPr algn="r" fontAlgn="ctr"/>
+                      <a:r>
+                        <a:rPr lang="en-GB">
+                          <a:effectLst/>
+                        </a:rPr>
+                        <a:t>lust</a:t>
+                      </a:r>
+                    </a:p>
+                  </a:txBody>
+                  <a:tcPr anchor="ctr"/>
+                </a:tc>
+                <a:tc>
+                  <a:txBody>
+                    <a:bodyPr/>
+                    <a:lstStyle/>
+                    <a:p>
+                      <a:pPr algn="r" fontAlgn="ctr"/>
+                      <a:r>
+                        <a:rPr lang="en-DE" dirty="0">
+                          <a:effectLst/>
+                        </a:rPr>
+                        <a:t>2</a:t>
+                      </a:r>
+                    </a:p>
+                  </a:txBody>
+                  <a:tcPr anchor="ctr"/>
+                </a:tc>
+                <a:extLst>
+                  <a:ext uri="{0D108BD9-81ED-4DB2-BD59-A6C34878D82A}">
+                    <a16:rowId xmlns:a16="http://schemas.microsoft.com/office/drawing/2014/main" val="3735258852"/>
+                  </a:ext>
+                </a:extLst>
+              </a:tr>
+              <a:tr h="381346">
+                <a:tc>
+                  <a:txBody>
+                    <a:bodyPr/>
+                    <a:lstStyle/>
+                    <a:p>
+                      <a:pPr algn="r" fontAlgn="ctr"/>
+                      <a:r>
+                        <a:rPr lang="en-GB">
+                          <a:effectLst/>
+                        </a:rPr>
+                        <a:t>mehr</a:t>
+                      </a:r>
+                    </a:p>
+                  </a:txBody>
+                  <a:tcPr anchor="ctr"/>
+                </a:tc>
+                <a:tc>
+                  <a:txBody>
+                    <a:bodyPr/>
+                    <a:lstStyle/>
+                    <a:p>
+                      <a:pPr algn="r" fontAlgn="ctr"/>
+                      <a:r>
+                        <a:rPr lang="en-DE" dirty="0">
+                          <a:effectLst/>
+                        </a:rPr>
+                        <a:t>2</a:t>
+                      </a:r>
+                    </a:p>
+                  </a:txBody>
+                  <a:tcPr anchor="ctr"/>
+                </a:tc>
+                <a:extLst>
+                  <a:ext uri="{0D108BD9-81ED-4DB2-BD59-A6C34878D82A}">
+                    <a16:rowId xmlns:a16="http://schemas.microsoft.com/office/drawing/2014/main" val="4150905211"/>
+                  </a:ext>
+                </a:extLst>
+              </a:tr>
+            </a:tbl>
+          </a:graphicData>
+        </a:graphic>
+      </p:graphicFrame>
+      <p:sp>
+        <p:nvSpPr>
+          <p:cNvPr id="10" name="TextBox 9">
+            <a:extLst>
+              <a:ext uri="{FF2B5EF4-FFF2-40B4-BE49-F238E27FC236}">
+                <a16:creationId xmlns:a16="http://schemas.microsoft.com/office/drawing/2014/main" id="{9AEB8D37-2976-0D40-AA0E-017D0523F329}"/>
+              </a:ext>
+            </a:extLst>
+          </p:cNvPr>
+          <p:cNvSpPr txBox="1"/>
+          <p:nvPr/>
+        </p:nvSpPr>
+        <p:spPr>
+          <a:xfrm>
+            <a:off x="646773" y="3885604"/>
+            <a:ext cx="2274982" cy="523220"/>
+          </a:xfrm>
+          <a:prstGeom prst="rect">
+            <a:avLst/>
+          </a:prstGeom>
+          <a:noFill/>
+        </p:spPr>
+        <p:txBody>
+          <a:bodyPr wrap="none" rtlCol="0">
+            <a:spAutoFit/>
+          </a:bodyPr>
+          <a:lstStyle/>
+          <a:p>
+            <a:r>
+              <a:rPr lang="de-DE" sz="2800" b="1" dirty="0"/>
+              <a:t>Cluster 1 </a:t>
+            </a:r>
+            <a:r>
+              <a:rPr lang="de-DE" sz="2800" b="1" dirty="0">
+                <a:sym typeface="Wingdings" pitchFamily="2" charset="2"/>
+              </a:rPr>
+              <a:t></a:t>
+            </a:r>
+            <a:r>
+              <a:rPr lang="de-DE" sz="2800" dirty="0">
+                <a:sym typeface="Wingdings" pitchFamily="2" charset="2"/>
+              </a:rPr>
+              <a:t> </a:t>
+            </a:r>
+            <a:endParaRPr lang="de-DE" sz="2800" dirty="0"/>
+          </a:p>
+        </p:txBody>
+      </p:sp>
+      <p:sp>
+        <p:nvSpPr>
+          <p:cNvPr id="11" name="TextBox 10">
+            <a:extLst>
+              <a:ext uri="{FF2B5EF4-FFF2-40B4-BE49-F238E27FC236}">
+                <a16:creationId xmlns:a16="http://schemas.microsoft.com/office/drawing/2014/main" id="{F18EA185-559F-9449-B2AC-904F7E8A6406}"/>
+              </a:ext>
+            </a:extLst>
+          </p:cNvPr>
+          <p:cNvSpPr txBox="1"/>
+          <p:nvPr/>
+        </p:nvSpPr>
+        <p:spPr>
+          <a:xfrm>
+            <a:off x="9354883" y="3885604"/>
+            <a:ext cx="2276585" cy="523220"/>
+          </a:xfrm>
+          <a:prstGeom prst="rect">
+            <a:avLst/>
+          </a:prstGeom>
+          <a:noFill/>
+        </p:spPr>
+        <p:txBody>
+          <a:bodyPr wrap="none" rtlCol="0">
+            <a:spAutoFit/>
+          </a:bodyPr>
+          <a:lstStyle/>
+          <a:p>
+            <a:r>
+              <a:rPr lang="de-DE" sz="2800" b="1" dirty="0">
+                <a:sym typeface="Wingdings" pitchFamily="2" charset="2"/>
+              </a:rPr>
+              <a:t> </a:t>
+            </a:r>
+            <a:r>
+              <a:rPr lang="de-DE" sz="2800" b="1" dirty="0"/>
+              <a:t>Cluster 2</a:t>
+            </a:r>
+            <a:r>
+              <a:rPr lang="de-DE" sz="2800" dirty="0">
+                <a:sym typeface="Wingdings" pitchFamily="2" charset="2"/>
+              </a:rPr>
+              <a:t> </a:t>
+            </a:r>
+            <a:endParaRPr lang="de-DE" sz="2800" dirty="0"/>
+          </a:p>
+        </p:txBody>
+      </p:sp>
+      <p:cxnSp>
+        <p:nvCxnSpPr>
+          <p:cNvPr id="13" name="Straight Connector 12">
+            <a:extLst>
+              <a:ext uri="{FF2B5EF4-FFF2-40B4-BE49-F238E27FC236}">
+                <a16:creationId xmlns:a16="http://schemas.microsoft.com/office/drawing/2014/main" id="{83957141-3784-B844-8FB9-7E0E6A2BD133}"/>
+              </a:ext>
+            </a:extLst>
+          </p:cNvPr>
+          <p:cNvCxnSpPr>
+            <a:cxnSpLocks/>
+          </p:cNvCxnSpPr>
+          <p:nvPr/>
+        </p:nvCxnSpPr>
+        <p:spPr>
+          <a:xfrm>
+            <a:off x="6091237" y="2122228"/>
+            <a:ext cx="0" cy="4572000"/>
+          </a:xfrm>
+          <a:prstGeom prst="line">
+            <a:avLst/>
+          </a:prstGeom>
+          <a:ln w="19050"/>
+        </p:spPr>
+        <p:style>
+          <a:lnRef idx="1">
+            <a:schemeClr val="dk1"/>
+          </a:lnRef>
+          <a:fillRef idx="0">
+            <a:schemeClr val="dk1"/>
+          </a:fillRef>
+          <a:effectRef idx="0">
+            <a:schemeClr val="dk1"/>
+          </a:effectRef>
+          <a:fontRef idx="minor">
+            <a:schemeClr val="tx1"/>
+          </a:fontRef>
+        </p:style>
+      </p:cxnSp>
+    </p:spTree>
+    <p:extLst>
+      <p:ext uri="{BB962C8B-B14F-4D97-AF65-F5344CB8AC3E}">
+        <p14:creationId xmlns:p14="http://schemas.microsoft.com/office/powerpoint/2010/main" val="2695727720"/>
+      </p:ext>
+    </p:extLst>
+  </p:cSld>
+  <p:clrMapOvr>
+    <a:masterClrMapping/>
+  </p:clrMapOvr>
+</p:sld>
+</file>
+
+<file path=ppt/slides/slide22.xml><?xml version="1.0" encoding="utf-8"?>
+<p:sld xmlns:a="http://schemas.openxmlformats.org/drawingml/2006/main" xmlns:r="http://schemas.openxmlformats.org/officeDocument/2006/relationships" xmlns:p="http://schemas.openxmlformats.org/presentationml/2006/main" show="0">
+  <p:cSld>
+    <p:spTree>
+      <p:nvGrpSpPr>
+        <p:cNvPr id="1" name=""/>
+        <p:cNvGrpSpPr/>
+        <p:nvPr/>
+      </p:nvGrpSpPr>
+      <p:grpSpPr>
+        <a:xfrm>
+          <a:off x="0" y="0"/>
+          <a:ext cx="0" cy="0"/>
+          <a:chOff x="0" y="0"/>
+          <a:chExt cx="0" cy="0"/>
+        </a:xfrm>
+      </p:grpSpPr>
+      <p:sp>
+        <p:nvSpPr>
           <p:cNvPr id="2" name="Title 1">
             <a:extLst>
               <a:ext uri="{FF2B5EF4-FFF2-40B4-BE49-F238E27FC236}">
@@ -8971,8 +14050,8 @@
 </p:sld>
 </file>
 
-<file path=ppt/slides/slide19.xml><?xml version="1.0" encoding="utf-8"?>
-<p:sld xmlns:a="http://schemas.openxmlformats.org/drawingml/2006/main" xmlns:r="http://schemas.openxmlformats.org/officeDocument/2006/relationships" xmlns:p="http://schemas.openxmlformats.org/presentationml/2006/main">
+<file path=ppt/slides/slide23.xml><?xml version="1.0" encoding="utf-8"?>
+<p:sld xmlns:a="http://schemas.openxmlformats.org/drawingml/2006/main" xmlns:r="http://schemas.openxmlformats.org/officeDocument/2006/relationships" xmlns:p="http://schemas.openxmlformats.org/presentationml/2006/main" show="0">
   <p:cSld>
     <p:spTree>
       <p:nvGrpSpPr>
@@ -9031,125 +14110,8 @@
 </p:sld>
 </file>
 
-<file path=ppt/slides/slide2.xml><?xml version="1.0" encoding="utf-8"?>
-<p:sld xmlns:a="http://schemas.openxmlformats.org/drawingml/2006/main" xmlns:r="http://schemas.openxmlformats.org/officeDocument/2006/relationships" xmlns:p="http://schemas.openxmlformats.org/presentationml/2006/main">
-  <p:cSld>
-    <p:spTree>
-      <p:nvGrpSpPr>
-        <p:cNvPr id="1" name=""/>
-        <p:cNvGrpSpPr/>
-        <p:nvPr/>
-      </p:nvGrpSpPr>
-      <p:grpSpPr>
-        <a:xfrm>
-          <a:off x="0" y="0"/>
-          <a:ext cx="0" cy="0"/>
-          <a:chOff x="0" y="0"/>
-          <a:chExt cx="0" cy="0"/>
-        </a:xfrm>
-      </p:grpSpPr>
-      <p:sp>
-        <p:nvSpPr>
-          <p:cNvPr id="2" name="Title 1">
-            <a:extLst>
-              <a:ext uri="{FF2B5EF4-FFF2-40B4-BE49-F238E27FC236}">
-                <a16:creationId xmlns:a16="http://schemas.microsoft.com/office/drawing/2014/main" id="{ABBD1032-7C21-EB45-88CD-39E1CDFCEED7}"/>
-              </a:ext>
-            </a:extLst>
-          </p:cNvPr>
-          <p:cNvSpPr>
-            <a:spLocks noGrp="1"/>
-          </p:cNvSpPr>
-          <p:nvPr>
-            <p:ph type="title"/>
-          </p:nvPr>
-        </p:nvSpPr>
-        <p:spPr/>
-        <p:txBody>
-          <a:bodyPr/>
-          <a:lstStyle/>
-          <a:p>
-            <a:r>
-              <a:rPr lang="en-DE" dirty="0"/>
-              <a:t>Übersicht</a:t>
-            </a:r>
-          </a:p>
-        </p:txBody>
-      </p:sp>
-      <p:sp>
-        <p:nvSpPr>
-          <p:cNvPr id="3" name="Content Placeholder 2">
-            <a:extLst>
-              <a:ext uri="{FF2B5EF4-FFF2-40B4-BE49-F238E27FC236}">
-                <a16:creationId xmlns:a16="http://schemas.microsoft.com/office/drawing/2014/main" id="{80899769-BBF7-274C-B579-0AE87166EDED}"/>
-              </a:ext>
-            </a:extLst>
-          </p:cNvPr>
-          <p:cNvSpPr>
-            <a:spLocks noGrp="1"/>
-          </p:cNvSpPr>
-          <p:nvPr>
-            <p:ph idx="1"/>
-          </p:nvPr>
-        </p:nvSpPr>
-        <p:spPr/>
-        <p:txBody>
-          <a:bodyPr/>
-          <a:lstStyle/>
-          <a:p>
-            <a:pPr marL="514350" indent="-514350">
-              <a:buAutoNum type="arabicPeriod"/>
-            </a:pPr>
-            <a:r>
-              <a:rPr lang="en-DE" dirty="0"/>
-              <a:t>Kurzer Überblick zum Epochenbegriff und –einteilung</a:t>
-            </a:r>
-          </a:p>
-          <a:p>
-            <a:pPr marL="514350" indent="-514350">
-              <a:buAutoNum type="arabicPeriod"/>
-            </a:pPr>
-            <a:r>
-              <a:rPr lang="en-DE" dirty="0"/>
-              <a:t>Das Korpus</a:t>
-            </a:r>
-          </a:p>
-          <a:p>
-            <a:pPr marL="514350" indent="-514350">
-              <a:buAutoNum type="arabicPeriod"/>
-            </a:pPr>
-            <a:r>
-              <a:rPr lang="en-GB"/>
-              <a:t>Fragestellungen</a:t>
-            </a:r>
-            <a:endParaRPr lang="en-DE" dirty="0"/>
-          </a:p>
-          <a:p>
-            <a:pPr marL="514350" indent="-514350">
-              <a:buAutoNum type="arabicPeriod"/>
-            </a:pPr>
-            <a:r>
-              <a:rPr lang="en-DE" dirty="0"/>
-              <a:t>… (TODO)</a:t>
-            </a:r>
-          </a:p>
-        </p:txBody>
-      </p:sp>
-    </p:spTree>
-    <p:extLst>
-      <p:ext uri="{BB962C8B-B14F-4D97-AF65-F5344CB8AC3E}">
-        <p14:creationId xmlns:p14="http://schemas.microsoft.com/office/powerpoint/2010/main" val="2653683036"/>
-      </p:ext>
-    </p:extLst>
-  </p:cSld>
-  <p:clrMapOvr>
-    <a:masterClrMapping/>
-  </p:clrMapOvr>
-</p:sld>
-</file>
-
-<file path=ppt/slides/slide20.xml><?xml version="1.0" encoding="utf-8"?>
-<p:sld xmlns:a="http://schemas.openxmlformats.org/drawingml/2006/main" xmlns:r="http://schemas.openxmlformats.org/officeDocument/2006/relationships" xmlns:p="http://schemas.openxmlformats.org/presentationml/2006/main">
+<file path=ppt/slides/slide24.xml><?xml version="1.0" encoding="utf-8"?>
+<p:sld xmlns:a="http://schemas.openxmlformats.org/drawingml/2006/main" xmlns:r="http://schemas.openxmlformats.org/officeDocument/2006/relationships" xmlns:p="http://schemas.openxmlformats.org/presentationml/2006/main" show="0">
   <p:cSld>
     <p:spTree>
       <p:nvGrpSpPr>

--- a/literature & presentation/clustering_presentation.pptx
+++ b/literature & presentation/clustering_presentation.pptx
@@ -220,7 +220,7 @@
           <a:p>
             <a:fld id="{5191E409-3F0E-F149-AA52-0AF25D227FF4}" type="datetimeFigureOut">
               <a:rPr lang="de-DE" smtClean="0"/>
-              <a:t>23.06.20</a:t>
+              <a:t>24.06.20</a:t>
             </a:fld>
             <a:endParaRPr lang="de-DE"/>
           </a:p>
@@ -1322,7 +1322,239 @@
           <a:bodyPr/>
           <a:lstStyle/>
           <a:p>
-            <a:endParaRPr lang="de-DE" dirty="0"/>
+            <a:r>
+              <a:rPr lang="de-DE" b="1" noProof="0" dirty="0" err="1"/>
+              <a:t>Adjusted</a:t>
+            </a:r>
+            <a:r>
+              <a:rPr lang="de-DE" b="1" noProof="0" dirty="0"/>
+              <a:t> Rand Index:</a:t>
+            </a:r>
+          </a:p>
+          <a:p>
+            <a:pPr marL="171450" indent="-171450">
+              <a:buFont typeface="Arial" panose="020B0604020202020204" pitchFamily="34" charset="0"/>
+              <a:buChar char="•"/>
+            </a:pPr>
+            <a:r>
+              <a:rPr lang="de-DE" noProof="0" dirty="0"/>
+              <a:t>+1: </a:t>
+            </a:r>
+            <a:r>
+              <a:rPr lang="de-DE" sz="1200" b="0" i="0" kern="1200" noProof="0" dirty="0">
+                <a:solidFill>
+                  <a:schemeClr val="tx1"/>
+                </a:solidFill>
+                <a:effectLst/>
+                <a:latin typeface="+mn-lt"/>
+                <a:ea typeface="+mn-ea"/>
+                <a:cs typeface="+mn-cs"/>
+              </a:rPr>
+              <a:t>sehr gutes Ergebnis</a:t>
+            </a:r>
+          </a:p>
+          <a:p>
+            <a:pPr marL="171450" indent="-171450">
+              <a:buFont typeface="Arial" panose="020B0604020202020204" pitchFamily="34" charset="0"/>
+              <a:buChar char="•"/>
+            </a:pPr>
+            <a:r>
+              <a:rPr lang="de-DE" sz="1200" b="0" i="0" kern="1200" noProof="0" dirty="0">
+                <a:solidFill>
+                  <a:schemeClr val="tx1"/>
+                </a:solidFill>
+                <a:effectLst/>
+                <a:latin typeface="+mn-lt"/>
+                <a:ea typeface="+mn-ea"/>
+                <a:cs typeface="+mn-cs"/>
+              </a:rPr>
+              <a:t>0: Zufallsverteilung </a:t>
+            </a:r>
+          </a:p>
+          <a:p>
+            <a:pPr marL="171450" indent="-171450">
+              <a:buFont typeface="Arial" panose="020B0604020202020204" pitchFamily="34" charset="0"/>
+              <a:buChar char="•"/>
+            </a:pPr>
+            <a:r>
+              <a:rPr lang="de-DE" sz="1200" b="0" i="0" kern="1200" noProof="0" dirty="0">
+                <a:solidFill>
+                  <a:schemeClr val="tx1"/>
+                </a:solidFill>
+                <a:effectLst/>
+                <a:latin typeface="+mn-lt"/>
+                <a:ea typeface="+mn-ea"/>
+                <a:cs typeface="+mn-cs"/>
+              </a:rPr>
+              <a:t>-1: nicht zufälliges, aber falsches </a:t>
+            </a:r>
+            <a:r>
+              <a:rPr lang="de-DE" sz="1200" b="0" i="0" kern="1200" noProof="0" dirty="0" err="1">
+                <a:solidFill>
+                  <a:schemeClr val="tx1"/>
+                </a:solidFill>
+                <a:effectLst/>
+                <a:latin typeface="+mn-lt"/>
+                <a:ea typeface="+mn-ea"/>
+                <a:cs typeface="+mn-cs"/>
+              </a:rPr>
+              <a:t>Labeling</a:t>
+            </a:r>
+            <a:endParaRPr lang="de-DE" sz="1200" b="0" i="0" kern="1200" noProof="0" dirty="0">
+              <a:solidFill>
+                <a:schemeClr val="tx1"/>
+              </a:solidFill>
+              <a:effectLst/>
+              <a:latin typeface="+mn-lt"/>
+              <a:ea typeface="+mn-ea"/>
+              <a:cs typeface="+mn-cs"/>
+            </a:endParaRPr>
+          </a:p>
+          <a:p>
+            <a:pPr marL="171450" indent="-171450">
+              <a:buFont typeface="Arial" panose="020B0604020202020204" pitchFamily="34" charset="0"/>
+              <a:buChar char="•"/>
+            </a:pPr>
+            <a:endParaRPr lang="de-DE" sz="1200" b="0" i="0" kern="1200" noProof="0" dirty="0">
+              <a:solidFill>
+                <a:schemeClr val="tx1"/>
+              </a:solidFill>
+              <a:effectLst/>
+              <a:latin typeface="+mn-lt"/>
+              <a:ea typeface="+mn-ea"/>
+              <a:cs typeface="+mn-cs"/>
+            </a:endParaRPr>
+          </a:p>
+          <a:p>
+            <a:pPr marL="0" indent="0">
+              <a:buFont typeface="Arial" panose="020B0604020202020204" pitchFamily="34" charset="0"/>
+              <a:buNone/>
+            </a:pPr>
+            <a:r>
+              <a:rPr lang="de-DE" sz="1200" b="1" i="0" kern="1200" noProof="0" dirty="0">
+                <a:solidFill>
+                  <a:schemeClr val="tx1"/>
+                </a:solidFill>
+                <a:effectLst/>
+                <a:latin typeface="+mn-lt"/>
+                <a:ea typeface="+mn-ea"/>
+                <a:cs typeface="+mn-cs"/>
+              </a:rPr>
+              <a:t>V-</a:t>
+            </a:r>
+            <a:r>
+              <a:rPr lang="de-DE" sz="1200" b="1" i="0" kern="1200" noProof="0" dirty="0" err="1">
+                <a:solidFill>
+                  <a:schemeClr val="tx1"/>
+                </a:solidFill>
+                <a:effectLst/>
+                <a:latin typeface="+mn-lt"/>
+                <a:ea typeface="+mn-ea"/>
+                <a:cs typeface="+mn-cs"/>
+              </a:rPr>
+              <a:t>Measure</a:t>
+            </a:r>
+            <a:r>
+              <a:rPr lang="de-DE" sz="1200" b="1" i="0" kern="1200" noProof="0" dirty="0">
+                <a:solidFill>
+                  <a:schemeClr val="tx1"/>
+                </a:solidFill>
+                <a:effectLst/>
+                <a:latin typeface="+mn-lt"/>
+                <a:ea typeface="+mn-ea"/>
+                <a:cs typeface="+mn-cs"/>
+              </a:rPr>
+              <a:t>: </a:t>
+            </a:r>
+            <a:r>
+              <a:rPr lang="de-DE" sz="1200" b="0" i="0" kern="1200" noProof="0" dirty="0">
+                <a:solidFill>
+                  <a:schemeClr val="tx1"/>
+                </a:solidFill>
+                <a:effectLst/>
+                <a:latin typeface="+mn-lt"/>
+                <a:ea typeface="+mn-ea"/>
+                <a:cs typeface="+mn-cs"/>
+              </a:rPr>
+              <a:t>Harmonisches Mittel zwischen </a:t>
+            </a:r>
+            <a:r>
+              <a:rPr lang="en-GB" i="1" dirty="0">
+                <a:effectLst/>
+              </a:rPr>
+              <a:t>homogeneity</a:t>
+            </a:r>
+            <a:r>
+              <a:rPr lang="en-GB" dirty="0"/>
+              <a:t> (</a:t>
+            </a:r>
+            <a:r>
+              <a:rPr lang="en-GB" dirty="0" err="1"/>
+              <a:t>wie</a:t>
+            </a:r>
+            <a:r>
+              <a:rPr lang="en-GB" dirty="0"/>
+              <a:t> </a:t>
+            </a:r>
+            <a:r>
+              <a:rPr lang="en-GB" dirty="0" err="1"/>
+              <a:t>homogen</a:t>
+            </a:r>
+            <a:r>
+              <a:rPr lang="en-GB" dirty="0"/>
+              <a:t> </a:t>
+            </a:r>
+            <a:r>
+              <a:rPr lang="en-GB" dirty="0" err="1"/>
+              <a:t>sind</a:t>
+            </a:r>
+            <a:r>
+              <a:rPr lang="en-GB" dirty="0"/>
+              <a:t> Cluster) &amp; </a:t>
+            </a:r>
+            <a:r>
+              <a:rPr lang="en-GB" i="1" dirty="0">
+                <a:effectLst/>
+              </a:rPr>
+              <a:t>completeness</a:t>
+            </a:r>
+            <a:r>
+              <a:rPr lang="en-GB" dirty="0"/>
+              <a:t> (</a:t>
+            </a:r>
+            <a:r>
+              <a:rPr lang="en-GB" dirty="0" err="1"/>
+              <a:t>wie</a:t>
+            </a:r>
+            <a:r>
+              <a:rPr lang="en-GB" dirty="0"/>
+              <a:t> </a:t>
+            </a:r>
+            <a:r>
+              <a:rPr lang="en-GB" dirty="0" err="1"/>
+              <a:t>vollständig</a:t>
+            </a:r>
+            <a:r>
+              <a:rPr lang="en-GB" dirty="0"/>
+              <a:t> </a:t>
+            </a:r>
+            <a:r>
+              <a:rPr lang="en-GB" dirty="0" err="1"/>
+              <a:t>sind</a:t>
+            </a:r>
+            <a:r>
+              <a:rPr lang="en-GB" dirty="0"/>
+              <a:t> Cluster)</a:t>
+            </a:r>
+            <a:endParaRPr lang="de-DE" sz="1200" b="0" i="0" kern="1200" noProof="0" dirty="0">
+              <a:solidFill>
+                <a:schemeClr val="tx1"/>
+              </a:solidFill>
+              <a:effectLst/>
+              <a:latin typeface="+mn-lt"/>
+              <a:ea typeface="+mn-ea"/>
+              <a:cs typeface="+mn-cs"/>
+            </a:endParaRPr>
           </a:p>
         </p:txBody>
       </p:sp>
@@ -1343,7 +1575,7 @@
           <a:p>
             <a:fld id="{49FFD0F6-1B54-1D42-B676-41E105B9815E}" type="slidenum">
               <a:rPr lang="de-DE" smtClean="0"/>
-              <a:t>17</a:t>
+              <a:t>15</a:t>
             </a:fld>
             <a:endParaRPr lang="de-DE"/>
           </a:p>
@@ -1352,7 +1584,7 @@
     </p:spTree>
     <p:extLst>
       <p:ext uri="{BB962C8B-B14F-4D97-AF65-F5344CB8AC3E}">
-        <p14:creationId xmlns:p14="http://schemas.microsoft.com/office/powerpoint/2010/main" val="348265153"/>
+        <p14:creationId xmlns:p14="http://schemas.microsoft.com/office/powerpoint/2010/main" val="1857125067"/>
       </p:ext>
     </p:extLst>
   </p:cSld>
@@ -1427,6 +1659,98 @@
           <a:p>
             <a:fld id="{49FFD0F6-1B54-1D42-B676-41E105B9815E}" type="slidenum">
               <a:rPr lang="de-DE" smtClean="0"/>
+              <a:t>17</a:t>
+            </a:fld>
+            <a:endParaRPr lang="de-DE"/>
+          </a:p>
+        </p:txBody>
+      </p:sp>
+    </p:spTree>
+    <p:extLst>
+      <p:ext uri="{BB962C8B-B14F-4D97-AF65-F5344CB8AC3E}">
+        <p14:creationId xmlns:p14="http://schemas.microsoft.com/office/powerpoint/2010/main" val="348265153"/>
+      </p:ext>
+    </p:extLst>
+  </p:cSld>
+  <p:clrMapOvr>
+    <a:masterClrMapping/>
+  </p:clrMapOvr>
+</p:notes>
+</file>
+
+<file path=ppt/notesSlides/notesSlide5.xml><?xml version="1.0" encoding="utf-8"?>
+<p:notes xmlns:a="http://schemas.openxmlformats.org/drawingml/2006/main" xmlns:r="http://schemas.openxmlformats.org/officeDocument/2006/relationships" xmlns:p="http://schemas.openxmlformats.org/presentationml/2006/main">
+  <p:cSld>
+    <p:spTree>
+      <p:nvGrpSpPr>
+        <p:cNvPr id="1" name=""/>
+        <p:cNvGrpSpPr/>
+        <p:nvPr/>
+      </p:nvGrpSpPr>
+      <p:grpSpPr>
+        <a:xfrm>
+          <a:off x="0" y="0"/>
+          <a:ext cx="0" cy="0"/>
+          <a:chOff x="0" y="0"/>
+          <a:chExt cx="0" cy="0"/>
+        </a:xfrm>
+      </p:grpSpPr>
+      <p:sp>
+        <p:nvSpPr>
+          <p:cNvPr id="2" name="Slide Image Placeholder 1"/>
+          <p:cNvSpPr>
+            <a:spLocks noGrp="1" noRot="1" noChangeAspect="1"/>
+          </p:cNvSpPr>
+          <p:nvPr>
+            <p:ph type="sldImg"/>
+          </p:nvPr>
+        </p:nvSpPr>
+        <p:spPr/>
+      </p:sp>
+      <p:sp>
+        <p:nvSpPr>
+          <p:cNvPr id="3" name="Notes Placeholder 2"/>
+          <p:cNvSpPr>
+            <a:spLocks noGrp="1"/>
+          </p:cNvSpPr>
+          <p:nvPr>
+            <p:ph type="body" idx="1"/>
+          </p:nvPr>
+        </p:nvSpPr>
+        <p:spPr/>
+        <p:txBody>
+          <a:bodyPr/>
+          <a:lstStyle/>
+          <a:p>
+            <a:r>
+              <a:rPr lang="de-DE" dirty="0"/>
+              <a:t>Dimensionsreduktion: </a:t>
+            </a:r>
+            <a:r>
+              <a:rPr lang="de-DE" b="1" dirty="0" err="1"/>
+              <a:t>TruncatedSVD</a:t>
+            </a:r>
+            <a:endParaRPr lang="de-DE" b="1" dirty="0"/>
+          </a:p>
+        </p:txBody>
+      </p:sp>
+      <p:sp>
+        <p:nvSpPr>
+          <p:cNvPr id="4" name="Slide Number Placeholder 3"/>
+          <p:cNvSpPr>
+            <a:spLocks noGrp="1"/>
+          </p:cNvSpPr>
+          <p:nvPr>
+            <p:ph type="sldNum" sz="quarter" idx="5"/>
+          </p:nvPr>
+        </p:nvSpPr>
+        <p:spPr/>
+        <p:txBody>
+          <a:bodyPr/>
+          <a:lstStyle/>
+          <a:p>
+            <a:fld id="{49FFD0F6-1B54-1D42-B676-41E105B9815E}" type="slidenum">
+              <a:rPr lang="de-DE" smtClean="0"/>
               <a:t>19</a:t>
             </a:fld>
             <a:endParaRPr lang="de-DE"/>
@@ -1446,7 +1770,7 @@
 </p:notes>
 </file>
 
-<file path=ppt/notesSlides/notesSlide5.xml><?xml version="1.0" encoding="utf-8"?>
+<file path=ppt/notesSlides/notesSlide6.xml><?xml version="1.0" encoding="utf-8"?>
 <p:notes xmlns:a="http://schemas.openxmlformats.org/drawingml/2006/main" xmlns:r="http://schemas.openxmlformats.org/officeDocument/2006/relationships" xmlns:p="http://schemas.openxmlformats.org/presentationml/2006/main">
   <p:cSld>
     <p:spTree>
@@ -1689,7 +2013,7 @@
           <a:p>
             <a:fld id="{02AC24A9-CCB6-4F8D-B8DB-C2F3692CFA5A}" type="datetimeFigureOut">
               <a:rPr lang="en-US" smtClean="0"/>
-              <a:t>6/23/20</a:t>
+              <a:t>6/24/20</a:t>
             </a:fld>
             <a:endParaRPr lang="en-US" dirty="0"/>
           </a:p>
@@ -2059,7 +2383,7 @@
           <a:p>
             <a:fld id="{02AC24A9-CCB6-4F8D-B8DB-C2F3692CFA5A}" type="datetimeFigureOut">
               <a:rPr lang="en-US" smtClean="0"/>
-              <a:t>6/23/20</a:t>
+              <a:t>6/24/20</a:t>
             </a:fld>
             <a:endParaRPr lang="en-US"/>
           </a:p>
@@ -2268,7 +2592,7 @@
           <a:p>
             <a:fld id="{02AC24A9-CCB6-4F8D-B8DB-C2F3692CFA5A}" type="datetimeFigureOut">
               <a:rPr lang="en-US" smtClean="0"/>
-              <a:t>6/23/20</a:t>
+              <a:t>6/24/20</a:t>
             </a:fld>
             <a:endParaRPr lang="en-US"/>
           </a:p>
@@ -2738,7 +3062,7 @@
           <a:p>
             <a:fld id="{02AC24A9-CCB6-4F8D-B8DB-C2F3692CFA5A}" type="datetimeFigureOut">
               <a:rPr lang="en-US" smtClean="0"/>
-              <a:t>6/23/20</a:t>
+              <a:t>6/24/20</a:t>
             </a:fld>
             <a:endParaRPr lang="en-US"/>
           </a:p>
@@ -3192,7 +3516,7 @@
           <a:p>
             <a:fld id="{02AC24A9-CCB6-4F8D-B8DB-C2F3692CFA5A}" type="datetimeFigureOut">
               <a:rPr lang="en-US" smtClean="0"/>
-              <a:t>6/23/20</a:t>
+              <a:t>6/24/20</a:t>
             </a:fld>
             <a:endParaRPr lang="en-US"/>
           </a:p>
@@ -3724,7 +4048,7 @@
           <a:p>
             <a:fld id="{02AC24A9-CCB6-4F8D-B8DB-C2F3692CFA5A}" type="datetimeFigureOut">
               <a:rPr lang="en-US" smtClean="0"/>
-              <a:t>6/23/20</a:t>
+              <a:t>6/24/20</a:t>
             </a:fld>
             <a:endParaRPr lang="en-US"/>
           </a:p>
@@ -4423,7 +4747,7 @@
           <a:p>
             <a:fld id="{02AC24A9-CCB6-4F8D-B8DB-C2F3692CFA5A}" type="datetimeFigureOut">
               <a:rPr lang="en-US" smtClean="0"/>
-              <a:t>6/23/20</a:t>
+              <a:t>6/24/20</a:t>
             </a:fld>
             <a:endParaRPr lang="en-US"/>
           </a:p>
@@ -4752,7 +5076,7 @@
           <a:p>
             <a:fld id="{02AC24A9-CCB6-4F8D-B8DB-C2F3692CFA5A}" type="datetimeFigureOut">
               <a:rPr lang="en-US" smtClean="0"/>
-              <a:t>6/23/20</a:t>
+              <a:t>6/24/20</a:t>
             </a:fld>
             <a:endParaRPr lang="en-US"/>
           </a:p>
@@ -4865,7 +5189,7 @@
           <a:p>
             <a:fld id="{02AC24A9-CCB6-4F8D-B8DB-C2F3692CFA5A}" type="datetimeFigureOut">
               <a:rPr lang="en-US" smtClean="0"/>
-              <a:t>6/23/20</a:t>
+              <a:t>6/24/20</a:t>
             </a:fld>
             <a:endParaRPr lang="en-US"/>
           </a:p>
@@ -5360,7 +5684,7 @@
           <a:p>
             <a:fld id="{02AC24A9-CCB6-4F8D-B8DB-C2F3692CFA5A}" type="datetimeFigureOut">
               <a:rPr lang="en-US" smtClean="0"/>
-              <a:t>6/23/20</a:t>
+              <a:t>6/24/20</a:t>
             </a:fld>
             <a:endParaRPr lang="en-US" dirty="0"/>
           </a:p>
@@ -5837,7 +6161,7 @@
           <a:p>
             <a:fld id="{02AC24A9-CCB6-4F8D-B8DB-C2F3692CFA5A}" type="datetimeFigureOut">
               <a:rPr lang="en-US" smtClean="0"/>
-              <a:t>6/23/20</a:t>
+              <a:t>6/24/20</a:t>
             </a:fld>
             <a:endParaRPr lang="en-US"/>
           </a:p>
@@ -6080,7 +6404,7 @@
           <a:p>
             <a:fld id="{02AC24A9-CCB6-4F8D-B8DB-C2F3692CFA5A}" type="datetimeFigureOut">
               <a:rPr lang="en-US" smtClean="0"/>
-              <a:t>6/23/20</a:t>
+              <a:t>6/24/20</a:t>
             </a:fld>
             <a:endParaRPr lang="en-US"/>
           </a:p>
@@ -8744,16 +9068,16 @@
               <a:buChar char="•"/>
             </a:pPr>
             <a:r>
-              <a:rPr lang="en-US" u="sng" dirty="0" err="1"/>
-              <a:t>Keine</a:t>
+              <a:rPr lang="en-US" dirty="0" err="1"/>
+              <a:t>Stoppwörter</a:t>
             </a:r>
             <a:r>
               <a:rPr lang="en-US" dirty="0"/>
               <a:t> </a:t>
             </a:r>
             <a:r>
-              <a:rPr lang="en-US" dirty="0" err="1"/>
-              <a:t>Stoppwörter</a:t>
+              <a:rPr lang="en-US" u="sng" dirty="0" err="1"/>
+              <a:t>entfernt</a:t>
             </a:r>
             <a:endParaRPr lang="en-US" dirty="0"/>
           </a:p>
@@ -8787,7 +9111,7 @@
           <p:nvPr>
             <p:extLst>
               <p:ext uri="{D42A27DB-BD31-4B8C-83A1-F6EECF244321}">
-                <p14:modId xmlns:p14="http://schemas.microsoft.com/office/powerpoint/2010/main" val="1924731390"/>
+                <p14:modId xmlns:p14="http://schemas.microsoft.com/office/powerpoint/2010/main" val="2825495765"/>
               </p:ext>
             </p:extLst>
           </p:nvPr>
@@ -8846,11 +9170,14 @@
                     <a:p>
                       <a:pPr algn="r" fontAlgn="ctr"/>
                       <a:r>
-                        <a:rPr lang="en-GB" sz="2700" b="1">
-                          <a:effectLst/>
-                        </a:rPr>
-                        <a:t>ars</a:t>
-                      </a:r>
+                        <a:rPr lang="en-GB" sz="2700" b="1" dirty="0" err="1">
+                          <a:effectLst/>
+                        </a:rPr>
+                        <a:t>ari</a:t>
+                      </a:r>
+                      <a:endParaRPr lang="en-GB" sz="2700" b="1" dirty="0">
+                        <a:effectLst/>
+                      </a:endParaRPr>
                     </a:p>
                   </a:txBody>
                   <a:tcPr marL="127214" marR="127214" marT="63606" marB="63606" anchor="ctr"/>
@@ -10949,16 +11276,16 @@
               <a:buChar char="•"/>
             </a:pPr>
             <a:r>
-              <a:rPr lang="en-US" u="sng" dirty="0" err="1"/>
-              <a:t>Keine</a:t>
+              <a:rPr lang="en-US" dirty="0" err="1"/>
+              <a:t>Stoppwörter</a:t>
             </a:r>
             <a:r>
               <a:rPr lang="en-US" dirty="0"/>
               <a:t> </a:t>
             </a:r>
             <a:r>
-              <a:rPr lang="en-US" dirty="0" err="1"/>
-              <a:t>Stoppwörter</a:t>
+              <a:rPr lang="en-US" u="sng" dirty="0" err="1"/>
+              <a:t>entfernt</a:t>
             </a:r>
             <a:endParaRPr lang="en-US" dirty="0"/>
           </a:p>
@@ -10992,7 +11319,7 @@
           <p:nvPr>
             <p:extLst>
               <p:ext uri="{D42A27DB-BD31-4B8C-83A1-F6EECF244321}">
-                <p14:modId xmlns:p14="http://schemas.microsoft.com/office/powerpoint/2010/main" val="3218033789"/>
+                <p14:modId xmlns:p14="http://schemas.microsoft.com/office/powerpoint/2010/main" val="4150866844"/>
               </p:ext>
             </p:extLst>
           </p:nvPr>
@@ -11054,7 +11381,7 @@
                         <a:rPr lang="en-GB" sz="2700" b="1" dirty="0" err="1">
                           <a:effectLst/>
                         </a:rPr>
-                        <a:t>ars</a:t>
+                        <a:t>ari</a:t>
                       </a:r>
                       <a:endParaRPr lang="en-GB" sz="2700" b="1" dirty="0">
                         <a:effectLst/>
@@ -12664,7 +12991,7 @@
         <p:spPr>
           <a:xfrm>
             <a:off x="8685576" y="3885008"/>
-            <a:ext cx="3643305" cy="954107"/>
+            <a:ext cx="2206053" cy="523220"/>
           </a:xfrm>
           <a:prstGeom prst="rect">
             <a:avLst/>
@@ -12682,22 +13009,8 @@
               <a:buChar char="ß"/>
             </a:pPr>
             <a:r>
-              <a:rPr lang="de-DE" sz="2800" b="1" dirty="0"/>
+              <a:rPr lang="de-DE" sz="2800" b="1"/>
               <a:t>Cluster 2</a:t>
-            </a:r>
-          </a:p>
-          <a:p>
-            <a:r>
-              <a:rPr lang="de-DE" sz="2800" i="1">
-                <a:sym typeface="Wingdings" pitchFamily="2" charset="2"/>
-              </a:rPr>
-              <a:t>	Frühaufklärung</a:t>
-            </a:r>
-            <a:r>
-              <a:rPr lang="de-DE" sz="2800">
-                <a:sym typeface="Wingdings" pitchFamily="2" charset="2"/>
-              </a:rPr>
-              <a:t> </a:t>
             </a:r>
             <a:endParaRPr lang="de-DE" sz="2800" dirty="0"/>
           </a:p>

--- a/literature & presentation/clustering_presentation.pptx
+++ b/literature & presentation/clustering_presentation.pptx
@@ -5,7 +5,7 @@
     <p:sldMasterId id="2147483732" r:id="rId1"/>
   </p:sldMasterIdLst>
   <p:notesMasterIdLst>
-    <p:notesMasterId r:id="rId26"/>
+    <p:notesMasterId r:id="rId27"/>
   </p:notesMasterIdLst>
   <p:sldIdLst>
     <p:sldId id="256" r:id="rId2"/>
@@ -28,10 +28,11 @@
     <p:sldId id="300" r:id="rId19"/>
     <p:sldId id="297" r:id="rId20"/>
     <p:sldId id="301" r:id="rId21"/>
-    <p:sldId id="299" r:id="rId22"/>
-    <p:sldId id="279" r:id="rId23"/>
-    <p:sldId id="290" r:id="rId24"/>
-    <p:sldId id="293" r:id="rId25"/>
+    <p:sldId id="302" r:id="rId22"/>
+    <p:sldId id="299" r:id="rId23"/>
+    <p:sldId id="279" r:id="rId24"/>
+    <p:sldId id="290" r:id="rId25"/>
+    <p:sldId id="293" r:id="rId26"/>
   </p:sldIdLst>
   <p:sldSz cx="12192000" cy="6858000"/>
   <p:notesSz cx="6858000" cy="9144000"/>
@@ -1838,7 +1839,7 @@
           <a:p>
             <a:fld id="{49FFD0F6-1B54-1D42-B676-41E105B9815E}" type="slidenum">
               <a:rPr lang="de-DE" smtClean="0"/>
-              <a:t>24</a:t>
+              <a:t>25</a:t>
             </a:fld>
             <a:endParaRPr lang="de-DE"/>
           </a:p>
@@ -13009,7 +13010,7 @@
               <a:buChar char="ß"/>
             </a:pPr>
             <a:r>
-              <a:rPr lang="de-DE" sz="2800" b="1"/>
+              <a:rPr lang="de-DE" sz="2800" b="1" dirty="0"/>
               <a:t>Cluster 2</a:t>
             </a:r>
             <a:endParaRPr lang="de-DE" sz="2800" dirty="0"/>
@@ -13069,6 +13070,123 @@
 </file>
 
 <file path=ppt/slides/slide21.xml><?xml version="1.0" encoding="utf-8"?>
+<p:sld xmlns:a="http://schemas.openxmlformats.org/drawingml/2006/main" xmlns:r="http://schemas.openxmlformats.org/officeDocument/2006/relationships" xmlns:p="http://schemas.openxmlformats.org/presentationml/2006/main">
+  <p:cSld>
+    <p:spTree>
+      <p:nvGrpSpPr>
+        <p:cNvPr id="1" name=""/>
+        <p:cNvGrpSpPr/>
+        <p:nvPr/>
+      </p:nvGrpSpPr>
+      <p:grpSpPr>
+        <a:xfrm>
+          <a:off x="0" y="0"/>
+          <a:ext cx="0" cy="0"/>
+          <a:chOff x="0" y="0"/>
+          <a:chExt cx="0" cy="0"/>
+        </a:xfrm>
+      </p:grpSpPr>
+      <p:sp>
+        <p:nvSpPr>
+          <p:cNvPr id="5" name="Title 4">
+            <a:extLst>
+              <a:ext uri="{FF2B5EF4-FFF2-40B4-BE49-F238E27FC236}">
+                <a16:creationId xmlns:a16="http://schemas.microsoft.com/office/drawing/2014/main" id="{3E3FFB06-5C6D-5E47-86E7-69D84771AB3B}"/>
+              </a:ext>
+            </a:extLst>
+          </p:cNvPr>
+          <p:cNvSpPr>
+            <a:spLocks noGrp="1"/>
+          </p:cNvSpPr>
+          <p:nvPr>
+            <p:ph type="title"/>
+          </p:nvPr>
+        </p:nvSpPr>
+        <p:spPr/>
+        <p:txBody>
+          <a:bodyPr/>
+          <a:lstStyle/>
+          <a:p>
+            <a:r>
+              <a:rPr lang="de-DE" dirty="0"/>
+              <a:t>Weitere </a:t>
+            </a:r>
+            <a:r>
+              <a:rPr lang="de-DE" dirty="0" err="1"/>
+              <a:t>To</a:t>
+            </a:r>
+            <a:r>
+              <a:rPr lang="de-DE" dirty="0"/>
+              <a:t>-Dos:</a:t>
+            </a:r>
+          </a:p>
+        </p:txBody>
+      </p:sp>
+      <p:sp>
+        <p:nvSpPr>
+          <p:cNvPr id="6" name="Content Placeholder 5">
+            <a:extLst>
+              <a:ext uri="{FF2B5EF4-FFF2-40B4-BE49-F238E27FC236}">
+                <a16:creationId xmlns:a16="http://schemas.microsoft.com/office/drawing/2014/main" id="{D2A8664A-FE4A-3445-8CA1-BF179C75CBDA}"/>
+              </a:ext>
+            </a:extLst>
+          </p:cNvPr>
+          <p:cNvSpPr>
+            <a:spLocks noGrp="1"/>
+          </p:cNvSpPr>
+          <p:nvPr>
+            <p:ph idx="1"/>
+          </p:nvPr>
+        </p:nvSpPr>
+        <p:spPr/>
+        <p:txBody>
+          <a:bodyPr/>
+          <a:lstStyle/>
+          <a:p>
+            <a:r>
+              <a:rPr lang="de-DE" b="1" dirty="0"/>
+              <a:t>Noise </a:t>
+            </a:r>
+            <a:r>
+              <a:rPr lang="de-DE" dirty="0"/>
+              <a:t>entdecken durch Hierarchisches Clustering inkl. Epochenzuteilungen</a:t>
+            </a:r>
+          </a:p>
+          <a:p>
+            <a:r>
+              <a:rPr lang="de-DE" dirty="0"/>
+              <a:t>Gedichte anreichern </a:t>
+            </a:r>
+            <a:r>
+              <a:rPr lang="de-DE" dirty="0">
+                <a:sym typeface="Wingdings" pitchFamily="2" charset="2"/>
+              </a:rPr>
+              <a:t> Gedichte eines Jahres eines Dichter in einem </a:t>
+            </a:r>
+            <a:r>
+              <a:rPr lang="de-DE">
+                <a:sym typeface="Wingdings" pitchFamily="2" charset="2"/>
+              </a:rPr>
+              <a:t>Gedicht zusammenfassen</a:t>
+            </a:r>
+            <a:endParaRPr lang="de-DE" dirty="0"/>
+          </a:p>
+        </p:txBody>
+      </p:sp>
+    </p:spTree>
+    <p:extLst>
+      <p:ext uri="{BB962C8B-B14F-4D97-AF65-F5344CB8AC3E}">
+        <p14:creationId xmlns:p14="http://schemas.microsoft.com/office/powerpoint/2010/main" val="2994903066"/>
+      </p:ext>
+    </p:extLst>
+  </p:cSld>
+  <p:clrMapOvr>
+    <a:masterClrMapping/>
+  </p:clrMapOvr>
+</p:sld>
+</file>
+
+<file path=ppt/slides/slide22.xml><?xml version="1.0" encoding="utf-8"?>
 <p:sld xmlns:a="http://schemas.openxmlformats.org/drawingml/2006/main" xmlns:r="http://schemas.openxmlformats.org/officeDocument/2006/relationships" xmlns:p="http://schemas.openxmlformats.org/presentationml/2006/main" show="0">
   <p:cSld>
     <p:spTree>
@@ -14238,7 +14356,7 @@
 </p:sld>
 </file>
 
-<file path=ppt/slides/slide22.xml><?xml version="1.0" encoding="utf-8"?>
+<file path=ppt/slides/slide23.xml><?xml version="1.0" encoding="utf-8"?>
 <p:sld xmlns:a="http://schemas.openxmlformats.org/drawingml/2006/main" xmlns:r="http://schemas.openxmlformats.org/officeDocument/2006/relationships" xmlns:p="http://schemas.openxmlformats.org/presentationml/2006/main" show="0">
   <p:cSld>
     <p:spTree>
@@ -14363,7 +14481,7 @@
 </p:sld>
 </file>
 
-<file path=ppt/slides/slide23.xml><?xml version="1.0" encoding="utf-8"?>
+<file path=ppt/slides/slide24.xml><?xml version="1.0" encoding="utf-8"?>
 <p:sld xmlns:a="http://schemas.openxmlformats.org/drawingml/2006/main" xmlns:r="http://schemas.openxmlformats.org/officeDocument/2006/relationships" xmlns:p="http://schemas.openxmlformats.org/presentationml/2006/main" show="0">
   <p:cSld>
     <p:spTree>
@@ -14423,7 +14541,7 @@
 </p:sld>
 </file>
 
-<file path=ppt/slides/slide24.xml><?xml version="1.0" encoding="utf-8"?>
+<file path=ppt/slides/slide25.xml><?xml version="1.0" encoding="utf-8"?>
 <p:sld xmlns:a="http://schemas.openxmlformats.org/drawingml/2006/main" xmlns:r="http://schemas.openxmlformats.org/officeDocument/2006/relationships" xmlns:p="http://schemas.openxmlformats.org/presentationml/2006/main" show="0">
   <p:cSld>
     <p:spTree>

--- a/literature & presentation/clustering_presentation.pptx
+++ b/literature & presentation/clustering_presentation.pptx
@@ -5,7 +5,7 @@
     <p:sldMasterId id="2147483732" r:id="rId1"/>
   </p:sldMasterIdLst>
   <p:notesMasterIdLst>
-    <p:notesMasterId r:id="rId27"/>
+    <p:notesMasterId r:id="rId29"/>
   </p:notesMasterIdLst>
   <p:sldIdLst>
     <p:sldId id="256" r:id="rId2"/>
@@ -22,17 +22,19 @@
     <p:sldId id="267" r:id="rId13"/>
     <p:sldId id="291" r:id="rId14"/>
     <p:sldId id="292" r:id="rId15"/>
-    <p:sldId id="294" r:id="rId16"/>
-    <p:sldId id="296" r:id="rId17"/>
-    <p:sldId id="295" r:id="rId18"/>
-    <p:sldId id="300" r:id="rId19"/>
-    <p:sldId id="297" r:id="rId20"/>
-    <p:sldId id="301" r:id="rId21"/>
-    <p:sldId id="302" r:id="rId22"/>
-    <p:sldId id="299" r:id="rId23"/>
-    <p:sldId id="279" r:id="rId24"/>
-    <p:sldId id="290" r:id="rId25"/>
-    <p:sldId id="293" r:id="rId26"/>
+    <p:sldId id="303" r:id="rId16"/>
+    <p:sldId id="294" r:id="rId17"/>
+    <p:sldId id="296" r:id="rId18"/>
+    <p:sldId id="295" r:id="rId19"/>
+    <p:sldId id="300" r:id="rId20"/>
+    <p:sldId id="297" r:id="rId21"/>
+    <p:sldId id="301" r:id="rId22"/>
+    <p:sldId id="305" r:id="rId23"/>
+    <p:sldId id="306" r:id="rId24"/>
+    <p:sldId id="307" r:id="rId25"/>
+    <p:sldId id="302" r:id="rId26"/>
+    <p:sldId id="299" r:id="rId27"/>
+    <p:sldId id="304" r:id="rId28"/>
   </p:sldIdLst>
   <p:sldSz cx="12192000" cy="6858000"/>
   <p:notesSz cx="6858000" cy="9144000"/>
@@ -221,7 +223,7 @@
           <a:p>
             <a:fld id="{5191E409-3F0E-F149-AA52-0AF25D227FF4}" type="datetimeFigureOut">
               <a:rPr lang="de-DE" smtClean="0"/>
-              <a:t>24.06.20</a:t>
+              <a:t>29.06.20</a:t>
             </a:fld>
             <a:endParaRPr lang="de-DE"/>
           </a:p>
@@ -1576,7 +1578,7 @@
           <a:p>
             <a:fld id="{49FFD0F6-1B54-1D42-B676-41E105B9815E}" type="slidenum">
               <a:rPr lang="de-DE" smtClean="0"/>
-              <a:t>15</a:t>
+              <a:t>16</a:t>
             </a:fld>
             <a:endParaRPr lang="de-DE"/>
           </a:p>
@@ -1660,7 +1662,7 @@
           <a:p>
             <a:fld id="{49FFD0F6-1B54-1D42-B676-41E105B9815E}" type="slidenum">
               <a:rPr lang="de-DE" smtClean="0"/>
-              <a:t>17</a:t>
+              <a:t>18</a:t>
             </a:fld>
             <a:endParaRPr lang="de-DE"/>
           </a:p>
@@ -1752,7 +1754,7 @@
           <a:p>
             <a:fld id="{49FFD0F6-1B54-1D42-B676-41E105B9815E}" type="slidenum">
               <a:rPr lang="de-DE" smtClean="0"/>
-              <a:t>19</a:t>
+              <a:t>20</a:t>
             </a:fld>
             <a:endParaRPr lang="de-DE"/>
           </a:p>
@@ -1817,8 +1819,13 @@
           <a:p>
             <a:r>
               <a:rPr lang="de-DE" dirty="0"/>
-              <a:t>Alle Gedichte eines Autors in einem Jahr wurden zusammengefasst.</a:t>
-            </a:r>
+              <a:t>Dimensionsreduktion: </a:t>
+            </a:r>
+            <a:r>
+              <a:rPr lang="de-DE" b="1" dirty="0" err="1"/>
+              <a:t>TruncatedSVD</a:t>
+            </a:r>
+            <a:endParaRPr lang="de-DE" b="1" dirty="0"/>
           </a:p>
         </p:txBody>
       </p:sp>
@@ -1839,7 +1846,7 @@
           <a:p>
             <a:fld id="{49FFD0F6-1B54-1D42-B676-41E105B9815E}" type="slidenum">
               <a:rPr lang="de-DE" smtClean="0"/>
-              <a:t>25</a:t>
+              <a:t>24</a:t>
             </a:fld>
             <a:endParaRPr lang="de-DE"/>
           </a:p>
@@ -1848,7 +1855,7 @@
     </p:spTree>
     <p:extLst>
       <p:ext uri="{BB962C8B-B14F-4D97-AF65-F5344CB8AC3E}">
-        <p14:creationId xmlns:p14="http://schemas.microsoft.com/office/powerpoint/2010/main" val="2009291894"/>
+        <p14:creationId xmlns:p14="http://schemas.microsoft.com/office/powerpoint/2010/main" val="3406892848"/>
       </p:ext>
     </p:extLst>
   </p:cSld>
@@ -2014,7 +2021,7 @@
           <a:p>
             <a:fld id="{02AC24A9-CCB6-4F8D-B8DB-C2F3692CFA5A}" type="datetimeFigureOut">
               <a:rPr lang="en-US" smtClean="0"/>
-              <a:t>6/24/20</a:t>
+              <a:t>6/29/20</a:t>
             </a:fld>
             <a:endParaRPr lang="en-US" dirty="0"/>
           </a:p>
@@ -2384,7 +2391,7 @@
           <a:p>
             <a:fld id="{02AC24A9-CCB6-4F8D-B8DB-C2F3692CFA5A}" type="datetimeFigureOut">
               <a:rPr lang="en-US" smtClean="0"/>
-              <a:t>6/24/20</a:t>
+              <a:t>6/29/20</a:t>
             </a:fld>
             <a:endParaRPr lang="en-US"/>
           </a:p>
@@ -2593,7 +2600,7 @@
           <a:p>
             <a:fld id="{02AC24A9-CCB6-4F8D-B8DB-C2F3692CFA5A}" type="datetimeFigureOut">
               <a:rPr lang="en-US" smtClean="0"/>
-              <a:t>6/24/20</a:t>
+              <a:t>6/29/20</a:t>
             </a:fld>
             <a:endParaRPr lang="en-US"/>
           </a:p>
@@ -3063,7 +3070,7 @@
           <a:p>
             <a:fld id="{02AC24A9-CCB6-4F8D-B8DB-C2F3692CFA5A}" type="datetimeFigureOut">
               <a:rPr lang="en-US" smtClean="0"/>
-              <a:t>6/24/20</a:t>
+              <a:t>6/29/20</a:t>
             </a:fld>
             <a:endParaRPr lang="en-US"/>
           </a:p>
@@ -3517,7 +3524,7 @@
           <a:p>
             <a:fld id="{02AC24A9-CCB6-4F8D-B8DB-C2F3692CFA5A}" type="datetimeFigureOut">
               <a:rPr lang="en-US" smtClean="0"/>
-              <a:t>6/24/20</a:t>
+              <a:t>6/29/20</a:t>
             </a:fld>
             <a:endParaRPr lang="en-US"/>
           </a:p>
@@ -4049,7 +4056,7 @@
           <a:p>
             <a:fld id="{02AC24A9-CCB6-4F8D-B8DB-C2F3692CFA5A}" type="datetimeFigureOut">
               <a:rPr lang="en-US" smtClean="0"/>
-              <a:t>6/24/20</a:t>
+              <a:t>6/29/20</a:t>
             </a:fld>
             <a:endParaRPr lang="en-US"/>
           </a:p>
@@ -4748,7 +4755,7 @@
           <a:p>
             <a:fld id="{02AC24A9-CCB6-4F8D-B8DB-C2F3692CFA5A}" type="datetimeFigureOut">
               <a:rPr lang="en-US" smtClean="0"/>
-              <a:t>6/24/20</a:t>
+              <a:t>6/29/20</a:t>
             </a:fld>
             <a:endParaRPr lang="en-US"/>
           </a:p>
@@ -5077,7 +5084,7 @@
           <a:p>
             <a:fld id="{02AC24A9-CCB6-4F8D-B8DB-C2F3692CFA5A}" type="datetimeFigureOut">
               <a:rPr lang="en-US" smtClean="0"/>
-              <a:t>6/24/20</a:t>
+              <a:t>6/29/20</a:t>
             </a:fld>
             <a:endParaRPr lang="en-US"/>
           </a:p>
@@ -5190,7 +5197,7 @@
           <a:p>
             <a:fld id="{02AC24A9-CCB6-4F8D-B8DB-C2F3692CFA5A}" type="datetimeFigureOut">
               <a:rPr lang="en-US" smtClean="0"/>
-              <a:t>6/24/20</a:t>
+              <a:t>6/29/20</a:t>
             </a:fld>
             <a:endParaRPr lang="en-US"/>
           </a:p>
@@ -5685,7 +5692,7 @@
           <a:p>
             <a:fld id="{02AC24A9-CCB6-4F8D-B8DB-C2F3692CFA5A}" type="datetimeFigureOut">
               <a:rPr lang="en-US" smtClean="0"/>
-              <a:t>6/24/20</a:t>
+              <a:t>6/29/20</a:t>
             </a:fld>
             <a:endParaRPr lang="en-US" dirty="0"/>
           </a:p>
@@ -6162,7 +6169,7 @@
           <a:p>
             <a:fld id="{02AC24A9-CCB6-4F8D-B8DB-C2F3692CFA5A}" type="datetimeFigureOut">
               <a:rPr lang="en-US" smtClean="0"/>
-              <a:t>6/24/20</a:t>
+              <a:t>6/29/20</a:t>
             </a:fld>
             <a:endParaRPr lang="en-US"/>
           </a:p>
@@ -6405,7 +6412,7 @@
           <a:p>
             <a:fld id="{02AC24A9-CCB6-4F8D-B8DB-C2F3692CFA5A}" type="datetimeFigureOut">
               <a:rPr lang="en-US" smtClean="0"/>
-              <a:t>6/24/20</a:t>
+              <a:t>6/29/20</a:t>
             </a:fld>
             <a:endParaRPr lang="en-US"/>
           </a:p>
@@ -7523,7 +7530,7 @@
           <a:p>
             <a:r>
               <a:rPr lang="de-DE" b="1" dirty="0"/>
-              <a:t>Fragestellungen</a:t>
+              <a:t>3.  Fragestellungen</a:t>
             </a:r>
             <a:endParaRPr lang="de-DE" dirty="0"/>
           </a:p>
@@ -7657,6 +7664,65 @@
 </file>
 
 <file path=ppt/slides/slide15.xml><?xml version="1.0" encoding="utf-8"?>
+<p:sld xmlns:a="http://schemas.openxmlformats.org/drawingml/2006/main" xmlns:r="http://schemas.openxmlformats.org/officeDocument/2006/relationships" xmlns:p="http://schemas.openxmlformats.org/presentationml/2006/main">
+  <p:cSld>
+    <p:spTree>
+      <p:nvGrpSpPr>
+        <p:cNvPr id="1" name=""/>
+        <p:cNvGrpSpPr/>
+        <p:nvPr/>
+      </p:nvGrpSpPr>
+      <p:grpSpPr>
+        <a:xfrm>
+          <a:off x="0" y="0"/>
+          <a:ext cx="0" cy="0"/>
+          <a:chOff x="0" y="0"/>
+          <a:chExt cx="0" cy="0"/>
+        </a:xfrm>
+      </p:grpSpPr>
+      <p:sp>
+        <p:nvSpPr>
+          <p:cNvPr id="5" name="Title 4">
+            <a:extLst>
+              <a:ext uri="{FF2B5EF4-FFF2-40B4-BE49-F238E27FC236}">
+                <a16:creationId xmlns:a16="http://schemas.microsoft.com/office/drawing/2014/main" id="{82687F4B-C512-5349-9205-039D8CAC00D3}"/>
+              </a:ext>
+            </a:extLst>
+          </p:cNvPr>
+          <p:cNvSpPr>
+            <a:spLocks noGrp="1"/>
+          </p:cNvSpPr>
+          <p:nvPr>
+            <p:ph type="title"/>
+          </p:nvPr>
+        </p:nvSpPr>
+        <p:spPr/>
+        <p:txBody>
+          <a:bodyPr/>
+          <a:lstStyle/>
+          <a:p>
+            <a:r>
+              <a:rPr lang="de-DE" b="1" dirty="0"/>
+              <a:t>4.  Experimente</a:t>
+            </a:r>
+            <a:endParaRPr lang="de-DE" dirty="0"/>
+          </a:p>
+        </p:txBody>
+      </p:sp>
+    </p:spTree>
+    <p:extLst>
+      <p:ext uri="{BB962C8B-B14F-4D97-AF65-F5344CB8AC3E}">
+        <p14:creationId xmlns:p14="http://schemas.microsoft.com/office/powerpoint/2010/main" val="1848447078"/>
+      </p:ext>
+    </p:extLst>
+  </p:cSld>
+  <p:clrMapOvr>
+    <a:masterClrMapping/>
+  </p:clrMapOvr>
+</p:sld>
+</file>
+
+<file path=ppt/slides/slide16.xml><?xml version="1.0" encoding="utf-8"?>
 <p:sld xmlns:a="http://schemas.openxmlformats.org/drawingml/2006/main" xmlns:r="http://schemas.openxmlformats.org/officeDocument/2006/relationships" xmlns:p="http://schemas.openxmlformats.org/presentationml/2006/main">
   <p:cSld>
     <p:spTree>
@@ -8452,7 +8518,7 @@
 </p:sld>
 </file>
 
-<file path=ppt/slides/slide16.xml><?xml version="1.0" encoding="utf-8"?>
+<file path=ppt/slides/slide17.xml><?xml version="1.0" encoding="utf-8"?>
 <p:sld xmlns:a="http://schemas.openxmlformats.org/drawingml/2006/main" xmlns:r="http://schemas.openxmlformats.org/officeDocument/2006/relationships" xmlns:p="http://schemas.openxmlformats.org/presentationml/2006/main">
   <p:cSld>
     <p:spTree>
@@ -8492,7 +8558,7 @@
           <a:p>
             <a:r>
               <a:rPr lang="de-DE" b="1" dirty="0"/>
-              <a:t>K-</a:t>
+              <a:t>4.1.  K-</a:t>
             </a:r>
             <a:r>
               <a:rPr lang="de-DE" b="1" dirty="0" err="1"/>
@@ -8518,7 +8584,7 @@
 </p:sld>
 </file>
 
-<file path=ppt/slides/slide17.xml><?xml version="1.0" encoding="utf-8"?>
+<file path=ppt/slides/slide18.xml><?xml version="1.0" encoding="utf-8"?>
 <p:sld xmlns:a="http://schemas.openxmlformats.org/drawingml/2006/main" xmlns:r="http://schemas.openxmlformats.org/officeDocument/2006/relationships" xmlns:p="http://schemas.openxmlformats.org/presentationml/2006/main">
   <p:cSld>
     <p:bg>
@@ -9519,6 +9585,109 @@
           </a:graphicData>
         </a:graphic>
       </p:graphicFrame>
+      <p:sp>
+        <p:nvSpPr>
+          <p:cNvPr id="2" name="TextBox 1">
+            <a:extLst>
+              <a:ext uri="{FF2B5EF4-FFF2-40B4-BE49-F238E27FC236}">
+                <a16:creationId xmlns:a16="http://schemas.microsoft.com/office/drawing/2014/main" id="{301ED263-CE8F-1D48-BBDC-C72FEC934413}"/>
+              </a:ext>
+            </a:extLst>
+          </p:cNvPr>
+          <p:cNvSpPr txBox="1"/>
+          <p:nvPr/>
+        </p:nvSpPr>
+        <p:spPr>
+          <a:xfrm>
+            <a:off x="35002" y="3303500"/>
+            <a:ext cx="1350177" cy="1477328"/>
+          </a:xfrm>
+          <a:prstGeom prst="rect">
+            <a:avLst/>
+          </a:prstGeom>
+          <a:noFill/>
+          <a:ln w="38100">
+            <a:solidFill>
+              <a:schemeClr val="tx1"/>
+            </a:solidFill>
+          </a:ln>
+        </p:spPr>
+        <p:txBody>
+          <a:bodyPr wrap="square" rtlCol="0">
+            <a:spAutoFit/>
+          </a:bodyPr>
+          <a:lstStyle/>
+          <a:p>
+            <a:r>
+              <a:rPr lang="de-DE" dirty="0"/>
+              <a:t>Beinahe</a:t>
+            </a:r>
+          </a:p>
+          <a:p>
+            <a:r>
+              <a:rPr lang="de-DE" dirty="0"/>
+              <a:t>identische</a:t>
+            </a:r>
+          </a:p>
+          <a:p>
+            <a:r>
+              <a:rPr lang="de-DE" dirty="0" err="1"/>
+              <a:t>Scores</a:t>
+            </a:r>
+            <a:endParaRPr lang="de-DE" dirty="0"/>
+          </a:p>
+          <a:p>
+            <a:r>
+              <a:rPr lang="de-DE" dirty="0"/>
+              <a:t>bei GMM</a:t>
+            </a:r>
+          </a:p>
+          <a:p>
+            <a:endParaRPr lang="de-DE" dirty="0"/>
+          </a:p>
+        </p:txBody>
+      </p:sp>
+      <p:cxnSp>
+        <p:nvCxnSpPr>
+          <p:cNvPr id="7" name="Straight Arrow Connector 6">
+            <a:extLst>
+              <a:ext uri="{FF2B5EF4-FFF2-40B4-BE49-F238E27FC236}">
+                <a16:creationId xmlns:a16="http://schemas.microsoft.com/office/drawing/2014/main" id="{03DD09AE-3699-064E-BDA0-4B309B147AC0}"/>
+              </a:ext>
+            </a:extLst>
+          </p:cNvPr>
+          <p:cNvCxnSpPr>
+            <a:cxnSpLocks/>
+          </p:cNvCxnSpPr>
+          <p:nvPr/>
+        </p:nvCxnSpPr>
+        <p:spPr>
+          <a:xfrm>
+            <a:off x="1385179" y="3586162"/>
+            <a:ext cx="400759" cy="0"/>
+          </a:xfrm>
+          <a:prstGeom prst="straightConnector1">
+            <a:avLst/>
+          </a:prstGeom>
+          <a:ln w="76200">
+            <a:tailEnd type="triangle"/>
+          </a:ln>
+        </p:spPr>
+        <p:style>
+          <a:lnRef idx="1">
+            <a:schemeClr val="dk1"/>
+          </a:lnRef>
+          <a:fillRef idx="0">
+            <a:schemeClr val="dk1"/>
+          </a:fillRef>
+          <a:effectRef idx="0">
+            <a:schemeClr val="dk1"/>
+          </a:effectRef>
+          <a:fontRef idx="minor">
+            <a:schemeClr val="tx1"/>
+          </a:fontRef>
+        </p:style>
+      </p:cxnSp>
     </p:spTree>
     <p:extLst>
       <p:ext uri="{BB962C8B-B14F-4D97-AF65-F5344CB8AC3E}">
@@ -9529,10 +9698,115 @@
   <p:clrMapOvr>
     <a:masterClrMapping/>
   </p:clrMapOvr>
+  <p:timing>
+    <p:tnLst>
+      <p:par>
+        <p:cTn id="1" dur="indefinite" restart="never" nodeType="tmRoot">
+          <p:childTnLst>
+            <p:seq concurrent="1" nextAc="seek">
+              <p:cTn id="2" dur="indefinite" nodeType="mainSeq">
+                <p:childTnLst>
+                  <p:par>
+                    <p:cTn id="3" fill="hold">
+                      <p:stCondLst>
+                        <p:cond delay="indefinite"/>
+                      </p:stCondLst>
+                      <p:childTnLst>
+                        <p:par>
+                          <p:cTn id="4" fill="hold">
+                            <p:stCondLst>
+                              <p:cond delay="0"/>
+                            </p:stCondLst>
+                            <p:childTnLst>
+                              <p:par>
+                                <p:cTn id="5" presetID="1" presetClass="entr" presetSubtype="0" fill="hold" nodeType="clickEffect">
+                                  <p:stCondLst>
+                                    <p:cond delay="0"/>
+                                  </p:stCondLst>
+                                  <p:childTnLst>
+                                    <p:set>
+                                      <p:cBhvr>
+                                        <p:cTn id="6" dur="1" fill="hold">
+                                          <p:stCondLst>
+                                            <p:cond delay="0"/>
+                                          </p:stCondLst>
+                                        </p:cTn>
+                                        <p:tgtEl>
+                                          <p:spTgt spid="7"/>
+                                        </p:tgtEl>
+                                        <p:attrNameLst>
+                                          <p:attrName>style.visibility</p:attrName>
+                                        </p:attrNameLst>
+                                      </p:cBhvr>
+                                      <p:to>
+                                        <p:strVal val="visible"/>
+                                      </p:to>
+                                    </p:set>
+                                  </p:childTnLst>
+                                </p:cTn>
+                              </p:par>
+                              <p:par>
+                                <p:cTn id="7" presetID="1" presetClass="entr" presetSubtype="0" fill="hold" grpId="0" nodeType="withEffect">
+                                  <p:stCondLst>
+                                    <p:cond delay="0"/>
+                                  </p:stCondLst>
+                                  <p:childTnLst>
+                                    <p:set>
+                                      <p:cBhvr>
+                                        <p:cTn id="8" dur="1" fill="hold">
+                                          <p:stCondLst>
+                                            <p:cond delay="0"/>
+                                          </p:stCondLst>
+                                        </p:cTn>
+                                        <p:tgtEl>
+                                          <p:spTgt spid="2"/>
+                                        </p:tgtEl>
+                                        <p:attrNameLst>
+                                          <p:attrName>style.visibility</p:attrName>
+                                        </p:attrNameLst>
+                                      </p:cBhvr>
+                                      <p:to>
+                                        <p:strVal val="visible"/>
+                                      </p:to>
+                                    </p:set>
+                                  </p:childTnLst>
+                                </p:cTn>
+                              </p:par>
+                            </p:childTnLst>
+                          </p:cTn>
+                        </p:par>
+                      </p:childTnLst>
+                    </p:cTn>
+                  </p:par>
+                </p:childTnLst>
+              </p:cTn>
+              <p:prevCondLst>
+                <p:cond evt="onPrev" delay="0">
+                  <p:tgtEl>
+                    <p:sldTgt/>
+                  </p:tgtEl>
+                </p:cond>
+              </p:prevCondLst>
+              <p:nextCondLst>
+                <p:cond evt="onNext" delay="0">
+                  <p:tgtEl>
+                    <p:sldTgt/>
+                  </p:tgtEl>
+                </p:cond>
+              </p:nextCondLst>
+            </p:seq>
+          </p:childTnLst>
+        </p:cTn>
+      </p:par>
+    </p:tnLst>
+    <p:bldLst>
+      <p:bldP spid="2" grpId="0" animBg="1"/>
+    </p:bldLst>
+  </p:timing>
 </p:sld>
 </file>
 
-<file path=ppt/slides/slide18.xml><?xml version="1.0" encoding="utf-8"?>
+<file path=ppt/slides/slide19.xml><?xml version="1.0" encoding="utf-8"?>
 <p:sld xmlns:a="http://schemas.openxmlformats.org/drawingml/2006/main" xmlns:r="http://schemas.openxmlformats.org/officeDocument/2006/relationships" xmlns:p="http://schemas.openxmlformats.org/presentationml/2006/main">
   <p:cSld>
     <p:spTree>
@@ -10734,7 +11008,133 @@
 </p:sld>
 </file>
 
-<file path=ppt/slides/slide19.xml><?xml version="1.0" encoding="utf-8"?>
+<file path=ppt/slides/slide2.xml><?xml version="1.0" encoding="utf-8"?>
+<p:sld xmlns:a="http://schemas.openxmlformats.org/drawingml/2006/main" xmlns:r="http://schemas.openxmlformats.org/officeDocument/2006/relationships" xmlns:p="http://schemas.openxmlformats.org/presentationml/2006/main">
+  <p:cSld>
+    <p:spTree>
+      <p:nvGrpSpPr>
+        <p:cNvPr id="1" name=""/>
+        <p:cNvGrpSpPr/>
+        <p:nvPr/>
+      </p:nvGrpSpPr>
+      <p:grpSpPr>
+        <a:xfrm>
+          <a:off x="0" y="0"/>
+          <a:ext cx="0" cy="0"/>
+          <a:chOff x="0" y="0"/>
+          <a:chExt cx="0" cy="0"/>
+        </a:xfrm>
+      </p:grpSpPr>
+      <p:sp>
+        <p:nvSpPr>
+          <p:cNvPr id="2" name="Title 1">
+            <a:extLst>
+              <a:ext uri="{FF2B5EF4-FFF2-40B4-BE49-F238E27FC236}">
+                <a16:creationId xmlns:a16="http://schemas.microsoft.com/office/drawing/2014/main" id="{ABBD1032-7C21-EB45-88CD-39E1CDFCEED7}"/>
+              </a:ext>
+            </a:extLst>
+          </p:cNvPr>
+          <p:cNvSpPr>
+            <a:spLocks noGrp="1"/>
+          </p:cNvSpPr>
+          <p:nvPr>
+            <p:ph type="title"/>
+          </p:nvPr>
+        </p:nvSpPr>
+        <p:spPr/>
+        <p:txBody>
+          <a:bodyPr/>
+          <a:lstStyle/>
+          <a:p>
+            <a:r>
+              <a:rPr lang="en-DE" dirty="0"/>
+              <a:t>Übersicht</a:t>
+            </a:r>
+          </a:p>
+        </p:txBody>
+      </p:sp>
+      <p:sp>
+        <p:nvSpPr>
+          <p:cNvPr id="3" name="Content Placeholder 2">
+            <a:extLst>
+              <a:ext uri="{FF2B5EF4-FFF2-40B4-BE49-F238E27FC236}">
+                <a16:creationId xmlns:a16="http://schemas.microsoft.com/office/drawing/2014/main" id="{80899769-BBF7-274C-B579-0AE87166EDED}"/>
+              </a:ext>
+            </a:extLst>
+          </p:cNvPr>
+          <p:cNvSpPr>
+            <a:spLocks noGrp="1"/>
+          </p:cNvSpPr>
+          <p:nvPr>
+            <p:ph idx="1"/>
+          </p:nvPr>
+        </p:nvSpPr>
+        <p:spPr/>
+        <p:txBody>
+          <a:bodyPr/>
+          <a:lstStyle/>
+          <a:p>
+            <a:pPr marL="514350" indent="-514350">
+              <a:buAutoNum type="arabicPeriod"/>
+            </a:pPr>
+            <a:r>
+              <a:rPr lang="en-DE" dirty="0"/>
+              <a:t>Kurzer Überblick zum Epochenbegriff und –einteilung</a:t>
+            </a:r>
+          </a:p>
+          <a:p>
+            <a:pPr marL="514350" indent="-514350">
+              <a:buAutoNum type="arabicPeriod"/>
+            </a:pPr>
+            <a:r>
+              <a:rPr lang="en-DE" dirty="0"/>
+              <a:t>Das Korpus</a:t>
+            </a:r>
+          </a:p>
+          <a:p>
+            <a:pPr marL="514350" indent="-514350">
+              <a:buAutoNum type="arabicPeriod"/>
+            </a:pPr>
+            <a:r>
+              <a:rPr lang="en-GB" dirty="0" err="1"/>
+              <a:t>Fragestellungen</a:t>
+            </a:r>
+            <a:endParaRPr lang="en-DE" dirty="0"/>
+          </a:p>
+          <a:p>
+            <a:pPr marL="514350" indent="-514350">
+              <a:buAutoNum type="arabicPeriod"/>
+            </a:pPr>
+            <a:r>
+              <a:rPr lang="en-DE" dirty="0"/>
+              <a:t>Experimente</a:t>
+            </a:r>
+          </a:p>
+          <a:p>
+            <a:pPr marL="514350" indent="-514350">
+              <a:buAutoNum type="arabicPeriod"/>
+            </a:pPr>
+            <a:r>
+              <a:rPr lang="en-DE" dirty="0"/>
+              <a:t>Schlussbetrachtung</a:t>
+            </a:r>
+          </a:p>
+        </p:txBody>
+      </p:sp>
+    </p:spTree>
+    <p:extLst>
+      <p:ext uri="{BB962C8B-B14F-4D97-AF65-F5344CB8AC3E}">
+        <p14:creationId xmlns:p14="http://schemas.microsoft.com/office/powerpoint/2010/main" val="2653683036"/>
+      </p:ext>
+    </p:extLst>
+  </p:cSld>
+  <p:clrMapOvr>
+    <a:masterClrMapping/>
+  </p:clrMapOvr>
+</p:sld>
+</file>
+
+<file path=ppt/slides/slide20.xml><?xml version="1.0" encoding="utf-8"?>
 <p:sld xmlns:a="http://schemas.openxmlformats.org/drawingml/2006/main" xmlns:r="http://schemas.openxmlformats.org/officeDocument/2006/relationships" xmlns:p="http://schemas.openxmlformats.org/presentationml/2006/main">
   <p:cSld>
     <p:bg>
@@ -11749,124 +12149,7 @@
 </p:sld>
 </file>
 
-<file path=ppt/slides/slide2.xml><?xml version="1.0" encoding="utf-8"?>
-<p:sld xmlns:a="http://schemas.openxmlformats.org/drawingml/2006/main" xmlns:r="http://schemas.openxmlformats.org/officeDocument/2006/relationships" xmlns:p="http://schemas.openxmlformats.org/presentationml/2006/main">
-  <p:cSld>
-    <p:spTree>
-      <p:nvGrpSpPr>
-        <p:cNvPr id="1" name=""/>
-        <p:cNvGrpSpPr/>
-        <p:nvPr/>
-      </p:nvGrpSpPr>
-      <p:grpSpPr>
-        <a:xfrm>
-          <a:off x="0" y="0"/>
-          <a:ext cx="0" cy="0"/>
-          <a:chOff x="0" y="0"/>
-          <a:chExt cx="0" cy="0"/>
-        </a:xfrm>
-      </p:grpSpPr>
-      <p:sp>
-        <p:nvSpPr>
-          <p:cNvPr id="2" name="Title 1">
-            <a:extLst>
-              <a:ext uri="{FF2B5EF4-FFF2-40B4-BE49-F238E27FC236}">
-                <a16:creationId xmlns:a16="http://schemas.microsoft.com/office/drawing/2014/main" id="{ABBD1032-7C21-EB45-88CD-39E1CDFCEED7}"/>
-              </a:ext>
-            </a:extLst>
-          </p:cNvPr>
-          <p:cNvSpPr>
-            <a:spLocks noGrp="1"/>
-          </p:cNvSpPr>
-          <p:nvPr>
-            <p:ph type="title"/>
-          </p:nvPr>
-        </p:nvSpPr>
-        <p:spPr/>
-        <p:txBody>
-          <a:bodyPr/>
-          <a:lstStyle/>
-          <a:p>
-            <a:r>
-              <a:rPr lang="en-DE" dirty="0"/>
-              <a:t>Übersicht</a:t>
-            </a:r>
-          </a:p>
-        </p:txBody>
-      </p:sp>
-      <p:sp>
-        <p:nvSpPr>
-          <p:cNvPr id="3" name="Content Placeholder 2">
-            <a:extLst>
-              <a:ext uri="{FF2B5EF4-FFF2-40B4-BE49-F238E27FC236}">
-                <a16:creationId xmlns:a16="http://schemas.microsoft.com/office/drawing/2014/main" id="{80899769-BBF7-274C-B579-0AE87166EDED}"/>
-              </a:ext>
-            </a:extLst>
-          </p:cNvPr>
-          <p:cNvSpPr>
-            <a:spLocks noGrp="1"/>
-          </p:cNvSpPr>
-          <p:nvPr>
-            <p:ph idx="1"/>
-          </p:nvPr>
-        </p:nvSpPr>
-        <p:spPr/>
-        <p:txBody>
-          <a:bodyPr/>
-          <a:lstStyle/>
-          <a:p>
-            <a:pPr marL="514350" indent="-514350">
-              <a:buAutoNum type="arabicPeriod"/>
-            </a:pPr>
-            <a:r>
-              <a:rPr lang="en-DE" dirty="0"/>
-              <a:t>Kurzer Überblick zum Epochenbegriff und –einteilung</a:t>
-            </a:r>
-          </a:p>
-          <a:p>
-            <a:pPr marL="514350" indent="-514350">
-              <a:buAutoNum type="arabicPeriod"/>
-            </a:pPr>
-            <a:r>
-              <a:rPr lang="en-DE" dirty="0"/>
-              <a:t>Das Korpus</a:t>
-            </a:r>
-          </a:p>
-          <a:p>
-            <a:pPr marL="514350" indent="-514350">
-              <a:buAutoNum type="arabicPeriod"/>
-            </a:pPr>
-            <a:r>
-              <a:rPr lang="en-GB"/>
-              <a:t>Fragestellungen</a:t>
-            </a:r>
-            <a:endParaRPr lang="en-DE" dirty="0"/>
-          </a:p>
-          <a:p>
-            <a:pPr marL="514350" indent="-514350">
-              <a:buAutoNum type="arabicPeriod"/>
-            </a:pPr>
-            <a:r>
-              <a:rPr lang="en-DE" dirty="0"/>
-              <a:t>… (TODO)</a:t>
-            </a:r>
-          </a:p>
-        </p:txBody>
-      </p:sp>
-    </p:spTree>
-    <p:extLst>
-      <p:ext uri="{BB962C8B-B14F-4D97-AF65-F5344CB8AC3E}">
-        <p14:creationId xmlns:p14="http://schemas.microsoft.com/office/powerpoint/2010/main" val="2653683036"/>
-      </p:ext>
-    </p:extLst>
-  </p:cSld>
-  <p:clrMapOvr>
-    <a:masterClrMapping/>
-  </p:clrMapOvr>
-</p:sld>
-</file>
-
-<file path=ppt/slides/slide20.xml><?xml version="1.0" encoding="utf-8"?>
+<file path=ppt/slides/slide21.xml><?xml version="1.0" encoding="utf-8"?>
 <p:sld xmlns:a="http://schemas.openxmlformats.org/drawingml/2006/main" xmlns:r="http://schemas.openxmlformats.org/officeDocument/2006/relationships" xmlns:p="http://schemas.openxmlformats.org/presentationml/2006/main">
   <p:cSld>
     <p:spTree>
@@ -13069,7 +13352,7 @@
 </p:sld>
 </file>
 
-<file path=ppt/slides/slide21.xml><?xml version="1.0" encoding="utf-8"?>
+<file path=ppt/slides/slide22.xml><?xml version="1.0" encoding="utf-8"?>
 <p:sld xmlns:a="http://schemas.openxmlformats.org/drawingml/2006/main" xmlns:r="http://schemas.openxmlformats.org/officeDocument/2006/relationships" xmlns:p="http://schemas.openxmlformats.org/presentationml/2006/main">
   <p:cSld>
     <p:spTree>
@@ -13088,10 +13371,10 @@
       </p:grpSpPr>
       <p:sp>
         <p:nvSpPr>
-          <p:cNvPr id="5" name="Title 4">
-            <a:extLst>
-              <a:ext uri="{FF2B5EF4-FFF2-40B4-BE49-F238E27FC236}">
-                <a16:creationId xmlns:a16="http://schemas.microsoft.com/office/drawing/2014/main" id="{3E3FFB06-5C6D-5E47-86E7-69D84771AB3B}"/>
+          <p:cNvPr id="2" name="Title 1">
+            <a:extLst>
+              <a:ext uri="{FF2B5EF4-FFF2-40B4-BE49-F238E27FC236}">
+                <a16:creationId xmlns:a16="http://schemas.microsoft.com/office/drawing/2014/main" id="{78F2E4E8-04EB-0142-91AE-BC0C88F0C119}"/>
               </a:ext>
             </a:extLst>
           </p:cNvPr>
@@ -13108,26 +13391,88 @@
           <a:lstStyle/>
           <a:p>
             <a:r>
-              <a:rPr lang="de-DE" dirty="0"/>
-              <a:t>Weitere </a:t>
-            </a:r>
-            <a:r>
-              <a:rPr lang="de-DE" dirty="0" err="1"/>
-              <a:t>To</a:t>
-            </a:r>
-            <a:r>
-              <a:rPr lang="de-DE" dirty="0"/>
-              <a:t>-Dos:</a:t>
+              <a:rPr lang="de-DE" sz="4800" b="1" dirty="0"/>
+              <a:t>4.2.  Noise Entfernung mit</a:t>
+            </a:r>
+            <a:br>
+              <a:rPr lang="de-DE" sz="4800" b="1" dirty="0"/>
+            </a:br>
+            <a:r>
+              <a:rPr lang="de-DE" sz="4800" b="1" dirty="0"/>
+              <a:t>	    </a:t>
+            </a:r>
+            <a:r>
+              <a:rPr lang="de-DE" sz="4800" b="1" dirty="0" err="1"/>
+              <a:t>Agglomerativem</a:t>
+            </a:r>
+            <a:r>
+              <a:rPr lang="de-DE" sz="4800" b="1" dirty="0"/>
+              <a:t> Clustering </a:t>
             </a:r>
           </a:p>
         </p:txBody>
       </p:sp>
+    </p:spTree>
+    <p:extLst>
+      <p:ext uri="{BB962C8B-B14F-4D97-AF65-F5344CB8AC3E}">
+        <p14:creationId xmlns:p14="http://schemas.microsoft.com/office/powerpoint/2010/main" val="2441517117"/>
+      </p:ext>
+    </p:extLst>
+  </p:cSld>
+  <p:clrMapOvr>
+    <a:masterClrMapping/>
+  </p:clrMapOvr>
+</p:sld>
+</file>
+
+<file path=ppt/slides/slide23.xml><?xml version="1.0" encoding="utf-8"?>
+<p:sld xmlns:a="http://schemas.openxmlformats.org/drawingml/2006/main" xmlns:r="http://schemas.openxmlformats.org/officeDocument/2006/relationships" xmlns:p="http://schemas.openxmlformats.org/presentationml/2006/main">
+  <p:cSld>
+    <p:spTree>
+      <p:nvGrpSpPr>
+        <p:cNvPr id="1" name=""/>
+        <p:cNvGrpSpPr/>
+        <p:nvPr/>
+      </p:nvGrpSpPr>
+      <p:grpSpPr>
+        <a:xfrm>
+          <a:off x="0" y="0"/>
+          <a:ext cx="0" cy="0"/>
+          <a:chOff x="0" y="0"/>
+          <a:chExt cx="0" cy="0"/>
+        </a:xfrm>
+      </p:grpSpPr>
       <p:sp>
         <p:nvSpPr>
-          <p:cNvPr id="6" name="Content Placeholder 5">
-            <a:extLst>
-              <a:ext uri="{FF2B5EF4-FFF2-40B4-BE49-F238E27FC236}">
-                <a16:creationId xmlns:a16="http://schemas.microsoft.com/office/drawing/2014/main" id="{D2A8664A-FE4A-3445-8CA1-BF179C75CBDA}"/>
+          <p:cNvPr id="3" name="Title 2">
+            <a:extLst>
+              <a:ext uri="{FF2B5EF4-FFF2-40B4-BE49-F238E27FC236}">
+                <a16:creationId xmlns:a16="http://schemas.microsoft.com/office/drawing/2014/main" id="{53DEA8DA-AE04-A342-A8D2-E8B85507DDCD}"/>
+              </a:ext>
+            </a:extLst>
+          </p:cNvPr>
+          <p:cNvSpPr>
+            <a:spLocks noGrp="1"/>
+          </p:cNvSpPr>
+          <p:nvPr>
+            <p:ph type="title"/>
+          </p:nvPr>
+        </p:nvSpPr>
+        <p:spPr/>
+        <p:txBody>
+          <a:bodyPr/>
+          <a:lstStyle/>
+          <a:p>
+            <a:endParaRPr lang="de-DE"/>
+          </a:p>
+        </p:txBody>
+      </p:sp>
+      <p:sp>
+        <p:nvSpPr>
+          <p:cNvPr id="4" name="Content Placeholder 3">
+            <a:extLst>
+              <a:ext uri="{FF2B5EF4-FFF2-40B4-BE49-F238E27FC236}">
+                <a16:creationId xmlns:a16="http://schemas.microsoft.com/office/drawing/2014/main" id="{471AA9B6-D7D9-3D46-B258-7C700B33D384}"/>
               </a:ext>
             </a:extLst>
           </p:cNvPr>
@@ -13143,6 +13488,583 @@
           <a:bodyPr/>
           <a:lstStyle/>
           <a:p>
+            <a:endParaRPr lang="de-DE"/>
+          </a:p>
+        </p:txBody>
+      </p:sp>
+    </p:spTree>
+    <p:extLst>
+      <p:ext uri="{BB962C8B-B14F-4D97-AF65-F5344CB8AC3E}">
+        <p14:creationId xmlns:p14="http://schemas.microsoft.com/office/powerpoint/2010/main" val="2716521077"/>
+      </p:ext>
+    </p:extLst>
+  </p:cSld>
+  <p:clrMapOvr>
+    <a:masterClrMapping/>
+  </p:clrMapOvr>
+</p:sld>
+</file>
+
+<file path=ppt/slides/slide24.xml><?xml version="1.0" encoding="utf-8"?>
+<p:sld xmlns:a="http://schemas.openxmlformats.org/drawingml/2006/main" xmlns:r="http://schemas.openxmlformats.org/officeDocument/2006/relationships" xmlns:p="http://schemas.openxmlformats.org/presentationml/2006/main">
+  <p:cSld>
+    <p:bg>
+      <p:bgPr>
+        <a:solidFill>
+          <a:schemeClr val="bg1"/>
+        </a:solidFill>
+        <a:effectLst/>
+      </p:bgPr>
+    </p:bg>
+    <p:spTree>
+      <p:nvGrpSpPr>
+        <p:cNvPr id="1" name=""/>
+        <p:cNvGrpSpPr/>
+        <p:nvPr/>
+      </p:nvGrpSpPr>
+      <p:grpSpPr>
+        <a:xfrm>
+          <a:off x="0" y="0"/>
+          <a:ext cx="0" cy="0"/>
+          <a:chOff x="0" y="0"/>
+          <a:chExt cx="0" cy="0"/>
+        </a:xfrm>
+      </p:grpSpPr>
+      <p:sp>
+        <p:nvSpPr>
+          <p:cNvPr id="3" name="Title 2">
+            <a:extLst>
+              <a:ext uri="{FF2B5EF4-FFF2-40B4-BE49-F238E27FC236}">
+                <a16:creationId xmlns:a16="http://schemas.microsoft.com/office/drawing/2014/main" id="{2B0244FE-E892-4648-B9A2-7F22D047434E}"/>
+              </a:ext>
+            </a:extLst>
+          </p:cNvPr>
+          <p:cNvSpPr>
+            <a:spLocks noGrp="1"/>
+          </p:cNvSpPr>
+          <p:nvPr>
+            <p:ph type="title"/>
+          </p:nvPr>
+        </p:nvSpPr>
+        <p:spPr/>
+        <p:txBody>
+          <a:bodyPr vert="horz" lIns="91440" tIns="45720" rIns="91440" bIns="45720" rtlCol="0" anchor="ctr">
+            <a:normAutofit/>
+          </a:bodyPr>
+          <a:lstStyle/>
+          <a:p>
+            <a:r>
+              <a:rPr lang="en-US" sz="3200" b="1" dirty="0"/>
+              <a:t>K-Means (III)</a:t>
+            </a:r>
+          </a:p>
+        </p:txBody>
+      </p:sp>
+      <p:sp>
+        <p:nvSpPr>
+          <p:cNvPr id="4" name="Text Placeholder 3">
+            <a:extLst>
+              <a:ext uri="{FF2B5EF4-FFF2-40B4-BE49-F238E27FC236}">
+                <a16:creationId xmlns:a16="http://schemas.microsoft.com/office/drawing/2014/main" id="{B35DA47D-9D6C-2940-A07F-54E10EBB0DCB}"/>
+              </a:ext>
+            </a:extLst>
+          </p:cNvPr>
+          <p:cNvSpPr>
+            <a:spLocks noGrp="1"/>
+          </p:cNvSpPr>
+          <p:nvPr>
+            <p:ph type="body" idx="1"/>
+          </p:nvPr>
+        </p:nvSpPr>
+        <p:spPr>
+          <a:xfrm>
+            <a:off x="1115568" y="2232742"/>
+            <a:ext cx="4937760" cy="963820"/>
+          </a:xfrm>
+        </p:spPr>
+        <p:txBody>
+          <a:bodyPr>
+            <a:normAutofit fontScale="92500" lnSpcReduction="10000"/>
+          </a:bodyPr>
+          <a:lstStyle/>
+          <a:p>
+            <a:r>
+              <a:rPr lang="de-DE" dirty="0"/>
+              <a:t>Mit Noise:</a:t>
+            </a:r>
+          </a:p>
+          <a:p>
+            <a:r>
+              <a:rPr lang="en-GB" b="0" i="1" dirty="0" err="1"/>
+              <a:t>Frühaufklärung</a:t>
+            </a:r>
+            <a:r>
+              <a:rPr lang="en-GB" b="0" i="1" dirty="0"/>
+              <a:t>/</a:t>
+            </a:r>
+            <a:r>
+              <a:rPr lang="en-GB" b="0" i="1" dirty="0" err="1"/>
+              <a:t>Realismus</a:t>
+            </a:r>
+            <a:endParaRPr lang="en-DE" b="0" i="1" dirty="0"/>
+          </a:p>
+        </p:txBody>
+      </p:sp>
+      <p:sp>
+        <p:nvSpPr>
+          <p:cNvPr id="2" name="Content Placeholder 1">
+            <a:extLst>
+              <a:ext uri="{FF2B5EF4-FFF2-40B4-BE49-F238E27FC236}">
+                <a16:creationId xmlns:a16="http://schemas.microsoft.com/office/drawing/2014/main" id="{175B6127-1DCB-7E4B-AC3F-1C6565294EC7}"/>
+              </a:ext>
+            </a:extLst>
+          </p:cNvPr>
+          <p:cNvSpPr>
+            <a:spLocks noGrp="1"/>
+          </p:cNvSpPr>
+          <p:nvPr>
+            <p:ph sz="half" idx="2"/>
+          </p:nvPr>
+        </p:nvSpPr>
+        <p:spPr/>
+        <p:txBody>
+          <a:bodyPr/>
+          <a:lstStyle/>
+          <a:p>
+            <a:pPr marL="0" indent="0" fontAlgn="ctr">
+              <a:buNone/>
+            </a:pPr>
+            <a:endParaRPr lang="en-DE" sz="3600" b="1" dirty="0"/>
+          </a:p>
+          <a:p>
+            <a:pPr marL="0" indent="0" fontAlgn="ctr">
+              <a:buNone/>
+            </a:pPr>
+            <a:r>
+              <a:rPr lang="en-DE" sz="3600" u="sng" dirty="0"/>
+              <a:t>ari</a:t>
+            </a:r>
+            <a:r>
+              <a:rPr lang="en-DE" sz="3600" dirty="0"/>
+              <a:t>:</a:t>
+            </a:r>
+            <a:r>
+              <a:rPr lang="en-DE" sz="3600" b="1" dirty="0"/>
+              <a:t> </a:t>
+            </a:r>
+            <a:r>
+              <a:rPr lang="en-DE" sz="3600" dirty="0"/>
+              <a:t>0.584472</a:t>
+            </a:r>
+          </a:p>
+          <a:p>
+            <a:pPr marL="0" indent="0" fontAlgn="ctr">
+              <a:buNone/>
+            </a:pPr>
+            <a:r>
+              <a:rPr lang="en-GB" sz="3600" u="sng" dirty="0"/>
+              <a:t>v</a:t>
+            </a:r>
+            <a:r>
+              <a:rPr lang="en-DE" sz="3600" u="sng" dirty="0"/>
+              <a:t>m</a:t>
+            </a:r>
+            <a:r>
+              <a:rPr lang="en-DE" sz="3600" dirty="0"/>
+              <a:t>:</a:t>
+            </a:r>
+            <a:r>
+              <a:rPr lang="en-DE" sz="3600" b="1" dirty="0"/>
+              <a:t> </a:t>
+            </a:r>
+            <a:r>
+              <a:rPr lang="en-DE" sz="3600" dirty="0"/>
+              <a:t>0.457452</a:t>
+            </a:r>
+          </a:p>
+          <a:p>
+            <a:endParaRPr lang="de-DE" dirty="0"/>
+          </a:p>
+        </p:txBody>
+      </p:sp>
+      <p:sp>
+        <p:nvSpPr>
+          <p:cNvPr id="5" name="Text Placeholder 4">
+            <a:extLst>
+              <a:ext uri="{FF2B5EF4-FFF2-40B4-BE49-F238E27FC236}">
+                <a16:creationId xmlns:a16="http://schemas.microsoft.com/office/drawing/2014/main" id="{CA20B989-5657-884A-B280-5A64AF9B1851}"/>
+              </a:ext>
+            </a:extLst>
+          </p:cNvPr>
+          <p:cNvSpPr>
+            <a:spLocks noGrp="1"/>
+          </p:cNvSpPr>
+          <p:nvPr>
+            <p:ph type="body" sz="quarter" idx="3"/>
+          </p:nvPr>
+        </p:nvSpPr>
+        <p:spPr>
+          <a:xfrm>
+            <a:off x="6345936" y="2270924"/>
+            <a:ext cx="4937760" cy="925638"/>
+          </a:xfrm>
+        </p:spPr>
+        <p:txBody>
+          <a:bodyPr>
+            <a:normAutofit fontScale="92500" lnSpcReduction="10000"/>
+          </a:bodyPr>
+          <a:lstStyle/>
+          <a:p>
+            <a:r>
+              <a:rPr lang="de-DE" dirty="0"/>
+              <a:t>Ohne Noise:</a:t>
+            </a:r>
+          </a:p>
+          <a:p>
+            <a:r>
+              <a:rPr lang="en-GB" b="0" i="1" dirty="0" err="1"/>
+              <a:t>Frühaufklärung</a:t>
+            </a:r>
+            <a:r>
+              <a:rPr lang="en-GB" b="0" i="1" dirty="0"/>
+              <a:t>/</a:t>
+            </a:r>
+            <a:r>
+              <a:rPr lang="en-GB" b="0" i="1" dirty="0" err="1"/>
+              <a:t>Realismus</a:t>
+            </a:r>
+            <a:endParaRPr lang="de-DE" dirty="0"/>
+          </a:p>
+        </p:txBody>
+      </p:sp>
+      <p:sp>
+        <p:nvSpPr>
+          <p:cNvPr id="7" name="Content Placeholder 6">
+            <a:extLst>
+              <a:ext uri="{FF2B5EF4-FFF2-40B4-BE49-F238E27FC236}">
+                <a16:creationId xmlns:a16="http://schemas.microsoft.com/office/drawing/2014/main" id="{3A593359-0461-7443-A84D-4EC24765BF43}"/>
+              </a:ext>
+            </a:extLst>
+          </p:cNvPr>
+          <p:cNvSpPr>
+            <a:spLocks noGrp="1"/>
+          </p:cNvSpPr>
+          <p:nvPr>
+            <p:ph sz="quarter" idx="4"/>
+          </p:nvPr>
+        </p:nvSpPr>
+        <p:spPr/>
+        <p:txBody>
+          <a:bodyPr/>
+          <a:lstStyle/>
+          <a:p>
+            <a:pPr marL="0" indent="0" fontAlgn="ctr">
+              <a:buNone/>
+            </a:pPr>
+            <a:endParaRPr lang="en-DE" sz="3600" b="1" dirty="0"/>
+          </a:p>
+          <a:p>
+            <a:pPr marL="0" indent="0" fontAlgn="ctr">
+              <a:buNone/>
+            </a:pPr>
+            <a:r>
+              <a:rPr lang="en-DE" sz="3600" u="sng" dirty="0"/>
+              <a:t>ari</a:t>
+            </a:r>
+            <a:r>
+              <a:rPr lang="en-DE" sz="3600" dirty="0"/>
+              <a:t>:</a:t>
+            </a:r>
+            <a:r>
+              <a:rPr lang="en-DE" sz="3600" b="1" dirty="0"/>
+              <a:t> </a:t>
+            </a:r>
+            <a:r>
+              <a:rPr lang="en-DE" sz="3600" dirty="0"/>
+              <a:t>TODO</a:t>
+            </a:r>
+          </a:p>
+          <a:p>
+            <a:pPr marL="0" indent="0" fontAlgn="ctr">
+              <a:buNone/>
+            </a:pPr>
+            <a:r>
+              <a:rPr lang="en-GB" sz="3600" u="sng" dirty="0"/>
+              <a:t>v</a:t>
+            </a:r>
+            <a:r>
+              <a:rPr lang="en-DE" sz="3600" u="sng" dirty="0"/>
+              <a:t>m</a:t>
+            </a:r>
+            <a:r>
+              <a:rPr lang="en-DE" sz="3600" dirty="0"/>
+              <a:t>:</a:t>
+            </a:r>
+            <a:r>
+              <a:rPr lang="en-DE" sz="3600" b="1" dirty="0"/>
+              <a:t> </a:t>
+            </a:r>
+            <a:r>
+              <a:rPr lang="en-DE" sz="3600" dirty="0"/>
+              <a:t>TODO</a:t>
+            </a:r>
+          </a:p>
+          <a:p>
+            <a:pPr marL="0" indent="0">
+              <a:buNone/>
+            </a:pPr>
+            <a:endParaRPr lang="de-DE" dirty="0"/>
+          </a:p>
+        </p:txBody>
+      </p:sp>
+      <p:sp>
+        <p:nvSpPr>
+          <p:cNvPr id="6" name="TextBox 5">
+            <a:extLst>
+              <a:ext uri="{FF2B5EF4-FFF2-40B4-BE49-F238E27FC236}">
+                <a16:creationId xmlns:a16="http://schemas.microsoft.com/office/drawing/2014/main" id="{68E267DE-B0A6-1F4B-BCC7-2FAF9305A326}"/>
+              </a:ext>
+            </a:extLst>
+          </p:cNvPr>
+          <p:cNvSpPr txBox="1"/>
+          <p:nvPr/>
+        </p:nvSpPr>
+        <p:spPr>
+          <a:xfrm>
+            <a:off x="4804229" y="586822"/>
+            <a:ext cx="6720114" cy="1645920"/>
+          </a:xfrm>
+          <a:prstGeom prst="rect">
+            <a:avLst/>
+          </a:prstGeom>
+        </p:spPr>
+        <p:txBody>
+          <a:bodyPr vert="horz" lIns="91440" tIns="45720" rIns="91440" bIns="45720" numCol="2" rtlCol="0" anchor="ctr">
+            <a:normAutofit/>
+          </a:bodyPr>
+          <a:lstStyle/>
+          <a:p>
+            <a:pPr marL="457200" indent="-228600">
+              <a:spcAft>
+                <a:spcPts val="600"/>
+              </a:spcAft>
+              <a:buFont typeface="Arial" panose="020B0604020202020204" pitchFamily="34" charset="0"/>
+              <a:buChar char="•"/>
+            </a:pPr>
+            <a:r>
+              <a:rPr lang="en-US" dirty="0" err="1"/>
+              <a:t>Einteilung</a:t>
+            </a:r>
+            <a:r>
+              <a:rPr lang="en-US" dirty="0"/>
+              <a:t> </a:t>
+            </a:r>
+            <a:r>
+              <a:rPr lang="en-US" dirty="0" err="1"/>
+              <a:t>nach</a:t>
+            </a:r>
+            <a:r>
+              <a:rPr lang="en-US" dirty="0"/>
+              <a:t> </a:t>
+            </a:r>
+            <a:r>
+              <a:rPr lang="en-US" i="1" dirty="0"/>
+              <a:t>Brenner</a:t>
+            </a:r>
+            <a:endParaRPr lang="en-US" b="1" i="1" dirty="0"/>
+          </a:p>
+          <a:p>
+            <a:pPr marL="457200" indent="-228600">
+              <a:spcAft>
+                <a:spcPts val="600"/>
+              </a:spcAft>
+              <a:buFont typeface="Arial" panose="020B0604020202020204" pitchFamily="34" charset="0"/>
+              <a:buChar char="•"/>
+            </a:pPr>
+            <a:r>
+              <a:rPr lang="en-US" b="1" dirty="0" err="1"/>
+              <a:t>Dimensionsreduktion</a:t>
+            </a:r>
+            <a:endParaRPr lang="en-US" b="1" dirty="0"/>
+          </a:p>
+          <a:p>
+            <a:pPr marL="457200" indent="-228600">
+              <a:spcAft>
+                <a:spcPts val="600"/>
+              </a:spcAft>
+              <a:buFont typeface="Arial" panose="020B0604020202020204" pitchFamily="34" charset="0"/>
+              <a:buChar char="•"/>
+            </a:pPr>
+            <a:r>
+              <a:rPr lang="en-US" dirty="0" err="1"/>
+              <a:t>Ohne</a:t>
+            </a:r>
+            <a:r>
+              <a:rPr lang="en-US" dirty="0"/>
+              <a:t> </a:t>
+            </a:r>
+            <a:r>
+              <a:rPr lang="en-US" dirty="0" err="1"/>
+              <a:t>Epoche</a:t>
+            </a:r>
+            <a:r>
+              <a:rPr lang="en-US" dirty="0"/>
+              <a:t> „</a:t>
+            </a:r>
+            <a:r>
+              <a:rPr lang="en-US" dirty="0" err="1"/>
+              <a:t>Klassik</a:t>
+            </a:r>
+            <a:r>
+              <a:rPr lang="en-US" dirty="0"/>
+              <a:t>/</a:t>
+            </a:r>
+            <a:r>
+              <a:rPr lang="en-US" dirty="0" err="1"/>
+              <a:t>Romantik</a:t>
+            </a:r>
+            <a:r>
+              <a:rPr lang="en-US" dirty="0"/>
+              <a:t>“</a:t>
+            </a:r>
+          </a:p>
+          <a:p>
+            <a:pPr marL="457200" indent="-228600">
+              <a:spcAft>
+                <a:spcPts val="600"/>
+              </a:spcAft>
+              <a:buFont typeface="Arial" panose="020B0604020202020204" pitchFamily="34" charset="0"/>
+              <a:buChar char="•"/>
+            </a:pPr>
+            <a:r>
+              <a:rPr lang="en-US" dirty="0"/>
+              <a:t>Lowercase</a:t>
+            </a:r>
+          </a:p>
+          <a:p>
+            <a:pPr marL="457200" indent="-228600">
+              <a:spcAft>
+                <a:spcPts val="600"/>
+              </a:spcAft>
+              <a:buFont typeface="Arial" panose="020B0604020202020204" pitchFamily="34" charset="0"/>
+              <a:buChar char="•"/>
+            </a:pPr>
+            <a:r>
+              <a:rPr lang="en-US" dirty="0" err="1"/>
+              <a:t>Stoppwörter</a:t>
+            </a:r>
+            <a:r>
+              <a:rPr lang="en-US" dirty="0"/>
+              <a:t> </a:t>
+            </a:r>
+            <a:r>
+              <a:rPr lang="en-US" u="sng" dirty="0" err="1"/>
+              <a:t>entfernt</a:t>
+            </a:r>
+            <a:endParaRPr lang="en-US" dirty="0"/>
+          </a:p>
+          <a:p>
+            <a:pPr marL="457200" indent="-228600">
+              <a:spcAft>
+                <a:spcPts val="600"/>
+              </a:spcAft>
+              <a:buFont typeface="Arial" panose="020B0604020202020204" pitchFamily="34" charset="0"/>
+              <a:buChar char="•"/>
+            </a:pPr>
+            <a:r>
+              <a:rPr lang="en-US" dirty="0"/>
+              <a:t>10000 mf</a:t>
+            </a:r>
+          </a:p>
+        </p:txBody>
+      </p:sp>
+    </p:spTree>
+    <p:extLst>
+      <p:ext uri="{BB962C8B-B14F-4D97-AF65-F5344CB8AC3E}">
+        <p14:creationId xmlns:p14="http://schemas.microsoft.com/office/powerpoint/2010/main" val="3137594439"/>
+      </p:ext>
+    </p:extLst>
+  </p:cSld>
+  <p:clrMapOvr>
+    <a:masterClrMapping/>
+  </p:clrMapOvr>
+</p:sld>
+</file>
+
+<file path=ppt/slides/slide25.xml><?xml version="1.0" encoding="utf-8"?>
+<p:sld xmlns:a="http://schemas.openxmlformats.org/drawingml/2006/main" xmlns:r="http://schemas.openxmlformats.org/officeDocument/2006/relationships" xmlns:p="http://schemas.openxmlformats.org/presentationml/2006/main">
+  <p:cSld>
+    <p:spTree>
+      <p:nvGrpSpPr>
+        <p:cNvPr id="1" name=""/>
+        <p:cNvGrpSpPr/>
+        <p:nvPr/>
+      </p:nvGrpSpPr>
+      <p:grpSpPr>
+        <a:xfrm>
+          <a:off x="0" y="0"/>
+          <a:ext cx="0" cy="0"/>
+          <a:chOff x="0" y="0"/>
+          <a:chExt cx="0" cy="0"/>
+        </a:xfrm>
+      </p:grpSpPr>
+      <p:sp>
+        <p:nvSpPr>
+          <p:cNvPr id="5" name="Title 4">
+            <a:extLst>
+              <a:ext uri="{FF2B5EF4-FFF2-40B4-BE49-F238E27FC236}">
+                <a16:creationId xmlns:a16="http://schemas.microsoft.com/office/drawing/2014/main" id="{3E3FFB06-5C6D-5E47-86E7-69D84771AB3B}"/>
+              </a:ext>
+            </a:extLst>
+          </p:cNvPr>
+          <p:cNvSpPr>
+            <a:spLocks noGrp="1"/>
+          </p:cNvSpPr>
+          <p:nvPr>
+            <p:ph type="title"/>
+          </p:nvPr>
+        </p:nvSpPr>
+        <p:spPr/>
+        <p:txBody>
+          <a:bodyPr/>
+          <a:lstStyle/>
+          <a:p>
+            <a:r>
+              <a:rPr lang="de-DE" dirty="0"/>
+              <a:t>Weitere </a:t>
+            </a:r>
+            <a:r>
+              <a:rPr lang="de-DE" dirty="0" err="1"/>
+              <a:t>To</a:t>
+            </a:r>
+            <a:r>
+              <a:rPr lang="de-DE" dirty="0"/>
+              <a:t>-Dos:</a:t>
+            </a:r>
+          </a:p>
+        </p:txBody>
+      </p:sp>
+      <p:sp>
+        <p:nvSpPr>
+          <p:cNvPr id="6" name="Content Placeholder 5">
+            <a:extLst>
+              <a:ext uri="{FF2B5EF4-FFF2-40B4-BE49-F238E27FC236}">
+                <a16:creationId xmlns:a16="http://schemas.microsoft.com/office/drawing/2014/main" id="{D2A8664A-FE4A-3445-8CA1-BF179C75CBDA}"/>
+              </a:ext>
+            </a:extLst>
+          </p:cNvPr>
+          <p:cNvSpPr>
+            <a:spLocks noGrp="1"/>
+          </p:cNvSpPr>
+          <p:nvPr>
+            <p:ph idx="1"/>
+          </p:nvPr>
+        </p:nvSpPr>
+        <p:spPr/>
+        <p:txBody>
+          <a:bodyPr/>
+          <a:lstStyle/>
+          <a:p>
             <a:r>
               <a:rPr lang="de-DE" b="1" dirty="0"/>
               <a:t>Noise </a:t>
@@ -13155,19 +14077,41 @@
           <a:p>
             <a:r>
               <a:rPr lang="de-DE" dirty="0"/>
-              <a:t>Gedichte anreichern </a:t>
+              <a:t>Gedichte </a:t>
+            </a:r>
+            <a:r>
+              <a:rPr lang="de-DE" b="1" dirty="0"/>
+              <a:t>anreichern</a:t>
+            </a:r>
+            <a:r>
+              <a:rPr lang="de-DE" dirty="0"/>
+              <a:t> </a:t>
             </a:r>
             <a:r>
               <a:rPr lang="de-DE" dirty="0">
                 <a:sym typeface="Wingdings" pitchFamily="2" charset="2"/>
               </a:rPr>
-              <a:t> Gedichte eines Jahres eines Dichter in einem </a:t>
-            </a:r>
-            <a:r>
-              <a:rPr lang="de-DE">
+              <a:t> Gedichte eines Jahres eines Dichter in einem Gedicht zusammenfassen</a:t>
+            </a:r>
+          </a:p>
+          <a:p>
+            <a:r>
+              <a:rPr lang="de-DE" dirty="0">
                 <a:sym typeface="Wingdings" pitchFamily="2" charset="2"/>
               </a:rPr>
-              <a:t>Gedicht zusammenfassen</a:t>
+              <a:t>Problematische Gedichte finden (Umkehrschluss: Gedichte/Dichter finden, die sich gut </a:t>
+            </a:r>
+            <a:r>
+              <a:rPr lang="de-DE" dirty="0" err="1">
+                <a:sym typeface="Wingdings" pitchFamily="2" charset="2"/>
+              </a:rPr>
+              <a:t>clustern</a:t>
+            </a:r>
+            <a:r>
+              <a:rPr lang="de-DE" dirty="0">
+                <a:sym typeface="Wingdings" pitchFamily="2" charset="2"/>
+              </a:rPr>
+              <a:t> lassen)</a:t>
             </a:r>
             <a:endParaRPr lang="de-DE" dirty="0"/>
           </a:p>
@@ -13186,7 +14130,7 @@
 </p:sld>
 </file>
 
-<file path=ppt/slides/slide22.xml><?xml version="1.0" encoding="utf-8"?>
+<file path=ppt/slides/slide26.xml><?xml version="1.0" encoding="utf-8"?>
 <p:sld xmlns:a="http://schemas.openxmlformats.org/drawingml/2006/main" xmlns:r="http://schemas.openxmlformats.org/officeDocument/2006/relationships" xmlns:p="http://schemas.openxmlformats.org/presentationml/2006/main" show="0">
   <p:cSld>
     <p:spTree>
@@ -14356,8 +15300,8 @@
 </p:sld>
 </file>
 
-<file path=ppt/slides/slide23.xml><?xml version="1.0" encoding="utf-8"?>
-<p:sld xmlns:a="http://schemas.openxmlformats.org/drawingml/2006/main" xmlns:r="http://schemas.openxmlformats.org/officeDocument/2006/relationships" xmlns:p="http://schemas.openxmlformats.org/presentationml/2006/main" show="0">
+<file path=ppt/slides/slide27.xml><?xml version="1.0" encoding="utf-8"?>
+<p:sld xmlns:a="http://schemas.openxmlformats.org/drawingml/2006/main" xmlns:r="http://schemas.openxmlformats.org/officeDocument/2006/relationships" xmlns:p="http://schemas.openxmlformats.org/presentationml/2006/main">
   <p:cSld>
     <p:spTree>
       <p:nvGrpSpPr>
@@ -14378,7 +15322,7 @@
           <p:cNvPr id="2" name="Title 1">
             <a:extLst>
               <a:ext uri="{FF2B5EF4-FFF2-40B4-BE49-F238E27FC236}">
-                <a16:creationId xmlns:a16="http://schemas.microsoft.com/office/drawing/2014/main" id="{063AA53C-864D-6646-B7F5-E5F30B0CB046}"/>
+                <a16:creationId xmlns:a16="http://schemas.microsoft.com/office/drawing/2014/main" id="{78F2E4E8-04EB-0142-91AE-BC0C88F0C119}"/>
               </a:ext>
             </a:extLst>
           </p:cNvPr>
@@ -14391,207 +15335,20 @@
         </p:nvSpPr>
         <p:spPr/>
         <p:txBody>
-          <a:bodyPr>
-            <a:normAutofit fontScale="90000"/>
-          </a:bodyPr>
+          <a:bodyPr/>
           <a:lstStyle/>
           <a:p>
             <a:r>
               <a:rPr lang="de-DE" b="1" dirty="0"/>
-              <a:t>Vergleich:</a:t>
-            </a:r>
-            <a:br>
-              <a:rPr lang="de-DE" b="1" dirty="0"/>
-            </a:br>
-            <a:r>
-              <a:rPr lang="de-DE" b="1" dirty="0"/>
-              <a:t>Sturm &amp; Drang </a:t>
-            </a:r>
-            <a:r>
-              <a:rPr lang="de-DE" dirty="0"/>
-              <a:t>(1765-1786)* und </a:t>
-            </a:r>
-            <a:br>
-              <a:rPr lang="de-DE"/>
-            </a:br>
-            <a:r>
-              <a:rPr lang="de-DE" b="1"/>
-              <a:t>Klassik </a:t>
-            </a:r>
-            <a:r>
-              <a:rPr lang="de-DE" dirty="0"/>
-              <a:t>(1786-1833)*</a:t>
-            </a:r>
-            <a:br>
-              <a:rPr lang="de-DE" b="1" dirty="0"/>
-            </a:br>
-            <a:br>
-              <a:rPr lang="de-DE" sz="2800" b="1" dirty="0"/>
-            </a:br>
-            <a:r>
-              <a:rPr lang="de-DE" sz="2000" dirty="0"/>
-              <a:t>*</a:t>
-            </a:r>
-            <a:r>
-              <a:rPr lang="de-DE" sz="2200" dirty="0"/>
-              <a:t> Einteilung nach </a:t>
-            </a:r>
-            <a:r>
-              <a:rPr lang="en-GB" sz="2000" dirty="0"/>
-              <a:t>BRENNER, Peter J., Neue deutsche </a:t>
-            </a:r>
-            <a:r>
-              <a:rPr lang="en-GB" sz="2000" dirty="0" err="1"/>
-              <a:t>Literaturgeschichte</a:t>
-            </a:r>
-            <a:r>
-              <a:rPr lang="en-GB" sz="2000" dirty="0"/>
-              <a:t>. </a:t>
-            </a:r>
-            <a:r>
-              <a:rPr lang="en-GB" sz="2000" dirty="0" err="1"/>
-              <a:t>Vom</a:t>
-            </a:r>
-            <a:r>
-              <a:rPr lang="en-GB" sz="2000" dirty="0"/>
-              <a:t> "Ackermann" </a:t>
-            </a:r>
-            <a:r>
-              <a:rPr lang="en-GB" sz="2000" dirty="0" err="1"/>
-              <a:t>zu</a:t>
-            </a:r>
-            <a:r>
-              <a:rPr lang="en-GB" sz="2000" dirty="0"/>
-              <a:t> Günter Grass, Berlin 1996.</a:t>
-            </a:r>
-            <a:endParaRPr lang="de-DE" b="1" dirty="0"/>
+              <a:t>5.  Schlussbetrachtung</a:t>
+            </a:r>
           </a:p>
         </p:txBody>
       </p:sp>
     </p:spTree>
     <p:extLst>
       <p:ext uri="{BB962C8B-B14F-4D97-AF65-F5344CB8AC3E}">
-        <p14:creationId xmlns:p14="http://schemas.microsoft.com/office/powerpoint/2010/main" val="4149527054"/>
-      </p:ext>
-    </p:extLst>
-  </p:cSld>
-  <p:clrMapOvr>
-    <a:masterClrMapping/>
-  </p:clrMapOvr>
-</p:sld>
-</file>
-
-<file path=ppt/slides/slide24.xml><?xml version="1.0" encoding="utf-8"?>
-<p:sld xmlns:a="http://schemas.openxmlformats.org/drawingml/2006/main" xmlns:r="http://schemas.openxmlformats.org/officeDocument/2006/relationships" xmlns:p="http://schemas.openxmlformats.org/presentationml/2006/main" show="0">
-  <p:cSld>
-    <p:spTree>
-      <p:nvGrpSpPr>
-        <p:cNvPr id="1" name=""/>
-        <p:cNvGrpSpPr/>
-        <p:nvPr/>
-      </p:nvGrpSpPr>
-      <p:grpSpPr>
-        <a:xfrm>
-          <a:off x="0" y="0"/>
-          <a:ext cx="0" cy="0"/>
-          <a:chOff x="0" y="0"/>
-          <a:chExt cx="0" cy="0"/>
-        </a:xfrm>
-      </p:grpSpPr>
-      <p:pic>
-        <p:nvPicPr>
-          <p:cNvPr id="15" name="Picture 14" descr="A picture containing rain&#10;&#10;Description automatically generated">
-            <a:extLst>
-              <a:ext uri="{FF2B5EF4-FFF2-40B4-BE49-F238E27FC236}">
-                <a16:creationId xmlns:a16="http://schemas.microsoft.com/office/drawing/2014/main" id="{3F27A597-F4D2-B44F-8EDB-D74F08387266}"/>
-              </a:ext>
-            </a:extLst>
-          </p:cNvPr>
-          <p:cNvPicPr>
-            <a:picLocks noChangeAspect="1"/>
-          </p:cNvPicPr>
-          <p:nvPr/>
-        </p:nvPicPr>
-        <p:blipFill>
-          <a:blip r:embed="rId2"/>
-          <a:stretch>
-            <a:fillRect/>
-          </a:stretch>
-        </p:blipFill>
-        <p:spPr>
-          <a:xfrm>
-            <a:off x="1809750" y="0"/>
-            <a:ext cx="8572500" cy="6858000"/>
-          </a:xfrm>
-          <a:prstGeom prst="rect">
-            <a:avLst/>
-          </a:prstGeom>
-        </p:spPr>
-      </p:pic>
-    </p:spTree>
-    <p:extLst>
-      <p:ext uri="{BB962C8B-B14F-4D97-AF65-F5344CB8AC3E}">
-        <p14:creationId xmlns:p14="http://schemas.microsoft.com/office/powerpoint/2010/main" val="1665165000"/>
-      </p:ext>
-    </p:extLst>
-  </p:cSld>
-  <p:clrMapOvr>
-    <a:masterClrMapping/>
-  </p:clrMapOvr>
-</p:sld>
-</file>
-
-<file path=ppt/slides/slide25.xml><?xml version="1.0" encoding="utf-8"?>
-<p:sld xmlns:a="http://schemas.openxmlformats.org/drawingml/2006/main" xmlns:r="http://schemas.openxmlformats.org/officeDocument/2006/relationships" xmlns:p="http://schemas.openxmlformats.org/presentationml/2006/main" show="0">
-  <p:cSld>
-    <p:spTree>
-      <p:nvGrpSpPr>
-        <p:cNvPr id="1" name=""/>
-        <p:cNvGrpSpPr/>
-        <p:nvPr/>
-      </p:nvGrpSpPr>
-      <p:grpSpPr>
-        <a:xfrm>
-          <a:off x="0" y="0"/>
-          <a:ext cx="0" cy="0"/>
-          <a:chOff x="0" y="0"/>
-          <a:chExt cx="0" cy="0"/>
-        </a:xfrm>
-      </p:grpSpPr>
-      <p:pic>
-        <p:nvPicPr>
-          <p:cNvPr id="5" name="Picture 4" descr="A picture containing rain&#10;&#10;Description automatically generated">
-            <a:extLst>
-              <a:ext uri="{FF2B5EF4-FFF2-40B4-BE49-F238E27FC236}">
-                <a16:creationId xmlns:a16="http://schemas.microsoft.com/office/drawing/2014/main" id="{67D44603-EB92-034D-B50C-BE9A4E7EB53B}"/>
-              </a:ext>
-            </a:extLst>
-          </p:cNvPr>
-          <p:cNvPicPr>
-            <a:picLocks noChangeAspect="1"/>
-          </p:cNvPicPr>
-          <p:nvPr/>
-        </p:nvPicPr>
-        <p:blipFill>
-          <a:blip r:embed="rId3"/>
-          <a:stretch>
-            <a:fillRect/>
-          </a:stretch>
-        </p:blipFill>
-        <p:spPr>
-          <a:xfrm>
-            <a:off x="1809750" y="0"/>
-            <a:ext cx="8572500" cy="6858000"/>
-          </a:xfrm>
-          <a:prstGeom prst="rect">
-            <a:avLst/>
-          </a:prstGeom>
-        </p:spPr>
-      </p:pic>
-    </p:spTree>
-    <p:extLst>
-      <p:ext uri="{BB962C8B-B14F-4D97-AF65-F5344CB8AC3E}">
-        <p14:creationId xmlns:p14="http://schemas.microsoft.com/office/powerpoint/2010/main" val="2453484216"/>
+        <p14:creationId xmlns:p14="http://schemas.microsoft.com/office/powerpoint/2010/main" val="4052262941"/>
       </p:ext>
     </p:extLst>
   </p:cSld>
@@ -14641,7 +15398,7 @@
           <a:p>
             <a:r>
               <a:rPr lang="de-DE" b="1" dirty="0"/>
-              <a:t>Epochenbegriff und –</a:t>
+              <a:t>1.  Epochenbegriff und –	</a:t>
             </a:r>
             <a:r>
               <a:rPr lang="de-DE" b="1" dirty="0" err="1"/>
@@ -15231,7 +15988,7 @@
           <a:p>
             <a:r>
               <a:rPr lang="de-DE" b="1" dirty="0"/>
-              <a:t>Das Korpus</a:t>
+              <a:t>2.  Das Korpus</a:t>
             </a:r>
             <a:endParaRPr lang="de-DE" dirty="0"/>
           </a:p>

--- a/literature & presentation/clustering_presentation.pptx
+++ b/literature & presentation/clustering_presentation.pptx
@@ -5,7 +5,7 @@
     <p:sldMasterId id="2147483732" r:id="rId1"/>
   </p:sldMasterIdLst>
   <p:notesMasterIdLst>
-    <p:notesMasterId r:id="rId29"/>
+    <p:notesMasterId r:id="rId32"/>
   </p:notesMasterIdLst>
   <p:sldIdLst>
     <p:sldId id="256" r:id="rId2"/>
@@ -25,16 +25,19 @@
     <p:sldId id="303" r:id="rId16"/>
     <p:sldId id="294" r:id="rId17"/>
     <p:sldId id="296" r:id="rId18"/>
-    <p:sldId id="295" r:id="rId19"/>
-    <p:sldId id="300" r:id="rId20"/>
-    <p:sldId id="297" r:id="rId21"/>
-    <p:sldId id="301" r:id="rId22"/>
-    <p:sldId id="305" r:id="rId23"/>
-    <p:sldId id="306" r:id="rId24"/>
-    <p:sldId id="307" r:id="rId25"/>
-    <p:sldId id="302" r:id="rId26"/>
-    <p:sldId id="299" r:id="rId27"/>
-    <p:sldId id="304" r:id="rId28"/>
+    <p:sldId id="308" r:id="rId19"/>
+    <p:sldId id="295" r:id="rId20"/>
+    <p:sldId id="300" r:id="rId21"/>
+    <p:sldId id="297" r:id="rId22"/>
+    <p:sldId id="301" r:id="rId23"/>
+    <p:sldId id="309" r:id="rId24"/>
+    <p:sldId id="310" r:id="rId25"/>
+    <p:sldId id="311" r:id="rId26"/>
+    <p:sldId id="305" r:id="rId27"/>
+    <p:sldId id="307" r:id="rId28"/>
+    <p:sldId id="302" r:id="rId29"/>
+    <p:sldId id="299" r:id="rId30"/>
+    <p:sldId id="304" r:id="rId31"/>
   </p:sldIdLst>
   <p:sldSz cx="12192000" cy="6858000"/>
   <p:notesSz cx="6858000" cy="9144000"/>
@@ -1662,7 +1665,7 @@
           <a:p>
             <a:fld id="{49FFD0F6-1B54-1D42-B676-41E105B9815E}" type="slidenum">
               <a:rPr lang="de-DE" smtClean="0"/>
-              <a:t>18</a:t>
+              <a:t>19</a:t>
             </a:fld>
             <a:endParaRPr lang="de-DE"/>
           </a:p>
@@ -1754,7 +1757,7 @@
           <a:p>
             <a:fld id="{49FFD0F6-1B54-1D42-B676-41E105B9815E}" type="slidenum">
               <a:rPr lang="de-DE" smtClean="0"/>
-              <a:t>20</a:t>
+              <a:t>21</a:t>
             </a:fld>
             <a:endParaRPr lang="de-DE"/>
           </a:p>
@@ -1847,6 +1850,98 @@
             <a:fld id="{49FFD0F6-1B54-1D42-B676-41E105B9815E}" type="slidenum">
               <a:rPr lang="de-DE" smtClean="0"/>
               <a:t>24</a:t>
+            </a:fld>
+            <a:endParaRPr lang="de-DE"/>
+          </a:p>
+        </p:txBody>
+      </p:sp>
+    </p:spTree>
+    <p:extLst>
+      <p:ext uri="{BB962C8B-B14F-4D97-AF65-F5344CB8AC3E}">
+        <p14:creationId xmlns:p14="http://schemas.microsoft.com/office/powerpoint/2010/main" val="1312082211"/>
+      </p:ext>
+    </p:extLst>
+  </p:cSld>
+  <p:clrMapOvr>
+    <a:masterClrMapping/>
+  </p:clrMapOvr>
+</p:notes>
+</file>
+
+<file path=ppt/notesSlides/notesSlide7.xml><?xml version="1.0" encoding="utf-8"?>
+<p:notes xmlns:a="http://schemas.openxmlformats.org/drawingml/2006/main" xmlns:r="http://schemas.openxmlformats.org/officeDocument/2006/relationships" xmlns:p="http://schemas.openxmlformats.org/presentationml/2006/main">
+  <p:cSld>
+    <p:spTree>
+      <p:nvGrpSpPr>
+        <p:cNvPr id="1" name=""/>
+        <p:cNvGrpSpPr/>
+        <p:nvPr/>
+      </p:nvGrpSpPr>
+      <p:grpSpPr>
+        <a:xfrm>
+          <a:off x="0" y="0"/>
+          <a:ext cx="0" cy="0"/>
+          <a:chOff x="0" y="0"/>
+          <a:chExt cx="0" cy="0"/>
+        </a:xfrm>
+      </p:grpSpPr>
+      <p:sp>
+        <p:nvSpPr>
+          <p:cNvPr id="2" name="Slide Image Placeholder 1"/>
+          <p:cNvSpPr>
+            <a:spLocks noGrp="1" noRot="1" noChangeAspect="1"/>
+          </p:cNvSpPr>
+          <p:nvPr>
+            <p:ph type="sldImg"/>
+          </p:nvPr>
+        </p:nvSpPr>
+        <p:spPr/>
+      </p:sp>
+      <p:sp>
+        <p:nvSpPr>
+          <p:cNvPr id="3" name="Notes Placeholder 2"/>
+          <p:cNvSpPr>
+            <a:spLocks noGrp="1"/>
+          </p:cNvSpPr>
+          <p:nvPr>
+            <p:ph type="body" idx="1"/>
+          </p:nvPr>
+        </p:nvSpPr>
+        <p:spPr/>
+        <p:txBody>
+          <a:bodyPr/>
+          <a:lstStyle/>
+          <a:p>
+            <a:r>
+              <a:rPr lang="de-DE" dirty="0"/>
+              <a:t>Dimensionsreduktion: </a:t>
+            </a:r>
+            <a:r>
+              <a:rPr lang="de-DE" b="1" dirty="0" err="1"/>
+              <a:t>TruncatedSVD</a:t>
+            </a:r>
+            <a:endParaRPr lang="de-DE" b="1" dirty="0"/>
+          </a:p>
+        </p:txBody>
+      </p:sp>
+      <p:sp>
+        <p:nvSpPr>
+          <p:cNvPr id="4" name="Slide Number Placeholder 3"/>
+          <p:cNvSpPr>
+            <a:spLocks noGrp="1"/>
+          </p:cNvSpPr>
+          <p:nvPr>
+            <p:ph type="sldNum" sz="quarter" idx="5"/>
+          </p:nvPr>
+        </p:nvSpPr>
+        <p:spPr/>
+        <p:txBody>
+          <a:bodyPr/>
+          <a:lstStyle/>
+          <a:p>
+            <a:fld id="{49FFD0F6-1B54-1D42-B676-41E105B9815E}" type="slidenum">
+              <a:rPr lang="de-DE" smtClean="0"/>
+              <a:t>27</a:t>
             </a:fld>
             <a:endParaRPr lang="de-DE"/>
           </a:p>
@@ -8587,6 +8682,66 @@
 <file path=ppt/slides/slide18.xml><?xml version="1.0" encoding="utf-8"?>
 <p:sld xmlns:a="http://schemas.openxmlformats.org/drawingml/2006/main" xmlns:r="http://schemas.openxmlformats.org/officeDocument/2006/relationships" xmlns:p="http://schemas.openxmlformats.org/presentationml/2006/main">
   <p:cSld>
+    <p:spTree>
+      <p:nvGrpSpPr>
+        <p:cNvPr id="1" name=""/>
+        <p:cNvGrpSpPr/>
+        <p:nvPr/>
+      </p:nvGrpSpPr>
+      <p:grpSpPr>
+        <a:xfrm>
+          <a:off x="0" y="0"/>
+          <a:ext cx="0" cy="0"/>
+          <a:chOff x="0" y="0"/>
+          <a:chExt cx="0" cy="0"/>
+        </a:xfrm>
+      </p:grpSpPr>
+      <p:sp>
+        <p:nvSpPr>
+          <p:cNvPr id="2" name="Title 1">
+            <a:extLst>
+              <a:ext uri="{FF2B5EF4-FFF2-40B4-BE49-F238E27FC236}">
+                <a16:creationId xmlns:a16="http://schemas.microsoft.com/office/drawing/2014/main" id="{DCBE102F-D2BB-3946-AEF1-AE93DF5165E5}"/>
+              </a:ext>
+            </a:extLst>
+          </p:cNvPr>
+          <p:cNvSpPr>
+            <a:spLocks noGrp="1"/>
+          </p:cNvSpPr>
+          <p:nvPr>
+            <p:ph type="title"/>
+          </p:nvPr>
+        </p:nvSpPr>
+        <p:spPr/>
+        <p:txBody>
+          <a:bodyPr>
+            <a:normAutofit/>
+          </a:bodyPr>
+          <a:lstStyle/>
+          <a:p>
+            <a:r>
+              <a:rPr lang="de-DE" sz="4800" b="1" dirty="0"/>
+              <a:t>4.1.1. Reduktion der Dimension  </a:t>
+            </a:r>
+          </a:p>
+        </p:txBody>
+      </p:sp>
+    </p:spTree>
+    <p:extLst>
+      <p:ext uri="{BB962C8B-B14F-4D97-AF65-F5344CB8AC3E}">
+        <p14:creationId xmlns:p14="http://schemas.microsoft.com/office/powerpoint/2010/main" val="1405598632"/>
+      </p:ext>
+    </p:extLst>
+  </p:cSld>
+  <p:clrMapOvr>
+    <a:masterClrMapping/>
+  </p:clrMapOvr>
+</p:sld>
+</file>
+
+<file path=ppt/slides/slide19.xml><?xml version="1.0" encoding="utf-8"?>
+<p:sld xmlns:a="http://schemas.openxmlformats.org/drawingml/2006/main" xmlns:r="http://schemas.openxmlformats.org/officeDocument/2006/relationships" xmlns:p="http://schemas.openxmlformats.org/presentationml/2006/main">
+  <p:cSld>
     <p:bg>
       <p:bgPr>
         <a:solidFill>
@@ -9806,7 +9961,133 @@
 </p:sld>
 </file>
 
-<file path=ppt/slides/slide19.xml><?xml version="1.0" encoding="utf-8"?>
+<file path=ppt/slides/slide2.xml><?xml version="1.0" encoding="utf-8"?>
+<p:sld xmlns:a="http://schemas.openxmlformats.org/drawingml/2006/main" xmlns:r="http://schemas.openxmlformats.org/officeDocument/2006/relationships" xmlns:p="http://schemas.openxmlformats.org/presentationml/2006/main">
+  <p:cSld>
+    <p:spTree>
+      <p:nvGrpSpPr>
+        <p:cNvPr id="1" name=""/>
+        <p:cNvGrpSpPr/>
+        <p:nvPr/>
+      </p:nvGrpSpPr>
+      <p:grpSpPr>
+        <a:xfrm>
+          <a:off x="0" y="0"/>
+          <a:ext cx="0" cy="0"/>
+          <a:chOff x="0" y="0"/>
+          <a:chExt cx="0" cy="0"/>
+        </a:xfrm>
+      </p:grpSpPr>
+      <p:sp>
+        <p:nvSpPr>
+          <p:cNvPr id="2" name="Title 1">
+            <a:extLst>
+              <a:ext uri="{FF2B5EF4-FFF2-40B4-BE49-F238E27FC236}">
+                <a16:creationId xmlns:a16="http://schemas.microsoft.com/office/drawing/2014/main" id="{ABBD1032-7C21-EB45-88CD-39E1CDFCEED7}"/>
+              </a:ext>
+            </a:extLst>
+          </p:cNvPr>
+          <p:cNvSpPr>
+            <a:spLocks noGrp="1"/>
+          </p:cNvSpPr>
+          <p:nvPr>
+            <p:ph type="title"/>
+          </p:nvPr>
+        </p:nvSpPr>
+        <p:spPr/>
+        <p:txBody>
+          <a:bodyPr/>
+          <a:lstStyle/>
+          <a:p>
+            <a:r>
+              <a:rPr lang="en-DE" dirty="0"/>
+              <a:t>Übersicht</a:t>
+            </a:r>
+          </a:p>
+        </p:txBody>
+      </p:sp>
+      <p:sp>
+        <p:nvSpPr>
+          <p:cNvPr id="3" name="Content Placeholder 2">
+            <a:extLst>
+              <a:ext uri="{FF2B5EF4-FFF2-40B4-BE49-F238E27FC236}">
+                <a16:creationId xmlns:a16="http://schemas.microsoft.com/office/drawing/2014/main" id="{80899769-BBF7-274C-B579-0AE87166EDED}"/>
+              </a:ext>
+            </a:extLst>
+          </p:cNvPr>
+          <p:cNvSpPr>
+            <a:spLocks noGrp="1"/>
+          </p:cNvSpPr>
+          <p:nvPr>
+            <p:ph idx="1"/>
+          </p:nvPr>
+        </p:nvSpPr>
+        <p:spPr/>
+        <p:txBody>
+          <a:bodyPr/>
+          <a:lstStyle/>
+          <a:p>
+            <a:pPr marL="514350" indent="-514350">
+              <a:buAutoNum type="arabicPeriod"/>
+            </a:pPr>
+            <a:r>
+              <a:rPr lang="en-DE" dirty="0"/>
+              <a:t>Kurzer Überblick zum Epochenbegriff und –einteilung</a:t>
+            </a:r>
+          </a:p>
+          <a:p>
+            <a:pPr marL="514350" indent="-514350">
+              <a:buAutoNum type="arabicPeriod"/>
+            </a:pPr>
+            <a:r>
+              <a:rPr lang="en-DE" dirty="0"/>
+              <a:t>Das Korpus</a:t>
+            </a:r>
+          </a:p>
+          <a:p>
+            <a:pPr marL="514350" indent="-514350">
+              <a:buAutoNum type="arabicPeriod"/>
+            </a:pPr>
+            <a:r>
+              <a:rPr lang="en-GB" dirty="0" err="1"/>
+              <a:t>Fragestellungen</a:t>
+            </a:r>
+            <a:endParaRPr lang="en-DE" dirty="0"/>
+          </a:p>
+          <a:p>
+            <a:pPr marL="514350" indent="-514350">
+              <a:buAutoNum type="arabicPeriod"/>
+            </a:pPr>
+            <a:r>
+              <a:rPr lang="en-DE" dirty="0"/>
+              <a:t>Experimente</a:t>
+            </a:r>
+          </a:p>
+          <a:p>
+            <a:pPr marL="514350" indent="-514350">
+              <a:buAutoNum type="arabicPeriod"/>
+            </a:pPr>
+            <a:r>
+              <a:rPr lang="en-DE" dirty="0"/>
+              <a:t>Schlussbetrachtung</a:t>
+            </a:r>
+          </a:p>
+        </p:txBody>
+      </p:sp>
+    </p:spTree>
+    <p:extLst>
+      <p:ext uri="{BB962C8B-B14F-4D97-AF65-F5344CB8AC3E}">
+        <p14:creationId xmlns:p14="http://schemas.microsoft.com/office/powerpoint/2010/main" val="2653683036"/>
+      </p:ext>
+    </p:extLst>
+  </p:cSld>
+  <p:clrMapOvr>
+    <a:masterClrMapping/>
+  </p:clrMapOvr>
+</p:sld>
+</file>
+
+<file path=ppt/slides/slide20.xml><?xml version="1.0" encoding="utf-8"?>
 <p:sld xmlns:a="http://schemas.openxmlformats.org/drawingml/2006/main" xmlns:r="http://schemas.openxmlformats.org/officeDocument/2006/relationships" xmlns:p="http://schemas.openxmlformats.org/presentationml/2006/main">
   <p:cSld>
     <p:spTree>
@@ -11008,133 +11289,7 @@
 </p:sld>
 </file>
 
-<file path=ppt/slides/slide2.xml><?xml version="1.0" encoding="utf-8"?>
-<p:sld xmlns:a="http://schemas.openxmlformats.org/drawingml/2006/main" xmlns:r="http://schemas.openxmlformats.org/officeDocument/2006/relationships" xmlns:p="http://schemas.openxmlformats.org/presentationml/2006/main">
-  <p:cSld>
-    <p:spTree>
-      <p:nvGrpSpPr>
-        <p:cNvPr id="1" name=""/>
-        <p:cNvGrpSpPr/>
-        <p:nvPr/>
-      </p:nvGrpSpPr>
-      <p:grpSpPr>
-        <a:xfrm>
-          <a:off x="0" y="0"/>
-          <a:ext cx="0" cy="0"/>
-          <a:chOff x="0" y="0"/>
-          <a:chExt cx="0" cy="0"/>
-        </a:xfrm>
-      </p:grpSpPr>
-      <p:sp>
-        <p:nvSpPr>
-          <p:cNvPr id="2" name="Title 1">
-            <a:extLst>
-              <a:ext uri="{FF2B5EF4-FFF2-40B4-BE49-F238E27FC236}">
-                <a16:creationId xmlns:a16="http://schemas.microsoft.com/office/drawing/2014/main" id="{ABBD1032-7C21-EB45-88CD-39E1CDFCEED7}"/>
-              </a:ext>
-            </a:extLst>
-          </p:cNvPr>
-          <p:cNvSpPr>
-            <a:spLocks noGrp="1"/>
-          </p:cNvSpPr>
-          <p:nvPr>
-            <p:ph type="title"/>
-          </p:nvPr>
-        </p:nvSpPr>
-        <p:spPr/>
-        <p:txBody>
-          <a:bodyPr/>
-          <a:lstStyle/>
-          <a:p>
-            <a:r>
-              <a:rPr lang="en-DE" dirty="0"/>
-              <a:t>Übersicht</a:t>
-            </a:r>
-          </a:p>
-        </p:txBody>
-      </p:sp>
-      <p:sp>
-        <p:nvSpPr>
-          <p:cNvPr id="3" name="Content Placeholder 2">
-            <a:extLst>
-              <a:ext uri="{FF2B5EF4-FFF2-40B4-BE49-F238E27FC236}">
-                <a16:creationId xmlns:a16="http://schemas.microsoft.com/office/drawing/2014/main" id="{80899769-BBF7-274C-B579-0AE87166EDED}"/>
-              </a:ext>
-            </a:extLst>
-          </p:cNvPr>
-          <p:cNvSpPr>
-            <a:spLocks noGrp="1"/>
-          </p:cNvSpPr>
-          <p:nvPr>
-            <p:ph idx="1"/>
-          </p:nvPr>
-        </p:nvSpPr>
-        <p:spPr/>
-        <p:txBody>
-          <a:bodyPr/>
-          <a:lstStyle/>
-          <a:p>
-            <a:pPr marL="514350" indent="-514350">
-              <a:buAutoNum type="arabicPeriod"/>
-            </a:pPr>
-            <a:r>
-              <a:rPr lang="en-DE" dirty="0"/>
-              <a:t>Kurzer Überblick zum Epochenbegriff und –einteilung</a:t>
-            </a:r>
-          </a:p>
-          <a:p>
-            <a:pPr marL="514350" indent="-514350">
-              <a:buAutoNum type="arabicPeriod"/>
-            </a:pPr>
-            <a:r>
-              <a:rPr lang="en-DE" dirty="0"/>
-              <a:t>Das Korpus</a:t>
-            </a:r>
-          </a:p>
-          <a:p>
-            <a:pPr marL="514350" indent="-514350">
-              <a:buAutoNum type="arabicPeriod"/>
-            </a:pPr>
-            <a:r>
-              <a:rPr lang="en-GB" dirty="0" err="1"/>
-              <a:t>Fragestellungen</a:t>
-            </a:r>
-            <a:endParaRPr lang="en-DE" dirty="0"/>
-          </a:p>
-          <a:p>
-            <a:pPr marL="514350" indent="-514350">
-              <a:buAutoNum type="arabicPeriod"/>
-            </a:pPr>
-            <a:r>
-              <a:rPr lang="en-DE" dirty="0"/>
-              <a:t>Experimente</a:t>
-            </a:r>
-          </a:p>
-          <a:p>
-            <a:pPr marL="514350" indent="-514350">
-              <a:buAutoNum type="arabicPeriod"/>
-            </a:pPr>
-            <a:r>
-              <a:rPr lang="en-DE" dirty="0"/>
-              <a:t>Schlussbetrachtung</a:t>
-            </a:r>
-          </a:p>
-        </p:txBody>
-      </p:sp>
-    </p:spTree>
-    <p:extLst>
-      <p:ext uri="{BB962C8B-B14F-4D97-AF65-F5344CB8AC3E}">
-        <p14:creationId xmlns:p14="http://schemas.microsoft.com/office/powerpoint/2010/main" val="2653683036"/>
-      </p:ext>
-    </p:extLst>
-  </p:cSld>
-  <p:clrMapOvr>
-    <a:masterClrMapping/>
-  </p:clrMapOvr>
-</p:sld>
-</file>
-
-<file path=ppt/slides/slide20.xml><?xml version="1.0" encoding="utf-8"?>
+<file path=ppt/slides/slide21.xml><?xml version="1.0" encoding="utf-8"?>
 <p:sld xmlns:a="http://schemas.openxmlformats.org/drawingml/2006/main" xmlns:r="http://schemas.openxmlformats.org/officeDocument/2006/relationships" xmlns:p="http://schemas.openxmlformats.org/presentationml/2006/main">
   <p:cSld>
     <p:bg>
@@ -12149,7 +12304,7 @@
 </p:sld>
 </file>
 
-<file path=ppt/slides/slide21.xml><?xml version="1.0" encoding="utf-8"?>
+<file path=ppt/slides/slide22.xml><?xml version="1.0" encoding="utf-8"?>
 <p:sld xmlns:a="http://schemas.openxmlformats.org/drawingml/2006/main" xmlns:r="http://schemas.openxmlformats.org/officeDocument/2006/relationships" xmlns:p="http://schemas.openxmlformats.org/presentationml/2006/main">
   <p:cSld>
     <p:spTree>
@@ -13352,79 +13507,6 @@
 </p:sld>
 </file>
 
-<file path=ppt/slides/slide22.xml><?xml version="1.0" encoding="utf-8"?>
-<p:sld xmlns:a="http://schemas.openxmlformats.org/drawingml/2006/main" xmlns:r="http://schemas.openxmlformats.org/officeDocument/2006/relationships" xmlns:p="http://schemas.openxmlformats.org/presentationml/2006/main">
-  <p:cSld>
-    <p:spTree>
-      <p:nvGrpSpPr>
-        <p:cNvPr id="1" name=""/>
-        <p:cNvGrpSpPr/>
-        <p:nvPr/>
-      </p:nvGrpSpPr>
-      <p:grpSpPr>
-        <a:xfrm>
-          <a:off x="0" y="0"/>
-          <a:ext cx="0" cy="0"/>
-          <a:chOff x="0" y="0"/>
-          <a:chExt cx="0" cy="0"/>
-        </a:xfrm>
-      </p:grpSpPr>
-      <p:sp>
-        <p:nvSpPr>
-          <p:cNvPr id="2" name="Title 1">
-            <a:extLst>
-              <a:ext uri="{FF2B5EF4-FFF2-40B4-BE49-F238E27FC236}">
-                <a16:creationId xmlns:a16="http://schemas.microsoft.com/office/drawing/2014/main" id="{78F2E4E8-04EB-0142-91AE-BC0C88F0C119}"/>
-              </a:ext>
-            </a:extLst>
-          </p:cNvPr>
-          <p:cNvSpPr>
-            <a:spLocks noGrp="1"/>
-          </p:cNvSpPr>
-          <p:nvPr>
-            <p:ph type="title"/>
-          </p:nvPr>
-        </p:nvSpPr>
-        <p:spPr/>
-        <p:txBody>
-          <a:bodyPr/>
-          <a:lstStyle/>
-          <a:p>
-            <a:r>
-              <a:rPr lang="de-DE" sz="4800" b="1" dirty="0"/>
-              <a:t>4.2.  Noise Entfernung mit</a:t>
-            </a:r>
-            <a:br>
-              <a:rPr lang="de-DE" sz="4800" b="1" dirty="0"/>
-            </a:br>
-            <a:r>
-              <a:rPr lang="de-DE" sz="4800" b="1" dirty="0"/>
-              <a:t>	    </a:t>
-            </a:r>
-            <a:r>
-              <a:rPr lang="de-DE" sz="4800" b="1" dirty="0" err="1"/>
-              <a:t>Agglomerativem</a:t>
-            </a:r>
-            <a:r>
-              <a:rPr lang="de-DE" sz="4800" b="1" dirty="0"/>
-              <a:t> Clustering </a:t>
-            </a:r>
-          </a:p>
-        </p:txBody>
-      </p:sp>
-    </p:spTree>
-    <p:extLst>
-      <p:ext uri="{BB962C8B-B14F-4D97-AF65-F5344CB8AC3E}">
-        <p14:creationId xmlns:p14="http://schemas.microsoft.com/office/powerpoint/2010/main" val="2441517117"/>
-      </p:ext>
-    </p:extLst>
-  </p:cSld>
-  <p:clrMapOvr>
-    <a:masterClrMapping/>
-  </p:clrMapOvr>
-</p:sld>
-</file>
-
 <file path=ppt/slides/slide23.xml><?xml version="1.0" encoding="utf-8"?>
 <p:sld xmlns:a="http://schemas.openxmlformats.org/drawingml/2006/main" xmlns:r="http://schemas.openxmlformats.org/officeDocument/2006/relationships" xmlns:p="http://schemas.openxmlformats.org/presentationml/2006/main">
   <p:cSld>
@@ -13444,10 +13526,10 @@
       </p:grpSpPr>
       <p:sp>
         <p:nvSpPr>
-          <p:cNvPr id="3" name="Title 2">
-            <a:extLst>
-              <a:ext uri="{FF2B5EF4-FFF2-40B4-BE49-F238E27FC236}">
-                <a16:creationId xmlns:a16="http://schemas.microsoft.com/office/drawing/2014/main" id="{53DEA8DA-AE04-A342-A8D2-E8B85507DDCD}"/>
+          <p:cNvPr id="2" name="Title 1">
+            <a:extLst>
+              <a:ext uri="{FF2B5EF4-FFF2-40B4-BE49-F238E27FC236}">
+                <a16:creationId xmlns:a16="http://schemas.microsoft.com/office/drawing/2014/main" id="{DCBE102F-D2BB-3946-AEF1-AE93DF5165E5}"/>
               </a:ext>
             </a:extLst>
           </p:cNvPr>
@@ -13460,42 +13542,23 @@
         </p:nvSpPr>
         <p:spPr/>
         <p:txBody>
-          <a:bodyPr/>
+          <a:bodyPr>
+            <a:normAutofit/>
+          </a:bodyPr>
           <a:lstStyle/>
           <a:p>
-            <a:endParaRPr lang="de-DE"/>
-          </a:p>
-        </p:txBody>
-      </p:sp>
-      <p:sp>
-        <p:nvSpPr>
-          <p:cNvPr id="4" name="Content Placeholder 3">
-            <a:extLst>
-              <a:ext uri="{FF2B5EF4-FFF2-40B4-BE49-F238E27FC236}">
-                <a16:creationId xmlns:a16="http://schemas.microsoft.com/office/drawing/2014/main" id="{471AA9B6-D7D9-3D46-B258-7C700B33D384}"/>
-              </a:ext>
-            </a:extLst>
-          </p:cNvPr>
-          <p:cNvSpPr>
-            <a:spLocks noGrp="1"/>
-          </p:cNvSpPr>
-          <p:nvPr>
-            <p:ph idx="1"/>
-          </p:nvPr>
-        </p:nvSpPr>
-        <p:spPr/>
-        <p:txBody>
-          <a:bodyPr/>
-          <a:lstStyle/>
-          <a:p>
-            <a:endParaRPr lang="de-DE"/>
+            <a:r>
+              <a:rPr lang="de-DE" sz="4400" b="1" dirty="0"/>
+              <a:t>4.1.2.  Zusammenfassung von 				Gedichten eines Dichters </a:t>
+            </a:r>
+            <a:endParaRPr lang="de-DE" sz="4800" b="1" dirty="0"/>
           </a:p>
         </p:txBody>
       </p:sp>
     </p:spTree>
     <p:extLst>
       <p:ext uri="{BB962C8B-B14F-4D97-AF65-F5344CB8AC3E}">
-        <p14:creationId xmlns:p14="http://schemas.microsoft.com/office/powerpoint/2010/main" val="2716521077"/>
+        <p14:creationId xmlns:p14="http://schemas.microsoft.com/office/powerpoint/2010/main" val="284220847"/>
       </p:ext>
     </p:extLst>
   </p:cSld>
@@ -13530,6 +13593,1671 @@
           <a:chExt cx="0" cy="0"/>
         </a:xfrm>
       </p:grpSpPr>
+      <p:sp useBgFill="1">
+        <p:nvSpPr>
+          <p:cNvPr id="51" name="Rectangle 50">
+            <a:extLst>
+              <a:ext uri="{FF2B5EF4-FFF2-40B4-BE49-F238E27FC236}">
+                <a16:creationId xmlns:a16="http://schemas.microsoft.com/office/drawing/2014/main" id="{2550BE34-C2B8-49B8-8519-67A8CAD51AE9}"/>
+              </a:ext>
+              <a:ext uri="{C183D7F6-B498-43B3-948B-1728B52AA6E4}">
+                <adec:decorative xmlns:adec="http://schemas.microsoft.com/office/drawing/2017/decorative" val="1"/>
+              </a:ext>
+            </a:extLst>
+          </p:cNvPr>
+          <p:cNvSpPr>
+            <a:spLocks noGrp="1" noRot="1" noChangeAspect="1" noMove="1" noResize="1" noEditPoints="1" noAdjustHandles="1" noChangeArrowheads="1" noChangeShapeType="1" noTextEdit="1"/>
+          </p:cNvSpPr>
+          <p:nvPr>
+            <p:extLst>
+              <p:ext uri="{386F3935-93C4-4BCD-93E2-E3B085C9AB24}">
+                <p16:designElem xmlns:p16="http://schemas.microsoft.com/office/powerpoint/2015/main" val="1"/>
+              </p:ext>
+            </p:extLst>
+          </p:nvPr>
+        </p:nvSpPr>
+        <p:spPr>
+          <a:xfrm>
+            <a:off x="0" y="0"/>
+            <a:ext cx="12192000" cy="6858000"/>
+          </a:xfrm>
+          <a:prstGeom prst="rect">
+            <a:avLst/>
+          </a:prstGeom>
+          <a:ln>
+            <a:noFill/>
+          </a:ln>
+        </p:spPr>
+        <p:style>
+          <a:lnRef idx="2">
+            <a:schemeClr val="accent1">
+              <a:shade val="50000"/>
+            </a:schemeClr>
+          </a:lnRef>
+          <a:fillRef idx="1">
+            <a:schemeClr val="accent1"/>
+          </a:fillRef>
+          <a:effectRef idx="0">
+            <a:schemeClr val="accent1"/>
+          </a:effectRef>
+          <a:fontRef idx="minor">
+            <a:schemeClr val="lt1"/>
+          </a:fontRef>
+        </p:style>
+        <p:txBody>
+          <a:bodyPr rtlCol="0" anchor="ctr"/>
+          <a:lstStyle/>
+          <a:p>
+            <a:pPr algn="ctr"/>
+            <a:endParaRPr lang="en-US"/>
+          </a:p>
+        </p:txBody>
+      </p:sp>
+      <p:sp useBgFill="1">
+        <p:nvSpPr>
+          <p:cNvPr id="53" name="Rectangle 52">
+            <a:extLst>
+              <a:ext uri="{FF2B5EF4-FFF2-40B4-BE49-F238E27FC236}">
+                <a16:creationId xmlns:a16="http://schemas.microsoft.com/office/drawing/2014/main" id="{A7457DD9-5A45-400A-AB4B-4B4EDECA25F1}"/>
+              </a:ext>
+              <a:ext uri="{C183D7F6-B498-43B3-948B-1728B52AA6E4}">
+                <adec:decorative xmlns:adec="http://schemas.microsoft.com/office/drawing/2017/decorative" val="1"/>
+              </a:ext>
+            </a:extLst>
+          </p:cNvPr>
+          <p:cNvSpPr>
+            <a:spLocks noGrp="1" noRot="1" noChangeAspect="1" noMove="1" noResize="1" noEditPoints="1" noAdjustHandles="1" noChangeArrowheads="1" noChangeShapeType="1" noTextEdit="1"/>
+          </p:cNvSpPr>
+          <p:nvPr>
+            <p:extLst>
+              <p:ext uri="{386F3935-93C4-4BCD-93E2-E3B085C9AB24}">
+                <p16:designElem xmlns:p16="http://schemas.microsoft.com/office/powerpoint/2015/main" val="1"/>
+              </p:ext>
+            </p:extLst>
+          </p:nvPr>
+        </p:nvSpPr>
+        <p:spPr>
+          <a:xfrm>
+            <a:off x="554416" y="365125"/>
+            <a:ext cx="11167447" cy="2089317"/>
+          </a:xfrm>
+          <a:prstGeom prst="rect">
+            <a:avLst/>
+          </a:prstGeom>
+          <a:ln w="12700">
+            <a:solidFill>
+              <a:schemeClr val="tx2">
+                <a:lumMod val="10000"/>
+                <a:lumOff val="90000"/>
+              </a:schemeClr>
+            </a:solidFill>
+          </a:ln>
+          <a:effectLst>
+            <a:outerShdw blurRad="50800" dist="38100" dir="2700000" algn="tl" rotWithShape="0">
+              <a:schemeClr val="bg2">
+                <a:lumMod val="85000"/>
+                <a:alpha val="30000"/>
+              </a:schemeClr>
+            </a:outerShdw>
+          </a:effectLst>
+        </p:spPr>
+        <p:style>
+          <a:lnRef idx="2">
+            <a:schemeClr val="accent1">
+              <a:shade val="50000"/>
+            </a:schemeClr>
+          </a:lnRef>
+          <a:fillRef idx="1">
+            <a:schemeClr val="accent1"/>
+          </a:fillRef>
+          <a:effectRef idx="0">
+            <a:schemeClr val="accent1"/>
+          </a:effectRef>
+          <a:fontRef idx="minor">
+            <a:schemeClr val="lt1"/>
+          </a:fontRef>
+        </p:style>
+        <p:txBody>
+          <a:bodyPr rtlCol="0" anchor="ctr"/>
+          <a:lstStyle/>
+          <a:p>
+            <a:pPr marL="0" marR="0" lvl="0" indent="0" algn="ctr" defTabSz="914400" rtl="0" eaLnBrk="1" fontAlgn="auto" latinLnBrk="0" hangingPunct="1">
+              <a:lnSpc>
+                <a:spcPct val="100000"/>
+              </a:lnSpc>
+              <a:spcBef>
+                <a:spcPts val="0"/>
+              </a:spcBef>
+              <a:spcAft>
+                <a:spcPts val="0"/>
+              </a:spcAft>
+              <a:buClrTx/>
+              <a:buSzTx/>
+              <a:buFontTx/>
+              <a:buNone/>
+              <a:tabLst/>
+              <a:defRPr/>
+            </a:pPr>
+            <a:endParaRPr kumimoji="0" lang="en-US" sz="1800" b="0" i="0" u="none" strike="noStrike" kern="1200" cap="none" spc="0" normalizeH="0" baseline="0" noProof="0">
+              <a:ln>
+                <a:noFill/>
+              </a:ln>
+              <a:solidFill>
+                <a:prstClr val="white"/>
+              </a:solidFill>
+              <a:effectLst/>
+              <a:uLnTx/>
+              <a:uFillTx/>
+              <a:latin typeface="Calibri" panose="020F0502020204030204"/>
+              <a:ea typeface="+mn-ea"/>
+              <a:cs typeface="+mn-cs"/>
+            </a:endParaRPr>
+          </a:p>
+        </p:txBody>
+      </p:sp>
+      <p:sp>
+        <p:nvSpPr>
+          <p:cNvPr id="3" name="Title 2">
+            <a:extLst>
+              <a:ext uri="{FF2B5EF4-FFF2-40B4-BE49-F238E27FC236}">
+                <a16:creationId xmlns:a16="http://schemas.microsoft.com/office/drawing/2014/main" id="{2B0244FE-E892-4648-B9A2-7F22D047434E}"/>
+              </a:ext>
+            </a:extLst>
+          </p:cNvPr>
+          <p:cNvSpPr>
+            <a:spLocks noGrp="1"/>
+          </p:cNvSpPr>
+          <p:nvPr>
+            <p:ph type="title"/>
+          </p:nvPr>
+        </p:nvSpPr>
+        <p:spPr>
+          <a:xfrm>
+            <a:off x="1046746" y="586822"/>
+            <a:ext cx="3537285" cy="1645920"/>
+          </a:xfrm>
+        </p:spPr>
+        <p:txBody>
+          <a:bodyPr vert="horz" lIns="91440" tIns="45720" rIns="91440" bIns="45720" rtlCol="0" anchor="ctr">
+            <a:normAutofit/>
+          </a:bodyPr>
+          <a:lstStyle/>
+          <a:p>
+            <a:r>
+              <a:rPr lang="en-US" sz="3200" b="1" dirty="0"/>
+              <a:t>K-Means (III)</a:t>
+            </a:r>
+          </a:p>
+        </p:txBody>
+      </p:sp>
+      <p:sp>
+        <p:nvSpPr>
+          <p:cNvPr id="55" name="Rectangle 54">
+            <a:extLst>
+              <a:ext uri="{FF2B5EF4-FFF2-40B4-BE49-F238E27FC236}">
+                <a16:creationId xmlns:a16="http://schemas.microsoft.com/office/drawing/2014/main" id="{441CF7D6-A660-431A-B0BB-140A0D5556B6}"/>
+              </a:ext>
+              <a:ext uri="{C183D7F6-B498-43B3-948B-1728B52AA6E4}">
+                <adec:decorative xmlns:adec="http://schemas.microsoft.com/office/drawing/2017/decorative" val="1"/>
+              </a:ext>
+            </a:extLst>
+          </p:cNvPr>
+          <p:cNvSpPr>
+            <a:spLocks noGrp="1" noRot="1" noChangeAspect="1" noMove="1" noResize="1" noEditPoints="1" noAdjustHandles="1" noChangeArrowheads="1" noChangeShapeType="1" noTextEdit="1"/>
+          </p:cNvSpPr>
+          <p:nvPr>
+            <p:extLst>
+              <p:ext uri="{386F3935-93C4-4BCD-93E2-E3B085C9AB24}">
+                <p16:designElem xmlns:p16="http://schemas.microsoft.com/office/powerpoint/2015/main" val="1"/>
+              </p:ext>
+            </p:extLst>
+          </p:nvPr>
+        </p:nvSpPr>
+        <p:spPr>
+          <a:xfrm>
+            <a:off x="490408" y="1057739"/>
+            <a:ext cx="128016" cy="704088"/>
+          </a:xfrm>
+          <a:prstGeom prst="rect">
+            <a:avLst/>
+          </a:prstGeom>
+          <a:solidFill>
+            <a:schemeClr val="accent1"/>
+          </a:solidFill>
+          <a:ln>
+            <a:noFill/>
+          </a:ln>
+        </p:spPr>
+        <p:style>
+          <a:lnRef idx="2">
+            <a:schemeClr val="accent1">
+              <a:shade val="50000"/>
+            </a:schemeClr>
+          </a:lnRef>
+          <a:fillRef idx="1">
+            <a:schemeClr val="accent1"/>
+          </a:fillRef>
+          <a:effectRef idx="0">
+            <a:schemeClr val="accent1"/>
+          </a:effectRef>
+          <a:fontRef idx="minor">
+            <a:schemeClr val="lt1"/>
+          </a:fontRef>
+        </p:style>
+        <p:txBody>
+          <a:bodyPr rtlCol="0" anchor="ctr"/>
+          <a:lstStyle/>
+          <a:p>
+            <a:pPr marL="0" marR="0" lvl="0" indent="0" algn="ctr" defTabSz="914400" rtl="0" eaLnBrk="1" fontAlgn="auto" latinLnBrk="0" hangingPunct="1">
+              <a:lnSpc>
+                <a:spcPct val="100000"/>
+              </a:lnSpc>
+              <a:spcBef>
+                <a:spcPts val="0"/>
+              </a:spcBef>
+              <a:spcAft>
+                <a:spcPts val="0"/>
+              </a:spcAft>
+              <a:buClrTx/>
+              <a:buSzTx/>
+              <a:buFontTx/>
+              <a:buNone/>
+              <a:tabLst/>
+              <a:defRPr/>
+            </a:pPr>
+            <a:endParaRPr kumimoji="0" lang="en-US" sz="1800" b="0" i="0" u="none" strike="noStrike" kern="1200" cap="none" spc="0" normalizeH="0" baseline="0" noProof="0" dirty="0">
+              <a:ln>
+                <a:noFill/>
+              </a:ln>
+              <a:solidFill>
+                <a:prstClr val="white"/>
+              </a:solidFill>
+              <a:effectLst/>
+              <a:uLnTx/>
+              <a:uFillTx/>
+              <a:latin typeface="Calibri" panose="020F0502020204030204"/>
+              <a:ea typeface="+mn-ea"/>
+              <a:cs typeface="+mn-cs"/>
+            </a:endParaRPr>
+          </a:p>
+        </p:txBody>
+      </p:sp>
+      <p:sp>
+        <p:nvSpPr>
+          <p:cNvPr id="57" name="Rectangle 56">
+            <a:extLst>
+              <a:ext uri="{FF2B5EF4-FFF2-40B4-BE49-F238E27FC236}">
+                <a16:creationId xmlns:a16="http://schemas.microsoft.com/office/drawing/2014/main" id="{0570A85B-3810-4F95-97B0-CBF4CCDB381C}"/>
+              </a:ext>
+              <a:ext uri="{C183D7F6-B498-43B3-948B-1728B52AA6E4}">
+                <adec:decorative xmlns:adec="http://schemas.microsoft.com/office/drawing/2017/decorative" val="1"/>
+              </a:ext>
+            </a:extLst>
+          </p:cNvPr>
+          <p:cNvSpPr>
+            <a:spLocks noGrp="1" noRot="1" noChangeAspect="1" noMove="1" noResize="1" noEditPoints="1" noAdjustHandles="1" noChangeArrowheads="1" noChangeShapeType="1" noTextEdit="1"/>
+          </p:cNvSpPr>
+          <p:nvPr>
+            <p:extLst>
+              <p:ext uri="{386F3935-93C4-4BCD-93E2-E3B085C9AB24}">
+                <p16:designElem xmlns:p16="http://schemas.microsoft.com/office/powerpoint/2015/main" val="1"/>
+              </p:ext>
+            </p:extLst>
+          </p:nvPr>
+        </p:nvSpPr>
+        <p:spPr>
+          <a:xfrm rot="5400000">
+            <a:off x="4248113" y="1405210"/>
+            <a:ext cx="1463040" cy="9144"/>
+          </a:xfrm>
+          <a:prstGeom prst="rect">
+            <a:avLst/>
+          </a:prstGeom>
+          <a:solidFill>
+            <a:schemeClr val="tx2">
+              <a:lumMod val="25000"/>
+              <a:lumOff val="75000"/>
+            </a:schemeClr>
+          </a:solidFill>
+          <a:ln w="3175">
+            <a:noFill/>
+          </a:ln>
+          <a:effectLst/>
+        </p:spPr>
+        <p:style>
+          <a:lnRef idx="2">
+            <a:schemeClr val="accent1">
+              <a:shade val="50000"/>
+            </a:schemeClr>
+          </a:lnRef>
+          <a:fillRef idx="1">
+            <a:schemeClr val="accent1"/>
+          </a:fillRef>
+          <a:effectRef idx="0">
+            <a:schemeClr val="accent1"/>
+          </a:effectRef>
+          <a:fontRef idx="minor">
+            <a:schemeClr val="lt1"/>
+          </a:fontRef>
+        </p:style>
+        <p:txBody>
+          <a:bodyPr rtlCol="0" anchor="ctr"/>
+          <a:lstStyle/>
+          <a:p>
+            <a:pPr marL="0" marR="0" lvl="0" indent="0" algn="ctr" defTabSz="914400" rtl="0" eaLnBrk="1" fontAlgn="auto" latinLnBrk="0" hangingPunct="1">
+              <a:lnSpc>
+                <a:spcPct val="100000"/>
+              </a:lnSpc>
+              <a:spcBef>
+                <a:spcPts val="0"/>
+              </a:spcBef>
+              <a:spcAft>
+                <a:spcPts val="0"/>
+              </a:spcAft>
+              <a:buClrTx/>
+              <a:buSzTx/>
+              <a:buFontTx/>
+              <a:buNone/>
+              <a:tabLst/>
+              <a:defRPr/>
+            </a:pPr>
+            <a:endParaRPr kumimoji="0" lang="en-US" sz="1800" b="0" i="0" u="none" strike="noStrike" kern="1200" cap="none" spc="0" normalizeH="0" baseline="0" noProof="0">
+              <a:ln>
+                <a:noFill/>
+              </a:ln>
+              <a:solidFill>
+                <a:prstClr val="white"/>
+              </a:solidFill>
+              <a:effectLst/>
+              <a:uLnTx/>
+              <a:uFillTx/>
+              <a:latin typeface="Calibri" panose="020F0502020204030204"/>
+              <a:ea typeface="+mn-ea"/>
+              <a:cs typeface="+mn-cs"/>
+            </a:endParaRPr>
+          </a:p>
+        </p:txBody>
+      </p:sp>
+      <p:sp>
+        <p:nvSpPr>
+          <p:cNvPr id="6" name="TextBox 5">
+            <a:extLst>
+              <a:ext uri="{FF2B5EF4-FFF2-40B4-BE49-F238E27FC236}">
+                <a16:creationId xmlns:a16="http://schemas.microsoft.com/office/drawing/2014/main" id="{68E267DE-B0A6-1F4B-BCC7-2FAF9305A326}"/>
+              </a:ext>
+            </a:extLst>
+          </p:cNvPr>
+          <p:cNvSpPr txBox="1"/>
+          <p:nvPr/>
+        </p:nvSpPr>
+        <p:spPr>
+          <a:xfrm>
+            <a:off x="4804229" y="586822"/>
+            <a:ext cx="6720114" cy="1645920"/>
+          </a:xfrm>
+          <a:prstGeom prst="rect">
+            <a:avLst/>
+          </a:prstGeom>
+        </p:spPr>
+        <p:txBody>
+          <a:bodyPr vert="horz" lIns="91440" tIns="45720" rIns="91440" bIns="45720" numCol="2" rtlCol="0" anchor="ctr">
+            <a:normAutofit fontScale="92500"/>
+          </a:bodyPr>
+          <a:lstStyle/>
+          <a:p>
+            <a:pPr marL="457200" indent="-228600">
+              <a:spcAft>
+                <a:spcPts val="600"/>
+              </a:spcAft>
+              <a:buFont typeface="Arial" panose="020B0604020202020204" pitchFamily="34" charset="0"/>
+              <a:buChar char="•"/>
+            </a:pPr>
+            <a:r>
+              <a:rPr lang="de-DE" dirty="0"/>
+              <a:t>Einteilung nach </a:t>
+            </a:r>
+            <a:r>
+              <a:rPr lang="de-DE" i="1" dirty="0"/>
+              <a:t>Brenner</a:t>
+            </a:r>
+            <a:endParaRPr lang="de-DE" b="1" i="1" dirty="0"/>
+          </a:p>
+          <a:p>
+            <a:pPr marL="457200" indent="-228600">
+              <a:spcAft>
+                <a:spcPts val="600"/>
+              </a:spcAft>
+              <a:buFont typeface="Arial" panose="020B0604020202020204" pitchFamily="34" charset="0"/>
+              <a:buChar char="•"/>
+            </a:pPr>
+            <a:r>
+              <a:rPr lang="de-DE" b="1" dirty="0"/>
+              <a:t>Keine Dimensionsreduktion</a:t>
+            </a:r>
+          </a:p>
+          <a:p>
+            <a:pPr marL="457200" indent="-228600">
+              <a:spcAft>
+                <a:spcPts val="600"/>
+              </a:spcAft>
+              <a:buFont typeface="Arial" panose="020B0604020202020204" pitchFamily="34" charset="0"/>
+              <a:buChar char="•"/>
+            </a:pPr>
+            <a:r>
+              <a:rPr lang="de-DE" dirty="0"/>
+              <a:t>Ohne Epoche „Klassik/Romantik“</a:t>
+            </a:r>
+          </a:p>
+          <a:p>
+            <a:pPr marL="457200" indent="-228600">
+              <a:spcAft>
+                <a:spcPts val="600"/>
+              </a:spcAft>
+              <a:buFont typeface="Arial" panose="020B0604020202020204" pitchFamily="34" charset="0"/>
+              <a:buChar char="•"/>
+            </a:pPr>
+            <a:r>
+              <a:rPr lang="de-DE" sz="1700" b="1" dirty="0"/>
+              <a:t>Zusammenfassung von allen Gedichten eines Dichters</a:t>
+            </a:r>
+          </a:p>
+          <a:p>
+            <a:pPr marL="457200" indent="-228600">
+              <a:spcAft>
+                <a:spcPts val="600"/>
+              </a:spcAft>
+              <a:buFont typeface="Arial" panose="020B0604020202020204" pitchFamily="34" charset="0"/>
+              <a:buChar char="•"/>
+            </a:pPr>
+            <a:r>
+              <a:rPr lang="de-DE" dirty="0" err="1"/>
+              <a:t>Lowercase</a:t>
+            </a:r>
+            <a:endParaRPr lang="de-DE" dirty="0"/>
+          </a:p>
+          <a:p>
+            <a:pPr marL="457200" indent="-228600">
+              <a:spcAft>
+                <a:spcPts val="600"/>
+              </a:spcAft>
+              <a:buFont typeface="Arial" panose="020B0604020202020204" pitchFamily="34" charset="0"/>
+              <a:buChar char="•"/>
+            </a:pPr>
+            <a:r>
+              <a:rPr lang="de-DE" dirty="0"/>
+              <a:t>Stoppwörter </a:t>
+            </a:r>
+            <a:r>
+              <a:rPr lang="de-DE" u="sng" dirty="0"/>
+              <a:t>entfernt</a:t>
+            </a:r>
+            <a:endParaRPr lang="de-DE" dirty="0"/>
+          </a:p>
+          <a:p>
+            <a:pPr marL="457200" indent="-228600">
+              <a:spcAft>
+                <a:spcPts val="600"/>
+              </a:spcAft>
+              <a:buFont typeface="Arial" panose="020B0604020202020204" pitchFamily="34" charset="0"/>
+              <a:buChar char="•"/>
+            </a:pPr>
+            <a:r>
+              <a:rPr lang="de-DE" dirty="0"/>
+              <a:t>10000 mf</a:t>
+            </a:r>
+          </a:p>
+        </p:txBody>
+      </p:sp>
+      <p:graphicFrame>
+        <p:nvGraphicFramePr>
+          <p:cNvPr id="12" name="Table 11">
+            <a:extLst>
+              <a:ext uri="{FF2B5EF4-FFF2-40B4-BE49-F238E27FC236}">
+                <a16:creationId xmlns:a16="http://schemas.microsoft.com/office/drawing/2014/main" id="{FE8BFA67-ADB1-AE47-98AA-9EA5447ACE50}"/>
+              </a:ext>
+            </a:extLst>
+          </p:cNvPr>
+          <p:cNvGraphicFramePr>
+            <a:graphicFrameLocks noGrp="1"/>
+          </p:cNvGraphicFramePr>
+          <p:nvPr>
+            <p:extLst>
+              <p:ext uri="{D42A27DB-BD31-4B8C-83A1-F6EECF244321}">
+                <p14:modId xmlns:p14="http://schemas.microsoft.com/office/powerpoint/2010/main" val="2451127855"/>
+              </p:ext>
+            </p:extLst>
+          </p:nvPr>
+        </p:nvGraphicFramePr>
+        <p:xfrm>
+          <a:off x="1528900" y="2734056"/>
+          <a:ext cx="9222593" cy="3483864"/>
+        </p:xfrm>
+        <a:graphic>
+          <a:graphicData uri="http://schemas.openxmlformats.org/drawingml/2006/table">
+            <a:tbl>
+              <a:tblPr firstRow="1" bandRow="1">
+                <a:tableStyleId>{69012ECD-51FC-41F1-AA8D-1B2483CD663E}</a:tableStyleId>
+              </a:tblPr>
+              <a:tblGrid>
+                <a:gridCol w="5261673">
+                  <a:extLst>
+                    <a:ext uri="{9D8B030D-6E8A-4147-A177-3AD203B41FA5}">
+                      <a16:colId xmlns:a16="http://schemas.microsoft.com/office/drawing/2014/main" val="3738905305"/>
+                    </a:ext>
+                  </a:extLst>
+                </a:gridCol>
+                <a:gridCol w="2036355">
+                  <a:extLst>
+                    <a:ext uri="{9D8B030D-6E8A-4147-A177-3AD203B41FA5}">
+                      <a16:colId xmlns:a16="http://schemas.microsoft.com/office/drawing/2014/main" val="4078394901"/>
+                    </a:ext>
+                  </a:extLst>
+                </a:gridCol>
+                <a:gridCol w="1924565">
+                  <a:extLst>
+                    <a:ext uri="{9D8B030D-6E8A-4147-A177-3AD203B41FA5}">
+                      <a16:colId xmlns:a16="http://schemas.microsoft.com/office/drawing/2014/main" val="1891394321"/>
+                    </a:ext>
+                  </a:extLst>
+                </a:gridCol>
+              </a:tblGrid>
+              <a:tr h="580644">
+                <a:tc>
+                  <a:txBody>
+                    <a:bodyPr/>
+                    <a:lstStyle/>
+                    <a:p>
+                      <a:pPr algn="r" fontAlgn="ctr"/>
+                      <a:endParaRPr lang="en-GB" sz="2900" b="1" dirty="0">
+                        <a:effectLst/>
+                      </a:endParaRPr>
+                    </a:p>
+                  </a:txBody>
+                  <a:tcPr anchor="ctr"/>
+                </a:tc>
+                <a:tc>
+                  <a:txBody>
+                    <a:bodyPr/>
+                    <a:lstStyle/>
+                    <a:p>
+                      <a:pPr algn="r" fontAlgn="ctr"/>
+                      <a:r>
+                        <a:rPr lang="en-GB" sz="2700" b="1" dirty="0" err="1">
+                          <a:effectLst/>
+                        </a:rPr>
+                        <a:t>ari</a:t>
+                      </a:r>
+                      <a:endParaRPr lang="en-GB" sz="2700" b="1" dirty="0">
+                        <a:effectLst/>
+                      </a:endParaRPr>
+                    </a:p>
+                  </a:txBody>
+                  <a:tcPr anchor="ctr"/>
+                </a:tc>
+                <a:tc>
+                  <a:txBody>
+                    <a:bodyPr/>
+                    <a:lstStyle/>
+                    <a:p>
+                      <a:pPr algn="r"/>
+                      <a:r>
+                        <a:rPr lang="de-DE" sz="2700" dirty="0" err="1"/>
+                        <a:t>vm</a:t>
+                      </a:r>
+                      <a:endParaRPr lang="de-DE" sz="2700" dirty="0"/>
+                    </a:p>
+                  </a:txBody>
+                  <a:tcPr anchor="ctr"/>
+                </a:tc>
+                <a:extLst>
+                  <a:ext uri="{0D108BD9-81ED-4DB2-BD59-A6C34878D82A}">
+                    <a16:rowId xmlns:a16="http://schemas.microsoft.com/office/drawing/2014/main" val="1843206374"/>
+                  </a:ext>
+                </a:extLst>
+              </a:tr>
+              <a:tr h="580644">
+                <a:tc>
+                  <a:txBody>
+                    <a:bodyPr/>
+                    <a:lstStyle/>
+                    <a:p>
+                      <a:pPr algn="r" fontAlgn="ctr"/>
+                      <a:r>
+                        <a:rPr lang="en-GB" sz="2700" b="1" dirty="0" err="1">
+                          <a:effectLst/>
+                        </a:rPr>
+                        <a:t>Barock</a:t>
+                      </a:r>
+                      <a:r>
+                        <a:rPr lang="en-GB" sz="2700" b="1" dirty="0">
+                          <a:effectLst/>
+                        </a:rPr>
+                        <a:t>/</a:t>
+                      </a:r>
+                      <a:r>
+                        <a:rPr lang="en-GB" sz="2700" b="1" dirty="0" err="1">
+                          <a:effectLst/>
+                        </a:rPr>
+                        <a:t>Realismus</a:t>
+                      </a:r>
+                      <a:endParaRPr lang="en-GB" sz="2700" b="1" dirty="0">
+                        <a:effectLst/>
+                      </a:endParaRPr>
+                    </a:p>
+                  </a:txBody>
+                  <a:tcPr anchor="ctr"/>
+                </a:tc>
+                <a:tc>
+                  <a:txBody>
+                    <a:bodyPr/>
+                    <a:lstStyle/>
+                    <a:p>
+                      <a:pPr algn="r" fontAlgn="ctr"/>
+                      <a:r>
+                        <a:rPr lang="en-DE" sz="2700" dirty="0">
+                          <a:effectLst/>
+                        </a:rPr>
+                        <a:t>0.850065</a:t>
+                      </a:r>
+                    </a:p>
+                  </a:txBody>
+                  <a:tcPr anchor="ctr"/>
+                </a:tc>
+                <a:tc>
+                  <a:txBody>
+                    <a:bodyPr/>
+                    <a:lstStyle/>
+                    <a:p>
+                      <a:pPr algn="r" fontAlgn="ctr"/>
+                      <a:r>
+                        <a:rPr lang="en-DE" sz="2700">
+                          <a:effectLst/>
+                        </a:rPr>
+                        <a:t>0.787506</a:t>
+                      </a:r>
+                    </a:p>
+                  </a:txBody>
+                  <a:tcPr anchor="ctr"/>
+                </a:tc>
+                <a:extLst>
+                  <a:ext uri="{0D108BD9-81ED-4DB2-BD59-A6C34878D82A}">
+                    <a16:rowId xmlns:a16="http://schemas.microsoft.com/office/drawing/2014/main" val="3707013511"/>
+                  </a:ext>
+                </a:extLst>
+              </a:tr>
+              <a:tr h="580644">
+                <a:tc>
+                  <a:txBody>
+                    <a:bodyPr/>
+                    <a:lstStyle/>
+                    <a:p>
+                      <a:pPr algn="r" fontAlgn="ctr"/>
+                      <a:r>
+                        <a:rPr lang="en-GB" sz="2700" b="1" dirty="0" err="1">
+                          <a:effectLst/>
+                        </a:rPr>
+                        <a:t>Barock</a:t>
+                      </a:r>
+                      <a:r>
+                        <a:rPr lang="en-GB" sz="2700" b="1" dirty="0">
+                          <a:effectLst/>
+                        </a:rPr>
+                        <a:t>/</a:t>
+                      </a:r>
+                      <a:r>
+                        <a:rPr lang="en-GB" sz="2700" b="1" dirty="0" err="1">
+                          <a:effectLst/>
+                        </a:rPr>
+                        <a:t>Aufklärung</a:t>
+                      </a:r>
+                      <a:endParaRPr lang="en-GB" sz="2700" b="1" dirty="0">
+                        <a:effectLst/>
+                      </a:endParaRPr>
+                    </a:p>
+                  </a:txBody>
+                  <a:tcPr anchor="ctr"/>
+                </a:tc>
+                <a:tc>
+                  <a:txBody>
+                    <a:bodyPr/>
+                    <a:lstStyle/>
+                    <a:p>
+                      <a:pPr algn="r" fontAlgn="ctr"/>
+                      <a:r>
+                        <a:rPr lang="en-DE" sz="2700" dirty="0">
+                          <a:effectLst/>
+                        </a:rPr>
+                        <a:t>0.747799</a:t>
+                      </a:r>
+                    </a:p>
+                  </a:txBody>
+                  <a:tcPr anchor="ctr"/>
+                </a:tc>
+                <a:tc>
+                  <a:txBody>
+                    <a:bodyPr/>
+                    <a:lstStyle/>
+                    <a:p>
+                      <a:pPr algn="r" fontAlgn="ctr"/>
+                      <a:r>
+                        <a:rPr lang="en-DE" sz="2700" dirty="0">
+                          <a:effectLst/>
+                        </a:rPr>
+                        <a:t>0.707295</a:t>
+                      </a:r>
+                    </a:p>
+                  </a:txBody>
+                  <a:tcPr anchor="ctr"/>
+                </a:tc>
+                <a:extLst>
+                  <a:ext uri="{0D108BD9-81ED-4DB2-BD59-A6C34878D82A}">
+                    <a16:rowId xmlns:a16="http://schemas.microsoft.com/office/drawing/2014/main" val="3710466259"/>
+                  </a:ext>
+                </a:extLst>
+              </a:tr>
+              <a:tr h="580644">
+                <a:tc>
+                  <a:txBody>
+                    <a:bodyPr/>
+                    <a:lstStyle/>
+                    <a:p>
+                      <a:pPr algn="r" fontAlgn="ctr"/>
+                      <a:r>
+                        <a:rPr lang="en-GB" sz="2700" b="1" dirty="0" err="1">
+                          <a:effectLst/>
+                        </a:rPr>
+                        <a:t>Barock</a:t>
+                      </a:r>
+                      <a:r>
+                        <a:rPr lang="en-GB" sz="2700" b="1" dirty="0">
+                          <a:effectLst/>
+                        </a:rPr>
+                        <a:t>/Biedermeier</a:t>
+                      </a:r>
+                    </a:p>
+                  </a:txBody>
+                  <a:tcPr anchor="ctr"/>
+                </a:tc>
+                <a:tc>
+                  <a:txBody>
+                    <a:bodyPr/>
+                    <a:lstStyle/>
+                    <a:p>
+                      <a:pPr algn="r" fontAlgn="ctr"/>
+                      <a:r>
+                        <a:rPr lang="en-DE" sz="2700">
+                          <a:effectLst/>
+                        </a:rPr>
+                        <a:t>0.734414</a:t>
+                      </a:r>
+                    </a:p>
+                  </a:txBody>
+                  <a:tcPr anchor="ctr"/>
+                </a:tc>
+                <a:tc>
+                  <a:txBody>
+                    <a:bodyPr/>
+                    <a:lstStyle/>
+                    <a:p>
+                      <a:pPr algn="r" fontAlgn="ctr"/>
+                      <a:r>
+                        <a:rPr lang="en-DE" sz="2700" dirty="0">
+                          <a:effectLst/>
+                        </a:rPr>
+                        <a:t>0.697728</a:t>
+                      </a:r>
+                    </a:p>
+                  </a:txBody>
+                  <a:tcPr anchor="ctr"/>
+                </a:tc>
+                <a:extLst>
+                  <a:ext uri="{0D108BD9-81ED-4DB2-BD59-A6C34878D82A}">
+                    <a16:rowId xmlns:a16="http://schemas.microsoft.com/office/drawing/2014/main" val="693584613"/>
+                  </a:ext>
+                </a:extLst>
+              </a:tr>
+              <a:tr h="580644">
+                <a:tc>
+                  <a:txBody>
+                    <a:bodyPr/>
+                    <a:lstStyle/>
+                    <a:p>
+                      <a:pPr algn="r" fontAlgn="ctr"/>
+                      <a:r>
+                        <a:rPr lang="en-GB" sz="2700" b="1" dirty="0" err="1">
+                          <a:effectLst/>
+                        </a:rPr>
+                        <a:t>Frühaufklärung</a:t>
+                      </a:r>
+                      <a:r>
+                        <a:rPr lang="en-GB" sz="2700" b="1" dirty="0">
+                          <a:effectLst/>
+                        </a:rPr>
+                        <a:t>/</a:t>
+                      </a:r>
+                      <a:r>
+                        <a:rPr lang="en-GB" sz="2700" b="1" dirty="0" err="1">
+                          <a:effectLst/>
+                        </a:rPr>
+                        <a:t>Realismus</a:t>
+                      </a:r>
+                      <a:endParaRPr lang="en-GB" sz="2700" b="1" dirty="0">
+                        <a:effectLst/>
+                      </a:endParaRPr>
+                    </a:p>
+                  </a:txBody>
+                  <a:tcPr anchor="ctr"/>
+                </a:tc>
+                <a:tc>
+                  <a:txBody>
+                    <a:bodyPr/>
+                    <a:lstStyle/>
+                    <a:p>
+                      <a:pPr algn="r" fontAlgn="ctr"/>
+                      <a:r>
+                        <a:rPr lang="en-DE" sz="2700">
+                          <a:effectLst/>
+                        </a:rPr>
+                        <a:t>0.694377</a:t>
+                      </a:r>
+                    </a:p>
+                  </a:txBody>
+                  <a:tcPr anchor="ctr"/>
+                </a:tc>
+                <a:tc>
+                  <a:txBody>
+                    <a:bodyPr/>
+                    <a:lstStyle/>
+                    <a:p>
+                      <a:pPr algn="r" fontAlgn="ctr"/>
+                      <a:r>
+                        <a:rPr lang="en-DE" sz="2700" dirty="0">
+                          <a:effectLst/>
+                        </a:rPr>
+                        <a:t>0.605100</a:t>
+                      </a:r>
+                    </a:p>
+                  </a:txBody>
+                  <a:tcPr anchor="ctr"/>
+                </a:tc>
+                <a:extLst>
+                  <a:ext uri="{0D108BD9-81ED-4DB2-BD59-A6C34878D82A}">
+                    <a16:rowId xmlns:a16="http://schemas.microsoft.com/office/drawing/2014/main" val="3078737029"/>
+                  </a:ext>
+                </a:extLst>
+              </a:tr>
+              <a:tr h="580644">
+                <a:tc>
+                  <a:txBody>
+                    <a:bodyPr/>
+                    <a:lstStyle/>
+                    <a:p>
+                      <a:pPr algn="r" fontAlgn="ctr"/>
+                      <a:r>
+                        <a:rPr lang="en-GB" sz="2700" b="1">
+                          <a:effectLst/>
+                        </a:rPr>
+                        <a:t>Aufklärung/Realismus</a:t>
+                      </a:r>
+                    </a:p>
+                  </a:txBody>
+                  <a:tcPr anchor="ctr"/>
+                </a:tc>
+                <a:tc>
+                  <a:txBody>
+                    <a:bodyPr/>
+                    <a:lstStyle/>
+                    <a:p>
+                      <a:pPr algn="r" fontAlgn="ctr"/>
+                      <a:r>
+                        <a:rPr lang="en-DE" sz="2700">
+                          <a:effectLst/>
+                        </a:rPr>
+                        <a:t>0.537924</a:t>
+                      </a:r>
+                    </a:p>
+                  </a:txBody>
+                  <a:tcPr anchor="ctr"/>
+                </a:tc>
+                <a:tc>
+                  <a:txBody>
+                    <a:bodyPr/>
+                    <a:lstStyle/>
+                    <a:p>
+                      <a:pPr algn="r" fontAlgn="ctr"/>
+                      <a:r>
+                        <a:rPr lang="en-DE" sz="2700" dirty="0">
+                          <a:effectLst/>
+                        </a:rPr>
+                        <a:t>0.445150</a:t>
+                      </a:r>
+                    </a:p>
+                  </a:txBody>
+                  <a:tcPr anchor="ctr"/>
+                </a:tc>
+                <a:extLst>
+                  <a:ext uri="{0D108BD9-81ED-4DB2-BD59-A6C34878D82A}">
+                    <a16:rowId xmlns:a16="http://schemas.microsoft.com/office/drawing/2014/main" val="1192203619"/>
+                  </a:ext>
+                </a:extLst>
+              </a:tr>
+            </a:tbl>
+          </a:graphicData>
+        </a:graphic>
+      </p:graphicFrame>
+    </p:spTree>
+    <p:extLst>
+      <p:ext uri="{BB962C8B-B14F-4D97-AF65-F5344CB8AC3E}">
+        <p14:creationId xmlns:p14="http://schemas.microsoft.com/office/powerpoint/2010/main" val="672561372"/>
+      </p:ext>
+    </p:extLst>
+  </p:cSld>
+  <p:clrMapOvr>
+    <a:masterClrMapping/>
+  </p:clrMapOvr>
+</p:sld>
+</file>
+
+<file path=ppt/slides/slide25.xml><?xml version="1.0" encoding="utf-8"?>
+<p:sld xmlns:a="http://schemas.openxmlformats.org/drawingml/2006/main" xmlns:r="http://schemas.openxmlformats.org/officeDocument/2006/relationships" xmlns:p="http://schemas.openxmlformats.org/presentationml/2006/main">
+  <p:cSld>
+    <p:bg>
+      <p:bgPr>
+        <a:solidFill>
+          <a:schemeClr val="bg1"/>
+        </a:solidFill>
+        <a:effectLst/>
+      </p:bgPr>
+    </p:bg>
+    <p:spTree>
+      <p:nvGrpSpPr>
+        <p:cNvPr id="1" name=""/>
+        <p:cNvGrpSpPr/>
+        <p:nvPr/>
+      </p:nvGrpSpPr>
+      <p:grpSpPr>
+        <a:xfrm>
+          <a:off x="0" y="0"/>
+          <a:ext cx="0" cy="0"/>
+          <a:chOff x="0" y="0"/>
+          <a:chExt cx="0" cy="0"/>
+        </a:xfrm>
+      </p:grpSpPr>
+      <p:sp>
+        <p:nvSpPr>
+          <p:cNvPr id="41" name="Rectangle 26">
+            <a:extLst>
+              <a:ext uri="{FF2B5EF4-FFF2-40B4-BE49-F238E27FC236}">
+                <a16:creationId xmlns:a16="http://schemas.microsoft.com/office/drawing/2014/main" id="{8D06CE56-3881-4ADA-8CEF-D18B02C242A3}"/>
+              </a:ext>
+              <a:ext uri="{C183D7F6-B498-43B3-948B-1728B52AA6E4}">
+                <adec:decorative xmlns:adec="http://schemas.microsoft.com/office/drawing/2017/decorative" val="1"/>
+              </a:ext>
+            </a:extLst>
+          </p:cNvPr>
+          <p:cNvSpPr>
+            <a:spLocks noGrp="1" noRot="1" noChangeAspect="1" noMove="1" noResize="1" noEditPoints="1" noAdjustHandles="1" noChangeArrowheads="1" noChangeShapeType="1" noTextEdit="1"/>
+          </p:cNvSpPr>
+          <p:nvPr>
+            <p:extLst>
+              <p:ext uri="{386F3935-93C4-4BCD-93E2-E3B085C9AB24}">
+                <p16:designElem xmlns:p16="http://schemas.microsoft.com/office/powerpoint/2015/main" val="1"/>
+              </p:ext>
+            </p:extLst>
+          </p:nvPr>
+        </p:nvSpPr>
+        <p:spPr>
+          <a:xfrm rot="5400000">
+            <a:off x="857544" y="346791"/>
+            <a:ext cx="146304" cy="704088"/>
+          </a:xfrm>
+          <a:prstGeom prst="rect">
+            <a:avLst/>
+          </a:prstGeom>
+          <a:solidFill>
+            <a:schemeClr val="accent1"/>
+          </a:solidFill>
+          <a:ln>
+            <a:noFill/>
+          </a:ln>
+        </p:spPr>
+        <p:style>
+          <a:lnRef idx="2">
+            <a:schemeClr val="accent1">
+              <a:shade val="50000"/>
+            </a:schemeClr>
+          </a:lnRef>
+          <a:fillRef idx="1">
+            <a:schemeClr val="accent1"/>
+          </a:fillRef>
+          <a:effectRef idx="0">
+            <a:schemeClr val="accent1"/>
+          </a:effectRef>
+          <a:fontRef idx="minor">
+            <a:schemeClr val="lt1"/>
+          </a:fontRef>
+        </p:style>
+        <p:txBody>
+          <a:bodyPr rtlCol="0" anchor="ctr"/>
+          <a:lstStyle/>
+          <a:p>
+            <a:pPr marL="0" marR="0" lvl="0" indent="0" algn="ctr" defTabSz="914400" rtl="0" eaLnBrk="1" fontAlgn="auto" latinLnBrk="0" hangingPunct="1">
+              <a:lnSpc>
+                <a:spcPct val="100000"/>
+              </a:lnSpc>
+              <a:spcBef>
+                <a:spcPts val="0"/>
+              </a:spcBef>
+              <a:spcAft>
+                <a:spcPts val="0"/>
+              </a:spcAft>
+              <a:buClrTx/>
+              <a:buSzTx/>
+              <a:buFontTx/>
+              <a:buNone/>
+              <a:tabLst/>
+              <a:defRPr/>
+            </a:pPr>
+            <a:endParaRPr kumimoji="0" lang="en-US" sz="1800" b="0" i="0" u="none" strike="noStrike" kern="1200" cap="none" spc="0" normalizeH="0" baseline="0" noProof="0">
+              <a:ln>
+                <a:noFill/>
+              </a:ln>
+              <a:solidFill>
+                <a:prstClr val="white"/>
+              </a:solidFill>
+              <a:effectLst/>
+              <a:uLnTx/>
+              <a:uFillTx/>
+              <a:latin typeface="Calibri" panose="020F0502020204030204"/>
+              <a:ea typeface="+mn-ea"/>
+              <a:cs typeface="+mn-cs"/>
+            </a:endParaRPr>
+          </a:p>
+        </p:txBody>
+      </p:sp>
+      <p:sp>
+        <p:nvSpPr>
+          <p:cNvPr id="42" name="Rectangle 28">
+            <a:extLst>
+              <a:ext uri="{FF2B5EF4-FFF2-40B4-BE49-F238E27FC236}">
+                <a16:creationId xmlns:a16="http://schemas.microsoft.com/office/drawing/2014/main" id="{79F3C543-62EC-4433-9C93-A2CD8764E9B4}"/>
+              </a:ext>
+              <a:ext uri="{C183D7F6-B498-43B3-948B-1728B52AA6E4}">
+                <adec:decorative xmlns:adec="http://schemas.microsoft.com/office/drawing/2017/decorative" val="1"/>
+              </a:ext>
+            </a:extLst>
+          </p:cNvPr>
+          <p:cNvSpPr>
+            <a:spLocks noGrp="1" noRot="1" noChangeAspect="1" noMove="1" noResize="1" noEditPoints="1" noAdjustHandles="1" noChangeArrowheads="1" noChangeShapeType="1" noTextEdit="1"/>
+          </p:cNvSpPr>
+          <p:nvPr>
+            <p:extLst>
+              <p:ext uri="{386F3935-93C4-4BCD-93E2-E3B085C9AB24}">
+                <p16:designElem xmlns:p16="http://schemas.microsoft.com/office/powerpoint/2015/main" val="1"/>
+              </p:ext>
+            </p:extLst>
+          </p:nvPr>
+        </p:nvSpPr>
+        <p:spPr>
+          <a:xfrm flipV="1">
+            <a:off x="578652" y="4501201"/>
+            <a:ext cx="11034696" cy="18288"/>
+          </a:xfrm>
+          <a:prstGeom prst="rect">
+            <a:avLst/>
+          </a:prstGeom>
+          <a:solidFill>
+            <a:schemeClr val="tx2">
+              <a:lumMod val="25000"/>
+              <a:lumOff val="75000"/>
+            </a:schemeClr>
+          </a:solidFill>
+          <a:ln w="3175">
+            <a:noFill/>
+          </a:ln>
+          <a:effectLst/>
+        </p:spPr>
+        <p:style>
+          <a:lnRef idx="2">
+            <a:schemeClr val="accent1">
+              <a:shade val="50000"/>
+            </a:schemeClr>
+          </a:lnRef>
+          <a:fillRef idx="1">
+            <a:schemeClr val="accent1"/>
+          </a:fillRef>
+          <a:effectRef idx="0">
+            <a:schemeClr val="accent1"/>
+          </a:effectRef>
+          <a:fontRef idx="minor">
+            <a:schemeClr val="lt1"/>
+          </a:fontRef>
+        </p:style>
+        <p:txBody>
+          <a:bodyPr rtlCol="0" anchor="ctr"/>
+          <a:lstStyle/>
+          <a:p>
+            <a:pPr marL="0" marR="0" lvl="0" indent="0" algn="ctr" defTabSz="914400" rtl="0" eaLnBrk="1" fontAlgn="auto" latinLnBrk="0" hangingPunct="1">
+              <a:lnSpc>
+                <a:spcPct val="100000"/>
+              </a:lnSpc>
+              <a:spcBef>
+                <a:spcPts val="0"/>
+              </a:spcBef>
+              <a:spcAft>
+                <a:spcPts val="0"/>
+              </a:spcAft>
+              <a:buClrTx/>
+              <a:buSzTx/>
+              <a:buFontTx/>
+              <a:buNone/>
+              <a:tabLst/>
+              <a:defRPr/>
+            </a:pPr>
+            <a:endParaRPr kumimoji="0" lang="en-US" sz="1800" b="0" i="0" u="none" strike="noStrike" kern="1200" cap="none" spc="0" normalizeH="0" baseline="0" noProof="0">
+              <a:ln>
+                <a:noFill/>
+              </a:ln>
+              <a:solidFill>
+                <a:prstClr val="white"/>
+              </a:solidFill>
+              <a:effectLst/>
+              <a:uLnTx/>
+              <a:uFillTx/>
+              <a:latin typeface="Calibri" panose="020F0502020204030204"/>
+              <a:ea typeface="+mn-ea"/>
+              <a:cs typeface="+mn-cs"/>
+            </a:endParaRPr>
+          </a:p>
+        </p:txBody>
+      </p:sp>
+      <p:sp useBgFill="1">
+        <p:nvSpPr>
+          <p:cNvPr id="43" name="Rectangle 30">
+            <a:extLst>
+              <a:ext uri="{FF2B5EF4-FFF2-40B4-BE49-F238E27FC236}">
+                <a16:creationId xmlns:a16="http://schemas.microsoft.com/office/drawing/2014/main" id="{68AF5748-FED8-45BA-8631-26D1D10F3246}"/>
+              </a:ext>
+              <a:ext uri="{C183D7F6-B498-43B3-948B-1728B52AA6E4}">
+                <adec:decorative xmlns:adec="http://schemas.microsoft.com/office/drawing/2017/decorative" val="1"/>
+              </a:ext>
+            </a:extLst>
+          </p:cNvPr>
+          <p:cNvSpPr>
+            <a:spLocks noGrp="1" noRot="1" noChangeAspect="1" noMove="1" noResize="1" noEditPoints="1" noAdjustHandles="1" noChangeArrowheads="1" noChangeShapeType="1" noTextEdit="1"/>
+          </p:cNvSpPr>
+          <p:nvPr>
+            <p:extLst>
+              <p:ext uri="{386F3935-93C4-4BCD-93E2-E3B085C9AB24}">
+                <p16:designElem xmlns:p16="http://schemas.microsoft.com/office/powerpoint/2015/main" val="1"/>
+              </p:ext>
+            </p:extLst>
+          </p:nvPr>
+        </p:nvSpPr>
+        <p:spPr>
+          <a:xfrm>
+            <a:off x="0" y="0"/>
+            <a:ext cx="12192000" cy="6858000"/>
+          </a:xfrm>
+          <a:prstGeom prst="rect">
+            <a:avLst/>
+          </a:prstGeom>
+          <a:ln>
+            <a:noFill/>
+          </a:ln>
+        </p:spPr>
+        <p:style>
+          <a:lnRef idx="2">
+            <a:schemeClr val="accent1">
+              <a:shade val="50000"/>
+            </a:schemeClr>
+          </a:lnRef>
+          <a:fillRef idx="1">
+            <a:schemeClr val="accent1"/>
+          </a:fillRef>
+          <a:effectRef idx="0">
+            <a:schemeClr val="accent1"/>
+          </a:effectRef>
+          <a:fontRef idx="minor">
+            <a:schemeClr val="lt1"/>
+          </a:fontRef>
+        </p:style>
+        <p:txBody>
+          <a:bodyPr rtlCol="0" anchor="ctr"/>
+          <a:lstStyle/>
+          <a:p>
+            <a:pPr algn="ctr"/>
+            <a:endParaRPr lang="en-US"/>
+          </a:p>
+        </p:txBody>
+      </p:sp>
+      <p:sp>
+        <p:nvSpPr>
+          <p:cNvPr id="2" name="Title 1">
+            <a:extLst>
+              <a:ext uri="{FF2B5EF4-FFF2-40B4-BE49-F238E27FC236}">
+                <a16:creationId xmlns:a16="http://schemas.microsoft.com/office/drawing/2014/main" id="{54ADA480-6AB0-844F-9E88-B8120036CC75}"/>
+              </a:ext>
+            </a:extLst>
+          </p:cNvPr>
+          <p:cNvSpPr>
+            <a:spLocks noGrp="1"/>
+          </p:cNvSpPr>
+          <p:nvPr>
+            <p:ph type="title"/>
+          </p:nvPr>
+        </p:nvSpPr>
+        <p:spPr>
+          <a:xfrm>
+            <a:off x="477981" y="1122363"/>
+            <a:ext cx="4023360" cy="3204134"/>
+          </a:xfrm>
+        </p:spPr>
+        <p:txBody>
+          <a:bodyPr vert="horz" lIns="91440" tIns="45720" rIns="91440" bIns="45720" rtlCol="0" anchor="b">
+            <a:normAutofit/>
+          </a:bodyPr>
+          <a:lstStyle/>
+          <a:p>
+            <a:r>
+              <a:rPr lang="en-US" sz="3700" b="1" dirty="0"/>
+              <a:t>K-Means (III): </a:t>
+            </a:r>
+            <a:br>
+              <a:rPr lang="en-US" sz="3700" b="1" dirty="0"/>
+            </a:br>
+            <a:r>
+              <a:rPr lang="en-US" sz="3700" dirty="0" err="1"/>
+              <a:t>Barock</a:t>
+            </a:r>
+            <a:r>
+              <a:rPr lang="en-US" sz="3700" dirty="0"/>
+              <a:t>/</a:t>
+            </a:r>
+            <a:r>
+              <a:rPr lang="en-US" sz="3700" dirty="0" err="1"/>
+              <a:t>Realismus</a:t>
+            </a:r>
+            <a:endParaRPr lang="en-US" sz="3700" dirty="0"/>
+          </a:p>
+        </p:txBody>
+      </p:sp>
+      <p:sp>
+        <p:nvSpPr>
+          <p:cNvPr id="44" name="Rectangle 32">
+            <a:extLst>
+              <a:ext uri="{FF2B5EF4-FFF2-40B4-BE49-F238E27FC236}">
+                <a16:creationId xmlns:a16="http://schemas.microsoft.com/office/drawing/2014/main" id="{AF2F604E-43BE-4DC3-B983-E071523364F8}"/>
+              </a:ext>
+              <a:ext uri="{C183D7F6-B498-43B3-948B-1728B52AA6E4}">
+                <adec:decorative xmlns:adec="http://schemas.microsoft.com/office/drawing/2017/decorative" val="1"/>
+              </a:ext>
+            </a:extLst>
+          </p:cNvPr>
+          <p:cNvSpPr>
+            <a:spLocks noGrp="1" noRot="1" noChangeAspect="1" noMove="1" noResize="1" noEditPoints="1" noAdjustHandles="1" noChangeArrowheads="1" noChangeShapeType="1" noTextEdit="1"/>
+          </p:cNvSpPr>
+          <p:nvPr>
+            <p:extLst>
+              <p:ext uri="{386F3935-93C4-4BCD-93E2-E3B085C9AB24}">
+                <p16:designElem xmlns:p16="http://schemas.microsoft.com/office/powerpoint/2015/main" val="1"/>
+              </p:ext>
+            </p:extLst>
+          </p:nvPr>
+        </p:nvSpPr>
+        <p:spPr>
+          <a:xfrm rot="5400000">
+            <a:off x="759921" y="346791"/>
+            <a:ext cx="146304" cy="704088"/>
+          </a:xfrm>
+          <a:prstGeom prst="rect">
+            <a:avLst/>
+          </a:prstGeom>
+          <a:solidFill>
+            <a:schemeClr val="accent1"/>
+          </a:solidFill>
+          <a:ln>
+            <a:noFill/>
+          </a:ln>
+        </p:spPr>
+        <p:style>
+          <a:lnRef idx="2">
+            <a:schemeClr val="accent1">
+              <a:shade val="50000"/>
+            </a:schemeClr>
+          </a:lnRef>
+          <a:fillRef idx="1">
+            <a:schemeClr val="accent1"/>
+          </a:fillRef>
+          <a:effectRef idx="0">
+            <a:schemeClr val="accent1"/>
+          </a:effectRef>
+          <a:fontRef idx="minor">
+            <a:schemeClr val="lt1"/>
+          </a:fontRef>
+        </p:style>
+        <p:txBody>
+          <a:bodyPr rtlCol="0" anchor="ctr"/>
+          <a:lstStyle/>
+          <a:p>
+            <a:pPr marL="0" marR="0" lvl="0" indent="0" algn="ctr" defTabSz="914400" rtl="0" eaLnBrk="1" fontAlgn="auto" latinLnBrk="0" hangingPunct="1">
+              <a:lnSpc>
+                <a:spcPct val="100000"/>
+              </a:lnSpc>
+              <a:spcBef>
+                <a:spcPts val="0"/>
+              </a:spcBef>
+              <a:spcAft>
+                <a:spcPts val="0"/>
+              </a:spcAft>
+              <a:buClrTx/>
+              <a:buSzTx/>
+              <a:buFontTx/>
+              <a:buNone/>
+              <a:tabLst/>
+              <a:defRPr/>
+            </a:pPr>
+            <a:endParaRPr kumimoji="0" lang="en-US" sz="1800" b="0" i="0" u="none" strike="noStrike" kern="1200" cap="none" spc="0" normalizeH="0" baseline="0" noProof="0">
+              <a:ln>
+                <a:noFill/>
+              </a:ln>
+              <a:solidFill>
+                <a:prstClr val="white"/>
+              </a:solidFill>
+              <a:effectLst/>
+              <a:uLnTx/>
+              <a:uFillTx/>
+              <a:latin typeface="Calibri" panose="020F0502020204030204"/>
+              <a:ea typeface="+mn-ea"/>
+              <a:cs typeface="+mn-cs"/>
+            </a:endParaRPr>
+          </a:p>
+        </p:txBody>
+      </p:sp>
+      <p:sp>
+        <p:nvSpPr>
+          <p:cNvPr id="45" name="Rectangle 34">
+            <a:extLst>
+              <a:ext uri="{FF2B5EF4-FFF2-40B4-BE49-F238E27FC236}">
+                <a16:creationId xmlns:a16="http://schemas.microsoft.com/office/drawing/2014/main" id="{08C9B587-E65E-4B52-B37C-ABEBB6E87928}"/>
+              </a:ext>
+              <a:ext uri="{C183D7F6-B498-43B3-948B-1728B52AA6E4}">
+                <adec:decorative xmlns:adec="http://schemas.microsoft.com/office/drawing/2017/decorative" val="1"/>
+              </a:ext>
+            </a:extLst>
+          </p:cNvPr>
+          <p:cNvSpPr>
+            <a:spLocks noGrp="1" noRot="1" noChangeAspect="1" noMove="1" noResize="1" noEditPoints="1" noAdjustHandles="1" noChangeArrowheads="1" noChangeShapeType="1" noTextEdit="1"/>
+          </p:cNvSpPr>
+          <p:nvPr>
+            <p:extLst>
+              <p:ext uri="{386F3935-93C4-4BCD-93E2-E3B085C9AB24}">
+                <p16:designElem xmlns:p16="http://schemas.microsoft.com/office/powerpoint/2015/main" val="1"/>
+              </p:ext>
+            </p:extLst>
+          </p:nvPr>
+        </p:nvSpPr>
+        <p:spPr>
+          <a:xfrm>
+            <a:off x="481029" y="4546920"/>
+            <a:ext cx="4023360" cy="18288"/>
+          </a:xfrm>
+          <a:prstGeom prst="rect">
+            <a:avLst/>
+          </a:prstGeom>
+          <a:solidFill>
+            <a:schemeClr val="tx2">
+              <a:lumMod val="25000"/>
+              <a:lumOff val="75000"/>
+            </a:schemeClr>
+          </a:solidFill>
+          <a:ln w="3175">
+            <a:noFill/>
+          </a:ln>
+          <a:effectLst/>
+        </p:spPr>
+        <p:style>
+          <a:lnRef idx="2">
+            <a:schemeClr val="accent1">
+              <a:shade val="50000"/>
+            </a:schemeClr>
+          </a:lnRef>
+          <a:fillRef idx="1">
+            <a:schemeClr val="accent1"/>
+          </a:fillRef>
+          <a:effectRef idx="0">
+            <a:schemeClr val="accent1"/>
+          </a:effectRef>
+          <a:fontRef idx="minor">
+            <a:schemeClr val="lt1"/>
+          </a:fontRef>
+        </p:style>
+        <p:txBody>
+          <a:bodyPr rtlCol="0" anchor="ctr"/>
+          <a:lstStyle/>
+          <a:p>
+            <a:pPr marL="0" marR="0" lvl="0" indent="0" algn="ctr" defTabSz="914400" rtl="0" eaLnBrk="1" fontAlgn="auto" latinLnBrk="0" hangingPunct="1">
+              <a:lnSpc>
+                <a:spcPct val="100000"/>
+              </a:lnSpc>
+              <a:spcBef>
+                <a:spcPts val="0"/>
+              </a:spcBef>
+              <a:spcAft>
+                <a:spcPts val="0"/>
+              </a:spcAft>
+              <a:buClrTx/>
+              <a:buSzTx/>
+              <a:buFontTx/>
+              <a:buNone/>
+              <a:tabLst/>
+              <a:defRPr/>
+            </a:pPr>
+            <a:endParaRPr kumimoji="0" lang="en-US" sz="1800" b="0" i="0" u="none" strike="noStrike" kern="1200" cap="none" spc="0" normalizeH="0" baseline="0" noProof="0">
+              <a:ln>
+                <a:noFill/>
+              </a:ln>
+              <a:solidFill>
+                <a:prstClr val="white"/>
+              </a:solidFill>
+              <a:effectLst/>
+              <a:uLnTx/>
+              <a:uFillTx/>
+              <a:latin typeface="Calibri" panose="020F0502020204030204"/>
+              <a:ea typeface="+mn-ea"/>
+              <a:cs typeface="+mn-cs"/>
+            </a:endParaRPr>
+          </a:p>
+        </p:txBody>
+      </p:sp>
+      <p:pic>
+        <p:nvPicPr>
+          <p:cNvPr id="5" name="Content Placeholder 4" descr="A screenshot of a cell phone&#10;&#10;Description automatically generated">
+            <a:extLst>
+              <a:ext uri="{FF2B5EF4-FFF2-40B4-BE49-F238E27FC236}">
+                <a16:creationId xmlns:a16="http://schemas.microsoft.com/office/drawing/2014/main" id="{3064F7C2-C534-6E4E-A480-2CBF93F3C735}"/>
+              </a:ext>
+            </a:extLst>
+          </p:cNvPr>
+          <p:cNvPicPr>
+            <a:picLocks noGrp="1" noChangeAspect="1"/>
+          </p:cNvPicPr>
+          <p:nvPr>
+            <p:ph idx="1"/>
+          </p:nvPr>
+        </p:nvPicPr>
+        <p:blipFill rotWithShape="1">
+          <a:blip r:embed="rId2"/>
+          <a:srcRect l="10299" t="6822" r="9887" b="8902"/>
+          <a:stretch/>
+        </p:blipFill>
+        <p:spPr>
+          <a:xfrm>
+            <a:off x="4979322" y="843726"/>
+            <a:ext cx="7122605" cy="5170548"/>
+          </a:xfrm>
+          <a:prstGeom prst="rect">
+            <a:avLst/>
+          </a:prstGeom>
+        </p:spPr>
+      </p:pic>
+      <p:sp>
+        <p:nvSpPr>
+          <p:cNvPr id="6" name="TextBox 5">
+            <a:extLst>
+              <a:ext uri="{FF2B5EF4-FFF2-40B4-BE49-F238E27FC236}">
+                <a16:creationId xmlns:a16="http://schemas.microsoft.com/office/drawing/2014/main" id="{90F669C5-0123-2348-A259-7BE0C33F2448}"/>
+              </a:ext>
+            </a:extLst>
+          </p:cNvPr>
+          <p:cNvSpPr txBox="1"/>
+          <p:nvPr/>
+        </p:nvSpPr>
+        <p:spPr>
+          <a:xfrm>
+            <a:off x="578652" y="4814888"/>
+            <a:ext cx="3736173" cy="830997"/>
+          </a:xfrm>
+          <a:prstGeom prst="rect">
+            <a:avLst/>
+          </a:prstGeom>
+          <a:noFill/>
+        </p:spPr>
+        <p:txBody>
+          <a:bodyPr wrap="square" rtlCol="0">
+            <a:spAutoFit/>
+          </a:bodyPr>
+          <a:lstStyle/>
+          <a:p>
+            <a:r>
+              <a:rPr lang="de-DE" sz="2400" dirty="0"/>
+              <a:t>Dichter Barock: </a:t>
+            </a:r>
+            <a:r>
+              <a:rPr lang="de-DE" sz="2400"/>
+              <a:t>	36</a:t>
+            </a:r>
+            <a:endParaRPr lang="de-DE" sz="2400" dirty="0"/>
+          </a:p>
+          <a:p>
+            <a:r>
+              <a:rPr lang="de-DE" sz="2400" dirty="0"/>
+              <a:t>Dichter Realismus:  	69</a:t>
+            </a:r>
+          </a:p>
+        </p:txBody>
+      </p:sp>
+    </p:spTree>
+    <p:extLst>
+      <p:ext uri="{BB962C8B-B14F-4D97-AF65-F5344CB8AC3E}">
+        <p14:creationId xmlns:p14="http://schemas.microsoft.com/office/powerpoint/2010/main" val="4225638501"/>
+      </p:ext>
+    </p:extLst>
+  </p:cSld>
+  <p:clrMapOvr>
+    <a:masterClrMapping/>
+  </p:clrMapOvr>
+</p:sld>
+</file>
+
+<file path=ppt/slides/slide26.xml><?xml version="1.0" encoding="utf-8"?>
+<p:sld xmlns:a="http://schemas.openxmlformats.org/drawingml/2006/main" xmlns:r="http://schemas.openxmlformats.org/officeDocument/2006/relationships" xmlns:p="http://schemas.openxmlformats.org/presentationml/2006/main" show="0">
+  <p:cSld>
+    <p:spTree>
+      <p:nvGrpSpPr>
+        <p:cNvPr id="1" name=""/>
+        <p:cNvGrpSpPr/>
+        <p:nvPr/>
+      </p:nvGrpSpPr>
+      <p:grpSpPr>
+        <a:xfrm>
+          <a:off x="0" y="0"/>
+          <a:ext cx="0" cy="0"/>
+          <a:chOff x="0" y="0"/>
+          <a:chExt cx="0" cy="0"/>
+        </a:xfrm>
+      </p:grpSpPr>
+      <p:sp>
+        <p:nvSpPr>
+          <p:cNvPr id="2" name="Title 1">
+            <a:extLst>
+              <a:ext uri="{FF2B5EF4-FFF2-40B4-BE49-F238E27FC236}">
+                <a16:creationId xmlns:a16="http://schemas.microsoft.com/office/drawing/2014/main" id="{78F2E4E8-04EB-0142-91AE-BC0C88F0C119}"/>
+              </a:ext>
+            </a:extLst>
+          </p:cNvPr>
+          <p:cNvSpPr>
+            <a:spLocks noGrp="1"/>
+          </p:cNvSpPr>
+          <p:nvPr>
+            <p:ph type="title"/>
+          </p:nvPr>
+        </p:nvSpPr>
+        <p:spPr/>
+        <p:txBody>
+          <a:bodyPr/>
+          <a:lstStyle/>
+          <a:p>
+            <a:r>
+              <a:rPr lang="de-DE" sz="4800" b="1" dirty="0"/>
+              <a:t>4.2.  Noise Entfernung mit</a:t>
+            </a:r>
+            <a:br>
+              <a:rPr lang="de-DE" sz="4800" b="1" dirty="0"/>
+            </a:br>
+            <a:r>
+              <a:rPr lang="de-DE" sz="4800" b="1" dirty="0"/>
+              <a:t>	    </a:t>
+            </a:r>
+            <a:r>
+              <a:rPr lang="de-DE" sz="4800" b="1" dirty="0" err="1"/>
+              <a:t>Agglomerativem</a:t>
+            </a:r>
+            <a:r>
+              <a:rPr lang="de-DE" sz="4800" b="1" dirty="0"/>
+              <a:t> Clustering </a:t>
+            </a:r>
+          </a:p>
+        </p:txBody>
+      </p:sp>
+    </p:spTree>
+    <p:extLst>
+      <p:ext uri="{BB962C8B-B14F-4D97-AF65-F5344CB8AC3E}">
+        <p14:creationId xmlns:p14="http://schemas.microsoft.com/office/powerpoint/2010/main" val="2441517117"/>
+      </p:ext>
+    </p:extLst>
+  </p:cSld>
+  <p:clrMapOvr>
+    <a:masterClrMapping/>
+  </p:clrMapOvr>
+</p:sld>
+</file>
+
+<file path=ppt/slides/slide27.xml><?xml version="1.0" encoding="utf-8"?>
+<p:sld xmlns:a="http://schemas.openxmlformats.org/drawingml/2006/main" xmlns:r="http://schemas.openxmlformats.org/officeDocument/2006/relationships" xmlns:p="http://schemas.openxmlformats.org/presentationml/2006/main" show="0">
+  <p:cSld>
+    <p:bg>
+      <p:bgPr>
+        <a:solidFill>
+          <a:schemeClr val="bg1"/>
+        </a:solidFill>
+        <a:effectLst/>
+      </p:bgPr>
+    </p:bg>
+    <p:spTree>
+      <p:nvGrpSpPr>
+        <p:cNvPr id="1" name=""/>
+        <p:cNvGrpSpPr/>
+        <p:nvPr/>
+      </p:nvGrpSpPr>
+      <p:grpSpPr>
+        <a:xfrm>
+          <a:off x="0" y="0"/>
+          <a:ext cx="0" cy="0"/>
+          <a:chOff x="0" y="0"/>
+          <a:chExt cx="0" cy="0"/>
+        </a:xfrm>
+      </p:grpSpPr>
       <p:sp>
         <p:nvSpPr>
           <p:cNvPr id="3" name="Title 2">
@@ -13991,7 +15719,7 @@
 </p:sld>
 </file>
 
-<file path=ppt/slides/slide25.xml><?xml version="1.0" encoding="utf-8"?>
+<file path=ppt/slides/slide28.xml><?xml version="1.0" encoding="utf-8"?>
 <p:sld xmlns:a="http://schemas.openxmlformats.org/drawingml/2006/main" xmlns:r="http://schemas.openxmlformats.org/officeDocument/2006/relationships" xmlns:p="http://schemas.openxmlformats.org/presentationml/2006/main">
   <p:cSld>
     <p:spTree>
@@ -14062,7 +15790,9 @@
         </p:nvSpPr>
         <p:spPr/>
         <p:txBody>
-          <a:bodyPr/>
+          <a:bodyPr>
+            <a:normAutofit lnSpcReduction="10000"/>
+          </a:bodyPr>
           <a:lstStyle/>
           <a:p>
             <a:r>
@@ -14112,6 +15842,14 @@
                 <a:sym typeface="Wingdings" pitchFamily="2" charset="2"/>
               </a:rPr>
               <a:t> lassen)</a:t>
+            </a:r>
+          </a:p>
+          <a:p>
+            <a:r>
+              <a:rPr lang="de-DE" dirty="0">
+                <a:sym typeface="Wingdings" pitchFamily="2" charset="2"/>
+              </a:rPr>
+              <a:t>Korpus normalisieren und Experimente durchführen</a:t>
             </a:r>
             <a:endParaRPr lang="de-DE" dirty="0"/>
           </a:p>
@@ -14130,7 +15868,7 @@
 </p:sld>
 </file>
 
-<file path=ppt/slides/slide26.xml><?xml version="1.0" encoding="utf-8"?>
+<file path=ppt/slides/slide29.xml><?xml version="1.0" encoding="utf-8"?>
 <p:sld xmlns:a="http://schemas.openxmlformats.org/drawingml/2006/main" xmlns:r="http://schemas.openxmlformats.org/officeDocument/2006/relationships" xmlns:p="http://schemas.openxmlformats.org/presentationml/2006/main" show="0">
   <p:cSld>
     <p:spTree>
@@ -15300,64 +17038,6 @@
 </p:sld>
 </file>
 
-<file path=ppt/slides/slide27.xml><?xml version="1.0" encoding="utf-8"?>
-<p:sld xmlns:a="http://schemas.openxmlformats.org/drawingml/2006/main" xmlns:r="http://schemas.openxmlformats.org/officeDocument/2006/relationships" xmlns:p="http://schemas.openxmlformats.org/presentationml/2006/main">
-  <p:cSld>
-    <p:spTree>
-      <p:nvGrpSpPr>
-        <p:cNvPr id="1" name=""/>
-        <p:cNvGrpSpPr/>
-        <p:nvPr/>
-      </p:nvGrpSpPr>
-      <p:grpSpPr>
-        <a:xfrm>
-          <a:off x="0" y="0"/>
-          <a:ext cx="0" cy="0"/>
-          <a:chOff x="0" y="0"/>
-          <a:chExt cx="0" cy="0"/>
-        </a:xfrm>
-      </p:grpSpPr>
-      <p:sp>
-        <p:nvSpPr>
-          <p:cNvPr id="2" name="Title 1">
-            <a:extLst>
-              <a:ext uri="{FF2B5EF4-FFF2-40B4-BE49-F238E27FC236}">
-                <a16:creationId xmlns:a16="http://schemas.microsoft.com/office/drawing/2014/main" id="{78F2E4E8-04EB-0142-91AE-BC0C88F0C119}"/>
-              </a:ext>
-            </a:extLst>
-          </p:cNvPr>
-          <p:cNvSpPr>
-            <a:spLocks noGrp="1"/>
-          </p:cNvSpPr>
-          <p:nvPr>
-            <p:ph type="title"/>
-          </p:nvPr>
-        </p:nvSpPr>
-        <p:spPr/>
-        <p:txBody>
-          <a:bodyPr/>
-          <a:lstStyle/>
-          <a:p>
-            <a:r>
-              <a:rPr lang="de-DE" b="1" dirty="0"/>
-              <a:t>5.  Schlussbetrachtung</a:t>
-            </a:r>
-          </a:p>
-        </p:txBody>
-      </p:sp>
-    </p:spTree>
-    <p:extLst>
-      <p:ext uri="{BB962C8B-B14F-4D97-AF65-F5344CB8AC3E}">
-        <p14:creationId xmlns:p14="http://schemas.microsoft.com/office/powerpoint/2010/main" val="4052262941"/>
-      </p:ext>
-    </p:extLst>
-  </p:cSld>
-  <p:clrMapOvr>
-    <a:masterClrMapping/>
-  </p:clrMapOvr>
-</p:sld>
-</file>
-
 <file path=ppt/slides/slide3.xml><?xml version="1.0" encoding="utf-8"?>
 <p:sld xmlns:a="http://schemas.openxmlformats.org/drawingml/2006/main" xmlns:r="http://schemas.openxmlformats.org/officeDocument/2006/relationships" xmlns:p="http://schemas.openxmlformats.org/presentationml/2006/main">
   <p:cSld>
@@ -15412,6 +17092,64 @@
     <p:extLst>
       <p:ext uri="{BB962C8B-B14F-4D97-AF65-F5344CB8AC3E}">
         <p14:creationId xmlns:p14="http://schemas.microsoft.com/office/powerpoint/2010/main" val="835330337"/>
+      </p:ext>
+    </p:extLst>
+  </p:cSld>
+  <p:clrMapOvr>
+    <a:masterClrMapping/>
+  </p:clrMapOvr>
+</p:sld>
+</file>
+
+<file path=ppt/slides/slide30.xml><?xml version="1.0" encoding="utf-8"?>
+<p:sld xmlns:a="http://schemas.openxmlformats.org/drawingml/2006/main" xmlns:r="http://schemas.openxmlformats.org/officeDocument/2006/relationships" xmlns:p="http://schemas.openxmlformats.org/presentationml/2006/main">
+  <p:cSld>
+    <p:spTree>
+      <p:nvGrpSpPr>
+        <p:cNvPr id="1" name=""/>
+        <p:cNvGrpSpPr/>
+        <p:nvPr/>
+      </p:nvGrpSpPr>
+      <p:grpSpPr>
+        <a:xfrm>
+          <a:off x="0" y="0"/>
+          <a:ext cx="0" cy="0"/>
+          <a:chOff x="0" y="0"/>
+          <a:chExt cx="0" cy="0"/>
+        </a:xfrm>
+      </p:grpSpPr>
+      <p:sp>
+        <p:nvSpPr>
+          <p:cNvPr id="2" name="Title 1">
+            <a:extLst>
+              <a:ext uri="{FF2B5EF4-FFF2-40B4-BE49-F238E27FC236}">
+                <a16:creationId xmlns:a16="http://schemas.microsoft.com/office/drawing/2014/main" id="{78F2E4E8-04EB-0142-91AE-BC0C88F0C119}"/>
+              </a:ext>
+            </a:extLst>
+          </p:cNvPr>
+          <p:cNvSpPr>
+            <a:spLocks noGrp="1"/>
+          </p:cNvSpPr>
+          <p:nvPr>
+            <p:ph type="title"/>
+          </p:nvPr>
+        </p:nvSpPr>
+        <p:spPr/>
+        <p:txBody>
+          <a:bodyPr/>
+          <a:lstStyle/>
+          <a:p>
+            <a:r>
+              <a:rPr lang="de-DE" b="1" dirty="0"/>
+              <a:t>5.  Schlussbetrachtung</a:t>
+            </a:r>
+          </a:p>
+        </p:txBody>
+      </p:sp>
+    </p:spTree>
+    <p:extLst>
+      <p:ext uri="{BB962C8B-B14F-4D97-AF65-F5344CB8AC3E}">
+        <p14:creationId xmlns:p14="http://schemas.microsoft.com/office/powerpoint/2010/main" val="4052262941"/>
       </p:ext>
     </p:extLst>
   </p:cSld>
